--- a/Courses/Software-Sciences/Module-3-Databases-New/08-Relationships-and-ER-Diagrams/08-Relationships-ER-Diagrams.pptx
+++ b/Courses/Software-Sciences/Module-3-Databases-New/08-Relationships-and-ER-Diagrams/08-Relationships-ER-Diagrams.pptx
@@ -538,7 +538,7 @@
           <a:p>
             <a:fld id="{4E087215-0C8F-4762-A664-737A353EC9A4}" type="datetimeFigureOut">
               <a:rPr lang="bg-BG" smtClean="0"/>
-              <a:t>27.11.2023 г.</a:t>
+              <a:t>17.07.24 г.</a:t>
             </a:fld>
             <a:endParaRPr lang="bg-BG"/>
           </a:p>
@@ -734,7 +734,7 @@
           <a:p>
             <a:fld id="{72D84649-876A-46C9-8472-14CB09C070D8}" type="datetimeFigureOut">
               <a:rPr lang="en-US" smtClean="0"/>
-              <a:t>11/27/2023</a:t>
+              <a:t>7/17/24</a:t>
             </a:fld>
             <a:endParaRPr lang="en-US"/>
           </a:p>
@@ -9105,13 +9105,7 @@
               </a:lnSpc>
             </a:pPr>
             <a:r>
-              <a:rPr lang="bg-BG" dirty="0">
-                <a:solidFill>
-                  <a:schemeClr val="tx2">
-                    <a:lumMod val="75000"/>
-                  </a:schemeClr>
-                </a:solidFill>
-              </a:rPr>
+              <a:rPr lang="bg-BG" dirty="0"/>
               <a:t>Ограничение за </a:t>
             </a:r>
             <a:r>
@@ -9133,20 +9127,10 @@
               <a:t> </a:t>
             </a:r>
             <a:r>
-              <a:rPr lang="en-US" dirty="0">
-                <a:solidFill>
-                  <a:schemeClr val="tx2">
-                    <a:lumMod val="75000"/>
-                  </a:schemeClr>
-                </a:solidFill>
-              </a:rPr>
+              <a:rPr lang="en-US" dirty="0"/>
               <a:t>(primary key constraint)</a:t>
             </a:r>
-            <a:endParaRPr lang="bg-BG" b="1" dirty="0">
-              <a:solidFill>
-                <a:schemeClr val="bg1"/>
-              </a:solidFill>
-            </a:endParaRPr>
+            <a:endParaRPr lang="bg-BG" b="1" dirty="0"/>
           </a:p>
           <a:p>
             <a:pPr lvl="1">
@@ -9210,17 +9194,7 @@
             </a:r>
             <a:r>
               <a:rPr lang="en-US" dirty="0"/>
-              <a:t> </a:t>
-            </a:r>
-            <a:r>
-              <a:rPr lang="en-US" dirty="0">
-                <a:solidFill>
-                  <a:schemeClr val="tx2">
-                    <a:lumMod val="75000"/>
-                  </a:schemeClr>
-                </a:solidFill>
-              </a:rPr>
-              <a:t>(unique key constraint)</a:t>
+              <a:t> (unique key constraint)</a:t>
             </a:r>
             <a:endParaRPr lang="bg-BG" dirty="0"/>
           </a:p>
@@ -9244,7 +9218,7 @@
             </a:r>
             <a:r>
               <a:rPr lang="ru-RU" dirty="0"/>
-              <a:t> колона (или група от колони) са </a:t>
+              <a:t> колона са </a:t>
             </a:r>
             <a:r>
               <a:rPr lang="ru-RU" b="1" dirty="0">
@@ -9378,6 +9352,55 @@
                                         <p:tgtEl>
                                           <p:spTgt spid="498691">
                                             <p:txEl>
+                                              <p:pRg st="1" end="1"/>
+                                            </p:txEl>
+                                          </p:spTgt>
+                                        </p:tgtEl>
+                                        <p:attrNameLst>
+                                          <p:attrName>style.visibility</p:attrName>
+                                        </p:attrNameLst>
+                                      </p:cBhvr>
+                                      <p:to>
+                                        <p:strVal val="visible"/>
+                                      </p:to>
+                                    </p:set>
+                                  </p:childTnLst>
+                                </p:cTn>
+                              </p:par>
+                            </p:childTnLst>
+                          </p:cTn>
+                        </p:par>
+                      </p:childTnLst>
+                    </p:cTn>
+                  </p:par>
+                  <p:par>
+                    <p:cTn id="7" fill="hold">
+                      <p:stCondLst>
+                        <p:cond delay="indefinite"/>
+                      </p:stCondLst>
+                      <p:childTnLst>
+                        <p:par>
+                          <p:cTn id="8" fill="hold">
+                            <p:stCondLst>
+                              <p:cond delay="0"/>
+                            </p:stCondLst>
+                            <p:childTnLst>
+                              <p:par>
+                                <p:cTn id="9" presetID="1" presetClass="entr" presetSubtype="0" fill="hold" nodeType="clickEffect">
+                                  <p:stCondLst>
+                                    <p:cond delay="0"/>
+                                  </p:stCondLst>
+                                  <p:childTnLst>
+                                    <p:set>
+                                      <p:cBhvr>
+                                        <p:cTn id="10" dur="1" fill="hold">
+                                          <p:stCondLst>
+                                            <p:cond delay="0"/>
+                                          </p:stCondLst>
+                                        </p:cTn>
+                                        <p:tgtEl>
+                                          <p:spTgt spid="498691">
+                                            <p:txEl>
                                               <p:pRg st="2" end="2"/>
                                             </p:txEl>
                                           </p:spTgt>
@@ -9393,15 +9416,33 @@
                                   </p:childTnLst>
                                 </p:cTn>
                               </p:par>
+                            </p:childTnLst>
+                          </p:cTn>
+                        </p:par>
+                      </p:childTnLst>
+                    </p:cTn>
+                  </p:par>
+                  <p:par>
+                    <p:cTn id="11" fill="hold">
+                      <p:stCondLst>
+                        <p:cond delay="indefinite"/>
+                      </p:stCondLst>
+                      <p:childTnLst>
+                        <p:par>
+                          <p:cTn id="12" fill="hold">
+                            <p:stCondLst>
+                              <p:cond delay="0"/>
+                            </p:stCondLst>
+                            <p:childTnLst>
                               <p:par>
-                                <p:cTn id="7" presetID="1" presetClass="entr" presetSubtype="0" fill="hold" nodeType="withEffect">
+                                <p:cTn id="13" presetID="1" presetClass="entr" presetSubtype="0" fill="hold" nodeType="clickEffect">
                                   <p:stCondLst>
                                     <p:cond delay="0"/>
                                   </p:stCondLst>
                                   <p:childTnLst>
                                     <p:set>
                                       <p:cBhvr>
-                                        <p:cTn id="8" dur="1" fill="hold">
+                                        <p:cTn id="14" dur="1" fill="hold">
                                           <p:stCondLst>
                                             <p:cond delay="0"/>
                                           </p:stCondLst>
@@ -9431,26 +9472,26 @@
                     </p:cTn>
                   </p:par>
                   <p:par>
-                    <p:cTn id="9" fill="hold">
+                    <p:cTn id="15" fill="hold">
                       <p:stCondLst>
                         <p:cond delay="indefinite"/>
                       </p:stCondLst>
                       <p:childTnLst>
                         <p:par>
-                          <p:cTn id="10" fill="hold">
+                          <p:cTn id="16" fill="hold">
                             <p:stCondLst>
                               <p:cond delay="0"/>
                             </p:stCondLst>
                             <p:childTnLst>
                               <p:par>
-                                <p:cTn id="11" presetID="1" presetClass="entr" presetSubtype="0" fill="hold" nodeType="clickEffect">
+                                <p:cTn id="17" presetID="1" presetClass="entr" presetSubtype="0" fill="hold" nodeType="clickEffect">
                                   <p:stCondLst>
                                     <p:cond delay="0"/>
                                   </p:stCondLst>
                                   <p:childTnLst>
                                     <p:set>
                                       <p:cBhvr>
-                                        <p:cTn id="12" dur="1" fill="hold">
+                                        <p:cTn id="18" dur="1" fill="hold">
                                           <p:stCondLst>
                                             <p:cond delay="0"/>
                                           </p:stCondLst>
@@ -9473,15 +9514,33 @@
                                   </p:childTnLst>
                                 </p:cTn>
                               </p:par>
+                            </p:childTnLst>
+                          </p:cTn>
+                        </p:par>
+                      </p:childTnLst>
+                    </p:cTn>
+                  </p:par>
+                  <p:par>
+                    <p:cTn id="19" fill="hold">
+                      <p:stCondLst>
+                        <p:cond delay="indefinite"/>
+                      </p:stCondLst>
+                      <p:childTnLst>
+                        <p:par>
+                          <p:cTn id="20" fill="hold">
+                            <p:stCondLst>
+                              <p:cond delay="0"/>
+                            </p:stCondLst>
+                            <p:childTnLst>
                               <p:par>
-                                <p:cTn id="13" presetID="1" presetClass="entr" presetSubtype="0" fill="hold" nodeType="withEffect">
+                                <p:cTn id="21" presetID="1" presetClass="entr" presetSubtype="0" fill="hold" nodeType="clickEffect">
                                   <p:stCondLst>
                                     <p:cond delay="0"/>
                                   </p:stCondLst>
                                   <p:childTnLst>
                                     <p:set>
                                       <p:cBhvr>
-                                        <p:cTn id="14" dur="1" fill="hold">
+                                        <p:cTn id="22" dur="1" fill="hold">
                                           <p:stCondLst>
                                             <p:cond delay="0"/>
                                           </p:stCondLst>
@@ -9581,6 +9640,10 @@
               </a:lnSpc>
             </a:pPr>
             <a:r>
+              <a:rPr lang="bg-BG" dirty="0"/>
+              <a:t>Ограничение за</a:t>
+            </a:r>
+            <a:r>
               <a:rPr lang="bg-BG" dirty="0">
                 <a:solidFill>
                   <a:schemeClr val="tx2">
@@ -9588,7 +9651,7 @@
                   </a:schemeClr>
                 </a:solidFill>
               </a:rPr>
-              <a:t>Ограничение за </a:t>
+              <a:t> </a:t>
             </a:r>
             <a:r>
               <a:rPr lang="bg-BG" b="1" dirty="0">
@@ -9607,20 +9670,10 @@
               <a:t> </a:t>
             </a:r>
             <a:r>
-              <a:rPr lang="en-US" dirty="0">
-                <a:solidFill>
-                  <a:schemeClr val="tx2">
-                    <a:lumMod val="75000"/>
-                  </a:schemeClr>
-                </a:solidFill>
-              </a:rPr>
+              <a:rPr lang="en-US" dirty="0"/>
               <a:t>(foreign key constraint)</a:t>
             </a:r>
-            <a:endParaRPr lang="bg-BG" b="1" dirty="0">
-              <a:solidFill>
-                <a:schemeClr val="bg1"/>
-              </a:solidFill>
-            </a:endParaRPr>
+            <a:endParaRPr lang="bg-BG" b="1" dirty="0"/>
           </a:p>
           <a:p>
             <a:pPr lvl="1"/>
@@ -9670,32 +9723,14 @@
               <a:t> </a:t>
             </a:r>
             <a:r>
-              <a:rPr lang="bg-BG" dirty="0">
-                <a:solidFill>
-                  <a:schemeClr val="tx2">
-                    <a:lumMod val="75000"/>
-                  </a:schemeClr>
-                </a:solidFill>
-              </a:rPr>
+              <a:rPr lang="bg-BG" dirty="0"/>
               <a:t>ограничение</a:t>
             </a:r>
             <a:r>
-              <a:rPr lang="en-US" dirty="0">
-                <a:solidFill>
-                  <a:schemeClr val="tx2">
-                    <a:lumMod val="75000"/>
-                  </a:schemeClr>
-                </a:solidFill>
-              </a:rPr>
+              <a:rPr lang="en-US" dirty="0"/>
               <a:t> (check constraint)</a:t>
             </a:r>
-            <a:endParaRPr lang="bg-BG" dirty="0">
-              <a:solidFill>
-                <a:schemeClr val="tx2">
-                  <a:lumMod val="75000"/>
-                </a:schemeClr>
-              </a:solidFill>
-            </a:endParaRPr>
+            <a:endParaRPr lang="bg-BG" dirty="0"/>
           </a:p>
           <a:p>
             <a:pPr lvl="1"/>
@@ -9981,38 +10016,7 @@
                                         <p:tgtEl>
                                           <p:spTgt spid="499715">
                                             <p:txEl>
-                                              <p:pRg st="2" end="2"/>
-                                            </p:txEl>
-                                          </p:spTgt>
-                                        </p:tgtEl>
-                                        <p:attrNameLst>
-                                          <p:attrName>style.visibility</p:attrName>
-                                        </p:attrNameLst>
-                                      </p:cBhvr>
-                                      <p:to>
-                                        <p:strVal val="visible"/>
-                                      </p:to>
-                                    </p:set>
-                                  </p:childTnLst>
-                                </p:cTn>
-                              </p:par>
-                              <p:par>
-                                <p:cTn id="7" presetID="1" presetClass="entr" presetSubtype="0" fill="hold" nodeType="withEffect">
-                                  <p:stCondLst>
-                                    <p:cond delay="0"/>
-                                  </p:stCondLst>
-                                  <p:childTnLst>
-                                    <p:set>
-                                      <p:cBhvr>
-                                        <p:cTn id="8" dur="1" fill="hold">
-                                          <p:stCondLst>
-                                            <p:cond delay="0"/>
-                                          </p:stCondLst>
-                                        </p:cTn>
-                                        <p:tgtEl>
-                                          <p:spTgt spid="499715">
-                                            <p:txEl>
-                                              <p:pRg st="3" end="3"/>
+                                              <p:pRg st="1" end="1"/>
                                             </p:txEl>
                                           </p:spTgt>
                                         </p:tgtEl>
@@ -10034,26 +10038,26 @@
                     </p:cTn>
                   </p:par>
                   <p:par>
-                    <p:cTn id="9" fill="hold">
+                    <p:cTn id="7" fill="hold">
                       <p:stCondLst>
                         <p:cond delay="indefinite"/>
                       </p:stCondLst>
                       <p:childTnLst>
                         <p:par>
-                          <p:cTn id="10" fill="hold">
+                          <p:cTn id="8" fill="hold">
                             <p:stCondLst>
                               <p:cond delay="0"/>
                             </p:stCondLst>
                             <p:childTnLst>
                               <p:par>
-                                <p:cTn id="11" presetID="1" presetClass="entr" presetSubtype="0" fill="hold" nodeType="clickEffect">
+                                <p:cTn id="9" presetID="1" presetClass="entr" presetSubtype="0" fill="hold" nodeType="clickEffect">
                                   <p:stCondLst>
                                     <p:cond delay="0"/>
                                   </p:stCondLst>
                                   <p:childTnLst>
                                     <p:set>
                                       <p:cBhvr>
-                                        <p:cTn id="12" dur="1" fill="hold">
+                                        <p:cTn id="10" dur="1" fill="hold">
                                           <p:stCondLst>
                                             <p:cond delay="0"/>
                                           </p:stCondLst>
@@ -10061,7 +10065,7 @@
                                         <p:tgtEl>
                                           <p:spTgt spid="499715">
                                             <p:txEl>
-                                              <p:pRg st="4" end="4"/>
+                                              <p:pRg st="2" end="2"/>
                                             </p:txEl>
                                           </p:spTgt>
                                         </p:tgtEl>
@@ -10076,8 +10080,26 @@
                                   </p:childTnLst>
                                 </p:cTn>
                               </p:par>
+                            </p:childTnLst>
+                          </p:cTn>
+                        </p:par>
+                      </p:childTnLst>
+                    </p:cTn>
+                  </p:par>
+                  <p:par>
+                    <p:cTn id="11" fill="hold">
+                      <p:stCondLst>
+                        <p:cond delay="indefinite"/>
+                      </p:stCondLst>
+                      <p:childTnLst>
+                        <p:par>
+                          <p:cTn id="12" fill="hold">
+                            <p:stCondLst>
+                              <p:cond delay="0"/>
+                            </p:stCondLst>
+                            <p:childTnLst>
                               <p:par>
-                                <p:cTn id="13" presetID="1" presetClass="entr" presetSubtype="0" fill="hold" grpId="0" nodeType="withEffect">
+                                <p:cTn id="13" presetID="1" presetClass="entr" presetSubtype="0" fill="hold" nodeType="clickEffect">
                                   <p:stCondLst>
                                     <p:cond delay="0"/>
                                   </p:stCondLst>
@@ -10090,7 +10112,11 @@
                                           </p:stCondLst>
                                         </p:cTn>
                                         <p:tgtEl>
-                                          <p:spTgt spid="7"/>
+                                          <p:spTgt spid="499715">
+                                            <p:txEl>
+                                              <p:pRg st="3" end="3"/>
+                                            </p:txEl>
+                                          </p:spTgt>
                                         </p:tgtEl>
                                         <p:attrNameLst>
                                           <p:attrName>style.visibility</p:attrName>
@@ -10122,7 +10148,7 @@
                             </p:stCondLst>
                             <p:childTnLst>
                               <p:par>
-                                <p:cTn id="17" presetID="1" presetClass="entr" presetSubtype="0" fill="hold" grpId="0" nodeType="clickEffect">
+                                <p:cTn id="17" presetID="1" presetClass="entr" presetSubtype="0" fill="hold" nodeType="clickEffect">
                                   <p:stCondLst>
                                     <p:cond delay="0"/>
                                   </p:stCondLst>
@@ -10130,6 +10156,82 @@
                                     <p:set>
                                       <p:cBhvr>
                                         <p:cTn id="18" dur="1" fill="hold">
+                                          <p:stCondLst>
+                                            <p:cond delay="0"/>
+                                          </p:stCondLst>
+                                        </p:cTn>
+                                        <p:tgtEl>
+                                          <p:spTgt spid="499715">
+                                            <p:txEl>
+                                              <p:pRg st="4" end="4"/>
+                                            </p:txEl>
+                                          </p:spTgt>
+                                        </p:tgtEl>
+                                        <p:attrNameLst>
+                                          <p:attrName>style.visibility</p:attrName>
+                                        </p:attrNameLst>
+                                      </p:cBhvr>
+                                      <p:to>
+                                        <p:strVal val="visible"/>
+                                      </p:to>
+                                    </p:set>
+                                  </p:childTnLst>
+                                </p:cTn>
+                              </p:par>
+                              <p:par>
+                                <p:cTn id="19" presetID="1" presetClass="entr" presetSubtype="0" fill="hold" grpId="0" nodeType="withEffect">
+                                  <p:stCondLst>
+                                    <p:cond delay="0"/>
+                                  </p:stCondLst>
+                                  <p:childTnLst>
+                                    <p:set>
+                                      <p:cBhvr>
+                                        <p:cTn id="20" dur="1" fill="hold">
+                                          <p:stCondLst>
+                                            <p:cond delay="0"/>
+                                          </p:stCondLst>
+                                        </p:cTn>
+                                        <p:tgtEl>
+                                          <p:spTgt spid="7"/>
+                                        </p:tgtEl>
+                                        <p:attrNameLst>
+                                          <p:attrName>style.visibility</p:attrName>
+                                        </p:attrNameLst>
+                                      </p:cBhvr>
+                                      <p:to>
+                                        <p:strVal val="visible"/>
+                                      </p:to>
+                                    </p:set>
+                                  </p:childTnLst>
+                                </p:cTn>
+                              </p:par>
+                            </p:childTnLst>
+                          </p:cTn>
+                        </p:par>
+                      </p:childTnLst>
+                    </p:cTn>
+                  </p:par>
+                  <p:par>
+                    <p:cTn id="21" fill="hold">
+                      <p:stCondLst>
+                        <p:cond delay="indefinite"/>
+                      </p:stCondLst>
+                      <p:childTnLst>
+                        <p:par>
+                          <p:cTn id="22" fill="hold">
+                            <p:stCondLst>
+                              <p:cond delay="0"/>
+                            </p:stCondLst>
+                            <p:childTnLst>
+                              <p:par>
+                                <p:cTn id="23" presetID="1" presetClass="entr" presetSubtype="0" fill="hold" grpId="0" nodeType="clickEffect">
+                                  <p:stCondLst>
+                                    <p:cond delay="0"/>
+                                  </p:stCondLst>
+                                  <p:childTnLst>
+                                    <p:set>
+                                      <p:cBhvr>
+                                        <p:cTn id="24" dur="1" fill="hold">
                                           <p:stCondLst>
                                             <p:cond delay="0"/>
                                           </p:stCondLst>
@@ -10354,11 +10456,11 @@
                   <a:schemeClr val="bg1"/>
                 </a:solidFill>
               </a:rPr>
-              <a:t>цаната</a:t>
+              <a:t>цената </a:t>
             </a:r>
             <a:r>
               <a:rPr lang="bg-BG" dirty="0"/>
-              <a:t> на продуктите ще бъде </a:t>
+              <a:t>на продуктите трябва да бъде </a:t>
             </a:r>
             <a:r>
               <a:rPr lang="bg-BG" b="1" dirty="0">
@@ -11210,15 +11312,33 @@
                                   </p:childTnLst>
                                 </p:cTn>
                               </p:par>
+                            </p:childTnLst>
+                          </p:cTn>
+                        </p:par>
+                      </p:childTnLst>
+                    </p:cTn>
+                  </p:par>
+                  <p:par>
+                    <p:cTn id="7" fill="hold">
+                      <p:stCondLst>
+                        <p:cond delay="indefinite"/>
+                      </p:stCondLst>
+                      <p:childTnLst>
+                        <p:par>
+                          <p:cTn id="8" fill="hold">
+                            <p:stCondLst>
+                              <p:cond delay="0"/>
+                            </p:stCondLst>
+                            <p:childTnLst>
                               <p:par>
-                                <p:cTn id="7" presetID="1" presetClass="entr" presetSubtype="0" fill="hold" grpId="0" nodeType="withEffect">
+                                <p:cTn id="9" presetID="1" presetClass="entr" presetSubtype="0" fill="hold" grpId="0" nodeType="clickEffect">
                                   <p:stCondLst>
                                     <p:cond delay="0"/>
                                   </p:stCondLst>
                                   <p:childTnLst>
                                     <p:set>
                                       <p:cBhvr>
-                                        <p:cTn id="8" dur="1" fill="hold">
+                                        <p:cTn id="10" dur="1" fill="hold">
                                           <p:stCondLst>
                                             <p:cond delay="0"/>
                                           </p:stCondLst>
@@ -11963,7 +12083,7 @@
           <p:nvPr>
             <p:extLst>
               <p:ext uri="{D42A27DB-BD31-4B8C-83A1-F6EECF244321}">
-                <p14:modId xmlns:p14="http://schemas.microsoft.com/office/powerpoint/2010/main" val="2897279702"/>
+                <p14:modId xmlns:p14="http://schemas.microsoft.com/office/powerpoint/2010/main" val="1242051377"/>
               </p:ext>
             </p:extLst>
           </p:nvPr>
@@ -12444,13 +12564,13 @@
         </p:nvSpPr>
         <p:spPr bwMode="auto">
           <a:xfrm>
-            <a:off x="304800" y="2522114"/>
-            <a:ext cx="2758206" cy="523222"/>
+            <a:off x="304800" y="2412039"/>
+            <a:ext cx="2758206" cy="633297"/>
           </a:xfrm>
           <a:prstGeom prst="wedgeRoundRectCallout">
             <a:avLst>
-              <a:gd name="adj1" fmla="val -4506"/>
-              <a:gd name="adj2" fmla="val 137496"/>
+              <a:gd name="adj1" fmla="val -4855"/>
+              <a:gd name="adj2" fmla="val 128377"/>
               <a:gd name="adj3" fmla="val 16667"/>
             </a:avLst>
           </a:prstGeom>
@@ -12534,8 +12654,8 @@
         </p:nvSpPr>
         <p:spPr bwMode="auto">
           <a:xfrm>
-            <a:off x="4419600" y="2142446"/>
-            <a:ext cx="3026450" cy="523221"/>
+            <a:off x="4419600" y="2054206"/>
+            <a:ext cx="3026450" cy="611461"/>
           </a:xfrm>
           <a:prstGeom prst="wedgeRoundRectCallout">
             <a:avLst>
@@ -12624,8 +12744,8 @@
         </p:nvSpPr>
         <p:spPr bwMode="auto">
           <a:xfrm>
-            <a:off x="9144000" y="2187737"/>
-            <a:ext cx="2438400" cy="523221"/>
+            <a:off x="9144000" y="2119429"/>
+            <a:ext cx="2438400" cy="591529"/>
           </a:xfrm>
           <a:prstGeom prst="wedgeRoundRectCallout">
             <a:avLst>
@@ -12715,7 +12835,7 @@
         <p:spPr bwMode="auto">
           <a:xfrm>
             <a:off x="3072648" y="5615199"/>
-            <a:ext cx="3605985" cy="545445"/>
+            <a:ext cx="3605985" cy="611461"/>
           </a:xfrm>
           <a:prstGeom prst="wedgeRoundRectCallout">
             <a:avLst>
@@ -13560,7 +13680,7 @@
                                         <p:tgtEl>
                                           <p:spTgt spid="6">
                                             <p:txEl>
-                                              <p:pRg st="2" end="2"/>
+                                              <p:pRg st="1" end="1"/>
                                             </p:txEl>
                                           </p:spTgt>
                                         </p:tgtEl>
@@ -13575,39 +13695,26 @@
                                   </p:childTnLst>
                                 </p:cTn>
                               </p:par>
+                            </p:childTnLst>
+                          </p:cTn>
+                        </p:par>
+                      </p:childTnLst>
+                    </p:cTn>
+                  </p:par>
+                  <p:par>
+                    <p:cTn id="7" fill="hold">
+                      <p:stCondLst>
+                        <p:cond delay="indefinite"/>
+                      </p:stCondLst>
+                      <p:childTnLst>
+                        <p:par>
+                          <p:cTn id="8" fill="hold">
+                            <p:stCondLst>
+                              <p:cond delay="0"/>
+                            </p:stCondLst>
+                            <p:childTnLst>
                               <p:par>
-                                <p:cTn id="7" presetID="1" presetClass="entr" presetSubtype="0" fill="hold" nodeType="withEffect">
-                                  <p:stCondLst>
-                                    <p:cond delay="0"/>
-                                  </p:stCondLst>
-                                  <p:childTnLst>
-                                    <p:set>
-                                      <p:cBhvr>
-                                        <p:cTn id="8" dur="1" fill="hold">
-                                          <p:stCondLst>
-                                            <p:cond delay="0"/>
-                                          </p:stCondLst>
-                                        </p:cTn>
-                                        <p:tgtEl>
-                                          <p:spTgt spid="6">
-                                            <p:txEl>
-                                              <p:pRg st="3" end="3"/>
-                                            </p:txEl>
-                                          </p:spTgt>
-                                        </p:tgtEl>
-                                        <p:attrNameLst>
-                                          <p:attrName>style.visibility</p:attrName>
-                                        </p:attrNameLst>
-                                      </p:cBhvr>
-                                      <p:to>
-                                        <p:strVal val="visible"/>
-                                      </p:to>
-                                    </p:set>
-                                  </p:childTnLst>
-                                </p:cTn>
-                              </p:par>
-                              <p:par>
-                                <p:cTn id="9" presetID="1" presetClass="entr" presetSubtype="0" fill="hold" nodeType="withEffect">
+                                <p:cTn id="9" presetID="1" presetClass="entr" presetSubtype="0" fill="hold" nodeType="clickEffect">
                                   <p:stCondLst>
                                     <p:cond delay="0"/>
                                   </p:stCondLst>
@@ -13622,7 +13729,7 @@
                                         <p:tgtEl>
                                           <p:spTgt spid="6">
                                             <p:txEl>
-                                              <p:pRg st="4" end="4"/>
+                                              <p:pRg st="2" end="2"/>
                                             </p:txEl>
                                           </p:spTgt>
                                         </p:tgtEl>
@@ -13664,6 +13771,104 @@
                                     <p:set>
                                       <p:cBhvr>
                                         <p:cTn id="14" dur="1" fill="hold">
+                                          <p:stCondLst>
+                                            <p:cond delay="0"/>
+                                          </p:stCondLst>
+                                        </p:cTn>
+                                        <p:tgtEl>
+                                          <p:spTgt spid="6">
+                                            <p:txEl>
+                                              <p:pRg st="3" end="3"/>
+                                            </p:txEl>
+                                          </p:spTgt>
+                                        </p:tgtEl>
+                                        <p:attrNameLst>
+                                          <p:attrName>style.visibility</p:attrName>
+                                        </p:attrNameLst>
+                                      </p:cBhvr>
+                                      <p:to>
+                                        <p:strVal val="visible"/>
+                                      </p:to>
+                                    </p:set>
+                                  </p:childTnLst>
+                                </p:cTn>
+                              </p:par>
+                            </p:childTnLst>
+                          </p:cTn>
+                        </p:par>
+                      </p:childTnLst>
+                    </p:cTn>
+                  </p:par>
+                  <p:par>
+                    <p:cTn id="15" fill="hold">
+                      <p:stCondLst>
+                        <p:cond delay="indefinite"/>
+                      </p:stCondLst>
+                      <p:childTnLst>
+                        <p:par>
+                          <p:cTn id="16" fill="hold">
+                            <p:stCondLst>
+                              <p:cond delay="0"/>
+                            </p:stCondLst>
+                            <p:childTnLst>
+                              <p:par>
+                                <p:cTn id="17" presetID="1" presetClass="entr" presetSubtype="0" fill="hold" nodeType="clickEffect">
+                                  <p:stCondLst>
+                                    <p:cond delay="0"/>
+                                  </p:stCondLst>
+                                  <p:childTnLst>
+                                    <p:set>
+                                      <p:cBhvr>
+                                        <p:cTn id="18" dur="1" fill="hold">
+                                          <p:stCondLst>
+                                            <p:cond delay="0"/>
+                                          </p:stCondLst>
+                                        </p:cTn>
+                                        <p:tgtEl>
+                                          <p:spTgt spid="6">
+                                            <p:txEl>
+                                              <p:pRg st="4" end="4"/>
+                                            </p:txEl>
+                                          </p:spTgt>
+                                        </p:tgtEl>
+                                        <p:attrNameLst>
+                                          <p:attrName>style.visibility</p:attrName>
+                                        </p:attrNameLst>
+                                      </p:cBhvr>
+                                      <p:to>
+                                        <p:strVal val="visible"/>
+                                      </p:to>
+                                    </p:set>
+                                  </p:childTnLst>
+                                </p:cTn>
+                              </p:par>
+                            </p:childTnLst>
+                          </p:cTn>
+                        </p:par>
+                      </p:childTnLst>
+                    </p:cTn>
+                  </p:par>
+                  <p:par>
+                    <p:cTn id="19" fill="hold">
+                      <p:stCondLst>
+                        <p:cond delay="indefinite"/>
+                      </p:stCondLst>
+                      <p:childTnLst>
+                        <p:par>
+                          <p:cTn id="20" fill="hold">
+                            <p:stCondLst>
+                              <p:cond delay="0"/>
+                            </p:stCondLst>
+                            <p:childTnLst>
+                              <p:par>
+                                <p:cTn id="21" presetID="1" presetClass="entr" presetSubtype="0" fill="hold" nodeType="clickEffect">
+                                  <p:stCondLst>
+                                    <p:cond delay="0"/>
+                                  </p:stCondLst>
+                                  <p:childTnLst>
+                                    <p:set>
+                                      <p:cBhvr>
+                                        <p:cTn id="22" dur="1" fill="hold">
                                           <p:stCondLst>
                                             <p:cond delay="0"/>
                                           </p:stCondLst>
@@ -15531,7 +15736,7 @@
                                         <p:tgtEl>
                                           <p:spTgt spid="5">
                                             <p:txEl>
-                                              <p:pRg st="2" end="2"/>
+                                              <p:pRg st="1" end="1"/>
                                             </p:txEl>
                                           </p:spTgt>
                                         </p:tgtEl>
@@ -15580,6 +15785,55 @@
                                         <p:tgtEl>
                                           <p:spTgt spid="5">
                                             <p:txEl>
+                                              <p:pRg st="2" end="2"/>
+                                            </p:txEl>
+                                          </p:spTgt>
+                                        </p:tgtEl>
+                                        <p:attrNameLst>
+                                          <p:attrName>style.visibility</p:attrName>
+                                        </p:attrNameLst>
+                                      </p:cBhvr>
+                                      <p:to>
+                                        <p:strVal val="visible"/>
+                                      </p:to>
+                                    </p:set>
+                                  </p:childTnLst>
+                                </p:cTn>
+                              </p:par>
+                            </p:childTnLst>
+                          </p:cTn>
+                        </p:par>
+                      </p:childTnLst>
+                    </p:cTn>
+                  </p:par>
+                  <p:par>
+                    <p:cTn id="11" fill="hold">
+                      <p:stCondLst>
+                        <p:cond delay="indefinite"/>
+                      </p:stCondLst>
+                      <p:childTnLst>
+                        <p:par>
+                          <p:cTn id="12" fill="hold">
+                            <p:stCondLst>
+                              <p:cond delay="0"/>
+                            </p:stCondLst>
+                            <p:childTnLst>
+                              <p:par>
+                                <p:cTn id="13" presetID="1" presetClass="entr" presetSubtype="0" fill="hold" nodeType="clickEffect">
+                                  <p:stCondLst>
+                                    <p:cond delay="0"/>
+                                  </p:stCondLst>
+                                  <p:childTnLst>
+                                    <p:set>
+                                      <p:cBhvr>
+                                        <p:cTn id="14" dur="1" fill="hold">
+                                          <p:stCondLst>
+                                            <p:cond delay="0"/>
+                                          </p:stCondLst>
+                                        </p:cTn>
+                                        <p:tgtEl>
+                                          <p:spTgt spid="5">
+                                            <p:txEl>
                                               <p:pRg st="3" end="3"/>
                                             </p:txEl>
                                           </p:spTgt>
@@ -15595,15 +15849,33 @@
                                   </p:childTnLst>
                                 </p:cTn>
                               </p:par>
+                            </p:childTnLst>
+                          </p:cTn>
+                        </p:par>
+                      </p:childTnLst>
+                    </p:cTn>
+                  </p:par>
+                  <p:par>
+                    <p:cTn id="15" fill="hold">
+                      <p:stCondLst>
+                        <p:cond delay="indefinite"/>
+                      </p:stCondLst>
+                      <p:childTnLst>
+                        <p:par>
+                          <p:cTn id="16" fill="hold">
+                            <p:stCondLst>
+                              <p:cond delay="0"/>
+                            </p:stCondLst>
+                            <p:childTnLst>
                               <p:par>
-                                <p:cTn id="11" presetID="1" presetClass="entr" presetSubtype="0" fill="hold" nodeType="withEffect">
+                                <p:cTn id="17" presetID="1" presetClass="entr" presetSubtype="0" fill="hold" nodeType="clickEffect">
                                   <p:stCondLst>
                                     <p:cond delay="0"/>
                                   </p:stCondLst>
                                   <p:childTnLst>
                                     <p:set>
                                       <p:cBhvr>
-                                        <p:cTn id="12" dur="1" fill="hold">
+                                        <p:cTn id="18" dur="1" fill="hold">
                                           <p:stCondLst>
                                             <p:cond delay="0"/>
                                           </p:stCondLst>
@@ -15793,7 +16065,7 @@
                 </a:solidFill>
                 <a:latin typeface="Consolas" panose="020B0609020204030204" pitchFamily="49" charset="0"/>
               </a:rPr>
-              <a:t>  Barcode INT,</a:t>
+              <a:t>  BarcodeID INT,</a:t>
             </a:r>
           </a:p>
           <a:p>
@@ -19565,7 +19837,7 @@
         </p:nvSpPr>
         <p:spPr>
           <a:xfrm>
-            <a:off x="190463" y="1151122"/>
+            <a:off x="201000" y="1179000"/>
             <a:ext cx="11807897" cy="5570355"/>
           </a:xfrm>
           <a:prstGeom prst="rect">
@@ -28344,34 +28616,6 @@
       </p:pic>
       <p:sp>
         <p:nvSpPr>
-          <p:cNvPr id="3" name="Subtitle 2">
-            <a:extLst>
-              <a:ext uri="{FF2B5EF4-FFF2-40B4-BE49-F238E27FC236}">
-                <a16:creationId xmlns:a16="http://schemas.microsoft.com/office/drawing/2014/main" id="{9BDE983F-A17D-1C50-6472-E1ACBE6CE2C3}"/>
-              </a:ext>
-            </a:extLst>
-          </p:cNvPr>
-          <p:cNvSpPr>
-            <a:spLocks noGrp="1"/>
-          </p:cNvSpPr>
-          <p:nvPr>
-            <p:ph type="subTitle" sz="quarter" idx="11"/>
-          </p:nvPr>
-        </p:nvSpPr>
-        <p:spPr/>
-        <p:txBody>
-          <a:bodyPr/>
-          <a:lstStyle/>
-          <a:p>
-            <a:r>
-              <a:rPr lang="en-US" dirty="0"/>
-              <a:t>Types of Relationships</a:t>
-            </a:r>
-          </a:p>
-        </p:txBody>
-      </p:sp>
-      <p:sp>
-        <p:nvSpPr>
           <p:cNvPr id="4" name="Заглавие 3">
             <a:extLst>
               <a:ext uri="{FF2B5EF4-FFF2-40B4-BE49-F238E27FC236}">
@@ -28388,7 +28632,7 @@
         </p:nvSpPr>
         <p:spPr>
           <a:xfrm>
-            <a:off x="615109" y="4704825"/>
+            <a:off x="615108" y="4869000"/>
             <a:ext cx="10961783" cy="768084"/>
           </a:xfrm>
         </p:spPr>
@@ -32327,19 +32571,29 @@
           <a:p>
             <a:r>
               <a:rPr lang="bg-BG" sz="3400" dirty="0"/>
-              <a:t>Връзките имат множество:</a:t>
+              <a:t>Има следните </a:t>
+            </a:r>
+            <a:r>
+              <a:rPr lang="bg-BG" sz="3400" b="1" dirty="0"/>
+              <a:t>видове</a:t>
+            </a:r>
+            <a:r>
+              <a:rPr lang="bg-BG" sz="3400" dirty="0"/>
+              <a:t> </a:t>
+            </a:r>
+            <a:r>
+              <a:rPr lang="bg-BG" sz="3400" b="1" dirty="0"/>
+              <a:t>връзки</a:t>
+            </a:r>
+            <a:r>
+              <a:rPr lang="bg-BG" sz="3400" dirty="0"/>
+              <a:t>:</a:t>
             </a:r>
           </a:p>
           <a:p>
             <a:pPr lvl="1"/>
             <a:r>
-              <a:rPr lang="bg-BG" sz="3200" b="1" dirty="0">
-                <a:solidFill>
-                  <a:schemeClr val="tx2">
-                    <a:lumMod val="75000"/>
-                  </a:schemeClr>
-                </a:solidFill>
-              </a:rPr>
+              <a:rPr lang="bg-BG" sz="3200" b="1" dirty="0"/>
               <a:t>Едно към много (</a:t>
             </a:r>
             <a:r>
@@ -32365,11 +32619,7 @@
               <a:t> – пример: </a:t>
             </a:r>
             <a:r>
-              <a:rPr lang="bg-BG" sz="3200" b="1" dirty="0">
-                <a:solidFill>
-                  <a:schemeClr val="tx2"/>
-                </a:solidFill>
-              </a:rPr>
+              <a:rPr lang="bg-BG" sz="3200" b="1" dirty="0"/>
               <a:t>държава</a:t>
             </a:r>
             <a:r>
@@ -32377,24 +32627,14 @@
               <a:t> / </a:t>
             </a:r>
             <a:r>
-              <a:rPr lang="bg-BG" sz="3200" b="1" dirty="0">
-                <a:solidFill>
-                  <a:schemeClr val="tx2"/>
-                </a:solidFill>
-              </a:rPr>
+              <a:rPr lang="bg-BG" sz="3200" b="1" dirty="0"/>
               <a:t>град</a:t>
             </a:r>
           </a:p>
           <a:p>
             <a:pPr lvl="1"/>
             <a:r>
-              <a:rPr lang="bg-BG" sz="3200" b="1" dirty="0">
-                <a:solidFill>
-                  <a:schemeClr val="tx2">
-                    <a:lumMod val="75000"/>
-                  </a:schemeClr>
-                </a:solidFill>
-              </a:rPr>
+              <a:rPr lang="bg-BG" sz="3200" b="1" dirty="0"/>
               <a:t>Много към много (</a:t>
             </a:r>
             <a:r>
@@ -32435,13 +32675,7 @@
           <a:p>
             <a:pPr lvl="1"/>
             <a:r>
-              <a:rPr lang="bg-BG" sz="3200" b="1" dirty="0">
-                <a:solidFill>
-                  <a:schemeClr val="tx2">
-                    <a:lumMod val="75000"/>
-                  </a:schemeClr>
-                </a:solidFill>
-              </a:rPr>
+              <a:rPr lang="bg-BG" sz="3200" b="1" dirty="0"/>
               <a:t>Едно към едно (</a:t>
             </a:r>
             <a:r>
@@ -32660,15 +32894,33 @@
                                   </p:childTnLst>
                                 </p:cTn>
                               </p:par>
+                            </p:childTnLst>
+                          </p:cTn>
+                        </p:par>
+                      </p:childTnLst>
+                    </p:cTn>
+                  </p:par>
+                  <p:par>
+                    <p:cTn id="11" fill="hold">
+                      <p:stCondLst>
+                        <p:cond delay="indefinite"/>
+                      </p:stCondLst>
+                      <p:childTnLst>
+                        <p:par>
+                          <p:cTn id="12" fill="hold">
+                            <p:stCondLst>
+                              <p:cond delay="0"/>
+                            </p:stCondLst>
+                            <p:childTnLst>
                               <p:par>
-                                <p:cTn id="11" presetID="1" presetClass="entr" presetSubtype="0" fill="hold" nodeType="withEffect">
+                                <p:cTn id="13" presetID="1" presetClass="entr" presetSubtype="0" fill="hold" nodeType="clickEffect">
                                   <p:stCondLst>
                                     <p:cond delay="0"/>
                                   </p:stCondLst>
                                   <p:childTnLst>
                                     <p:set>
                                       <p:cBhvr>
-                                        <p:cTn id="12" dur="1" fill="hold">
+                                        <p:cTn id="14" dur="1" fill="hold">
                                           <p:stCondLst>
                                             <p:cond delay="0"/>
                                           </p:stCondLst>
@@ -32698,26 +32950,26 @@
                     </p:cTn>
                   </p:par>
                   <p:par>
-                    <p:cTn id="13" fill="hold">
+                    <p:cTn id="15" fill="hold">
                       <p:stCondLst>
                         <p:cond delay="indefinite"/>
                       </p:stCondLst>
                       <p:childTnLst>
                         <p:par>
-                          <p:cTn id="14" fill="hold">
+                          <p:cTn id="16" fill="hold">
                             <p:stCondLst>
                               <p:cond delay="0"/>
                             </p:stCondLst>
                             <p:childTnLst>
                               <p:par>
-                                <p:cTn id="15" presetID="1" presetClass="entr" presetSubtype="0" fill="hold" nodeType="clickEffect">
+                                <p:cTn id="17" presetID="1" presetClass="entr" presetSubtype="0" fill="hold" nodeType="clickEffect">
                                   <p:stCondLst>
                                     <p:cond delay="0"/>
                                   </p:stCondLst>
                                   <p:childTnLst>
                                     <p:set>
                                       <p:cBhvr>
-                                        <p:cTn id="16" dur="1" fill="hold">
+                                        <p:cTn id="18" dur="1" fill="hold">
                                           <p:stCondLst>
                                             <p:cond delay="0"/>
                                           </p:stCondLst>
@@ -32747,26 +32999,26 @@
                     </p:cTn>
                   </p:par>
                   <p:par>
-                    <p:cTn id="17" fill="hold">
+                    <p:cTn id="19" fill="hold">
                       <p:stCondLst>
                         <p:cond delay="indefinite"/>
                       </p:stCondLst>
                       <p:childTnLst>
                         <p:par>
-                          <p:cTn id="18" fill="hold">
+                          <p:cTn id="20" fill="hold">
                             <p:stCondLst>
                               <p:cond delay="0"/>
                             </p:stCondLst>
                             <p:childTnLst>
                               <p:par>
-                                <p:cTn id="19" presetID="1" presetClass="entr" presetSubtype="0" fill="hold" nodeType="clickEffect">
+                                <p:cTn id="21" presetID="1" presetClass="entr" presetSubtype="0" fill="hold" nodeType="clickEffect">
                                   <p:stCondLst>
                                     <p:cond delay="0"/>
                                   </p:stCondLst>
                                   <p:childTnLst>
                                     <p:set>
                                       <p:cBhvr>
-                                        <p:cTn id="20" dur="1" fill="hold">
+                                        <p:cTn id="22" dur="1" fill="hold">
                                           <p:stCondLst>
                                             <p:cond delay="0"/>
                                           </p:stCondLst>
@@ -35570,22 +35822,12 @@
             </a:pPr>
             <a:r>
               <a:rPr lang="en-US" sz="2800" b="1" noProof="1">
-                <a:solidFill>
-                  <a:schemeClr val="tx2">
-                    <a:lumMod val="75000"/>
-                  </a:schemeClr>
-                </a:solidFill>
                 <a:latin typeface="Consolas" pitchFamily="49" charset="0"/>
                 <a:cs typeface="Consolas" pitchFamily="49" charset="0"/>
               </a:rPr>
               <a:t>Courses</a:t>
             </a:r>
             <a:endParaRPr lang="bg-BG" sz="2800" b="1" noProof="1">
-              <a:solidFill>
-                <a:schemeClr val="tx2">
-                  <a:lumMod val="75000"/>
-                </a:schemeClr>
-              </a:solidFill>
               <a:latin typeface="Consolas" pitchFamily="49" charset="0"/>
               <a:cs typeface="Consolas" pitchFamily="49" charset="0"/>
             </a:endParaRPr>
@@ -35943,22 +36185,12 @@
             </a:pPr>
             <a:r>
               <a:rPr lang="en-US" sz="2800" b="1" dirty="0">
-                <a:solidFill>
-                  <a:schemeClr val="tx2">
-                    <a:lumMod val="75000"/>
-                  </a:schemeClr>
-                </a:solidFill>
                 <a:latin typeface="Consolas" pitchFamily="49" charset="0"/>
                 <a:cs typeface="Consolas" pitchFamily="49" charset="0"/>
               </a:rPr>
               <a:t>Students</a:t>
             </a:r>
             <a:endParaRPr lang="bg-BG" sz="2800" b="1" dirty="0">
-              <a:solidFill>
-                <a:schemeClr val="tx2">
-                  <a:lumMod val="75000"/>
-                </a:schemeClr>
-              </a:solidFill>
               <a:latin typeface="Consolas" pitchFamily="49" charset="0"/>
               <a:cs typeface="Consolas" pitchFamily="49" charset="0"/>
             </a:endParaRPr>
@@ -36677,22 +36909,12 @@
             </a:pPr>
             <a:r>
               <a:rPr lang="en-US" sz="2800" b="1" noProof="1">
-                <a:solidFill>
-                  <a:schemeClr val="tx2">
-                    <a:lumMod val="75000"/>
-                  </a:schemeClr>
-                </a:solidFill>
                 <a:latin typeface="Consolas" pitchFamily="49" charset="0"/>
                 <a:cs typeface="Consolas" pitchFamily="49" charset="0"/>
               </a:rPr>
               <a:t>StudentsCourses</a:t>
             </a:r>
             <a:endParaRPr lang="bg-BG" sz="2800" b="1" dirty="0">
-              <a:solidFill>
-                <a:schemeClr val="tx2">
-                  <a:lumMod val="75000"/>
-                </a:schemeClr>
-              </a:solidFill>
               <a:latin typeface="Consolas" pitchFamily="49" charset="0"/>
               <a:cs typeface="Consolas" pitchFamily="49" charset="0"/>
             </a:endParaRPr>
@@ -38291,14 +38513,16 @@
         <p:spPr>
           <a:xfrm>
             <a:off x="76200" y="1287645"/>
-            <a:ext cx="12192000" cy="5570355"/>
+            <a:ext cx="12274800" cy="5570355"/>
           </a:xfrm>
           <a:prstGeom prst="rect">
             <a:avLst/>
           </a:prstGeom>
         </p:spPr>
         <p:txBody>
-          <a:bodyPr/>
+          <a:bodyPr>
+            <a:normAutofit/>
+          </a:bodyPr>
           <a:lstStyle/>
           <a:p>
             <a:pPr>
@@ -38310,7 +38534,7 @@
               </a:buClr>
             </a:pPr>
             <a:r>
-              <a:rPr lang="ru-RU" sz="3200" b="1" dirty="0">
+              <a:rPr lang="ru-RU" sz="3000" b="1" dirty="0">
                 <a:solidFill>
                   <a:schemeClr val="bg1"/>
                 </a:solidFill>
@@ -38318,11 +38542,11 @@
               <a:t>Един</a:t>
             </a:r>
             <a:r>
-              <a:rPr lang="ru-RU" sz="3200" dirty="0"/>
+              <a:rPr lang="ru-RU" sz="3000" dirty="0"/>
               <a:t> запис в първата таблица съответства на </a:t>
             </a:r>
             <a:r>
-              <a:rPr lang="ru-RU" sz="3200" b="1" dirty="0">
+              <a:rPr lang="ru-RU" sz="3000" b="1" dirty="0">
                 <a:solidFill>
                   <a:schemeClr val="bg1"/>
                 </a:solidFill>
@@ -38330,10 +38554,10 @@
               <a:t>един</a:t>
             </a:r>
             <a:r>
-              <a:rPr lang="ru-RU" sz="3200" dirty="0"/>
-              <a:t> запис във втората таблица</a:t>
-            </a:r>
-            <a:endParaRPr lang="en-US" sz="3200" dirty="0"/>
+              <a:rPr lang="ru-RU" sz="3000" dirty="0"/>
+              <a:t> запис във втората</a:t>
+            </a:r>
+            <a:endParaRPr lang="en-US" sz="3000" dirty="0"/>
           </a:p>
           <a:p>
             <a:pPr>
@@ -38342,11 +38566,11 @@
               </a:lnSpc>
             </a:pPr>
             <a:r>
-              <a:rPr lang="ru-RU" sz="3200" dirty="0"/>
+              <a:rPr lang="ru-RU" sz="3000" dirty="0"/>
               <a:t>Използва се за </a:t>
             </a:r>
             <a:r>
-              <a:rPr lang="ru-RU" sz="3200" b="1" dirty="0">
+              <a:rPr lang="ru-RU" sz="3000" b="1" dirty="0">
                 <a:solidFill>
                   <a:schemeClr val="bg1"/>
                 </a:solidFill>
@@ -38354,10 +38578,10 @@
               <a:t>наследяване</a:t>
             </a:r>
             <a:r>
-              <a:rPr lang="ru-RU" sz="3200" dirty="0"/>
+              <a:rPr lang="ru-RU" sz="3000" dirty="0"/>
               <a:t> между таблици</a:t>
             </a:r>
-            <a:endParaRPr lang="bg-BG" sz="3200" dirty="0"/>
+            <a:endParaRPr lang="bg-BG" sz="3000" dirty="0"/>
           </a:p>
         </p:txBody>
       </p:sp>
@@ -38402,9 +38626,9 @@
           <p:nvPr/>
         </p:nvSpPr>
         <p:spPr bwMode="auto">
-          <a:xfrm flipV="1">
-            <a:off x="5257800" y="6400800"/>
-            <a:ext cx="1219200" cy="0"/>
+          <a:xfrm>
+            <a:off x="4794848" y="5994000"/>
+            <a:ext cx="2518396" cy="513000"/>
           </a:xfrm>
           <a:prstGeom prst="line">
             <a:avLst/>
@@ -38441,8 +38665,8 @@
         </p:nvSpPr>
         <p:spPr bwMode="auto">
           <a:xfrm>
-            <a:off x="5257800" y="5943600"/>
-            <a:ext cx="1219200" cy="0"/>
+            <a:off x="4794848" y="5544403"/>
+            <a:ext cx="2471151" cy="179585"/>
           </a:xfrm>
           <a:prstGeom prst="line">
             <a:avLst/>
@@ -38479,8 +38703,8 @@
         </p:nvSpPr>
         <p:spPr bwMode="auto">
           <a:xfrm flipV="1">
-            <a:off x="5312568" y="3505201"/>
-            <a:ext cx="3145631" cy="1821067"/>
+            <a:off x="8148499" y="3158999"/>
+            <a:ext cx="0" cy="1388807"/>
           </a:xfrm>
           <a:prstGeom prst="line">
             <a:avLst/>
@@ -38517,7 +38741,7 @@
         </p:nvSpPr>
         <p:spPr bwMode="auto">
           <a:xfrm>
-            <a:off x="2514600" y="4038600"/>
+            <a:off x="8148499" y="4027134"/>
             <a:ext cx="1905001" cy="480131"/>
           </a:xfrm>
           <a:prstGeom prst="rect">
@@ -38552,22 +38776,12 @@
             </a:pPr>
             <a:r>
               <a:rPr lang="en-US" sz="2800" b="1" noProof="1">
-                <a:solidFill>
-                  <a:schemeClr val="tx2">
-                    <a:lumMod val="75000"/>
-                  </a:schemeClr>
-                </a:solidFill>
                 <a:latin typeface="Consolas" pitchFamily="49" charset="0"/>
                 <a:cs typeface="Consolas" pitchFamily="49" charset="0"/>
               </a:rPr>
               <a:t>People</a:t>
             </a:r>
             <a:endParaRPr lang="bg-BG" sz="2800" b="1" dirty="0">
-              <a:solidFill>
-                <a:schemeClr val="tx2">
-                  <a:lumMod val="75000"/>
-                </a:schemeClr>
-              </a:solidFill>
               <a:latin typeface="Consolas" pitchFamily="49" charset="0"/>
               <a:cs typeface="Consolas" pitchFamily="49" charset="0"/>
             </a:endParaRPr>
@@ -38583,13 +38797,13 @@
           <p:nvPr>
             <p:extLst>
               <p:ext uri="{D42A27DB-BD31-4B8C-83A1-F6EECF244321}">
-                <p14:modId xmlns:p14="http://schemas.microsoft.com/office/powerpoint/2010/main" val="1102571627"/>
+                <p14:modId xmlns:p14="http://schemas.microsoft.com/office/powerpoint/2010/main" val="3760391911"/>
               </p:ext>
             </p:extLst>
           </p:nvPr>
         </p:nvGraphicFramePr>
         <p:xfrm>
-          <a:off x="1905000" y="4572000"/>
+          <a:off x="7543800" y="4547807"/>
           <a:ext cx="3352800" cy="2126288"/>
         </p:xfrm>
         <a:graphic>
@@ -38689,7 +38903,7 @@
                     <a:bodyPr/>
                     <a:lstStyle/>
                     <a:p>
-                      <a:pPr marL="236220" algn="ctr">
+                      <a:pPr marL="0" algn="ctr">
                         <a:lnSpc>
                           <a:spcPct val="100000"/>
                         </a:lnSpc>
@@ -38754,7 +38968,7 @@
                     <a:bodyPr/>
                     <a:lstStyle/>
                     <a:p>
-                      <a:pPr marL="236220" algn="ctr">
+                      <a:pPr marL="0" algn="ctr">
                         <a:lnSpc>
                           <a:spcPct val="100000"/>
                         </a:lnSpc>
@@ -39270,7 +39484,7 @@
         </p:nvSpPr>
         <p:spPr bwMode="auto">
           <a:xfrm>
-            <a:off x="152400" y="3810000"/>
+            <a:off x="5777504" y="4090606"/>
             <a:ext cx="1676400" cy="914400"/>
           </a:xfrm>
           <a:prstGeom prst="wedgeRoundRectCallout">
@@ -39347,7 +39561,7 @@
         </p:nvSpPr>
         <p:spPr bwMode="auto">
           <a:xfrm>
-            <a:off x="7467600" y="4572000"/>
+            <a:off x="1843245" y="4267199"/>
             <a:ext cx="1762022" cy="480131"/>
           </a:xfrm>
           <a:prstGeom prst="rect">
@@ -39384,22 +39598,12 @@
             </a:pPr>
             <a:r>
               <a:rPr lang="en-US" sz="2800" b="1" noProof="1">
-                <a:solidFill>
-                  <a:schemeClr val="tx2">
-                    <a:lumMod val="75000"/>
-                  </a:schemeClr>
-                </a:solidFill>
                 <a:latin typeface="Consolas" pitchFamily="49" charset="0"/>
                 <a:cs typeface="Consolas" pitchFamily="49" charset="0"/>
               </a:rPr>
               <a:t>Students</a:t>
             </a:r>
             <a:endParaRPr lang="bg-BG" sz="2800" b="1" noProof="1">
-              <a:solidFill>
-                <a:schemeClr val="tx2">
-                  <a:lumMod val="75000"/>
-                </a:schemeClr>
-              </a:solidFill>
               <a:latin typeface="Consolas" pitchFamily="49" charset="0"/>
               <a:cs typeface="Consolas" pitchFamily="49" charset="0"/>
             </a:endParaRPr>
@@ -39415,13 +39619,13 @@
           <p:nvPr>
             <p:extLst>
               <p:ext uri="{D42A27DB-BD31-4B8C-83A1-F6EECF244321}">
-                <p14:modId xmlns:p14="http://schemas.microsoft.com/office/powerpoint/2010/main" val="1102571627"/>
+                <p14:modId xmlns:p14="http://schemas.microsoft.com/office/powerpoint/2010/main" val="4196450289"/>
               </p:ext>
             </p:extLst>
           </p:nvPr>
         </p:nvGraphicFramePr>
         <p:xfrm>
-          <a:off x="6553200" y="5105400"/>
+          <a:off x="928845" y="4800599"/>
           <a:ext cx="3733800" cy="1487611"/>
         </p:xfrm>
         <a:graphic>
@@ -39514,7 +39718,7 @@
                     <a:bodyPr/>
                     <a:lstStyle/>
                     <a:p>
-                      <a:pPr marL="236220" algn="ctr">
+                      <a:pPr marL="0" algn="ctr">
                         <a:lnSpc>
                           <a:spcPct val="100000"/>
                         </a:lnSpc>
@@ -39775,13 +39979,13 @@
         </p:nvSpPr>
         <p:spPr bwMode="auto">
           <a:xfrm>
-            <a:off x="5334000" y="3657600"/>
+            <a:off x="4989142" y="2481689"/>
             <a:ext cx="2209800" cy="990600"/>
           </a:xfrm>
           <a:prstGeom prst="wedgeRoundRectCallout">
             <a:avLst>
-              <a:gd name="adj1" fmla="val 26906"/>
-              <a:gd name="adj2" fmla="val 105346"/>
+              <a:gd name="adj1" fmla="val 79216"/>
+              <a:gd name="adj2" fmla="val 13038"/>
               <a:gd name="adj3" fmla="val 16667"/>
             </a:avLst>
           </a:prstGeom>
@@ -39852,7 +40056,7 @@
         </p:nvSpPr>
         <p:spPr bwMode="auto">
           <a:xfrm>
-            <a:off x="8686800" y="2362200"/>
+            <a:off x="8151442" y="1861311"/>
             <a:ext cx="2156360" cy="480131"/>
           </a:xfrm>
           <a:prstGeom prst="rect">
@@ -39889,22 +40093,12 @@
             </a:pPr>
             <a:r>
               <a:rPr lang="en-US" sz="2800" b="1" noProof="1">
-                <a:solidFill>
-                  <a:schemeClr val="tx2">
-                    <a:lumMod val="75000"/>
-                  </a:schemeClr>
-                </a:solidFill>
                 <a:latin typeface="Consolas" pitchFamily="49" charset="0"/>
                 <a:cs typeface="Consolas" pitchFamily="49" charset="0"/>
               </a:rPr>
               <a:t>Professors</a:t>
             </a:r>
             <a:endParaRPr lang="bg-BG" sz="2800" b="1" noProof="1">
-              <a:solidFill>
-                <a:schemeClr val="tx2">
-                  <a:lumMod val="75000"/>
-                </a:schemeClr>
-              </a:solidFill>
               <a:latin typeface="Consolas" pitchFamily="49" charset="0"/>
               <a:cs typeface="Consolas" pitchFamily="49" charset="0"/>
             </a:endParaRPr>
@@ -39920,13 +40114,13 @@
           <p:nvPr>
             <p:extLst>
               <p:ext uri="{D42A27DB-BD31-4B8C-83A1-F6EECF244321}">
-                <p14:modId xmlns:p14="http://schemas.microsoft.com/office/powerpoint/2010/main" val="1315327295"/>
+                <p14:modId xmlns:p14="http://schemas.microsoft.com/office/powerpoint/2010/main" val="1200061602"/>
               </p:ext>
             </p:extLst>
           </p:nvPr>
         </p:nvGraphicFramePr>
         <p:xfrm>
-          <a:off x="8534400" y="2895600"/>
+          <a:off x="7999042" y="2394711"/>
           <a:ext cx="2438400" cy="994023"/>
         </p:xfrm>
         <a:graphic>
@@ -40188,13 +40382,13 @@
         </p:nvSpPr>
         <p:spPr bwMode="auto">
           <a:xfrm>
-            <a:off x="9982200" y="3962400"/>
+            <a:off x="676071" y="2956255"/>
             <a:ext cx="2133600" cy="914400"/>
           </a:xfrm>
           <a:prstGeom prst="wedgeRoundRectCallout">
             <a:avLst>
-              <a:gd name="adj1" fmla="val -72986"/>
-              <a:gd name="adj2" fmla="val -69494"/>
+              <a:gd name="adj1" fmla="val -17999"/>
+              <a:gd name="adj2" fmla="val 151261"/>
               <a:gd name="adj3" fmla="val 16667"/>
             </a:avLst>
           </a:prstGeom>
@@ -40978,7 +41172,7 @@
         </p:nvSpPr>
         <p:spPr bwMode="auto">
           <a:xfrm>
-            <a:off x="5257800" y="3200400"/>
+            <a:off x="5016000" y="3231825"/>
             <a:ext cx="1905001" cy="480131"/>
           </a:xfrm>
           <a:prstGeom prst="rect">
@@ -41013,22 +41207,12 @@
             </a:pPr>
             <a:r>
               <a:rPr lang="en-US" sz="2800" b="1" noProof="1">
-                <a:solidFill>
-                  <a:schemeClr val="tx2">
-                    <a:lumMod val="75000"/>
-                  </a:schemeClr>
-                </a:solidFill>
                 <a:latin typeface="Consolas" pitchFamily="49" charset="0"/>
                 <a:cs typeface="Consolas" pitchFamily="49" charset="0"/>
               </a:rPr>
               <a:t>Folders</a:t>
             </a:r>
             <a:endParaRPr lang="bg-BG" sz="2800" b="1" dirty="0">
-              <a:solidFill>
-                <a:schemeClr val="tx2">
-                  <a:lumMod val="75000"/>
-                </a:schemeClr>
-              </a:solidFill>
               <a:latin typeface="Consolas" pitchFamily="49" charset="0"/>
               <a:cs typeface="Consolas" pitchFamily="49" charset="0"/>
             </a:endParaRPr>
@@ -42417,7 +42601,7 @@
                             </p:stCondLst>
                             <p:childTnLst>
                               <p:par>
-                                <p:cTn id="5" presetID="1" presetClass="entr" presetSubtype="0" fill="hold" grpId="0" nodeType="clickEffect">
+                                <p:cTn id="5" presetID="1" presetClass="entr" presetSubtype="0" fill="hold" nodeType="clickEffect">
                                   <p:stCondLst>
                                     <p:cond delay="0"/>
                                   </p:stCondLst>
@@ -42425,6 +42609,55 @@
                                     <p:set>
                                       <p:cBhvr>
                                         <p:cTn id="6" dur="1" fill="hold">
+                                          <p:stCondLst>
+                                            <p:cond delay="0"/>
+                                          </p:stCondLst>
+                                        </p:cTn>
+                                        <p:tgtEl>
+                                          <p:spTgt spid="480259">
+                                            <p:txEl>
+                                              <p:pRg st="1" end="1"/>
+                                            </p:txEl>
+                                          </p:spTgt>
+                                        </p:tgtEl>
+                                        <p:attrNameLst>
+                                          <p:attrName>style.visibility</p:attrName>
+                                        </p:attrNameLst>
+                                      </p:cBhvr>
+                                      <p:to>
+                                        <p:strVal val="visible"/>
+                                      </p:to>
+                                    </p:set>
+                                  </p:childTnLst>
+                                </p:cTn>
+                              </p:par>
+                            </p:childTnLst>
+                          </p:cTn>
+                        </p:par>
+                      </p:childTnLst>
+                    </p:cTn>
+                  </p:par>
+                  <p:par>
+                    <p:cTn id="7" fill="hold">
+                      <p:stCondLst>
+                        <p:cond delay="indefinite"/>
+                      </p:stCondLst>
+                      <p:childTnLst>
+                        <p:par>
+                          <p:cTn id="8" fill="hold">
+                            <p:stCondLst>
+                              <p:cond delay="0"/>
+                            </p:stCondLst>
+                            <p:childTnLst>
+                              <p:par>
+                                <p:cTn id="9" presetID="1" presetClass="entr" presetSubtype="0" fill="hold" grpId="0" nodeType="clickEffect">
+                                  <p:stCondLst>
+                                    <p:cond delay="0"/>
+                                  </p:stCondLst>
+                                  <p:childTnLst>
+                                    <p:set>
+                                      <p:cBhvr>
+                                        <p:cTn id="10" dur="1" fill="hold">
                                           <p:stCondLst>
                                             <p:cond delay="0"/>
                                           </p:stCondLst>
@@ -42444,52 +42677,7 @@
                                 </p:cTn>
                               </p:par>
                               <p:par>
-                                <p:cTn id="7" presetID="1" presetClass="entr" presetSubtype="0" fill="hold" nodeType="withEffect">
-                                  <p:stCondLst>
-                                    <p:cond delay="0"/>
-                                  </p:stCondLst>
-                                  <p:childTnLst>
-                                    <p:set>
-                                      <p:cBhvr>
-                                        <p:cTn id="8" dur="1" fill="hold">
-                                          <p:stCondLst>
-                                            <p:cond delay="0"/>
-                                          </p:stCondLst>
-                                        </p:cTn>
-                                        <p:tgtEl>
-                                          <p:spTgt spid="17"/>
-                                        </p:tgtEl>
-                                        <p:attrNameLst>
-                                          <p:attrName>style.visibility</p:attrName>
-                                        </p:attrNameLst>
-                                      </p:cBhvr>
-                                      <p:to>
-                                        <p:strVal val="visible"/>
-                                      </p:to>
-                                    </p:set>
-                                  </p:childTnLst>
-                                </p:cTn>
-                              </p:par>
-                            </p:childTnLst>
-                          </p:cTn>
-                        </p:par>
-                      </p:childTnLst>
-                    </p:cTn>
-                  </p:par>
-                  <p:par>
-                    <p:cTn id="9" fill="hold">
-                      <p:stCondLst>
-                        <p:cond delay="indefinite"/>
-                      </p:stCondLst>
-                      <p:childTnLst>
-                        <p:par>
-                          <p:cTn id="10" fill="hold">
-                            <p:stCondLst>
-                              <p:cond delay="0"/>
-                            </p:stCondLst>
-                            <p:childTnLst>
-                              <p:par>
-                                <p:cTn id="11" presetID="1" presetClass="entr" presetSubtype="0" fill="hold" grpId="0" nodeType="clickEffect">
+                                <p:cTn id="11" presetID="1" presetClass="entr" presetSubtype="0" fill="hold" nodeType="withEffect">
                                   <p:stCondLst>
                                     <p:cond delay="0"/>
                                   </p:stCondLst>
@@ -42502,7 +42690,7 @@
                                           </p:stCondLst>
                                         </p:cTn>
                                         <p:tgtEl>
-                                          <p:spTgt spid="18"/>
+                                          <p:spTgt spid="17"/>
                                         </p:tgtEl>
                                         <p:attrNameLst>
                                           <p:attrName>style.visibility</p:attrName>
@@ -42547,7 +42735,7 @@
                                           </p:stCondLst>
                                         </p:cTn>
                                         <p:tgtEl>
-                                          <p:spTgt spid="22"/>
+                                          <p:spTgt spid="18"/>
                                         </p:tgtEl>
                                         <p:attrNameLst>
                                           <p:attrName>style.visibility</p:attrName>
@@ -42592,7 +42780,7 @@
                                           </p:stCondLst>
                                         </p:cTn>
                                         <p:tgtEl>
-                                          <p:spTgt spid="19"/>
+                                          <p:spTgt spid="22"/>
                                         </p:tgtEl>
                                         <p:attrNameLst>
                                           <p:attrName>style.visibility</p:attrName>
@@ -42605,35 +42793,26 @@
                                   </p:childTnLst>
                                 </p:cTn>
                               </p:par>
+                            </p:childTnLst>
+                          </p:cTn>
+                        </p:par>
+                      </p:childTnLst>
+                    </p:cTn>
+                  </p:par>
+                  <p:par>
+                    <p:cTn id="21" fill="hold">
+                      <p:stCondLst>
+                        <p:cond delay="indefinite"/>
+                      </p:stCondLst>
+                      <p:childTnLst>
+                        <p:par>
+                          <p:cTn id="22" fill="hold">
+                            <p:stCondLst>
+                              <p:cond delay="0"/>
+                            </p:stCondLst>
+                            <p:childTnLst>
                               <p:par>
-                                <p:cTn id="21" presetID="1" presetClass="entr" presetSubtype="0" fill="hold" grpId="0" nodeType="withEffect">
-                                  <p:stCondLst>
-                                    <p:cond delay="0"/>
-                                  </p:stCondLst>
-                                  <p:childTnLst>
-                                    <p:set>
-                                      <p:cBhvr>
-                                        <p:cTn id="22" dur="1" fill="hold">
-                                          <p:stCondLst>
-                                            <p:cond delay="0"/>
-                                          </p:stCondLst>
-                                        </p:cTn>
-                                        <p:tgtEl>
-                                          <p:spTgt spid="20"/>
-                                        </p:tgtEl>
-                                        <p:attrNameLst>
-                                          <p:attrName>style.visibility</p:attrName>
-                                        </p:attrNameLst>
-                                      </p:cBhvr>
-                                      <p:to>
-                                        <p:strVal val="visible"/>
-                                      </p:to>
-                                    </p:set>
-                                  </p:childTnLst>
-                                </p:cTn>
-                              </p:par>
-                              <p:par>
-                                <p:cTn id="23" presetID="1" presetClass="entr" presetSubtype="0" fill="hold" grpId="0" nodeType="withEffect">
+                                <p:cTn id="23" presetID="1" presetClass="entr" presetSubtype="0" fill="hold" grpId="0" nodeType="clickEffect">
                                   <p:stCondLst>
                                     <p:cond delay="0"/>
                                   </p:stCondLst>
@@ -42646,7 +42825,7 @@
                                           </p:stCondLst>
                                         </p:cTn>
                                         <p:tgtEl>
-                                          <p:spTgt spid="21"/>
+                                          <p:spTgt spid="19"/>
                                         </p:tgtEl>
                                         <p:attrNameLst>
                                           <p:attrName>style.visibility</p:attrName>
@@ -42668,6 +42847,60 @@
                                     <p:set>
                                       <p:cBhvr>
                                         <p:cTn id="26" dur="1" fill="hold">
+                                          <p:stCondLst>
+                                            <p:cond delay="0"/>
+                                          </p:stCondLst>
+                                        </p:cTn>
+                                        <p:tgtEl>
+                                          <p:spTgt spid="20"/>
+                                        </p:tgtEl>
+                                        <p:attrNameLst>
+                                          <p:attrName>style.visibility</p:attrName>
+                                        </p:attrNameLst>
+                                      </p:cBhvr>
+                                      <p:to>
+                                        <p:strVal val="visible"/>
+                                      </p:to>
+                                    </p:set>
+                                  </p:childTnLst>
+                                </p:cTn>
+                              </p:par>
+                              <p:par>
+                                <p:cTn id="27" presetID="1" presetClass="entr" presetSubtype="0" fill="hold" grpId="0" nodeType="withEffect">
+                                  <p:stCondLst>
+                                    <p:cond delay="0"/>
+                                  </p:stCondLst>
+                                  <p:childTnLst>
+                                    <p:set>
+                                      <p:cBhvr>
+                                        <p:cTn id="28" dur="1" fill="hold">
+                                          <p:stCondLst>
+                                            <p:cond delay="0"/>
+                                          </p:stCondLst>
+                                        </p:cTn>
+                                        <p:tgtEl>
+                                          <p:spTgt spid="21"/>
+                                        </p:tgtEl>
+                                        <p:attrNameLst>
+                                          <p:attrName>style.visibility</p:attrName>
+                                        </p:attrNameLst>
+                                      </p:cBhvr>
+                                      <p:to>
+                                        <p:strVal val="visible"/>
+                                      </p:to>
+                                    </p:set>
+                                  </p:childTnLst>
+                                </p:cTn>
+                              </p:par>
+                              <p:par>
+                                <p:cTn id="29" presetID="1" presetClass="entr" presetSubtype="0" fill="hold" grpId="0" nodeType="withEffect">
+                                  <p:stCondLst>
+                                    <p:cond delay="0"/>
+                                  </p:stCondLst>
+                                  <p:childTnLst>
+                                    <p:set>
+                                      <p:cBhvr>
+                                        <p:cTn id="30" dur="1" fill="hold">
                                           <p:stCondLst>
                                             <p:cond delay="0"/>
                                           </p:stCondLst>

--- a/Courses/Software-Sciences/Module-3-Databases-New/08-Relationships-and-ER-Diagrams/08-Relationships-ER-Diagrams.pptx
+++ b/Courses/Software-Sciences/Module-3-Databases-New/08-Relationships-and-ER-Diagrams/08-Relationships-ER-Diagrams.pptx
@@ -8777,7 +8777,7 @@
       </p:sp>
       <p:pic>
         <p:nvPicPr>
-          <p:cNvPr id="4" name="Picture 3" descr="A yellow and blue sign with white text&#10;&#10;Description automatically generated">
+          <p:cNvPr id="4" name="Picture 3">
             <a:extLst>
               <a:ext uri="{FF2B5EF4-FFF2-40B4-BE49-F238E27FC236}">
                 <a16:creationId xmlns:a16="http://schemas.microsoft.com/office/drawing/2014/main" id="{61619FE1-20ED-194D-2304-26F363FC14F1}"/>
@@ -8797,14 +8797,13 @@
               </a:ext>
             </a:extLst>
           </a:blip>
-          <a:stretch>
-            <a:fillRect/>
-          </a:stretch>
+          <a:srcRect/>
+          <a:stretch/>
         </p:blipFill>
         <p:spPr>
           <a:xfrm>
-            <a:off x="584311" y="3001428"/>
-            <a:ext cx="1956689" cy="877572"/>
+            <a:off x="584311" y="3002368"/>
+            <a:ext cx="1956689" cy="875691"/>
           </a:xfrm>
           <a:prstGeom prst="rect">
             <a:avLst/>
@@ -28199,7 +28198,7 @@
                                           </p:stCondLst>
                                         </p:cTn>
                                         <p:tgtEl>
-                                          <p:spTgt spid="497775"/>
+                                          <p:spTgt spid="497779"/>
                                         </p:tgtEl>
                                         <p:attrNameLst>
                                           <p:attrName>style.visibility</p:attrName>
@@ -28226,7 +28225,7 @@
                                           </p:stCondLst>
                                         </p:cTn>
                                         <p:tgtEl>
-                                          <p:spTgt spid="497776"/>
+                                          <p:spTgt spid="497780"/>
                                         </p:tgtEl>
                                         <p:attrNameLst>
                                           <p:attrName>style.visibility</p:attrName>
@@ -28253,7 +28252,7 @@
                                           </p:stCondLst>
                                         </p:cTn>
                                         <p:tgtEl>
-                                          <p:spTgt spid="497777"/>
+                                          <p:spTgt spid="497781"/>
                                         </p:tgtEl>
                                         <p:attrNameLst>
                                           <p:attrName>style.visibility</p:attrName>
@@ -28280,6 +28279,132 @@
                                           </p:stCondLst>
                                         </p:cTn>
                                         <p:tgtEl>
+                                          <p:spTgt spid="497782"/>
+                                        </p:tgtEl>
+                                        <p:attrNameLst>
+                                          <p:attrName>style.visibility</p:attrName>
+                                        </p:attrNameLst>
+                                      </p:cBhvr>
+                                      <p:to>
+                                        <p:strVal val="visible"/>
+                                      </p:to>
+                                    </p:set>
+                                  </p:childTnLst>
+                                </p:cTn>
+                              </p:par>
+                            </p:childTnLst>
+                          </p:cTn>
+                        </p:par>
+                      </p:childTnLst>
+                    </p:cTn>
+                  </p:par>
+                  <p:par>
+                    <p:cTn id="19" fill="hold">
+                      <p:stCondLst>
+                        <p:cond delay="indefinite"/>
+                      </p:stCondLst>
+                      <p:childTnLst>
+                        <p:par>
+                          <p:cTn id="20" fill="hold">
+                            <p:stCondLst>
+                              <p:cond delay="0"/>
+                            </p:stCondLst>
+                            <p:childTnLst>
+                              <p:par>
+                                <p:cTn id="21" presetID="1" presetClass="entr" presetSubtype="0" fill="hold" grpId="0" nodeType="clickEffect">
+                                  <p:stCondLst>
+                                    <p:cond delay="0"/>
+                                  </p:stCondLst>
+                                  <p:childTnLst>
+                                    <p:set>
+                                      <p:cBhvr>
+                                        <p:cTn id="22" dur="1" fill="hold">
+                                          <p:stCondLst>
+                                            <p:cond delay="0"/>
+                                          </p:stCondLst>
+                                        </p:cTn>
+                                        <p:tgtEl>
+                                          <p:spTgt spid="497775"/>
+                                        </p:tgtEl>
+                                        <p:attrNameLst>
+                                          <p:attrName>style.visibility</p:attrName>
+                                        </p:attrNameLst>
+                                      </p:cBhvr>
+                                      <p:to>
+                                        <p:strVal val="visible"/>
+                                      </p:to>
+                                    </p:set>
+                                  </p:childTnLst>
+                                </p:cTn>
+                              </p:par>
+                              <p:par>
+                                <p:cTn id="23" presetID="1" presetClass="entr" presetSubtype="0" fill="hold" grpId="0" nodeType="withEffect">
+                                  <p:stCondLst>
+                                    <p:cond delay="0"/>
+                                  </p:stCondLst>
+                                  <p:childTnLst>
+                                    <p:set>
+                                      <p:cBhvr>
+                                        <p:cTn id="24" dur="1" fill="hold">
+                                          <p:stCondLst>
+                                            <p:cond delay="0"/>
+                                          </p:stCondLst>
+                                        </p:cTn>
+                                        <p:tgtEl>
+                                          <p:spTgt spid="497776"/>
+                                        </p:tgtEl>
+                                        <p:attrNameLst>
+                                          <p:attrName>style.visibility</p:attrName>
+                                        </p:attrNameLst>
+                                      </p:cBhvr>
+                                      <p:to>
+                                        <p:strVal val="visible"/>
+                                      </p:to>
+                                    </p:set>
+                                  </p:childTnLst>
+                                </p:cTn>
+                              </p:par>
+                              <p:par>
+                                <p:cTn id="25" presetID="1" presetClass="entr" presetSubtype="0" fill="hold" grpId="0" nodeType="withEffect">
+                                  <p:stCondLst>
+                                    <p:cond delay="0"/>
+                                  </p:stCondLst>
+                                  <p:childTnLst>
+                                    <p:set>
+                                      <p:cBhvr>
+                                        <p:cTn id="26" dur="1" fill="hold">
+                                          <p:stCondLst>
+                                            <p:cond delay="0"/>
+                                          </p:stCondLst>
+                                        </p:cTn>
+                                        <p:tgtEl>
+                                          <p:spTgt spid="497777"/>
+                                        </p:tgtEl>
+                                        <p:attrNameLst>
+                                          <p:attrName>style.visibility</p:attrName>
+                                        </p:attrNameLst>
+                                      </p:cBhvr>
+                                      <p:to>
+                                        <p:strVal val="visible"/>
+                                      </p:to>
+                                    </p:set>
+                                  </p:childTnLst>
+                                </p:cTn>
+                              </p:par>
+                              <p:par>
+                                <p:cTn id="27" presetID="1" presetClass="entr" presetSubtype="0" fill="hold" grpId="0" nodeType="withEffect">
+                                  <p:stCondLst>
+                                    <p:cond delay="0"/>
+                                  </p:stCondLst>
+                                  <p:childTnLst>
+                                    <p:set>
+                                      <p:cBhvr>
+                                        <p:cTn id="28" dur="1" fill="hold">
+                                          <p:stCondLst>
+                                            <p:cond delay="0"/>
+                                          </p:stCondLst>
+                                        </p:cTn>
+                                        <p:tgtEl>
                                           <p:spTgt spid="497778"/>
                                         </p:tgtEl>
                                         <p:attrNameLst>
@@ -28294,14 +28419,14 @@
                                 </p:cTn>
                               </p:par>
                               <p:par>
-                                <p:cTn id="19" presetID="1" presetClass="entr" presetSubtype="0" fill="hold" nodeType="withEffect">
+                                <p:cTn id="29" presetID="1" presetClass="entr" presetSubtype="0" fill="hold" nodeType="withEffect">
                                   <p:stCondLst>
                                     <p:cond delay="0"/>
                                   </p:stCondLst>
                                   <p:childTnLst>
                                     <p:set>
                                       <p:cBhvr>
-                                        <p:cTn id="20" dur="1" fill="hold">
+                                        <p:cTn id="30" dur="1" fill="hold">
                                           <p:stCondLst>
                                             <p:cond delay="0"/>
                                           </p:stCondLst>
@@ -28321,14 +28446,14 @@
                                 </p:cTn>
                               </p:par>
                               <p:par>
-                                <p:cTn id="21" presetID="1" presetClass="entr" presetSubtype="0" fill="hold" nodeType="withEffect">
+                                <p:cTn id="31" presetID="1" presetClass="entr" presetSubtype="0" fill="hold" nodeType="withEffect">
                                   <p:stCondLst>
                                     <p:cond delay="0"/>
                                   </p:stCondLst>
                                   <p:childTnLst>
                                     <p:set>
                                       <p:cBhvr>
-                                        <p:cTn id="22" dur="1" fill="hold">
+                                        <p:cTn id="32" dur="1" fill="hold">
                                           <p:stCondLst>
                                             <p:cond delay="0"/>
                                           </p:stCondLst>
@@ -28348,14 +28473,14 @@
                                 </p:cTn>
                               </p:par>
                               <p:par>
-                                <p:cTn id="23" presetID="1" presetClass="entr" presetSubtype="0" fill="hold" nodeType="withEffect">
+                                <p:cTn id="33" presetID="1" presetClass="entr" presetSubtype="0" fill="hold" nodeType="withEffect">
                                   <p:stCondLst>
                                     <p:cond delay="0"/>
                                   </p:stCondLst>
                                   <p:childTnLst>
                                     <p:set>
                                       <p:cBhvr>
-                                        <p:cTn id="24" dur="1" fill="hold">
+                                        <p:cTn id="34" dur="1" fill="hold">
                                           <p:stCondLst>
                                             <p:cond delay="0"/>
                                           </p:stCondLst>
@@ -28375,14 +28500,14 @@
                                 </p:cTn>
                               </p:par>
                               <p:par>
-                                <p:cTn id="25" presetID="1" presetClass="entr" presetSubtype="0" fill="hold" nodeType="withEffect">
+                                <p:cTn id="35" presetID="1" presetClass="entr" presetSubtype="0" fill="hold" nodeType="withEffect">
                                   <p:stCondLst>
                                     <p:cond delay="0"/>
                                   </p:stCondLst>
                                   <p:childTnLst>
                                     <p:set>
                                       <p:cBhvr>
-                                        <p:cTn id="26" dur="1" fill="hold">
+                                        <p:cTn id="36" dur="1" fill="hold">
                                           <p:stCondLst>
                                             <p:cond delay="0"/>
                                           </p:stCondLst>
@@ -28434,6 +28559,10 @@
       <p:bldP spid="497776" grpId="0"/>
       <p:bldP spid="497777" grpId="0"/>
       <p:bldP spid="497778" grpId="0"/>
+      <p:bldP spid="497779" grpId="0" animBg="1"/>
+      <p:bldP spid="497780" grpId="0" animBg="1"/>
+      <p:bldP spid="497781" grpId="0" animBg="1"/>
+      <p:bldP spid="497782" grpId="0" animBg="1"/>
     </p:bldLst>
   </p:timing>
 </p:sld>
@@ -28802,29 +28931,13 @@
             <a:endParaRPr lang="bg-BG" sz="3200" dirty="0"/>
           </a:p>
           <a:p>
-            <a:pPr lvl="1"/>
+            <a:r>
+              <a:rPr lang="ru-RU" dirty="0" err="1"/>
+              <a:t>Релационните</a:t>
+            </a:r>
             <a:r>
               <a:rPr lang="ru-RU" dirty="0"/>
-              <a:t>Няма данни, но съдържа </a:t>
-            </a:r>
-            <a:r>
-              <a:rPr lang="ru-RU" b="1" dirty="0">
-                <a:solidFill>
-                  <a:schemeClr val="bg1"/>
-                </a:solidFill>
-              </a:rPr>
-              <a:t>метаданни</a:t>
-            </a:r>
-            <a:endParaRPr lang="bg-BG" b="1" dirty="0">
-              <a:solidFill>
-                <a:schemeClr val="bg1"/>
-              </a:solidFill>
-            </a:endParaRPr>
-          </a:p>
-          <a:p>
-            <a:r>
-              <a:rPr lang="ru-RU" dirty="0"/>
-              <a:t>Релационните схеми се показват </a:t>
+              <a:t> схеми се показват </a:t>
             </a:r>
             <a:r>
               <a:rPr lang="ru-RU" b="1" dirty="0">
@@ -28992,15 +29105,33 @@
                                   </p:childTnLst>
                                 </p:cTn>
                               </p:par>
+                            </p:childTnLst>
+                          </p:cTn>
+                        </p:par>
+                      </p:childTnLst>
+                    </p:cTn>
+                  </p:par>
+                  <p:par>
+                    <p:cTn id="7" fill="hold">
+                      <p:stCondLst>
+                        <p:cond delay="indefinite"/>
+                      </p:stCondLst>
+                      <p:childTnLst>
+                        <p:par>
+                          <p:cTn id="8" fill="hold">
+                            <p:stCondLst>
+                              <p:cond delay="0"/>
+                            </p:stCondLst>
+                            <p:childTnLst>
                               <p:par>
-                                <p:cTn id="7" presetID="1" presetClass="entr" presetSubtype="0" fill="hold" nodeType="withEffect">
+                                <p:cTn id="9" presetID="1" presetClass="entr" presetSubtype="0" fill="hold" nodeType="clickEffect">
                                   <p:stCondLst>
                                     <p:cond delay="0"/>
                                   </p:stCondLst>
                                   <p:childTnLst>
                                     <p:set>
                                       <p:cBhvr>
-                                        <p:cTn id="8" dur="1" fill="hold">
+                                        <p:cTn id="10" dur="1" fill="hold">
                                           <p:stCondLst>
                                             <p:cond delay="0"/>
                                           </p:stCondLst>
@@ -29030,26 +29161,26 @@
                     </p:cTn>
                   </p:par>
                   <p:par>
-                    <p:cTn id="9" fill="hold">
+                    <p:cTn id="11" fill="hold">
                       <p:stCondLst>
                         <p:cond delay="indefinite"/>
                       </p:stCondLst>
                       <p:childTnLst>
                         <p:par>
-                          <p:cTn id="10" fill="hold">
+                          <p:cTn id="12" fill="hold">
                             <p:stCondLst>
                               <p:cond delay="0"/>
                             </p:stCondLst>
                             <p:childTnLst>
                               <p:par>
-                                <p:cTn id="11" presetID="1" presetClass="entr" presetSubtype="0" fill="hold" nodeType="clickEffect">
+                                <p:cTn id="13" presetID="1" presetClass="entr" presetSubtype="0" fill="hold" nodeType="clickEffect">
                                   <p:stCondLst>
                                     <p:cond delay="0"/>
                                   </p:stCondLst>
                                   <p:childTnLst>
                                     <p:set>
                                       <p:cBhvr>
-                                        <p:cTn id="12" dur="1" fill="hold">
+                                        <p:cTn id="14" dur="1" fill="hold">
                                           <p:stCondLst>
                                             <p:cond delay="0"/>
                                           </p:stCondLst>
@@ -29079,50 +29210,19 @@
                     </p:cTn>
                   </p:par>
                   <p:par>
-                    <p:cTn id="13" fill="hold">
+                    <p:cTn id="15" fill="hold">
                       <p:stCondLst>
                         <p:cond delay="indefinite"/>
                       </p:stCondLst>
                       <p:childTnLst>
                         <p:par>
-                          <p:cTn id="14" fill="hold">
+                          <p:cTn id="16" fill="hold">
                             <p:stCondLst>
                               <p:cond delay="0"/>
                             </p:stCondLst>
                             <p:childTnLst>
                               <p:par>
-                                <p:cTn id="15" presetID="1" presetClass="entr" presetSubtype="0" fill="hold" nodeType="clickEffect">
-                                  <p:stCondLst>
-                                    <p:cond delay="0"/>
-                                  </p:stCondLst>
-                                  <p:childTnLst>
-                                    <p:set>
-                                      <p:cBhvr>
-                                        <p:cTn id="16" dur="1" fill="hold">
-                                          <p:stCondLst>
-                                            <p:cond delay="0"/>
-                                          </p:stCondLst>
-                                        </p:cTn>
-                                        <p:tgtEl>
-                                          <p:spTgt spid="481283">
-                                            <p:txEl>
-                                              <p:pRg st="4" end="4"/>
-                                            </p:txEl>
-                                          </p:spTgt>
-                                        </p:tgtEl>
-                                        <p:attrNameLst>
-                                          <p:attrName>style.visibility</p:attrName>
-                                        </p:attrNameLst>
-                                      </p:cBhvr>
-                                      <p:to>
-                                        <p:strVal val="visible"/>
-                                      </p:to>
-                                    </p:set>
-                                  </p:childTnLst>
-                                </p:cTn>
-                              </p:par>
-                              <p:par>
-                                <p:cTn id="17" presetID="1" presetClass="entr" presetSubtype="0" fill="hold" nodeType="withEffect">
+                                <p:cTn id="17" presetID="1" presetClass="entr" presetSubtype="0" fill="hold" nodeType="clickEffect">
                                   <p:stCondLst>
                                     <p:cond delay="0"/>
                                   </p:stCondLst>
@@ -29137,7 +29237,7 @@
                                         <p:tgtEl>
                                           <p:spTgt spid="481283">
                                             <p:txEl>
-                                              <p:pRg st="5" end="5"/>
+                                              <p:pRg st="4" end="4"/>
                                             </p:txEl>
                                           </p:spTgt>
                                         </p:tgtEl>
@@ -29186,7 +29286,7 @@
                                         <p:tgtEl>
                                           <p:spTgt spid="481283">
                                             <p:txEl>
-                                              <p:pRg st="6" end="6"/>
+                                              <p:pRg st="5" end="5"/>
                                             </p:txEl>
                                           </p:spTgt>
                                         </p:tgtEl>
@@ -29694,15 +29794,33 @@
                                   </p:childTnLst>
                                 </p:cTn>
                               </p:par>
+                            </p:childTnLst>
+                          </p:cTn>
+                        </p:par>
+                      </p:childTnLst>
+                    </p:cTn>
+                  </p:par>
+                  <p:par>
+                    <p:cTn id="15" fill="hold">
+                      <p:stCondLst>
+                        <p:cond delay="indefinite"/>
+                      </p:stCondLst>
+                      <p:childTnLst>
+                        <p:par>
+                          <p:cTn id="16" fill="hold">
+                            <p:stCondLst>
+                              <p:cond delay="0"/>
+                            </p:stCondLst>
+                            <p:childTnLst>
                               <p:par>
-                                <p:cTn id="15" presetID="1" presetClass="entr" presetSubtype="0" fill="hold" nodeType="withEffect">
+                                <p:cTn id="17" presetID="1" presetClass="entr" presetSubtype="0" fill="hold" nodeType="clickEffect">
                                   <p:stCondLst>
                                     <p:cond delay="0"/>
                                   </p:stCondLst>
                                   <p:childTnLst>
                                     <p:set>
                                       <p:cBhvr>
-                                        <p:cTn id="16" dur="1" fill="hold">
+                                        <p:cTn id="18" dur="1" fill="hold">
                                           <p:stCondLst>
                                             <p:cond delay="0"/>
                                           </p:stCondLst>
@@ -29974,7 +30092,7 @@
             </a:r>
             <a:r>
               <a:rPr lang="ru-RU" dirty="0"/>
-              <a:t> отляв разгънете вашата база данни</a:t>
+              <a:t> отляво разгънете вашата база данни</a:t>
             </a:r>
             <a:endParaRPr lang="en-US" dirty="0"/>
           </a:p>
@@ -31497,7 +31615,7 @@
                                         <p:tgtEl>
                                           <p:spTgt spid="14">
                                             <p:txEl>
-                                              <p:pRg st="2" end="2"/>
+                                              <p:pRg st="1" end="1"/>
                                             </p:txEl>
                                           </p:spTgt>
                                         </p:tgtEl>
@@ -31546,7 +31664,7 @@
                                         <p:tgtEl>
                                           <p:spTgt spid="14">
                                             <p:txEl>
-                                              <p:pRg st="3" end="3"/>
+                                              <p:pRg st="2" end="2"/>
                                             </p:txEl>
                                           </p:spTgt>
                                         </p:tgtEl>
@@ -31595,6 +31713,55 @@
                                         <p:tgtEl>
                                           <p:spTgt spid="14">
                                             <p:txEl>
+                                              <p:pRg st="3" end="3"/>
+                                            </p:txEl>
+                                          </p:spTgt>
+                                        </p:tgtEl>
+                                        <p:attrNameLst>
+                                          <p:attrName>style.visibility</p:attrName>
+                                        </p:attrNameLst>
+                                      </p:cBhvr>
+                                      <p:to>
+                                        <p:strVal val="visible"/>
+                                      </p:to>
+                                    </p:set>
+                                  </p:childTnLst>
+                                </p:cTn>
+                              </p:par>
+                            </p:childTnLst>
+                          </p:cTn>
+                        </p:par>
+                      </p:childTnLst>
+                    </p:cTn>
+                  </p:par>
+                  <p:par>
+                    <p:cTn id="15" fill="hold">
+                      <p:stCondLst>
+                        <p:cond delay="indefinite"/>
+                      </p:stCondLst>
+                      <p:childTnLst>
+                        <p:par>
+                          <p:cTn id="16" fill="hold">
+                            <p:stCondLst>
+                              <p:cond delay="0"/>
+                            </p:stCondLst>
+                            <p:childTnLst>
+                              <p:par>
+                                <p:cTn id="17" presetID="1" presetClass="entr" presetSubtype="0" fill="hold" nodeType="clickEffect">
+                                  <p:stCondLst>
+                                    <p:cond delay="0"/>
+                                  </p:stCondLst>
+                                  <p:childTnLst>
+                                    <p:set>
+                                      <p:cBhvr>
+                                        <p:cTn id="18" dur="1" fill="hold">
+                                          <p:stCondLst>
+                                            <p:cond delay="0"/>
+                                          </p:stCondLst>
+                                        </p:cTn>
+                                        <p:tgtEl>
+                                          <p:spTgt spid="14">
+                                            <p:txEl>
                                               <p:pRg st="4" end="4"/>
                                             </p:txEl>
                                           </p:spTgt>
@@ -31610,15 +31777,33 @@
                                   </p:childTnLst>
                                 </p:cTn>
                               </p:par>
+                            </p:childTnLst>
+                          </p:cTn>
+                        </p:par>
+                      </p:childTnLst>
+                    </p:cTn>
+                  </p:par>
+                  <p:par>
+                    <p:cTn id="19" fill="hold">
+                      <p:stCondLst>
+                        <p:cond delay="indefinite"/>
+                      </p:stCondLst>
+                      <p:childTnLst>
+                        <p:par>
+                          <p:cTn id="20" fill="hold">
+                            <p:stCondLst>
+                              <p:cond delay="0"/>
+                            </p:stCondLst>
+                            <p:childTnLst>
                               <p:par>
-                                <p:cTn id="15" presetID="1" presetClass="entr" presetSubtype="0" fill="hold" nodeType="withEffect">
+                                <p:cTn id="21" presetID="1" presetClass="entr" presetSubtype="0" fill="hold" nodeType="clickEffect">
                                   <p:stCondLst>
                                     <p:cond delay="0"/>
                                   </p:stCondLst>
                                   <p:childTnLst>
                                     <p:set>
                                       <p:cBhvr>
-                                        <p:cTn id="16" dur="1" fill="hold">
+                                        <p:cTn id="22" dur="1" fill="hold">
                                           <p:stCondLst>
                                             <p:cond delay="0"/>
                                           </p:stCondLst>
@@ -31648,26 +31833,26 @@
                     </p:cTn>
                   </p:par>
                   <p:par>
-                    <p:cTn id="17" fill="hold">
+                    <p:cTn id="23" fill="hold">
                       <p:stCondLst>
                         <p:cond delay="indefinite"/>
                       </p:stCondLst>
                       <p:childTnLst>
                         <p:par>
-                          <p:cTn id="18" fill="hold">
+                          <p:cTn id="24" fill="hold">
                             <p:stCondLst>
                               <p:cond delay="0"/>
                             </p:stCondLst>
                             <p:childTnLst>
                               <p:par>
-                                <p:cTn id="19" presetID="1" presetClass="entr" presetSubtype="0" fill="hold" nodeType="clickEffect">
+                                <p:cTn id="25" presetID="1" presetClass="entr" presetSubtype="0" fill="hold" nodeType="clickEffect">
                                   <p:stCondLst>
                                     <p:cond delay="0"/>
                                   </p:stCondLst>
                                   <p:childTnLst>
                                     <p:set>
                                       <p:cBhvr>
-                                        <p:cTn id="20" dur="1" fill="hold">
+                                        <p:cTn id="26" dur="1" fill="hold">
                                           <p:stCondLst>
                                             <p:cond delay="0"/>
                                           </p:stCondLst>
@@ -31697,26 +31882,26 @@
                     </p:cTn>
                   </p:par>
                   <p:par>
-                    <p:cTn id="21" fill="hold">
+                    <p:cTn id="27" fill="hold">
                       <p:stCondLst>
                         <p:cond delay="indefinite"/>
                       </p:stCondLst>
                       <p:childTnLst>
                         <p:par>
-                          <p:cTn id="22" fill="hold">
+                          <p:cTn id="28" fill="hold">
                             <p:stCondLst>
                               <p:cond delay="0"/>
                             </p:stCondLst>
                             <p:childTnLst>
                               <p:par>
-                                <p:cTn id="23" presetID="1" presetClass="entr" presetSubtype="0" fill="hold" nodeType="clickEffect">
+                                <p:cTn id="29" presetID="1" presetClass="entr" presetSubtype="0" fill="hold" nodeType="clickEffect">
                                   <p:stCondLst>
                                     <p:cond delay="0"/>
                                   </p:stCondLst>
                                   <p:childTnLst>
                                     <p:set>
                                       <p:cBhvr>
-                                        <p:cTn id="24" dur="1" fill="hold">
+                                        <p:cTn id="30" dur="1" fill="hold">
                                           <p:stCondLst>
                                             <p:cond delay="0"/>
                                           </p:stCondLst>
@@ -31746,26 +31931,26 @@
                     </p:cTn>
                   </p:par>
                   <p:par>
-                    <p:cTn id="25" fill="hold">
+                    <p:cTn id="31" fill="hold">
                       <p:stCondLst>
                         <p:cond delay="indefinite"/>
                       </p:stCondLst>
                       <p:childTnLst>
                         <p:par>
-                          <p:cTn id="26" fill="hold">
+                          <p:cTn id="32" fill="hold">
                             <p:stCondLst>
                               <p:cond delay="0"/>
                             </p:stCondLst>
                             <p:childTnLst>
                               <p:par>
-                                <p:cTn id="27" presetID="1" presetClass="entr" presetSubtype="0" fill="hold" nodeType="clickEffect">
+                                <p:cTn id="33" presetID="1" presetClass="entr" presetSubtype="0" fill="hold" nodeType="clickEffect">
                                   <p:stCondLst>
                                     <p:cond delay="0"/>
                                   </p:stCondLst>
                                   <p:childTnLst>
                                     <p:set>
                                       <p:cBhvr>
-                                        <p:cTn id="28" dur="1" fill="hold">
+                                        <p:cTn id="34" dur="1" fill="hold">
                                           <p:stCondLst>
                                             <p:cond delay="0"/>
                                           </p:stCondLst>
@@ -31795,26 +31980,26 @@
                     </p:cTn>
                   </p:par>
                   <p:par>
-                    <p:cTn id="29" fill="hold">
+                    <p:cTn id="35" fill="hold">
                       <p:stCondLst>
                         <p:cond delay="indefinite"/>
                       </p:stCondLst>
                       <p:childTnLst>
                         <p:par>
-                          <p:cTn id="30" fill="hold">
+                          <p:cTn id="36" fill="hold">
                             <p:stCondLst>
                               <p:cond delay="0"/>
                             </p:stCondLst>
                             <p:childTnLst>
                               <p:par>
-                                <p:cTn id="31" presetID="1" presetClass="entr" presetSubtype="0" fill="hold" nodeType="clickEffect">
+                                <p:cTn id="37" presetID="1" presetClass="entr" presetSubtype="0" fill="hold" nodeType="clickEffect">
                                   <p:stCondLst>
                                     <p:cond delay="0"/>
                                   </p:stCondLst>
                                   <p:childTnLst>
                                     <p:set>
                                       <p:cBhvr>
-                                        <p:cTn id="32" dur="1" fill="hold">
+                                        <p:cTn id="38" dur="1" fill="hold">
                                           <p:stCondLst>
                                             <p:cond delay="0"/>
                                           </p:stCondLst>

--- a/Courses/Software-Sciences/Module-3-Databases-New/08-Relationships-and-ER-Diagrams/08-Relationships-ER-Diagrams.pptx
+++ b/Courses/Software-Sciences/Module-3-Databases-New/08-Relationships-and-ER-Diagrams/08-Relationships-ER-Diagrams.pptx
@@ -5,10 +5,10 @@
     <p:sldMasterId id="2147483675" r:id="rId1"/>
   </p:sldMasterIdLst>
   <p:notesMasterIdLst>
-    <p:notesMasterId r:id="rId40"/>
+    <p:notesMasterId r:id="rId37"/>
   </p:notesMasterIdLst>
   <p:handoutMasterIdLst>
-    <p:handoutMasterId r:id="rId41"/>
+    <p:handoutMasterId r:id="rId38"/>
   </p:handoutMasterIdLst>
   <p:sldIdLst>
     <p:sldId id="503" r:id="rId2"/>
@@ -36,19 +36,16 @@
     <p:sldId id="511" r:id="rId24"/>
     <p:sldId id="512" r:id="rId25"/>
     <p:sldId id="513" r:id="rId26"/>
-    <p:sldId id="514" r:id="rId27"/>
-    <p:sldId id="515" r:id="rId28"/>
-    <p:sldId id="516" r:id="rId29"/>
-    <p:sldId id="531" r:id="rId30"/>
-    <p:sldId id="532" r:id="rId31"/>
-    <p:sldId id="534" r:id="rId32"/>
-    <p:sldId id="533" r:id="rId33"/>
-    <p:sldId id="544" r:id="rId34"/>
-    <p:sldId id="546" r:id="rId35"/>
-    <p:sldId id="547" r:id="rId36"/>
-    <p:sldId id="349" r:id="rId37"/>
-    <p:sldId id="504" r:id="rId38"/>
-    <p:sldId id="505" r:id="rId39"/>
+    <p:sldId id="531" r:id="rId27"/>
+    <p:sldId id="532" r:id="rId28"/>
+    <p:sldId id="534" r:id="rId29"/>
+    <p:sldId id="533" r:id="rId30"/>
+    <p:sldId id="544" r:id="rId31"/>
+    <p:sldId id="546" r:id="rId32"/>
+    <p:sldId id="547" r:id="rId33"/>
+    <p:sldId id="349" r:id="rId34"/>
+    <p:sldId id="504" r:id="rId35"/>
+    <p:sldId id="505" r:id="rId36"/>
   </p:sldIdLst>
   <p:sldSz cx="12192000" cy="6858000"/>
   <p:notesSz cx="6858000" cy="9144000"/>
@@ -193,9 +190,6 @@
             <p14:sldId id="511"/>
             <p14:sldId id="512"/>
             <p14:sldId id="513"/>
-            <p14:sldId id="514"/>
-            <p14:sldId id="515"/>
-            <p14:sldId id="516"/>
           </p14:sldIdLst>
         </p14:section>
         <p14:section name="E/R диаграми" id="{C7E521EA-5DED-46D1-AEDE-F7E26D162530}">
@@ -538,7 +532,7 @@
           <a:p>
             <a:fld id="{4E087215-0C8F-4762-A664-737A353EC9A4}" type="datetimeFigureOut">
               <a:rPr lang="bg-BG" smtClean="0"/>
-              <a:t>17.07.24 г.</a:t>
+              <a:t>18.07.24 г.</a:t>
             </a:fld>
             <a:endParaRPr lang="bg-BG"/>
           </a:p>
@@ -734,7 +728,7 @@
           <a:p>
             <a:fld id="{72D84649-876A-46C9-8472-14CB09C070D8}" type="datetimeFigureOut">
               <a:rPr lang="en-US" smtClean="0"/>
-              <a:t>7/17/24</a:t>
+              <a:t>7/18/24</a:t>
             </a:fld>
             <a:endParaRPr lang="en-US"/>
           </a:p>
@@ -1367,7 +1361,7 @@
             <a:fld id="{2BF067CD-8E6B-4360-9AA8-C5DF2A48A6D1}" type="slidenum">
               <a:rPr lang="en-US" smtClean="0"/>
               <a:pPr/>
-              <a:t>31</a:t>
+              <a:t>28</a:t>
             </a:fld>
             <a:endParaRPr lang="en-US" dirty="0"/>
           </a:p>
@@ -1507,7 +1501,7 @@
             <a:fld id="{3EBA5BD7-F043-4D1B-AA17-CD412FC534DE}" type="slidenum">
               <a:rPr lang="en-US" smtClean="0"/>
               <a:pPr/>
-              <a:t>32</a:t>
+              <a:t>29</a:t>
             </a:fld>
             <a:endParaRPr lang="en-US" dirty="0"/>
           </a:p>
@@ -1753,7 +1747,7 @@
             <a:fld id="{3EBA5BD7-F043-4D1B-AA17-CD412FC534DE}" type="slidenum">
               <a:rPr lang="en-US" smtClean="0"/>
               <a:pPr/>
-              <a:t>36</a:t>
+              <a:t>33</a:t>
             </a:fld>
             <a:endParaRPr lang="en-US" dirty="0"/>
           </a:p>
@@ -1999,7 +1993,7 @@
             <a:fld id="{3EBA5BD7-F043-4D1B-AA17-CD412FC534DE}" type="slidenum">
               <a:rPr lang="en-US" smtClean="0"/>
               <a:pPr/>
-              <a:t>37</a:t>
+              <a:t>34</a:t>
             </a:fld>
             <a:endParaRPr lang="en-US" dirty="0"/>
           </a:p>
@@ -2245,7 +2239,7 @@
             <a:fld id="{3EBA5BD7-F043-4D1B-AA17-CD412FC534DE}" type="slidenum">
               <a:rPr lang="en-US" smtClean="0"/>
               <a:pPr/>
-              <a:t>38</a:t>
+              <a:t>35</a:t>
             </a:fld>
             <a:endParaRPr lang="en-US" dirty="0"/>
           </a:p>
@@ -11054,7 +11048,7 @@
           <a:p>
             <a:r>
               <a:rPr lang="ru-RU" dirty="0"/>
-              <a:t>Възниква, когато се опитате да вмъкнете нов запис в таблица, </a:t>
+              <a:t>Възникват, когато се опитаме да вмъкнем нов запис в таблица, </a:t>
             </a:r>
             <a:r>
               <a:rPr lang="bg-BG" dirty="0"/>
@@ -11062,7 +11056,7 @@
             </a:r>
             <a:r>
               <a:rPr lang="ru-RU" dirty="0"/>
-              <a:t>изисква добавяне на </a:t>
+              <a:t>изисква </a:t>
             </a:r>
             <a:r>
               <a:rPr lang="ru-RU" b="1" dirty="0">
@@ -11074,16 +11068,13 @@
             </a:r>
             <a:r>
               <a:rPr lang="ru-RU" dirty="0"/>
-              <a:t>, които все още </a:t>
-            </a:r>
-            <a:r>
-              <a:rPr lang="ru-RU" b="1" dirty="0">
-                <a:solidFill>
-                  <a:schemeClr val="bg1"/>
-                </a:solidFill>
-              </a:rPr>
-              <a:t>нямат смисъл</a:t>
-            </a:r>
+              <a:t>, за които все още нямаме налична стойност</a:t>
+            </a:r>
+            <a:endParaRPr lang="ru-RU" b="1" dirty="0">
+              <a:solidFill>
+                <a:schemeClr val="bg1"/>
+              </a:solidFill>
+            </a:endParaRPr>
           </a:p>
           <a:p>
             <a:r>
@@ -11494,11 +11485,11 @@
                   <a:schemeClr val="bg1"/>
                 </a:solidFill>
               </a:rPr>
-              <a:t>Каскадно </a:t>
+              <a:t>Каскадни </a:t>
             </a:r>
             <a:r>
               <a:rPr lang="bg-BG" dirty="0"/>
-              <a:t>може да бъде или </a:t>
+              <a:t>могат да бъдат и </a:t>
             </a:r>
             <a:r>
               <a:rPr lang="bg-BG" b="1" dirty="0">
@@ -11522,7 +11513,7 @@
             </a:r>
             <a:r>
               <a:rPr lang="bg-BG" dirty="0"/>
-              <a:t>или </a:t>
+              <a:t>и </a:t>
             </a:r>
             <a:r>
               <a:rPr lang="bg-BG" b="1" dirty="0">
@@ -12082,7 +12073,7 @@
           <p:nvPr>
             <p:extLst>
               <p:ext uri="{D42A27DB-BD31-4B8C-83A1-F6EECF244321}">
-                <p14:modId xmlns:p14="http://schemas.microsoft.com/office/powerpoint/2010/main" val="1242051377"/>
+                <p14:modId xmlns:p14="http://schemas.microsoft.com/office/powerpoint/2010/main" val="291670711"/>
               </p:ext>
             </p:extLst>
           </p:nvPr>
@@ -12125,7 +12116,7 @@
                             <a:schemeClr val="tx1"/>
                           </a:solidFill>
                         </a:rPr>
-                        <a:t>OrderID</a:t>
+                        <a:t>OrderId</a:t>
                       </a:r>
                     </a:p>
                   </a:txBody>
@@ -13020,15 +13011,33 @@
                                   </p:childTnLst>
                                 </p:cTn>
                               </p:par>
+                            </p:childTnLst>
+                          </p:cTn>
+                        </p:par>
+                      </p:childTnLst>
+                    </p:cTn>
+                  </p:par>
+                  <p:par>
+                    <p:cTn id="7" fill="hold">
+                      <p:stCondLst>
+                        <p:cond delay="indefinite"/>
+                      </p:stCondLst>
+                      <p:childTnLst>
+                        <p:par>
+                          <p:cTn id="8" fill="hold">
+                            <p:stCondLst>
+                              <p:cond delay="0"/>
+                            </p:stCondLst>
+                            <p:childTnLst>
                               <p:par>
-                                <p:cTn id="7" presetID="1" presetClass="entr" presetSubtype="0" fill="hold" grpId="0" nodeType="withEffect">
+                                <p:cTn id="9" presetID="1" presetClass="entr" presetSubtype="0" fill="hold" grpId="0" nodeType="clickEffect">
                                   <p:stCondLst>
                                     <p:cond delay="0"/>
                                   </p:stCondLst>
                                   <p:childTnLst>
                                     <p:set>
                                       <p:cBhvr>
-                                        <p:cTn id="8" dur="1" fill="hold">
+                                        <p:cTn id="10" dur="1" fill="hold">
                                           <p:stCondLst>
                                             <p:cond delay="0"/>
                                           </p:stCondLst>
@@ -13047,15 +13056,33 @@
                                   </p:childTnLst>
                                 </p:cTn>
                               </p:par>
+                            </p:childTnLst>
+                          </p:cTn>
+                        </p:par>
+                      </p:childTnLst>
+                    </p:cTn>
+                  </p:par>
+                  <p:par>
+                    <p:cTn id="11" fill="hold">
+                      <p:stCondLst>
+                        <p:cond delay="indefinite"/>
+                      </p:stCondLst>
+                      <p:childTnLst>
+                        <p:par>
+                          <p:cTn id="12" fill="hold">
+                            <p:stCondLst>
+                              <p:cond delay="0"/>
+                            </p:stCondLst>
+                            <p:childTnLst>
                               <p:par>
-                                <p:cTn id="9" presetID="1" presetClass="entr" presetSubtype="0" fill="hold" grpId="0" nodeType="withEffect">
+                                <p:cTn id="13" presetID="1" presetClass="entr" presetSubtype="0" fill="hold" grpId="0" nodeType="clickEffect">
                                   <p:stCondLst>
                                     <p:cond delay="0"/>
                                   </p:stCondLst>
                                   <p:childTnLst>
                                     <p:set>
                                       <p:cBhvr>
-                                        <p:cTn id="10" dur="1" fill="hold">
+                                        <p:cTn id="14" dur="1" fill="hold">
                                           <p:stCondLst>
                                             <p:cond delay="0"/>
                                           </p:stCondLst>
@@ -13077,21 +13104,30 @@
                             </p:childTnLst>
                           </p:cTn>
                         </p:par>
+                      </p:childTnLst>
+                    </p:cTn>
+                  </p:par>
+                  <p:par>
+                    <p:cTn id="15" fill="hold">
+                      <p:stCondLst>
+                        <p:cond delay="indefinite"/>
+                      </p:stCondLst>
+                      <p:childTnLst>
                         <p:par>
-                          <p:cTn id="11" fill="hold">
+                          <p:cTn id="16" fill="hold">
                             <p:stCondLst>
                               <p:cond delay="0"/>
                             </p:stCondLst>
                             <p:childTnLst>
                               <p:par>
-                                <p:cTn id="12" presetID="10" presetClass="entr" presetSubtype="0" fill="hold" grpId="0" nodeType="afterEffect">
+                                <p:cTn id="17" presetID="10" presetClass="entr" presetSubtype="0" fill="hold" grpId="0" nodeType="clickEffect">
                                   <p:stCondLst>
                                     <p:cond delay="0"/>
                                   </p:stCondLst>
                                   <p:childTnLst>
                                     <p:set>
                                       <p:cBhvr>
-                                        <p:cTn id="13" dur="1" fill="hold">
+                                        <p:cTn id="18" dur="1" fill="hold">
                                           <p:stCondLst>
                                             <p:cond delay="0"/>
                                           </p:stCondLst>
@@ -13109,7 +13145,7 @@
                                     </p:set>
                                     <p:animEffect transition="in" filter="fade">
                                       <p:cBhvr>
-                                        <p:cTn id="14" dur="500"/>
+                                        <p:cTn id="19" dur="500"/>
                                         <p:tgtEl>
                                           <p:spTgt spid="20"/>
                                         </p:tgtEl>
@@ -13122,20 +13158,20 @@
                           </p:cTn>
                         </p:par>
                         <p:par>
-                          <p:cTn id="15" fill="hold">
+                          <p:cTn id="20" fill="hold">
                             <p:stCondLst>
                               <p:cond delay="500"/>
                             </p:stCondLst>
                             <p:childTnLst>
                               <p:par>
-                                <p:cTn id="16" presetID="22" presetClass="entr" presetSubtype="8" fill="hold" nodeType="afterEffect">
+                                <p:cTn id="21" presetID="22" presetClass="entr" presetSubtype="8" fill="hold" nodeType="afterEffect">
                                   <p:stCondLst>
                                     <p:cond delay="0"/>
                                   </p:stCondLst>
                                   <p:childTnLst>
                                     <p:set>
                                       <p:cBhvr>
-                                        <p:cTn id="17" dur="1" fill="hold">
+                                        <p:cTn id="22" dur="1" fill="hold">
                                           <p:stCondLst>
                                             <p:cond delay="0"/>
                                           </p:stCondLst>
@@ -13153,7 +13189,7 @@
                                     </p:set>
                                     <p:animEffect transition="in" filter="wipe(left)">
                                       <p:cBhvr>
-                                        <p:cTn id="18" dur="500"/>
+                                        <p:cTn id="23" dur="5000"/>
                                         <p:tgtEl>
                                           <p:spTgt spid="12"/>
                                         </p:tgtEl>
@@ -13163,14 +13199,14 @@
                                 </p:cTn>
                               </p:par>
                               <p:par>
-                                <p:cTn id="19" presetID="22" presetClass="entr" presetSubtype="8" fill="hold" nodeType="withEffect">
+                                <p:cTn id="24" presetID="22" presetClass="entr" presetSubtype="8" fill="hold" nodeType="withEffect">
                                   <p:stCondLst>
                                     <p:cond delay="0"/>
                                   </p:stCondLst>
                                   <p:childTnLst>
                                     <p:set>
                                       <p:cBhvr>
-                                        <p:cTn id="20" dur="1" fill="hold">
+                                        <p:cTn id="25" dur="1" fill="hold">
                                           <p:stCondLst>
                                             <p:cond delay="0"/>
                                           </p:stCondLst>
@@ -13188,7 +13224,7 @@
                                     </p:set>
                                     <p:animEffect transition="in" filter="wipe(left)">
                                       <p:cBhvr>
-                                        <p:cTn id="21" dur="500"/>
+                                        <p:cTn id="26" dur="5000"/>
                                         <p:tgtEl>
                                           <p:spTgt spid="8"/>
                                         </p:tgtEl>
@@ -13198,14 +13234,14 @@
                                 </p:cTn>
                               </p:par>
                               <p:par>
-                                <p:cTn id="22" presetID="10" presetClass="entr" presetSubtype="0" fill="hold" grpId="0" nodeType="withEffect">
+                                <p:cTn id="27" presetID="10" presetClass="entr" presetSubtype="0" fill="hold" grpId="0" nodeType="withEffect">
                                   <p:stCondLst>
                                     <p:cond delay="0"/>
                                   </p:stCondLst>
                                   <p:childTnLst>
                                     <p:set>
                                       <p:cBhvr>
-                                        <p:cTn id="23" dur="1" fill="hold">
+                                        <p:cTn id="28" dur="1" fill="hold">
                                           <p:stCondLst>
                                             <p:cond delay="0"/>
                                           </p:stCondLst>
@@ -13223,7 +13259,7 @@
                                     </p:set>
                                     <p:animEffect transition="in" filter="fade">
                                       <p:cBhvr>
-                                        <p:cTn id="24" dur="500"/>
+                                        <p:cTn id="29" dur="500"/>
                                         <p:tgtEl>
                                           <p:spTgt spid="27"/>
                                         </p:tgtEl>
@@ -13236,20 +13272,20 @@
                           </p:cTn>
                         </p:par>
                         <p:par>
-                          <p:cTn id="25" fill="hold">
+                          <p:cTn id="30" fill="hold">
                             <p:stCondLst>
-                              <p:cond delay="1000"/>
+                              <p:cond delay="5500"/>
                             </p:stCondLst>
                             <p:childTnLst>
                               <p:par>
-                                <p:cTn id="26" presetID="10" presetClass="entr" presetSubtype="0" fill="hold" grpId="0" nodeType="afterEffect">
+                                <p:cTn id="31" presetID="10" presetClass="entr" presetSubtype="0" fill="hold" grpId="0" nodeType="afterEffect">
                                   <p:stCondLst>
                                     <p:cond delay="0"/>
                                   </p:stCondLst>
                                   <p:childTnLst>
                                     <p:set>
                                       <p:cBhvr>
-                                        <p:cTn id="27" dur="1" fill="hold">
+                                        <p:cTn id="32" dur="1" fill="hold">
                                           <p:stCondLst>
                                             <p:cond delay="0"/>
                                           </p:stCondLst>
@@ -13267,7 +13303,7 @@
                                     </p:set>
                                     <p:animEffect transition="in" filter="fade">
                                       <p:cBhvr>
-                                        <p:cTn id="28" dur="500"/>
+                                        <p:cTn id="33" dur="5000"/>
                                         <p:tgtEl>
                                           <p:spTgt spid="16"/>
                                         </p:tgtEl>
@@ -13277,14 +13313,14 @@
                                 </p:cTn>
                               </p:par>
                               <p:par>
-                                <p:cTn id="29" presetID="10" presetClass="entr" presetSubtype="0" fill="hold" grpId="0" nodeType="withEffect">
+                                <p:cTn id="34" presetID="10" presetClass="entr" presetSubtype="0" fill="hold" grpId="0" nodeType="withEffect">
                                   <p:stCondLst>
                                     <p:cond delay="0"/>
                                   </p:stCondLst>
                                   <p:childTnLst>
                                     <p:set>
                                       <p:cBhvr>
-                                        <p:cTn id="30" dur="1" fill="hold">
+                                        <p:cTn id="35" dur="1" fill="hold">
                                           <p:stCondLst>
                                             <p:cond delay="0"/>
                                           </p:stCondLst>
@@ -13302,7 +13338,7 @@
                                     </p:set>
                                     <p:animEffect transition="in" filter="fade">
                                       <p:cBhvr>
-                                        <p:cTn id="31" dur="500"/>
+                                        <p:cTn id="36" dur="500"/>
                                         <p:tgtEl>
                                           <p:spTgt spid="19"/>
                                         </p:tgtEl>
@@ -14062,13 +14098,13 @@
           </a:p>
           <a:p>
             <a:r>
-              <a:rPr lang="en-US" sz="3000" b="1" noProof="1">
+              <a:rPr lang="bg-BG" sz="3000" b="1" noProof="1">
                 <a:solidFill>
-                  <a:schemeClr val="tx2"/>
+                  <a:schemeClr val="bg1"/>
                 </a:solidFill>
                 <a:latin typeface="Consolas" panose="020B0609020204030204" pitchFamily="49" charset="0"/>
               </a:rPr>
-              <a:t>  CONSTRAINT FK_Car_Driver </a:t>
+              <a:t>  </a:t>
             </a:r>
             <a:r>
               <a:rPr lang="en-US" sz="3000" b="1" noProof="1">
@@ -14194,13 +14230,13 @@
         </p:nvSpPr>
         <p:spPr bwMode="auto">
           <a:xfrm>
-            <a:off x="8763001" y="4164432"/>
+            <a:off x="5781000" y="4239000"/>
             <a:ext cx="2229557" cy="559968"/>
           </a:xfrm>
           <a:prstGeom prst="wedgeRoundRectCallout">
             <a:avLst>
-              <a:gd name="adj1" fmla="val -39704"/>
-              <a:gd name="adj2" fmla="val 104311"/>
+              <a:gd name="adj1" fmla="val -77921"/>
+              <a:gd name="adj2" fmla="val 87610"/>
               <a:gd name="adj3" fmla="val 16667"/>
             </a:avLst>
           </a:prstGeom>
@@ -19844,7 +19880,9 @@
           </a:prstGeom>
         </p:spPr>
         <p:txBody>
-          <a:bodyPr/>
+          <a:bodyPr>
+            <a:normAutofit/>
+          </a:bodyPr>
           <a:lstStyle/>
           <a:p>
             <a:pPr>
@@ -19856,7 +19894,7 @@
               </a:buClr>
             </a:pPr>
             <a:r>
-              <a:rPr lang="bg-BG" b="1" dirty="0">
+              <a:rPr lang="bg-BG" sz="3200" b="1" dirty="0">
                 <a:solidFill>
                   <a:schemeClr val="bg1"/>
                 </a:solidFill>
@@ -19865,7 +19903,7 @@
               <a:t>Втора </a:t>
             </a:r>
             <a:r>
-              <a:rPr lang="bg-BG" dirty="0">
+              <a:rPr lang="bg-BG" sz="3200" dirty="0">
                 <a:solidFill>
                   <a:srgbClr val="224464"/>
                 </a:solidFill>
@@ -19873,7 +19911,7 @@
               </a:rPr>
               <a:t>нормална форма</a:t>
             </a:r>
-            <a:endParaRPr lang="bg-BG" dirty="0">
+            <a:endParaRPr lang="bg-BG" sz="3200" dirty="0">
               <a:solidFill>
                 <a:srgbClr val="224464"/>
               </a:solidFill>
@@ -19886,11 +19924,11 @@
               </a:lnSpc>
             </a:pPr>
             <a:r>
-              <a:rPr lang="ru-RU" dirty="0"/>
+              <a:rPr lang="ru-RU" sz="3000" dirty="0"/>
               <a:t>Запазва всички изисквания на </a:t>
             </a:r>
             <a:r>
-              <a:rPr lang="ru-RU" b="1" dirty="0">
+              <a:rPr lang="ru-RU" sz="3000" b="1" dirty="0">
                 <a:solidFill>
                   <a:schemeClr val="bg1"/>
                 </a:solidFill>
@@ -19898,14 +19936,14 @@
               <a:t>1-ва </a:t>
             </a:r>
             <a:r>
-              <a:rPr lang="ru-RU" dirty="0">
+              <a:rPr lang="ru-RU" sz="3000" dirty="0">
                 <a:solidFill>
                   <a:srgbClr val="224464"/>
                 </a:solidFill>
               </a:rPr>
               <a:t>нормална форма</a:t>
             </a:r>
-            <a:endParaRPr lang="en-US" dirty="0">
+            <a:endParaRPr lang="en-US" sz="3000" dirty="0">
               <a:solidFill>
                 <a:srgbClr val="224464"/>
               </a:solidFill>
@@ -19918,10 +19956,26 @@
               </a:lnSpc>
             </a:pPr>
             <a:r>
-              <a:rPr lang="ru-RU" dirty="0"/>
-              <a:t>Няма колони, които да не зависят от част от първичния ключ (ако се състои от няколко колони)</a:t>
-            </a:r>
-            <a:endParaRPr lang="en-US" dirty="0"/>
+              <a:rPr lang="ru-RU" sz="3000" b="1" dirty="0"/>
+              <a:t>Всички колони</a:t>
+            </a:r>
+            <a:r>
+              <a:rPr lang="ru-RU" sz="3000" dirty="0"/>
+              <a:t>, които не са първичен ключ, трябва да </a:t>
+            </a:r>
+            <a:r>
+              <a:rPr lang="ru-RU" sz="3000" b="1" dirty="0">
+                <a:solidFill>
+                  <a:schemeClr val="bg1"/>
+                </a:solidFill>
+              </a:rPr>
+              <a:t>зависят изцяло </a:t>
+            </a:r>
+            <a:r>
+              <a:rPr lang="ru-RU" sz="3000" dirty="0"/>
+              <a:t>от първичния ключ (дори ако той е съставен)</a:t>
+            </a:r>
+            <a:endParaRPr lang="en-US" sz="3000" dirty="0"/>
           </a:p>
         </p:txBody>
       </p:sp>
@@ -19960,7 +20014,7 @@
           <p:nvPr>
             <p:extLst>
               <p:ext uri="{D42A27DB-BD31-4B8C-83A1-F6EECF244321}">
-                <p14:modId xmlns:p14="http://schemas.microsoft.com/office/powerpoint/2010/main" val="1102571627"/>
+                <p14:modId xmlns:p14="http://schemas.microsoft.com/office/powerpoint/2010/main" val="2737926597"/>
               </p:ext>
             </p:extLst>
           </p:nvPr>
@@ -20279,9 +20333,10 @@
                     <a:bodyPr/>
                     <a:lstStyle/>
                     <a:p>
+                      <a:pPr algn="ctr"/>
                       <a:r>
                         <a:rPr lang="en-GB" sz="2200" noProof="1"/>
-                        <a:t>3847028437</a:t>
+                        <a:t>Bai Kiro</a:t>
                       </a:r>
                     </a:p>
                   </a:txBody>
@@ -20323,10 +20378,12 @@
                     <a:bodyPr/>
                     <a:lstStyle/>
                     <a:p>
+                      <a:pPr algn="ctr"/>
                       <a:r>
-                        <a:rPr lang="en-GB" sz="2200" noProof="1"/>
-                        <a:t>Mr. Kiro</a:t>
+                        <a:rPr lang="bg-BG" sz="2200" noProof="1"/>
+                        <a:t>15.99</a:t>
                       </a:r>
+                      <a:endParaRPr lang="en-GB" sz="2200" noProof="1"/>
                     </a:p>
                   </a:txBody>
                   <a:tcPr marL="91464" marR="91464" anchor="ctr">
@@ -20370,6 +20427,7 @@
                     <a:bodyPr/>
                     <a:lstStyle/>
                     <a:p>
+                      <a:pPr algn="ctr"/>
                       <a:r>
                         <a:rPr lang="en-GB" sz="2200" noProof="1"/>
                         <a:t>bai-kiro@abv.bg</a:t>
@@ -20466,9 +20524,10 @@
                     <a:bodyPr/>
                     <a:lstStyle/>
                     <a:p>
+                      <a:pPr algn="ctr"/>
                       <a:r>
                         <a:rPr lang="en-GB" sz="2200" noProof="1"/>
-                        <a:t>7234534450</a:t>
+                        <a:t>Dqdo Mraz</a:t>
                       </a:r>
                     </a:p>
                   </a:txBody>
@@ -20510,10 +20569,12 @@
                     <a:bodyPr/>
                     <a:lstStyle/>
                     <a:p>
+                      <a:pPr algn="ctr"/>
                       <a:r>
-                        <a:rPr lang="en-GB" sz="2200" noProof="1"/>
-                        <a:t>Santa Claus</a:t>
+                        <a:rPr lang="bg-BG" sz="2200" noProof="1"/>
+                        <a:t>20.99</a:t>
                       </a:r>
+                      <a:endParaRPr lang="en-GB" sz="2200" noProof="1"/>
                     </a:p>
                   </a:txBody>
                   <a:tcPr marL="91464" marR="91464" anchor="ctr">
@@ -20557,9 +20618,10 @@
                     <a:bodyPr/>
                     <a:lstStyle/>
                     <a:p>
+                      <a:pPr algn="ctr"/>
                       <a:r>
                         <a:rPr lang="en-GB" sz="2200" noProof="1"/>
-                        <a:t>dedo@mraz.org</a:t>
+                        <a:t>dqdo@mraz.org</a:t>
                       </a:r>
                     </a:p>
                   </a:txBody>
@@ -20687,7 +20749,7 @@
                   <a:srgbClr val="FFFFFF"/>
                 </a:solidFill>
               </a:rPr>
-              <a:t> принадлежи на </a:t>
+              <a:t> зависи само  от </a:t>
             </a:r>
             <a:r>
               <a:rPr lang="bg-BG" sz="2399" b="1" noProof="1">
@@ -20789,7 +20851,7 @@
                   <a:srgbClr val="FFFFFF"/>
                 </a:solidFill>
               </a:rPr>
-              <a:t>принадлежи на </a:t>
+              <a:t>зависи само от </a:t>
             </a:r>
             <a:r>
               <a:rPr lang="bg-BG" sz="2399" b="1" noProof="1">
@@ -21086,7505 +21148,6 @@
           <a:chExt cx="0" cy="0"/>
         </a:xfrm>
       </p:grpSpPr>
-      <p:sp>
-        <p:nvSpPr>
-          <p:cNvPr id="3" name="Content Placeholder 2"/>
-          <p:cNvSpPr>
-            <a:spLocks noGrp="1"/>
-          </p:cNvSpPr>
-          <p:nvPr>
-            <p:ph idx="4294967295"/>
-          </p:nvPr>
-        </p:nvSpPr>
-        <p:spPr>
-          <a:xfrm>
-            <a:off x="190463" y="1151122"/>
-            <a:ext cx="11807897" cy="5570355"/>
-          </a:xfrm>
-          <a:prstGeom prst="rect">
-            <a:avLst/>
-          </a:prstGeom>
-        </p:spPr>
-        <p:txBody>
-          <a:bodyPr/>
-          <a:lstStyle/>
-          <a:p>
-            <a:pPr>
-              <a:lnSpc>
-                <a:spcPct val="100000"/>
-              </a:lnSpc>
-              <a:buClr>
-                <a:schemeClr val="tx2"/>
-              </a:buClr>
-            </a:pPr>
-            <a:r>
-              <a:rPr lang="bg-BG" b="1" dirty="0">
-                <a:solidFill>
-                  <a:schemeClr val="bg1"/>
-                </a:solidFill>
-                <a:cs typeface="Consolas" pitchFamily="49" charset="0"/>
-              </a:rPr>
-              <a:t>Трета </a:t>
-            </a:r>
-            <a:r>
-              <a:rPr lang="bg-BG" dirty="0">
-                <a:solidFill>
-                  <a:srgbClr val="224464"/>
-                </a:solidFill>
-                <a:cs typeface="Consolas" pitchFamily="49" charset="0"/>
-              </a:rPr>
-              <a:t>нормална форма</a:t>
-            </a:r>
-            <a:endParaRPr lang="bg-BG" dirty="0">
-              <a:solidFill>
-                <a:srgbClr val="224464"/>
-              </a:solidFill>
-            </a:endParaRPr>
-          </a:p>
-          <a:p>
-            <a:pPr lvl="1">
-              <a:lnSpc>
-                <a:spcPct val="100000"/>
-              </a:lnSpc>
-            </a:pPr>
-            <a:r>
-              <a:rPr lang="ru-RU" dirty="0"/>
-              <a:t>Запазва всички изисквания на </a:t>
-            </a:r>
-            <a:r>
-              <a:rPr lang="ru-RU" b="1" dirty="0">
-                <a:solidFill>
-                  <a:schemeClr val="bg1"/>
-                </a:solidFill>
-              </a:rPr>
-              <a:t>2-ра</a:t>
-            </a:r>
-            <a:r>
-              <a:rPr lang="ru-RU" dirty="0"/>
-              <a:t> нормална форма</a:t>
-            </a:r>
-            <a:endParaRPr lang="bg-BG" dirty="0"/>
-          </a:p>
-          <a:p>
-            <a:pPr lvl="1">
-              <a:lnSpc>
-                <a:spcPct val="100000"/>
-              </a:lnSpc>
-            </a:pPr>
-            <a:r>
-              <a:rPr lang="ru-RU" dirty="0"/>
-              <a:t>Единствените зависимости между колоните са от тип "колона зависи от PK"</a:t>
-            </a:r>
-            <a:endParaRPr lang="bg-BG" dirty="0"/>
-          </a:p>
-          <a:p>
-            <a:pPr>
-              <a:lnSpc>
-                <a:spcPct val="100000"/>
-              </a:lnSpc>
-            </a:pPr>
-            <a:endParaRPr lang="en-US" dirty="0"/>
-          </a:p>
-        </p:txBody>
-      </p:sp>
-      <p:sp>
-        <p:nvSpPr>
-          <p:cNvPr id="2" name="Title 1"/>
-          <p:cNvSpPr>
-            <a:spLocks noGrp="1"/>
-          </p:cNvSpPr>
-          <p:nvPr>
-            <p:ph type="title"/>
-          </p:nvPr>
-        </p:nvSpPr>
-        <p:spPr/>
-        <p:txBody>
-          <a:bodyPr/>
-          <a:lstStyle/>
-          <a:p>
-            <a:r>
-              <a:rPr lang="bg-BG" dirty="0"/>
-              <a:t>Нормализация </a:t>
-            </a:r>
-            <a:r>
-              <a:rPr lang="en-US" dirty="0"/>
-              <a:t>(4)</a:t>
-            </a:r>
-          </a:p>
-        </p:txBody>
-      </p:sp>
-      <p:graphicFrame>
-        <p:nvGraphicFramePr>
-          <p:cNvPr id="7" name="object 14"/>
-          <p:cNvGraphicFramePr>
-            <a:graphicFrameLocks noGrp="1"/>
-          </p:cNvGraphicFramePr>
-          <p:nvPr>
-            <p:extLst>
-              <p:ext uri="{D42A27DB-BD31-4B8C-83A1-F6EECF244321}">
-                <p14:modId xmlns:p14="http://schemas.microsoft.com/office/powerpoint/2010/main" val="1102571627"/>
-              </p:ext>
-            </p:extLst>
-          </p:nvPr>
-        </p:nvGraphicFramePr>
-        <p:xfrm>
-          <a:off x="1104900" y="3733800"/>
-          <a:ext cx="9982200" cy="2689789"/>
-        </p:xfrm>
-        <a:graphic>
-          <a:graphicData uri="http://schemas.openxmlformats.org/drawingml/2006/table">
-            <a:tbl>
-              <a:tblPr firstRow="1" bandRow="1">
-                <a:tableStyleId>{2D5ABB26-0587-4C30-8999-92F81FD0307C}</a:tableStyleId>
-              </a:tblPr>
-              <a:tblGrid>
-                <a:gridCol w="609600">
-                  <a:extLst>
-                    <a:ext uri="{9D8B030D-6E8A-4147-A177-3AD203B41FA5}">
-                      <a16:colId xmlns:a16="http://schemas.microsoft.com/office/drawing/2014/main" val="20000"/>
-                    </a:ext>
-                  </a:extLst>
-                </a:gridCol>
-                <a:gridCol w="2743200">
-                  <a:extLst>
-                    <a:ext uri="{9D8B030D-6E8A-4147-A177-3AD203B41FA5}">
-                      <a16:colId xmlns:a16="http://schemas.microsoft.com/office/drawing/2014/main" val="20001"/>
-                    </a:ext>
-                  </a:extLst>
-                </a:gridCol>
-                <a:gridCol w="1752600">
-                  <a:extLst>
-                    <a:ext uri="{9D8B030D-6E8A-4147-A177-3AD203B41FA5}">
-                      <a16:colId xmlns:a16="http://schemas.microsoft.com/office/drawing/2014/main" val="20002"/>
-                    </a:ext>
-                  </a:extLst>
-                </a:gridCol>
-                <a:gridCol w="1219200">
-                  <a:extLst>
-                    <a:ext uri="{9D8B030D-6E8A-4147-A177-3AD203B41FA5}">
-                      <a16:colId xmlns:a16="http://schemas.microsoft.com/office/drawing/2014/main" val="20003"/>
-                    </a:ext>
-                  </a:extLst>
-                </a:gridCol>
-                <a:gridCol w="1447800">
-                  <a:extLst>
-                    <a:ext uri="{9D8B030D-6E8A-4147-A177-3AD203B41FA5}">
-                      <a16:colId xmlns:a16="http://schemas.microsoft.com/office/drawing/2014/main" val="20004"/>
-                    </a:ext>
-                  </a:extLst>
-                </a:gridCol>
-                <a:gridCol w="1066800">
-                  <a:extLst>
-                    <a:ext uri="{9D8B030D-6E8A-4147-A177-3AD203B41FA5}">
-                      <a16:colId xmlns:a16="http://schemas.microsoft.com/office/drawing/2014/main" val="20005"/>
-                    </a:ext>
-                  </a:extLst>
-                </a:gridCol>
-                <a:gridCol w="1143000">
-                  <a:extLst>
-                    <a:ext uri="{9D8B030D-6E8A-4147-A177-3AD203B41FA5}">
-                      <a16:colId xmlns:a16="http://schemas.microsoft.com/office/drawing/2014/main" val="20006"/>
-                    </a:ext>
-                  </a:extLst>
-                </a:gridCol>
-              </a:tblGrid>
-              <a:tr h="644617">
-                <a:tc>
-                  <a:txBody>
-                    <a:bodyPr/>
-                    <a:lstStyle/>
-                    <a:p>
-                      <a:pPr algn="ctr"/>
-                      <a:r>
-                        <a:rPr lang="en-GB" sz="2200" b="1" noProof="1">
-                          <a:effectLst/>
-                          <a:latin typeface="+mj-lt"/>
-                        </a:rPr>
-                        <a:t>Id</a:t>
-                      </a:r>
-                    </a:p>
-                  </a:txBody>
-                  <a:tcPr marL="91464" marR="91464" anchor="ctr">
-                    <a:lnL w="28575">
-                      <a:solidFill>
-                        <a:srgbClr val="DFE2E9"/>
-                      </a:solidFill>
-                      <a:prstDash val="solid"/>
-                    </a:lnL>
-                    <a:lnR w="12700">
-                      <a:solidFill>
-                        <a:srgbClr val="DFE2E9"/>
-                      </a:solidFill>
-                      <a:prstDash val="solid"/>
-                    </a:lnR>
-                    <a:lnT w="28575">
-                      <a:solidFill>
-                        <a:srgbClr val="DFE2E9"/>
-                      </a:solidFill>
-                      <a:prstDash val="solid"/>
-                    </a:lnT>
-                    <a:lnB w="28575" cap="flat" cmpd="sng" algn="ctr">
-                      <a:solidFill>
-                        <a:srgbClr val="DFE2E9"/>
-                      </a:solidFill>
-                      <a:prstDash val="solid"/>
-                      <a:round/>
-                      <a:headEnd type="none" w="med" len="med"/>
-                      <a:tailEnd type="none" w="med" len="med"/>
-                    </a:lnB>
-                    <a:solidFill>
-                      <a:srgbClr val="D0D4DC"/>
-                    </a:solidFill>
-                  </a:tcPr>
-                </a:tc>
-                <a:tc>
-                  <a:txBody>
-                    <a:bodyPr/>
-                    <a:lstStyle/>
-                    <a:p>
-                      <a:pPr algn="ctr"/>
-                      <a:r>
-                        <a:rPr lang="en-GB" sz="2200" b="1" noProof="1">
-                          <a:effectLst/>
-                          <a:latin typeface="+mj-lt"/>
-                        </a:rPr>
-                        <a:t>Product</a:t>
-                      </a:r>
-                    </a:p>
-                  </a:txBody>
-                  <a:tcPr marL="91464" marR="91464" anchor="ctr">
-                    <a:lnL w="12700">
-                      <a:solidFill>
-                        <a:srgbClr val="DFE2E9"/>
-                      </a:solidFill>
-                      <a:prstDash val="solid"/>
-                    </a:lnL>
-                    <a:lnR w="12700" cap="flat" cmpd="sng" algn="ctr">
-                      <a:solidFill>
-                        <a:srgbClr val="DFE2E9"/>
-                      </a:solidFill>
-                      <a:prstDash val="solid"/>
-                      <a:round/>
-                      <a:headEnd type="none" w="med" len="med"/>
-                      <a:tailEnd type="none" w="med" len="med"/>
-                    </a:lnR>
-                    <a:lnT w="28575">
-                      <a:solidFill>
-                        <a:srgbClr val="DFE2E9"/>
-                      </a:solidFill>
-                      <a:prstDash val="solid"/>
-                    </a:lnT>
-                    <a:lnB w="28575" cap="flat" cmpd="sng" algn="ctr">
-                      <a:solidFill>
-                        <a:srgbClr val="DFE2E9"/>
-                      </a:solidFill>
-                      <a:prstDash val="solid"/>
-                      <a:round/>
-                      <a:headEnd type="none" w="med" len="med"/>
-                      <a:tailEnd type="none" w="med" len="med"/>
-                    </a:lnB>
-                    <a:solidFill>
-                      <a:srgbClr val="D0D4DC"/>
-                    </a:solidFill>
-                  </a:tcPr>
-                </a:tc>
-                <a:tc>
-                  <a:txBody>
-                    <a:bodyPr/>
-                    <a:lstStyle/>
-                    <a:p>
-                      <a:pPr algn="ctr"/>
-                      <a:r>
-                        <a:rPr lang="en-GB" sz="2200" b="1" noProof="1">
-                          <a:effectLst/>
-                          <a:latin typeface="+mj-lt"/>
-                        </a:rPr>
-                        <a:t>ProducerId</a:t>
-                      </a:r>
-                    </a:p>
-                  </a:txBody>
-                  <a:tcPr marL="91464" marR="91464" anchor="ctr">
-                    <a:lnL w="12700">
-                      <a:solidFill>
-                        <a:srgbClr val="DFE2E9"/>
-                      </a:solidFill>
-                      <a:prstDash val="solid"/>
-                    </a:lnL>
-                    <a:lnR w="12700" cap="flat" cmpd="sng" algn="ctr">
-                      <a:solidFill>
-                        <a:srgbClr val="DFE2E9"/>
-                      </a:solidFill>
-                      <a:prstDash val="solid"/>
-                      <a:round/>
-                      <a:headEnd type="none" w="med" len="med"/>
-                      <a:tailEnd type="none" w="med" len="med"/>
-                    </a:lnR>
-                    <a:lnT w="28575">
-                      <a:solidFill>
-                        <a:srgbClr val="DFE2E9"/>
-                      </a:solidFill>
-                      <a:prstDash val="solid"/>
-                    </a:lnT>
-                    <a:lnB w="28575" cap="flat" cmpd="sng" algn="ctr">
-                      <a:solidFill>
-                        <a:srgbClr val="DFE2E9"/>
-                      </a:solidFill>
-                      <a:prstDash val="solid"/>
-                      <a:round/>
-                      <a:headEnd type="none" w="med" len="med"/>
-                      <a:tailEnd type="none" w="med" len="med"/>
-                    </a:lnB>
-                    <a:solidFill>
-                      <a:srgbClr val="D0D4DC"/>
-                    </a:solidFill>
-                  </a:tcPr>
-                </a:tc>
-                <a:tc>
-                  <a:txBody>
-                    <a:bodyPr/>
-                    <a:lstStyle/>
-                    <a:p>
-                      <a:pPr algn="ctr"/>
-                      <a:r>
-                        <a:rPr lang="en-GB" sz="2200" b="1" noProof="1">
-                          <a:effectLst/>
-                          <a:latin typeface="+mj-lt"/>
-                        </a:rPr>
-                        <a:t>Price</a:t>
-                      </a:r>
-                    </a:p>
-                  </a:txBody>
-                  <a:tcPr marL="91464" marR="91464" anchor="ctr">
-                    <a:lnL w="12700">
-                      <a:solidFill>
-                        <a:srgbClr val="DFE2E9"/>
-                      </a:solidFill>
-                      <a:prstDash val="solid"/>
-                    </a:lnL>
-                    <a:lnR w="12700" cap="flat" cmpd="sng" algn="ctr">
-                      <a:solidFill>
-                        <a:srgbClr val="DFE2E9"/>
-                      </a:solidFill>
-                      <a:prstDash val="solid"/>
-                      <a:round/>
-                      <a:headEnd type="none" w="med" len="med"/>
-                      <a:tailEnd type="none" w="med" len="med"/>
-                    </a:lnR>
-                    <a:lnT w="28575">
-                      <a:solidFill>
-                        <a:srgbClr val="DFE2E9"/>
-                      </a:solidFill>
-                      <a:prstDash val="solid"/>
-                    </a:lnT>
-                    <a:lnB w="28575" cap="flat" cmpd="sng" algn="ctr">
-                      <a:solidFill>
-                        <a:srgbClr val="DFE2E9"/>
-                      </a:solidFill>
-                      <a:prstDash val="solid"/>
-                      <a:round/>
-                      <a:headEnd type="none" w="med" len="med"/>
-                      <a:tailEnd type="none" w="med" len="med"/>
-                    </a:lnB>
-                    <a:solidFill>
-                      <a:srgbClr val="D0D4DC"/>
-                    </a:solidFill>
-                  </a:tcPr>
-                </a:tc>
-                <a:tc>
-                  <a:txBody>
-                    <a:bodyPr/>
-                    <a:lstStyle/>
-                    <a:p>
-                      <a:pPr algn="ctr"/>
-                      <a:r>
-                        <a:rPr lang="en-GB" sz="2200" b="1" noProof="1">
-                          <a:effectLst/>
-                          <a:latin typeface="+mj-lt"/>
-                        </a:rPr>
-                        <a:t>CategoryId</a:t>
-                      </a:r>
-                    </a:p>
-                  </a:txBody>
-                  <a:tcPr marL="91464" marR="91464" anchor="ctr">
-                    <a:lnL w="12700">
-                      <a:solidFill>
-                        <a:srgbClr val="DFE2E9"/>
-                      </a:solidFill>
-                      <a:prstDash val="solid"/>
-                    </a:lnL>
-                    <a:lnR w="12700" cap="flat" cmpd="sng" algn="ctr">
-                      <a:solidFill>
-                        <a:srgbClr val="DFE2E9"/>
-                      </a:solidFill>
-                      <a:prstDash val="solid"/>
-                      <a:round/>
-                      <a:headEnd type="none" w="med" len="med"/>
-                      <a:tailEnd type="none" w="med" len="med"/>
-                    </a:lnR>
-                    <a:lnT w="28575">
-                      <a:solidFill>
-                        <a:srgbClr val="DFE2E9"/>
-                      </a:solidFill>
-                      <a:prstDash val="solid"/>
-                    </a:lnT>
-                    <a:lnB w="28575" cap="flat" cmpd="sng" algn="ctr">
-                      <a:solidFill>
-                        <a:srgbClr val="DFE2E9"/>
-                      </a:solidFill>
-                      <a:prstDash val="solid"/>
-                      <a:round/>
-                      <a:headEnd type="none" w="med" len="med"/>
-                      <a:tailEnd type="none" w="med" len="med"/>
-                    </a:lnB>
-                    <a:solidFill>
-                      <a:srgbClr val="D0D4DC"/>
-                    </a:solidFill>
-                  </a:tcPr>
-                </a:tc>
-                <a:tc>
-                  <a:txBody>
-                    <a:bodyPr/>
-                    <a:lstStyle/>
-                    <a:p>
-                      <a:pPr algn="ctr"/>
-                      <a:r>
-                        <a:rPr lang="en-GB" sz="2200" b="1" noProof="1">
-                          <a:effectLst/>
-                          <a:latin typeface="+mj-lt"/>
-                        </a:rPr>
-                        <a:t>ShopId</a:t>
-                      </a:r>
-                    </a:p>
-                  </a:txBody>
-                  <a:tcPr marL="91464" marR="91464" anchor="ctr">
-                    <a:lnL w="12700">
-                      <a:solidFill>
-                        <a:srgbClr val="DFE2E9"/>
-                      </a:solidFill>
-                      <a:prstDash val="solid"/>
-                    </a:lnL>
-                    <a:lnR w="12700" cap="flat" cmpd="sng" algn="ctr">
-                      <a:solidFill>
-                        <a:srgbClr val="DFE2E9"/>
-                      </a:solidFill>
-                      <a:prstDash val="solid"/>
-                      <a:round/>
-                      <a:headEnd type="none" w="med" len="med"/>
-                      <a:tailEnd type="none" w="med" len="med"/>
-                    </a:lnR>
-                    <a:lnT w="28575">
-                      <a:solidFill>
-                        <a:srgbClr val="DFE2E9"/>
-                      </a:solidFill>
-                      <a:prstDash val="solid"/>
-                    </a:lnT>
-                    <a:lnB w="28575" cap="flat" cmpd="sng" algn="ctr">
-                      <a:solidFill>
-                        <a:srgbClr val="DFE2E9"/>
-                      </a:solidFill>
-                      <a:prstDash val="solid"/>
-                      <a:round/>
-                      <a:headEnd type="none" w="med" len="med"/>
-                      <a:tailEnd type="none" w="med" len="med"/>
-                    </a:lnB>
-                    <a:solidFill>
-                      <a:srgbClr val="D0D4DC"/>
-                    </a:solidFill>
-                  </a:tcPr>
-                </a:tc>
-                <a:tc>
-                  <a:txBody>
-                    <a:bodyPr/>
-                    <a:lstStyle/>
-                    <a:p>
-                      <a:pPr algn="ctr"/>
-                      <a:r>
-                        <a:rPr lang="en-GB" sz="2200" b="1" noProof="1">
-                          <a:effectLst/>
-                          <a:latin typeface="+mj-lt"/>
-                        </a:rPr>
-                        <a:t>TownId</a:t>
-                      </a:r>
-                    </a:p>
-                  </a:txBody>
-                  <a:tcPr marL="91464" marR="91464" anchor="ctr">
-                    <a:lnL w="12700">
-                      <a:solidFill>
-                        <a:srgbClr val="DFE2E9"/>
-                      </a:solidFill>
-                      <a:prstDash val="solid"/>
-                    </a:lnL>
-                    <a:lnR w="12700">
-                      <a:solidFill>
-                        <a:srgbClr val="DFE2E9"/>
-                      </a:solidFill>
-                      <a:prstDash val="solid"/>
-                    </a:lnR>
-                    <a:lnT w="28575">
-                      <a:solidFill>
-                        <a:srgbClr val="DFE2E9"/>
-                      </a:solidFill>
-                      <a:prstDash val="solid"/>
-                    </a:lnT>
-                    <a:lnB w="28575" cap="flat" cmpd="sng" algn="ctr">
-                      <a:solidFill>
-                        <a:srgbClr val="DFE2E9"/>
-                      </a:solidFill>
-                      <a:prstDash val="solid"/>
-                      <a:round/>
-                      <a:headEnd type="none" w="med" len="med"/>
-                      <a:tailEnd type="none" w="med" len="med"/>
-                    </a:lnB>
-                    <a:solidFill>
-                      <a:srgbClr val="D0D4DC"/>
-                    </a:solidFill>
-                  </a:tcPr>
-                </a:tc>
-                <a:extLst>
-                  <a:ext uri="{0D108BD9-81ED-4DB2-BD59-A6C34878D82A}">
-                    <a16:rowId xmlns:a16="http://schemas.microsoft.com/office/drawing/2014/main" val="10000"/>
-                  </a:ext>
-                </a:extLst>
-              </a:tr>
-              <a:tr h="498383">
-                <a:tc>
-                  <a:txBody>
-                    <a:bodyPr/>
-                    <a:lstStyle/>
-                    <a:p>
-                      <a:pPr algn="ctr"/>
-                      <a:r>
-                        <a:rPr lang="en-GB" sz="2200" noProof="1"/>
-                        <a:t>1</a:t>
-                      </a:r>
-                    </a:p>
-                  </a:txBody>
-                  <a:tcPr marL="91464" marR="91464" anchor="ctr">
-                    <a:lnL w="28575">
-                      <a:solidFill>
-                        <a:srgbClr val="DFE2E9"/>
-                      </a:solidFill>
-                      <a:prstDash val="solid"/>
-                    </a:lnL>
-                    <a:lnR w="12700">
-                      <a:solidFill>
-                        <a:srgbClr val="DFE2E9"/>
-                      </a:solidFill>
-                      <a:prstDash val="solid"/>
-                    </a:lnR>
-                    <a:lnT w="28575" cap="flat" cmpd="sng" algn="ctr">
-                      <a:solidFill>
-                        <a:srgbClr val="DFE2E9"/>
-                      </a:solidFill>
-                      <a:prstDash val="solid"/>
-                      <a:round/>
-                      <a:headEnd type="none" w="med" len="med"/>
-                      <a:tailEnd type="none" w="med" len="med"/>
-                    </a:lnT>
-                    <a:lnB w="12700">
-                      <a:solidFill>
-                        <a:srgbClr val="DFE2E9"/>
-                      </a:solidFill>
-                      <a:prstDash val="solid"/>
-                    </a:lnB>
-                  </a:tcPr>
-                </a:tc>
-                <a:tc>
-                  <a:txBody>
-                    <a:bodyPr/>
-                    <a:lstStyle/>
-                    <a:p>
-                      <a:pPr algn="ctr"/>
-                      <a:r>
-                        <a:rPr lang="en-GB" sz="2200" noProof="1"/>
-                        <a:t>yoghourt</a:t>
-                      </a:r>
-                    </a:p>
-                  </a:txBody>
-                  <a:tcPr marL="91464" marR="91464" anchor="ctr">
-                    <a:lnL w="12700">
-                      <a:solidFill>
-                        <a:srgbClr val="DFE2E9"/>
-                      </a:solidFill>
-                      <a:prstDash val="solid"/>
-                    </a:lnL>
-                    <a:lnR w="12700" cap="flat" cmpd="sng" algn="ctr">
-                      <a:solidFill>
-                        <a:srgbClr val="DFE2E9"/>
-                      </a:solidFill>
-                      <a:prstDash val="solid"/>
-                      <a:round/>
-                      <a:headEnd type="none" w="med" len="med"/>
-                      <a:tailEnd type="none" w="med" len="med"/>
-                    </a:lnR>
-                    <a:lnT w="28575" cap="flat" cmpd="sng" algn="ctr">
-                      <a:solidFill>
-                        <a:srgbClr val="DFE2E9"/>
-                      </a:solidFill>
-                      <a:prstDash val="solid"/>
-                      <a:round/>
-                      <a:headEnd type="none" w="med" len="med"/>
-                      <a:tailEnd type="none" w="med" len="med"/>
-                    </a:lnT>
-                    <a:lnB w="12700">
-                      <a:solidFill>
-                        <a:srgbClr val="DFE2E9"/>
-                      </a:solidFill>
-                      <a:prstDash val="solid"/>
-                    </a:lnB>
-                  </a:tcPr>
-                </a:tc>
-                <a:tc>
-                  <a:txBody>
-                    <a:bodyPr/>
-                    <a:lstStyle/>
-                    <a:p>
-                      <a:pPr algn="ctr"/>
-                      <a:r>
-                        <a:rPr lang="en-GB" sz="2200" noProof="1"/>
-                        <a:t>2</a:t>
-                      </a:r>
-                    </a:p>
-                  </a:txBody>
-                  <a:tcPr marL="91464" marR="91464" anchor="ctr">
-                    <a:lnL w="12700">
-                      <a:solidFill>
-                        <a:srgbClr val="DFE2E9"/>
-                      </a:solidFill>
-                      <a:prstDash val="solid"/>
-                    </a:lnL>
-                    <a:lnR w="12700" cap="flat" cmpd="sng" algn="ctr">
-                      <a:solidFill>
-                        <a:srgbClr val="DFE2E9"/>
-                      </a:solidFill>
-                      <a:prstDash val="solid"/>
-                      <a:round/>
-                      <a:headEnd type="none" w="med" len="med"/>
-                      <a:tailEnd type="none" w="med" len="med"/>
-                    </a:lnR>
-                    <a:lnT w="28575" cap="flat" cmpd="sng" algn="ctr">
-                      <a:solidFill>
-                        <a:srgbClr val="DFE2E9"/>
-                      </a:solidFill>
-                      <a:prstDash val="solid"/>
-                      <a:round/>
-                      <a:headEnd type="none" w="med" len="med"/>
-                      <a:tailEnd type="none" w="med" len="med"/>
-                    </a:lnT>
-                    <a:lnB w="12700" cap="flat" cmpd="sng" algn="ctr">
-                      <a:solidFill>
-                        <a:srgbClr val="DFE2E9"/>
-                      </a:solidFill>
-                      <a:prstDash val="solid"/>
-                      <a:round/>
-                      <a:headEnd type="none" w="med" len="med"/>
-                      <a:tailEnd type="none" w="med" len="med"/>
-                    </a:lnB>
-                  </a:tcPr>
-                </a:tc>
-                <a:tc>
-                  <a:txBody>
-                    <a:bodyPr/>
-                    <a:lstStyle/>
-                    <a:p>
-                      <a:pPr algn="ctr"/>
-                      <a:r>
-                        <a:rPr lang="en-GB" sz="2200" noProof="1"/>
-                        <a:t>0.67</a:t>
-                      </a:r>
-                    </a:p>
-                  </a:txBody>
-                  <a:tcPr marL="91464" marR="91464" anchor="ctr">
-                    <a:lnL w="12700">
-                      <a:solidFill>
-                        <a:srgbClr val="DFE2E9"/>
-                      </a:solidFill>
-                      <a:prstDash val="solid"/>
-                    </a:lnL>
-                    <a:lnR w="12700" cap="flat" cmpd="sng" algn="ctr">
-                      <a:solidFill>
-                        <a:srgbClr val="DFE2E9"/>
-                      </a:solidFill>
-                      <a:prstDash val="solid"/>
-                      <a:round/>
-                      <a:headEnd type="none" w="med" len="med"/>
-                      <a:tailEnd type="none" w="med" len="med"/>
-                    </a:lnR>
-                    <a:lnT w="28575" cap="flat" cmpd="sng" algn="ctr">
-                      <a:solidFill>
-                        <a:srgbClr val="DFE2E9"/>
-                      </a:solidFill>
-                      <a:prstDash val="solid"/>
-                      <a:round/>
-                      <a:headEnd type="none" w="med" len="med"/>
-                      <a:tailEnd type="none" w="med" len="med"/>
-                    </a:lnT>
-                    <a:lnB w="12700" cap="flat" cmpd="sng" algn="ctr">
-                      <a:solidFill>
-                        <a:srgbClr val="DFE2E9"/>
-                      </a:solidFill>
-                      <a:prstDash val="solid"/>
-                      <a:round/>
-                      <a:headEnd type="none" w="med" len="med"/>
-                      <a:tailEnd type="none" w="med" len="med"/>
-                    </a:lnB>
-                  </a:tcPr>
-                </a:tc>
-                <a:tc>
-                  <a:txBody>
-                    <a:bodyPr/>
-                    <a:lstStyle/>
-                    <a:p>
-                      <a:pPr algn="ctr"/>
-                      <a:r>
-                        <a:rPr lang="en-GB" sz="2200" noProof="1"/>
-                        <a:t>2</a:t>
-                      </a:r>
-                    </a:p>
-                  </a:txBody>
-                  <a:tcPr marL="91464" marR="91464" anchor="ctr">
-                    <a:lnL w="12700">
-                      <a:solidFill>
-                        <a:srgbClr val="DFE2E9"/>
-                      </a:solidFill>
-                      <a:prstDash val="solid"/>
-                    </a:lnL>
-                    <a:lnR w="12700" cap="flat" cmpd="sng" algn="ctr">
-                      <a:solidFill>
-                        <a:srgbClr val="DFE2E9"/>
-                      </a:solidFill>
-                      <a:prstDash val="solid"/>
-                      <a:round/>
-                      <a:headEnd type="none" w="med" len="med"/>
-                      <a:tailEnd type="none" w="med" len="med"/>
-                    </a:lnR>
-                    <a:lnT w="28575" cap="flat" cmpd="sng" algn="ctr">
-                      <a:solidFill>
-                        <a:srgbClr val="DFE2E9"/>
-                      </a:solidFill>
-                      <a:prstDash val="solid"/>
-                      <a:round/>
-                      <a:headEnd type="none" w="med" len="med"/>
-                      <a:tailEnd type="none" w="med" len="med"/>
-                    </a:lnT>
-                    <a:lnB w="12700" cap="flat" cmpd="sng" algn="ctr">
-                      <a:solidFill>
-                        <a:srgbClr val="DFE2E9"/>
-                      </a:solidFill>
-                      <a:prstDash val="solid"/>
-                      <a:round/>
-                      <a:headEnd type="none" w="med" len="med"/>
-                      <a:tailEnd type="none" w="med" len="med"/>
-                    </a:lnB>
-                  </a:tcPr>
-                </a:tc>
-                <a:tc>
-                  <a:txBody>
-                    <a:bodyPr/>
-                    <a:lstStyle/>
-                    <a:p>
-                      <a:pPr algn="ctr"/>
-                      <a:r>
-                        <a:rPr lang="en-GB" sz="2200" noProof="1"/>
-                        <a:t>4</a:t>
-                      </a:r>
-                    </a:p>
-                  </a:txBody>
-                  <a:tcPr marL="91464" marR="91464" anchor="ctr">
-                    <a:lnL w="12700">
-                      <a:solidFill>
-                        <a:srgbClr val="DFE2E9"/>
-                      </a:solidFill>
-                      <a:prstDash val="solid"/>
-                    </a:lnL>
-                    <a:lnR w="12700" cap="flat" cmpd="sng" algn="ctr">
-                      <a:solidFill>
-                        <a:srgbClr val="DFE2E9"/>
-                      </a:solidFill>
-                      <a:prstDash val="solid"/>
-                      <a:round/>
-                      <a:headEnd type="none" w="med" len="med"/>
-                      <a:tailEnd type="none" w="med" len="med"/>
-                    </a:lnR>
-                    <a:lnT w="28575" cap="flat" cmpd="sng" algn="ctr">
-                      <a:solidFill>
-                        <a:srgbClr val="DFE2E9"/>
-                      </a:solidFill>
-                      <a:prstDash val="solid"/>
-                      <a:round/>
-                      <a:headEnd type="none" w="med" len="med"/>
-                      <a:tailEnd type="none" w="med" len="med"/>
-                    </a:lnT>
-                    <a:lnB w="12700" cap="flat" cmpd="sng" algn="ctr">
-                      <a:solidFill>
-                        <a:srgbClr val="DFE2E9"/>
-                      </a:solidFill>
-                      <a:prstDash val="solid"/>
-                      <a:round/>
-                      <a:headEnd type="none" w="med" len="med"/>
-                      <a:tailEnd type="none" w="med" len="med"/>
-                    </a:lnB>
-                  </a:tcPr>
-                </a:tc>
-                <a:tc>
-                  <a:txBody>
-                    <a:bodyPr/>
-                    <a:lstStyle/>
-                    <a:p>
-                      <a:pPr algn="ctr"/>
-                      <a:r>
-                        <a:rPr lang="en-GB" sz="2200" noProof="1"/>
-                        <a:t>1</a:t>
-                      </a:r>
-                    </a:p>
-                  </a:txBody>
-                  <a:tcPr marL="91464" marR="91464" anchor="ctr">
-                    <a:lnL w="12700">
-                      <a:solidFill>
-                        <a:srgbClr val="DFE2E9"/>
-                      </a:solidFill>
-                      <a:prstDash val="solid"/>
-                    </a:lnL>
-                    <a:lnR w="12700">
-                      <a:solidFill>
-                        <a:srgbClr val="DFE2E9"/>
-                      </a:solidFill>
-                      <a:prstDash val="solid"/>
-                    </a:lnR>
-                    <a:lnT w="28575" cap="flat" cmpd="sng" algn="ctr">
-                      <a:solidFill>
-                        <a:srgbClr val="DFE2E9"/>
-                      </a:solidFill>
-                      <a:prstDash val="solid"/>
-                      <a:round/>
-                      <a:headEnd type="none" w="med" len="med"/>
-                      <a:tailEnd type="none" w="med" len="med"/>
-                    </a:lnT>
-                    <a:lnB w="12700" cap="flat" cmpd="sng" algn="ctr">
-                      <a:solidFill>
-                        <a:srgbClr val="DFE2E9"/>
-                      </a:solidFill>
-                      <a:prstDash val="solid"/>
-                      <a:round/>
-                      <a:headEnd type="none" w="med" len="med"/>
-                      <a:tailEnd type="none" w="med" len="med"/>
-                    </a:lnB>
-                  </a:tcPr>
-                </a:tc>
-                <a:extLst>
-                  <a:ext uri="{0D108BD9-81ED-4DB2-BD59-A6C34878D82A}">
-                    <a16:rowId xmlns:a16="http://schemas.microsoft.com/office/drawing/2014/main" val="10001"/>
-                  </a:ext>
-                </a:extLst>
-              </a:tr>
-              <a:tr h="474734">
-                <a:tc>
-                  <a:txBody>
-                    <a:bodyPr/>
-                    <a:lstStyle/>
-                    <a:p>
-                      <a:pPr algn="ctr"/>
-                      <a:r>
-                        <a:rPr lang="en-GB" sz="2200" noProof="1"/>
-                        <a:t>2</a:t>
-                      </a:r>
-                    </a:p>
-                  </a:txBody>
-                  <a:tcPr marL="91464" marR="91464" anchor="ctr">
-                    <a:lnL w="28575">
-                      <a:solidFill>
-                        <a:srgbClr val="DFE2E9"/>
-                      </a:solidFill>
-                      <a:prstDash val="solid"/>
-                    </a:lnL>
-                    <a:lnR w="12700">
-                      <a:solidFill>
-                        <a:srgbClr val="DFE2E9"/>
-                      </a:solidFill>
-                      <a:prstDash val="solid"/>
-                    </a:lnR>
-                    <a:lnT w="12700">
-                      <a:solidFill>
-                        <a:srgbClr val="DFE2E9"/>
-                      </a:solidFill>
-                      <a:prstDash val="solid"/>
-                    </a:lnT>
-                    <a:lnB w="12700" cap="flat" cmpd="sng" algn="ctr">
-                      <a:solidFill>
-                        <a:srgbClr val="DFE2E9"/>
-                      </a:solidFill>
-                      <a:prstDash val="solid"/>
-                      <a:round/>
-                      <a:headEnd type="none" w="med" len="med"/>
-                      <a:tailEnd type="none" w="med" len="med"/>
-                    </a:lnB>
-                  </a:tcPr>
-                </a:tc>
-                <a:tc>
-                  <a:txBody>
-                    <a:bodyPr/>
-                    <a:lstStyle/>
-                    <a:p>
-                      <a:pPr algn="ctr"/>
-                      <a:r>
-                        <a:rPr lang="en-GB" sz="2200" noProof="1"/>
-                        <a:t>bread "Tipov"</a:t>
-                      </a:r>
-                    </a:p>
-                  </a:txBody>
-                  <a:tcPr marL="91464" marR="91464" anchor="ctr">
-                    <a:lnL w="12700">
-                      <a:solidFill>
-                        <a:srgbClr val="DFE2E9"/>
-                      </a:solidFill>
-                      <a:prstDash val="solid"/>
-                    </a:lnL>
-                    <a:lnR w="12700" cap="flat" cmpd="sng" algn="ctr">
-                      <a:solidFill>
-                        <a:srgbClr val="DFE2E9"/>
-                      </a:solidFill>
-                      <a:prstDash val="solid"/>
-                      <a:round/>
-                      <a:headEnd type="none" w="med" len="med"/>
-                      <a:tailEnd type="none" w="med" len="med"/>
-                    </a:lnR>
-                    <a:lnT w="12700">
-                      <a:solidFill>
-                        <a:srgbClr val="DFE2E9"/>
-                      </a:solidFill>
-                      <a:prstDash val="solid"/>
-                    </a:lnT>
-                    <a:lnB w="12700" cap="flat" cmpd="sng" algn="ctr">
-                      <a:solidFill>
-                        <a:srgbClr val="DFE2E9"/>
-                      </a:solidFill>
-                      <a:prstDash val="solid"/>
-                      <a:round/>
-                      <a:headEnd type="none" w="med" len="med"/>
-                      <a:tailEnd type="none" w="med" len="med"/>
-                    </a:lnB>
-                  </a:tcPr>
-                </a:tc>
-                <a:tc>
-                  <a:txBody>
-                    <a:bodyPr/>
-                    <a:lstStyle/>
-                    <a:p>
-                      <a:pPr algn="ctr"/>
-                      <a:r>
-                        <a:rPr lang="en-GB" sz="2200" noProof="1"/>
-                        <a:t>3</a:t>
-                      </a:r>
-                    </a:p>
-                  </a:txBody>
-                  <a:tcPr marL="91464" marR="91464" anchor="ctr">
-                    <a:lnL w="12700">
-                      <a:solidFill>
-                        <a:srgbClr val="DFE2E9"/>
-                      </a:solidFill>
-                      <a:prstDash val="solid"/>
-                    </a:lnL>
-                    <a:lnR w="12700" cap="flat" cmpd="sng" algn="ctr">
-                      <a:solidFill>
-                        <a:srgbClr val="DFE2E9"/>
-                      </a:solidFill>
-                      <a:prstDash val="solid"/>
-                      <a:round/>
-                      <a:headEnd type="none" w="med" len="med"/>
-                      <a:tailEnd type="none" w="med" len="med"/>
-                    </a:lnR>
-                    <a:lnT w="12700" cap="flat" cmpd="sng" algn="ctr">
-                      <a:solidFill>
-                        <a:srgbClr val="DFE2E9"/>
-                      </a:solidFill>
-                      <a:prstDash val="solid"/>
-                      <a:round/>
-                      <a:headEnd type="none" w="med" len="med"/>
-                      <a:tailEnd type="none" w="med" len="med"/>
-                    </a:lnT>
-                    <a:lnB w="12700" cap="flat" cmpd="sng" algn="ctr">
-                      <a:solidFill>
-                        <a:srgbClr val="DFE2E9"/>
-                      </a:solidFill>
-                      <a:prstDash val="solid"/>
-                      <a:round/>
-                      <a:headEnd type="none" w="med" len="med"/>
-                      <a:tailEnd type="none" w="med" len="med"/>
-                    </a:lnB>
-                  </a:tcPr>
-                </a:tc>
-                <a:tc>
-                  <a:txBody>
-                    <a:bodyPr/>
-                    <a:lstStyle/>
-                    <a:p>
-                      <a:pPr algn="ctr"/>
-                      <a:r>
-                        <a:rPr lang="en-GB" sz="2200" noProof="1"/>
-                        <a:t>0.85</a:t>
-                      </a:r>
-                    </a:p>
-                  </a:txBody>
-                  <a:tcPr marL="91464" marR="91464" anchor="ctr">
-                    <a:lnL w="12700">
-                      <a:solidFill>
-                        <a:srgbClr val="DFE2E9"/>
-                      </a:solidFill>
-                      <a:prstDash val="solid"/>
-                    </a:lnL>
-                    <a:lnR w="12700" cap="flat" cmpd="sng" algn="ctr">
-                      <a:solidFill>
-                        <a:srgbClr val="DFE2E9"/>
-                      </a:solidFill>
-                      <a:prstDash val="solid"/>
-                      <a:round/>
-                      <a:headEnd type="none" w="med" len="med"/>
-                      <a:tailEnd type="none" w="med" len="med"/>
-                    </a:lnR>
-                    <a:lnT w="12700" cap="flat" cmpd="sng" algn="ctr">
-                      <a:solidFill>
-                        <a:srgbClr val="DFE2E9"/>
-                      </a:solidFill>
-                      <a:prstDash val="solid"/>
-                      <a:round/>
-                      <a:headEnd type="none" w="med" len="med"/>
-                      <a:tailEnd type="none" w="med" len="med"/>
-                    </a:lnT>
-                    <a:lnB w="12700" cap="flat" cmpd="sng" algn="ctr">
-                      <a:solidFill>
-                        <a:srgbClr val="DFE2E9"/>
-                      </a:solidFill>
-                      <a:prstDash val="solid"/>
-                      <a:round/>
-                      <a:headEnd type="none" w="med" len="med"/>
-                      <a:tailEnd type="none" w="med" len="med"/>
-                    </a:lnB>
-                  </a:tcPr>
-                </a:tc>
-                <a:tc>
-                  <a:txBody>
-                    <a:bodyPr/>
-                    <a:lstStyle/>
-                    <a:p>
-                      <a:pPr algn="ctr"/>
-                      <a:r>
-                        <a:rPr lang="en-GB" sz="2200" noProof="1"/>
-                        <a:t>2</a:t>
-                      </a:r>
-                    </a:p>
-                  </a:txBody>
-                  <a:tcPr marL="91464" marR="91464" anchor="ctr">
-                    <a:lnL w="12700">
-                      <a:solidFill>
-                        <a:srgbClr val="DFE2E9"/>
-                      </a:solidFill>
-                      <a:prstDash val="solid"/>
-                    </a:lnL>
-                    <a:lnR w="12700" cap="flat" cmpd="sng" algn="ctr">
-                      <a:solidFill>
-                        <a:srgbClr val="DFE2E9"/>
-                      </a:solidFill>
-                      <a:prstDash val="solid"/>
-                      <a:round/>
-                      <a:headEnd type="none" w="med" len="med"/>
-                      <a:tailEnd type="none" w="med" len="med"/>
-                    </a:lnR>
-                    <a:lnT w="12700" cap="flat" cmpd="sng" algn="ctr">
-                      <a:solidFill>
-                        <a:srgbClr val="DFE2E9"/>
-                      </a:solidFill>
-                      <a:prstDash val="solid"/>
-                      <a:round/>
-                      <a:headEnd type="none" w="med" len="med"/>
-                      <a:tailEnd type="none" w="med" len="med"/>
-                    </a:lnT>
-                    <a:lnB w="12700" cap="flat" cmpd="sng" algn="ctr">
-                      <a:solidFill>
-                        <a:srgbClr val="DFE2E9"/>
-                      </a:solidFill>
-                      <a:prstDash val="solid"/>
-                      <a:round/>
-                      <a:headEnd type="none" w="med" len="med"/>
-                      <a:tailEnd type="none" w="med" len="med"/>
-                    </a:lnB>
-                  </a:tcPr>
-                </a:tc>
-                <a:tc>
-                  <a:txBody>
-                    <a:bodyPr/>
-                    <a:lstStyle/>
-                    <a:p>
-                      <a:pPr algn="ctr"/>
-                      <a:r>
-                        <a:rPr lang="en-GB" sz="2200" noProof="1"/>
-                        <a:t>4</a:t>
-                      </a:r>
-                    </a:p>
-                  </a:txBody>
-                  <a:tcPr marL="91464" marR="91464" anchor="ctr">
-                    <a:lnL w="12700">
-                      <a:solidFill>
-                        <a:srgbClr val="DFE2E9"/>
-                      </a:solidFill>
-                      <a:prstDash val="solid"/>
-                    </a:lnL>
-                    <a:lnR w="12700" cap="flat" cmpd="sng" algn="ctr">
-                      <a:solidFill>
-                        <a:srgbClr val="DFE2E9"/>
-                      </a:solidFill>
-                      <a:prstDash val="solid"/>
-                      <a:round/>
-                      <a:headEnd type="none" w="med" len="med"/>
-                      <a:tailEnd type="none" w="med" len="med"/>
-                    </a:lnR>
-                    <a:lnT w="12700" cap="flat" cmpd="sng" algn="ctr">
-                      <a:solidFill>
-                        <a:srgbClr val="DFE2E9"/>
-                      </a:solidFill>
-                      <a:prstDash val="solid"/>
-                      <a:round/>
-                      <a:headEnd type="none" w="med" len="med"/>
-                      <a:tailEnd type="none" w="med" len="med"/>
-                    </a:lnT>
-                    <a:lnB w="12700" cap="flat" cmpd="sng" algn="ctr">
-                      <a:solidFill>
-                        <a:srgbClr val="DFE2E9"/>
-                      </a:solidFill>
-                      <a:prstDash val="solid"/>
-                      <a:round/>
-                      <a:headEnd type="none" w="med" len="med"/>
-                      <a:tailEnd type="none" w="med" len="med"/>
-                    </a:lnB>
-                  </a:tcPr>
-                </a:tc>
-                <a:tc>
-                  <a:txBody>
-                    <a:bodyPr/>
-                    <a:lstStyle/>
-                    <a:p>
-                      <a:pPr algn="ctr"/>
-                      <a:r>
-                        <a:rPr lang="en-GB" sz="2200" noProof="1"/>
-                        <a:t>1</a:t>
-                      </a:r>
-                    </a:p>
-                  </a:txBody>
-                  <a:tcPr marL="91464" marR="91464" anchor="ctr">
-                    <a:lnL w="12700">
-                      <a:solidFill>
-                        <a:srgbClr val="DFE2E9"/>
-                      </a:solidFill>
-                      <a:prstDash val="solid"/>
-                    </a:lnL>
-                    <a:lnR w="12700">
-                      <a:solidFill>
-                        <a:srgbClr val="DFE2E9"/>
-                      </a:solidFill>
-                      <a:prstDash val="solid"/>
-                    </a:lnR>
-                    <a:lnT w="12700" cap="flat" cmpd="sng" algn="ctr">
-                      <a:solidFill>
-                        <a:srgbClr val="DFE2E9"/>
-                      </a:solidFill>
-                      <a:prstDash val="solid"/>
-                      <a:round/>
-                      <a:headEnd type="none" w="med" len="med"/>
-                      <a:tailEnd type="none" w="med" len="med"/>
-                    </a:lnT>
-                    <a:lnB w="12700" cap="flat" cmpd="sng" algn="ctr">
-                      <a:solidFill>
-                        <a:srgbClr val="DFE2E9"/>
-                      </a:solidFill>
-                      <a:prstDash val="solid"/>
-                      <a:round/>
-                      <a:headEnd type="none" w="med" len="med"/>
-                      <a:tailEnd type="none" w="med" len="med"/>
-                    </a:lnB>
-                  </a:tcPr>
-                </a:tc>
-                <a:extLst>
-                  <a:ext uri="{0D108BD9-81ED-4DB2-BD59-A6C34878D82A}">
-                    <a16:rowId xmlns:a16="http://schemas.microsoft.com/office/drawing/2014/main" val="10002"/>
-                  </a:ext>
-                </a:extLst>
-              </a:tr>
-              <a:tr h="630621">
-                <a:tc>
-                  <a:txBody>
-                    <a:bodyPr/>
-                    <a:lstStyle/>
-                    <a:p>
-                      <a:pPr algn="ctr"/>
-                      <a:r>
-                        <a:rPr lang="en-GB" sz="2200" noProof="1"/>
-                        <a:t>3</a:t>
-                      </a:r>
-                    </a:p>
-                  </a:txBody>
-                  <a:tcPr marL="91464" marR="91464" anchor="ctr">
-                    <a:lnL w="28575">
-                      <a:solidFill>
-                        <a:srgbClr val="DFE2E9"/>
-                      </a:solidFill>
-                      <a:prstDash val="solid"/>
-                    </a:lnL>
-                    <a:lnR w="12700" cap="flat" cmpd="sng" algn="ctr">
-                      <a:solidFill>
-                        <a:srgbClr val="DFE2E9"/>
-                      </a:solidFill>
-                      <a:prstDash val="solid"/>
-                      <a:round/>
-                      <a:headEnd type="none" w="med" len="med"/>
-                      <a:tailEnd type="none" w="med" len="med"/>
-                    </a:lnR>
-                    <a:lnT w="12700">
-                      <a:solidFill>
-                        <a:srgbClr val="DFE2E9"/>
-                      </a:solidFill>
-                      <a:prstDash val="solid"/>
-                    </a:lnT>
-                    <a:lnB w="12700" cap="flat" cmpd="sng" algn="ctr">
-                      <a:solidFill>
-                        <a:srgbClr val="DFE2E9"/>
-                      </a:solidFill>
-                      <a:prstDash val="solid"/>
-                      <a:round/>
-                      <a:headEnd type="none" w="med" len="med"/>
-                      <a:tailEnd type="none" w="med" len="med"/>
-                    </a:lnB>
-                  </a:tcPr>
-                </a:tc>
-                <a:tc>
-                  <a:txBody>
-                    <a:bodyPr/>
-                    <a:lstStyle/>
-                    <a:p>
-                      <a:pPr algn="ctr"/>
-                      <a:r>
-                        <a:rPr lang="en-GB" sz="2200" noProof="1"/>
-                        <a:t>rakiya "Biserna"</a:t>
-                      </a:r>
-                    </a:p>
-                  </a:txBody>
-                  <a:tcPr marL="91464" marR="91464" anchor="ctr">
-                    <a:lnL w="12700" cap="flat" cmpd="sng" algn="ctr">
-                      <a:solidFill>
-                        <a:srgbClr val="DFE2E9"/>
-                      </a:solidFill>
-                      <a:prstDash val="solid"/>
-                      <a:round/>
-                      <a:headEnd type="none" w="med" len="med"/>
-                      <a:tailEnd type="none" w="med" len="med"/>
-                    </a:lnL>
-                    <a:lnR w="12700" cap="flat" cmpd="sng" algn="ctr">
-                      <a:solidFill>
-                        <a:srgbClr val="DFE2E9"/>
-                      </a:solidFill>
-                      <a:prstDash val="solid"/>
-                      <a:round/>
-                      <a:headEnd type="none" w="med" len="med"/>
-                      <a:tailEnd type="none" w="med" len="med"/>
-                    </a:lnR>
-                    <a:lnT w="12700">
-                      <a:solidFill>
-                        <a:srgbClr val="DFE2E9"/>
-                      </a:solidFill>
-                      <a:prstDash val="solid"/>
-                    </a:lnT>
-                    <a:lnB w="12700" cap="flat" cmpd="sng" algn="ctr">
-                      <a:solidFill>
-                        <a:srgbClr val="DFE2E9"/>
-                      </a:solidFill>
-                      <a:prstDash val="solid"/>
-                      <a:round/>
-                      <a:headEnd type="none" w="med" len="med"/>
-                      <a:tailEnd type="none" w="med" len="med"/>
-                    </a:lnB>
-                  </a:tcPr>
-                </a:tc>
-                <a:tc>
-                  <a:txBody>
-                    <a:bodyPr/>
-                    <a:lstStyle/>
-                    <a:p>
-                      <a:pPr algn="ctr"/>
-                      <a:r>
-                        <a:rPr lang="en-GB" sz="2200" noProof="1"/>
-                        <a:t>6</a:t>
-                      </a:r>
-                    </a:p>
-                  </a:txBody>
-                  <a:tcPr marL="91464" marR="91464" anchor="ctr">
-                    <a:lnL w="12700" cap="flat" cmpd="sng" algn="ctr">
-                      <a:solidFill>
-                        <a:srgbClr val="DFE2E9"/>
-                      </a:solidFill>
-                      <a:prstDash val="solid"/>
-                      <a:round/>
-                      <a:headEnd type="none" w="med" len="med"/>
-                      <a:tailEnd type="none" w="med" len="med"/>
-                    </a:lnL>
-                    <a:lnR w="12700" cap="flat" cmpd="sng" algn="ctr">
-                      <a:solidFill>
-                        <a:srgbClr val="DFE2E9"/>
-                      </a:solidFill>
-                      <a:prstDash val="solid"/>
-                      <a:round/>
-                      <a:headEnd type="none" w="med" len="med"/>
-                      <a:tailEnd type="none" w="med" len="med"/>
-                    </a:lnR>
-                    <a:lnT w="12700" cap="flat" cmpd="sng" algn="ctr">
-                      <a:solidFill>
-                        <a:srgbClr val="DFE2E9"/>
-                      </a:solidFill>
-                      <a:prstDash val="solid"/>
-                      <a:round/>
-                      <a:headEnd type="none" w="med" len="med"/>
-                      <a:tailEnd type="none" w="med" len="med"/>
-                    </a:lnT>
-                    <a:lnB w="12700" cap="flat" cmpd="sng" algn="ctr">
-                      <a:solidFill>
-                        <a:srgbClr val="DFE2E9"/>
-                      </a:solidFill>
-                      <a:prstDash val="solid"/>
-                      <a:round/>
-                      <a:headEnd type="none" w="med" len="med"/>
-                      <a:tailEnd type="none" w="med" len="med"/>
-                    </a:lnB>
-                  </a:tcPr>
-                </a:tc>
-                <a:tc>
-                  <a:txBody>
-                    <a:bodyPr/>
-                    <a:lstStyle/>
-                    <a:p>
-                      <a:pPr algn="ctr"/>
-                      <a:r>
-                        <a:rPr lang="en-GB" sz="2200" noProof="1"/>
-                        <a:t>6.83</a:t>
-                      </a:r>
-                    </a:p>
-                  </a:txBody>
-                  <a:tcPr marL="91464" marR="91464" anchor="ctr">
-                    <a:lnL w="12700" cap="flat" cmpd="sng" algn="ctr">
-                      <a:solidFill>
-                        <a:srgbClr val="DFE2E9"/>
-                      </a:solidFill>
-                      <a:prstDash val="solid"/>
-                      <a:round/>
-                      <a:headEnd type="none" w="med" len="med"/>
-                      <a:tailEnd type="none" w="med" len="med"/>
-                    </a:lnL>
-                    <a:lnR w="12700" cap="flat" cmpd="sng" algn="ctr">
-                      <a:solidFill>
-                        <a:srgbClr val="DFE2E9"/>
-                      </a:solidFill>
-                      <a:prstDash val="solid"/>
-                      <a:round/>
-                      <a:headEnd type="none" w="med" len="med"/>
-                      <a:tailEnd type="none" w="med" len="med"/>
-                    </a:lnR>
-                    <a:lnT w="12700" cap="flat" cmpd="sng" algn="ctr">
-                      <a:solidFill>
-                        <a:srgbClr val="DFE2E9"/>
-                      </a:solidFill>
-                      <a:prstDash val="solid"/>
-                      <a:round/>
-                      <a:headEnd type="none" w="med" len="med"/>
-                      <a:tailEnd type="none" w="med" len="med"/>
-                    </a:lnT>
-                    <a:lnB w="12700" cap="flat" cmpd="sng" algn="ctr">
-                      <a:solidFill>
-                        <a:srgbClr val="DFE2E9"/>
-                      </a:solidFill>
-                      <a:prstDash val="solid"/>
-                      <a:round/>
-                      <a:headEnd type="none" w="med" len="med"/>
-                      <a:tailEnd type="none" w="med" len="med"/>
-                    </a:lnB>
-                  </a:tcPr>
-                </a:tc>
-                <a:tc>
-                  <a:txBody>
-                    <a:bodyPr/>
-                    <a:lstStyle/>
-                    <a:p>
-                      <a:pPr algn="ctr"/>
-                      <a:r>
-                        <a:rPr lang="en-GB" sz="2200" noProof="1"/>
-                        <a:t>5</a:t>
-                      </a:r>
-                    </a:p>
-                  </a:txBody>
-                  <a:tcPr marL="91464" marR="91464" anchor="ctr">
-                    <a:lnL w="12700" cap="flat" cmpd="sng" algn="ctr">
-                      <a:solidFill>
-                        <a:srgbClr val="DFE2E9"/>
-                      </a:solidFill>
-                      <a:prstDash val="solid"/>
-                      <a:round/>
-                      <a:headEnd type="none" w="med" len="med"/>
-                      <a:tailEnd type="none" w="med" len="med"/>
-                    </a:lnL>
-                    <a:lnR w="12700" cap="flat" cmpd="sng" algn="ctr">
-                      <a:solidFill>
-                        <a:srgbClr val="DFE2E9"/>
-                      </a:solidFill>
-                      <a:prstDash val="solid"/>
-                      <a:round/>
-                      <a:headEnd type="none" w="med" len="med"/>
-                      <a:tailEnd type="none" w="med" len="med"/>
-                    </a:lnR>
-                    <a:lnT w="12700" cap="flat" cmpd="sng" algn="ctr">
-                      <a:solidFill>
-                        <a:srgbClr val="DFE2E9"/>
-                      </a:solidFill>
-                      <a:prstDash val="solid"/>
-                      <a:round/>
-                      <a:headEnd type="none" w="med" len="med"/>
-                      <a:tailEnd type="none" w="med" len="med"/>
-                    </a:lnT>
-                    <a:lnB w="12700" cap="flat" cmpd="sng" algn="ctr">
-                      <a:solidFill>
-                        <a:srgbClr val="DFE2E9"/>
-                      </a:solidFill>
-                      <a:prstDash val="solid"/>
-                      <a:round/>
-                      <a:headEnd type="none" w="med" len="med"/>
-                      <a:tailEnd type="none" w="med" len="med"/>
-                    </a:lnB>
-                  </a:tcPr>
-                </a:tc>
-                <a:tc>
-                  <a:txBody>
-                    <a:bodyPr/>
-                    <a:lstStyle/>
-                    <a:p>
-                      <a:pPr algn="ctr"/>
-                      <a:r>
-                        <a:rPr lang="en-GB" sz="2200" noProof="1"/>
-                        <a:t>2</a:t>
-                      </a:r>
-                    </a:p>
-                  </a:txBody>
-                  <a:tcPr marL="91464" marR="91464" anchor="ctr">
-                    <a:lnL w="12700" cap="flat" cmpd="sng" algn="ctr">
-                      <a:solidFill>
-                        <a:srgbClr val="DFE2E9"/>
-                      </a:solidFill>
-                      <a:prstDash val="solid"/>
-                      <a:round/>
-                      <a:headEnd type="none" w="med" len="med"/>
-                      <a:tailEnd type="none" w="med" len="med"/>
-                    </a:lnL>
-                    <a:lnR w="12700" cap="flat" cmpd="sng" algn="ctr">
-                      <a:solidFill>
-                        <a:srgbClr val="DFE2E9"/>
-                      </a:solidFill>
-                      <a:prstDash val="solid"/>
-                      <a:round/>
-                      <a:headEnd type="none" w="med" len="med"/>
-                      <a:tailEnd type="none" w="med" len="med"/>
-                    </a:lnR>
-                    <a:lnT w="12700" cap="flat" cmpd="sng" algn="ctr">
-                      <a:solidFill>
-                        <a:srgbClr val="DFE2E9"/>
-                      </a:solidFill>
-                      <a:prstDash val="solid"/>
-                      <a:round/>
-                      <a:headEnd type="none" w="med" len="med"/>
-                      <a:tailEnd type="none" w="med" len="med"/>
-                    </a:lnT>
-                    <a:lnB w="12700" cap="flat" cmpd="sng" algn="ctr">
-                      <a:solidFill>
-                        <a:srgbClr val="DFE2E9"/>
-                      </a:solidFill>
-                      <a:prstDash val="solid"/>
-                      <a:round/>
-                      <a:headEnd type="none" w="med" len="med"/>
-                      <a:tailEnd type="none" w="med" len="med"/>
-                    </a:lnB>
-                  </a:tcPr>
-                </a:tc>
-                <a:tc>
-                  <a:txBody>
-                    <a:bodyPr/>
-                    <a:lstStyle/>
-                    <a:p>
-                      <a:pPr algn="ctr"/>
-                      <a:r>
-                        <a:rPr lang="en-GB" sz="2200" noProof="1"/>
-                        <a:t>1</a:t>
-                      </a:r>
-                    </a:p>
-                  </a:txBody>
-                  <a:tcPr marL="91464" marR="91464" anchor="ctr">
-                    <a:lnL w="12700" cap="flat" cmpd="sng" algn="ctr">
-                      <a:solidFill>
-                        <a:srgbClr val="DFE2E9"/>
-                      </a:solidFill>
-                      <a:prstDash val="solid"/>
-                      <a:round/>
-                      <a:headEnd type="none" w="med" len="med"/>
-                      <a:tailEnd type="none" w="med" len="med"/>
-                    </a:lnL>
-                    <a:lnR w="12700">
-                      <a:solidFill>
-                        <a:srgbClr val="DFE2E9"/>
-                      </a:solidFill>
-                      <a:prstDash val="solid"/>
-                    </a:lnR>
-                    <a:lnT w="12700" cap="flat" cmpd="sng" algn="ctr">
-                      <a:solidFill>
-                        <a:srgbClr val="DFE2E9"/>
-                      </a:solidFill>
-                      <a:prstDash val="solid"/>
-                      <a:round/>
-                      <a:headEnd type="none" w="med" len="med"/>
-                      <a:tailEnd type="none" w="med" len="med"/>
-                    </a:lnT>
-                    <a:lnB w="12700" cap="flat" cmpd="sng" algn="ctr">
-                      <a:solidFill>
-                        <a:srgbClr val="DFE2E9"/>
-                      </a:solidFill>
-                      <a:prstDash val="solid"/>
-                      <a:round/>
-                      <a:headEnd type="none" w="med" len="med"/>
-                      <a:tailEnd type="none" w="med" len="med"/>
-                    </a:lnB>
-                  </a:tcPr>
-                </a:tc>
-                <a:extLst>
-                  <a:ext uri="{0D108BD9-81ED-4DB2-BD59-A6C34878D82A}">
-                    <a16:rowId xmlns:a16="http://schemas.microsoft.com/office/drawing/2014/main" val="10003"/>
-                  </a:ext>
-                </a:extLst>
-              </a:tr>
-              <a:tr h="441434">
-                <a:tc>
-                  <a:txBody>
-                    <a:bodyPr/>
-                    <a:lstStyle/>
-                    <a:p>
-                      <a:pPr algn="ctr"/>
-                      <a:r>
-                        <a:rPr lang="en-GB" sz="2200" noProof="1"/>
-                        <a:t>4</a:t>
-                      </a:r>
-                    </a:p>
-                  </a:txBody>
-                  <a:tcPr marL="91464" marR="91464" anchor="ctr">
-                    <a:lnL w="28575">
-                      <a:solidFill>
-                        <a:srgbClr val="DFE2E9"/>
-                      </a:solidFill>
-                      <a:prstDash val="solid"/>
-                    </a:lnL>
-                    <a:lnR w="12700" cap="flat" cmpd="sng" algn="ctr">
-                      <a:solidFill>
-                        <a:srgbClr val="DFE2E9"/>
-                      </a:solidFill>
-                      <a:prstDash val="solid"/>
-                      <a:round/>
-                      <a:headEnd type="none" w="med" len="med"/>
-                      <a:tailEnd type="none" w="med" len="med"/>
-                    </a:lnR>
-                    <a:lnT w="12700">
-                      <a:solidFill>
-                        <a:srgbClr val="DFE2E9"/>
-                      </a:solidFill>
-                      <a:prstDash val="solid"/>
-                    </a:lnT>
-                    <a:lnB w="12700" cap="flat" cmpd="sng" algn="ctr">
-                      <a:solidFill>
-                        <a:srgbClr val="DFE2E9"/>
-                      </a:solidFill>
-                      <a:prstDash val="solid"/>
-                      <a:round/>
-                      <a:headEnd type="none" w="med" len="med"/>
-                      <a:tailEnd type="none" w="med" len="med"/>
-                    </a:lnB>
-                  </a:tcPr>
-                </a:tc>
-                <a:tc>
-                  <a:txBody>
-                    <a:bodyPr/>
-                    <a:lstStyle/>
-                    <a:p>
-                      <a:pPr algn="ctr"/>
-                      <a:r>
-                        <a:rPr lang="en-GB" sz="2200" noProof="1"/>
-                        <a:t>beer "Tuborg"</a:t>
-                      </a:r>
-                    </a:p>
-                  </a:txBody>
-                  <a:tcPr marL="91464" marR="91464" anchor="ctr">
-                    <a:lnL w="12700" cap="flat" cmpd="sng" algn="ctr">
-                      <a:solidFill>
-                        <a:srgbClr val="DFE2E9"/>
-                      </a:solidFill>
-                      <a:prstDash val="solid"/>
-                      <a:round/>
-                      <a:headEnd type="none" w="med" len="med"/>
-                      <a:tailEnd type="none" w="med" len="med"/>
-                    </a:lnL>
-                    <a:lnR w="12700" cap="flat" cmpd="sng" algn="ctr">
-                      <a:solidFill>
-                        <a:srgbClr val="DFE2E9"/>
-                      </a:solidFill>
-                      <a:prstDash val="solid"/>
-                      <a:round/>
-                      <a:headEnd type="none" w="med" len="med"/>
-                      <a:tailEnd type="none" w="med" len="med"/>
-                    </a:lnR>
-                    <a:lnT w="12700">
-                      <a:solidFill>
-                        <a:srgbClr val="DFE2E9"/>
-                      </a:solidFill>
-                      <a:prstDash val="solid"/>
-                    </a:lnT>
-                    <a:lnB w="12700" cap="flat" cmpd="sng" algn="ctr">
-                      <a:solidFill>
-                        <a:srgbClr val="DFE2E9"/>
-                      </a:solidFill>
-                      <a:prstDash val="solid"/>
-                      <a:round/>
-                      <a:headEnd type="none" w="med" len="med"/>
-                      <a:tailEnd type="none" w="med" len="med"/>
-                    </a:lnB>
-                  </a:tcPr>
-                </a:tc>
-                <a:tc>
-                  <a:txBody>
-                    <a:bodyPr/>
-                    <a:lstStyle/>
-                    <a:p>
-                      <a:pPr algn="ctr"/>
-                      <a:r>
-                        <a:rPr lang="en-GB" sz="2200" noProof="1"/>
-                        <a:t>4</a:t>
-                      </a:r>
-                    </a:p>
-                  </a:txBody>
-                  <a:tcPr marL="91464" marR="91464" anchor="ctr">
-                    <a:lnL w="12700" cap="flat" cmpd="sng" algn="ctr">
-                      <a:solidFill>
-                        <a:srgbClr val="DFE2E9"/>
-                      </a:solidFill>
-                      <a:prstDash val="solid"/>
-                      <a:round/>
-                      <a:headEnd type="none" w="med" len="med"/>
-                      <a:tailEnd type="none" w="med" len="med"/>
-                    </a:lnL>
-                    <a:lnR w="12700" cap="flat" cmpd="sng" algn="ctr">
-                      <a:solidFill>
-                        <a:srgbClr val="DFE2E9"/>
-                      </a:solidFill>
-                      <a:prstDash val="solid"/>
-                      <a:round/>
-                      <a:headEnd type="none" w="med" len="med"/>
-                      <a:tailEnd type="none" w="med" len="med"/>
-                    </a:lnR>
-                    <a:lnT w="12700" cap="flat" cmpd="sng" algn="ctr">
-                      <a:solidFill>
-                        <a:srgbClr val="DFE2E9"/>
-                      </a:solidFill>
-                      <a:prstDash val="solid"/>
-                      <a:round/>
-                      <a:headEnd type="none" w="med" len="med"/>
-                      <a:tailEnd type="none" w="med" len="med"/>
-                    </a:lnT>
-                    <a:lnB w="12700" cap="flat" cmpd="sng" algn="ctr">
-                      <a:solidFill>
-                        <a:srgbClr val="DFE2E9"/>
-                      </a:solidFill>
-                      <a:prstDash val="solid"/>
-                      <a:round/>
-                      <a:headEnd type="none" w="med" len="med"/>
-                      <a:tailEnd type="none" w="med" len="med"/>
-                    </a:lnB>
-                  </a:tcPr>
-                </a:tc>
-                <a:tc>
-                  <a:txBody>
-                    <a:bodyPr/>
-                    <a:lstStyle/>
-                    <a:p>
-                      <a:pPr algn="ctr"/>
-                      <a:r>
-                        <a:rPr lang="en-GB" sz="2200" noProof="1"/>
-                        <a:t>0.87</a:t>
-                      </a:r>
-                    </a:p>
-                  </a:txBody>
-                  <a:tcPr marL="91464" marR="91464" anchor="ctr">
-                    <a:lnL w="12700" cap="flat" cmpd="sng" algn="ctr">
-                      <a:solidFill>
-                        <a:srgbClr val="DFE2E9"/>
-                      </a:solidFill>
-                      <a:prstDash val="solid"/>
-                      <a:round/>
-                      <a:headEnd type="none" w="med" len="med"/>
-                      <a:tailEnd type="none" w="med" len="med"/>
-                    </a:lnL>
-                    <a:lnR w="12700" cap="flat" cmpd="sng" algn="ctr">
-                      <a:solidFill>
-                        <a:srgbClr val="DFE2E9"/>
-                      </a:solidFill>
-                      <a:prstDash val="solid"/>
-                      <a:round/>
-                      <a:headEnd type="none" w="med" len="med"/>
-                      <a:tailEnd type="none" w="med" len="med"/>
-                    </a:lnR>
-                    <a:lnT w="12700" cap="flat" cmpd="sng" algn="ctr">
-                      <a:solidFill>
-                        <a:srgbClr val="DFE2E9"/>
-                      </a:solidFill>
-                      <a:prstDash val="solid"/>
-                      <a:round/>
-                      <a:headEnd type="none" w="med" len="med"/>
-                      <a:tailEnd type="none" w="med" len="med"/>
-                    </a:lnT>
-                    <a:lnB w="12700" cap="flat" cmpd="sng" algn="ctr">
-                      <a:solidFill>
-                        <a:srgbClr val="DFE2E9"/>
-                      </a:solidFill>
-                      <a:prstDash val="solid"/>
-                      <a:round/>
-                      <a:headEnd type="none" w="med" len="med"/>
-                      <a:tailEnd type="none" w="med" len="med"/>
-                    </a:lnB>
-                  </a:tcPr>
-                </a:tc>
-                <a:tc>
-                  <a:txBody>
-                    <a:bodyPr/>
-                    <a:lstStyle/>
-                    <a:p>
-                      <a:pPr algn="ctr"/>
-                      <a:r>
-                        <a:rPr lang="en-GB" sz="2200" noProof="1"/>
-                        <a:t>4</a:t>
-                      </a:r>
-                    </a:p>
-                  </a:txBody>
-                  <a:tcPr marL="91464" marR="91464" anchor="ctr">
-                    <a:lnL w="12700" cap="flat" cmpd="sng" algn="ctr">
-                      <a:solidFill>
-                        <a:srgbClr val="DFE2E9"/>
-                      </a:solidFill>
-                      <a:prstDash val="solid"/>
-                      <a:round/>
-                      <a:headEnd type="none" w="med" len="med"/>
-                      <a:tailEnd type="none" w="med" len="med"/>
-                    </a:lnL>
-                    <a:lnR w="12700" cap="flat" cmpd="sng" algn="ctr">
-                      <a:solidFill>
-                        <a:srgbClr val="DFE2E9"/>
-                      </a:solidFill>
-                      <a:prstDash val="solid"/>
-                      <a:round/>
-                      <a:headEnd type="none" w="med" len="med"/>
-                      <a:tailEnd type="none" w="med" len="med"/>
-                    </a:lnR>
-                    <a:lnT w="12700" cap="flat" cmpd="sng" algn="ctr">
-                      <a:solidFill>
-                        <a:srgbClr val="DFE2E9"/>
-                      </a:solidFill>
-                      <a:prstDash val="solid"/>
-                      <a:round/>
-                      <a:headEnd type="none" w="med" len="med"/>
-                      <a:tailEnd type="none" w="med" len="med"/>
-                    </a:lnT>
-                    <a:lnB w="12700" cap="flat" cmpd="sng" algn="ctr">
-                      <a:solidFill>
-                        <a:srgbClr val="DFE2E9"/>
-                      </a:solidFill>
-                      <a:prstDash val="solid"/>
-                      <a:round/>
-                      <a:headEnd type="none" w="med" len="med"/>
-                      <a:tailEnd type="none" w="med" len="med"/>
-                    </a:lnB>
-                  </a:tcPr>
-                </a:tc>
-                <a:tc>
-                  <a:txBody>
-                    <a:bodyPr/>
-                    <a:lstStyle/>
-                    <a:p>
-                      <a:pPr algn="ctr"/>
-                      <a:r>
-                        <a:rPr lang="en-GB" sz="2200" noProof="1"/>
-                        <a:t>1</a:t>
-                      </a:r>
-                    </a:p>
-                  </a:txBody>
-                  <a:tcPr marL="91464" marR="91464" anchor="ctr">
-                    <a:lnL w="12700" cap="flat" cmpd="sng" algn="ctr">
-                      <a:solidFill>
-                        <a:srgbClr val="DFE2E9"/>
-                      </a:solidFill>
-                      <a:prstDash val="solid"/>
-                      <a:round/>
-                      <a:headEnd type="none" w="med" len="med"/>
-                      <a:tailEnd type="none" w="med" len="med"/>
-                    </a:lnL>
-                    <a:lnR w="12700" cap="flat" cmpd="sng" algn="ctr">
-                      <a:solidFill>
-                        <a:srgbClr val="DFE2E9"/>
-                      </a:solidFill>
-                      <a:prstDash val="solid"/>
-                      <a:round/>
-                      <a:headEnd type="none" w="med" len="med"/>
-                      <a:tailEnd type="none" w="med" len="med"/>
-                    </a:lnR>
-                    <a:lnT w="12700" cap="flat" cmpd="sng" algn="ctr">
-                      <a:solidFill>
-                        <a:srgbClr val="DFE2E9"/>
-                      </a:solidFill>
-                      <a:prstDash val="solid"/>
-                      <a:round/>
-                      <a:headEnd type="none" w="med" len="med"/>
-                      <a:tailEnd type="none" w="med" len="med"/>
-                    </a:lnT>
-                    <a:lnB w="12700" cap="flat" cmpd="sng" algn="ctr">
-                      <a:solidFill>
-                        <a:srgbClr val="DFE2E9"/>
-                      </a:solidFill>
-                      <a:prstDash val="solid"/>
-                      <a:round/>
-                      <a:headEnd type="none" w="med" len="med"/>
-                      <a:tailEnd type="none" w="med" len="med"/>
-                    </a:lnB>
-                  </a:tcPr>
-                </a:tc>
-                <a:tc>
-                  <a:txBody>
-                    <a:bodyPr/>
-                    <a:lstStyle/>
-                    <a:p>
-                      <a:pPr algn="ctr"/>
-                      <a:r>
-                        <a:rPr lang="en-GB" sz="2200" noProof="1"/>
-                        <a:t>3</a:t>
-                      </a:r>
-                    </a:p>
-                  </a:txBody>
-                  <a:tcPr marL="91464" marR="91464" anchor="ctr">
-                    <a:lnL w="12700" cap="flat" cmpd="sng" algn="ctr">
-                      <a:solidFill>
-                        <a:srgbClr val="DFE2E9"/>
-                      </a:solidFill>
-                      <a:prstDash val="solid"/>
-                      <a:round/>
-                      <a:headEnd type="none" w="med" len="med"/>
-                      <a:tailEnd type="none" w="med" len="med"/>
-                    </a:lnL>
-                    <a:lnR w="12700">
-                      <a:solidFill>
-                        <a:srgbClr val="DFE2E9"/>
-                      </a:solidFill>
-                      <a:prstDash val="solid"/>
-                    </a:lnR>
-                    <a:lnT w="12700" cap="flat" cmpd="sng" algn="ctr">
-                      <a:solidFill>
-                        <a:srgbClr val="DFE2E9"/>
-                      </a:solidFill>
-                      <a:prstDash val="solid"/>
-                      <a:round/>
-                      <a:headEnd type="none" w="med" len="med"/>
-                      <a:tailEnd type="none" w="med" len="med"/>
-                    </a:lnT>
-                    <a:lnB w="12700" cap="flat" cmpd="sng" algn="ctr">
-                      <a:solidFill>
-                        <a:srgbClr val="DFE2E9"/>
-                      </a:solidFill>
-                      <a:prstDash val="solid"/>
-                      <a:round/>
-                      <a:headEnd type="none" w="med" len="med"/>
-                      <a:tailEnd type="none" w="med" len="med"/>
-                    </a:lnB>
-                  </a:tcPr>
-                </a:tc>
-                <a:extLst>
-                  <a:ext uri="{0D108BD9-81ED-4DB2-BD59-A6C34878D82A}">
-                    <a16:rowId xmlns:a16="http://schemas.microsoft.com/office/drawing/2014/main" val="10004"/>
-                  </a:ext>
-                </a:extLst>
-              </a:tr>
-            </a:tbl>
-          </a:graphicData>
-        </a:graphic>
-      </p:graphicFrame>
-      <p:sp>
-        <p:nvSpPr>
-          <p:cNvPr id="5" name="Slide Number">
-            <a:extLst>
-              <a:ext uri="{FF2B5EF4-FFF2-40B4-BE49-F238E27FC236}">
-                <a16:creationId xmlns:a16="http://schemas.microsoft.com/office/drawing/2014/main" id="{E662660F-7D8A-88DE-3A5F-AE437285928A}"/>
-              </a:ext>
-            </a:extLst>
-          </p:cNvPr>
-          <p:cNvSpPr>
-            <a:spLocks noGrp="1"/>
-          </p:cNvSpPr>
-          <p:nvPr>
-            <p:ph type="sldNum" sz="quarter" idx="5"/>
-          </p:nvPr>
-        </p:nvSpPr>
-        <p:spPr>
-          <a:xfrm>
-            <a:off x="11753030" y="6507000"/>
-            <a:ext cx="367414" cy="297000"/>
-          </a:xfrm>
-          <a:prstGeom prst="rect">
-            <a:avLst/>
-          </a:prstGeom>
-        </p:spPr>
-        <p:txBody>
-          <a:bodyPr vert="horz" lIns="91440" tIns="45720" rIns="91440" bIns="45720" rtlCol="0" anchor="b"/>
-          <a:lstStyle>
-            <a:lvl1pPr algn="r">
-              <a:defRPr sz="1000"/>
-            </a:lvl1pPr>
-          </a:lstStyle>
-          <a:p>
-            <a:fld id="{2BF067CD-8E6B-4360-9AA8-C5DF2A48A6D1}" type="slidenum">
-              <a:rPr lang="en-US" noProof="0" smtClean="0"/>
-              <a:pPr/>
-              <a:t>26</a:t>
-            </a:fld>
-            <a:endParaRPr lang="en-US" noProof="0" dirty="0"/>
-          </a:p>
-        </p:txBody>
-      </p:sp>
-    </p:spTree>
-    <p:extLst>
-      <p:ext uri="{BB962C8B-B14F-4D97-AF65-F5344CB8AC3E}">
-        <p14:creationId xmlns:p14="http://schemas.microsoft.com/office/powerpoint/2010/main" val="3328953828"/>
-      </p:ext>
-    </p:extLst>
-  </p:cSld>
-  <p:clrMapOvr>
-    <a:masterClrMapping/>
-  </p:clrMapOvr>
-  <p:transition/>
-  <p:timing>
-    <p:tnLst>
-      <p:par>
-        <p:cTn id="1" dur="indefinite" restart="never" nodeType="tmRoot">
-          <p:childTnLst>
-            <p:seq concurrent="1" nextAc="seek">
-              <p:cTn id="2" dur="indefinite" nodeType="mainSeq">
-                <p:childTnLst>
-                  <p:par>
-                    <p:cTn id="3" fill="hold">
-                      <p:stCondLst>
-                        <p:cond delay="indefinite"/>
-                      </p:stCondLst>
-                      <p:childTnLst>
-                        <p:par>
-                          <p:cTn id="4" fill="hold">
-                            <p:stCondLst>
-                              <p:cond delay="0"/>
-                            </p:stCondLst>
-                            <p:childTnLst>
-                              <p:par>
-                                <p:cTn id="5" presetID="1" presetClass="entr" presetSubtype="0" fill="hold" nodeType="clickEffect">
-                                  <p:stCondLst>
-                                    <p:cond delay="0"/>
-                                  </p:stCondLst>
-                                  <p:childTnLst>
-                                    <p:set>
-                                      <p:cBhvr>
-                                        <p:cTn id="6" dur="1" fill="hold">
-                                          <p:stCondLst>
-                                            <p:cond delay="0"/>
-                                          </p:stCondLst>
-                                        </p:cTn>
-                                        <p:tgtEl>
-                                          <p:spTgt spid="3">
-                                            <p:txEl>
-                                              <p:pRg st="2" end="2"/>
-                                            </p:txEl>
-                                          </p:spTgt>
-                                        </p:tgtEl>
-                                        <p:attrNameLst>
-                                          <p:attrName>style.visibility</p:attrName>
-                                        </p:attrNameLst>
-                                      </p:cBhvr>
-                                      <p:to>
-                                        <p:strVal val="visible"/>
-                                      </p:to>
-                                    </p:set>
-                                  </p:childTnLst>
-                                </p:cTn>
-                              </p:par>
-                              <p:par>
-                                <p:cTn id="7" presetID="1" presetClass="entr" presetSubtype="0" fill="hold" nodeType="withEffect">
-                                  <p:stCondLst>
-                                    <p:cond delay="0"/>
-                                  </p:stCondLst>
-                                  <p:childTnLst>
-                                    <p:set>
-                                      <p:cBhvr>
-                                        <p:cTn id="8" dur="1" fill="hold">
-                                          <p:stCondLst>
-                                            <p:cond delay="0"/>
-                                          </p:stCondLst>
-                                        </p:cTn>
-                                        <p:tgtEl>
-                                          <p:spTgt spid="7"/>
-                                        </p:tgtEl>
-                                        <p:attrNameLst>
-                                          <p:attrName>style.visibility</p:attrName>
-                                        </p:attrNameLst>
-                                      </p:cBhvr>
-                                      <p:to>
-                                        <p:strVal val="visible"/>
-                                      </p:to>
-                                    </p:set>
-                                  </p:childTnLst>
-                                </p:cTn>
-                              </p:par>
-                            </p:childTnLst>
-                          </p:cTn>
-                        </p:par>
-                      </p:childTnLst>
-                    </p:cTn>
-                  </p:par>
-                </p:childTnLst>
-              </p:cTn>
-              <p:prevCondLst>
-                <p:cond evt="onPrev" delay="0">
-                  <p:tgtEl>
-                    <p:sldTgt/>
-                  </p:tgtEl>
-                </p:cond>
-              </p:prevCondLst>
-              <p:nextCondLst>
-                <p:cond evt="onNext" delay="0">
-                  <p:tgtEl>
-                    <p:sldTgt/>
-                  </p:tgtEl>
-                </p:cond>
-              </p:nextCondLst>
-            </p:seq>
-          </p:childTnLst>
-        </p:cTn>
-      </p:par>
-    </p:tnLst>
-  </p:timing>
-</p:sld>
-</file>
-
-<file path=ppt/slides/slide27.xml><?xml version="1.0" encoding="utf-8"?>
-<p:sld xmlns:a="http://schemas.openxmlformats.org/drawingml/2006/main" xmlns:r="http://schemas.openxmlformats.org/officeDocument/2006/relationships" xmlns:p="http://schemas.openxmlformats.org/presentationml/2006/main">
-  <p:cSld>
-    <p:spTree>
-      <p:nvGrpSpPr>
-        <p:cNvPr id="1" name=""/>
-        <p:cNvGrpSpPr/>
-        <p:nvPr/>
-      </p:nvGrpSpPr>
-      <p:grpSpPr>
-        <a:xfrm>
-          <a:off x="0" y="0"/>
-          <a:ext cx="0" cy="0"/>
-          <a:chOff x="0" y="0"/>
-          <a:chExt cx="0" cy="0"/>
-        </a:xfrm>
-      </p:grpSpPr>
-      <p:sp>
-        <p:nvSpPr>
-          <p:cNvPr id="496643" name="Rectangle 3"/>
-          <p:cNvSpPr>
-            <a:spLocks noGrp="1" noChangeArrowheads="1"/>
-          </p:cNvSpPr>
-          <p:nvPr>
-            <p:ph idx="4294967295"/>
-          </p:nvPr>
-        </p:nvSpPr>
-        <p:spPr>
-          <a:xfrm>
-            <a:off x="190463" y="1066800"/>
-            <a:ext cx="11807897" cy="5570355"/>
-          </a:xfrm>
-          <a:prstGeom prst="rect">
-            <a:avLst/>
-          </a:prstGeom>
-        </p:spPr>
-        <p:txBody>
-          <a:bodyPr/>
-          <a:lstStyle/>
-          <a:p>
-            <a:pPr>
-              <a:lnSpc>
-                <a:spcPct val="100000"/>
-              </a:lnSpc>
-              <a:buClr>
-                <a:schemeClr val="tx2"/>
-              </a:buClr>
-            </a:pPr>
-            <a:r>
-              <a:rPr lang="bg-BG" b="1" dirty="0">
-                <a:solidFill>
-                  <a:schemeClr val="bg1"/>
-                </a:solidFill>
-                <a:cs typeface="Consolas" pitchFamily="49" charset="0"/>
-              </a:rPr>
-              <a:t>Четвърта </a:t>
-            </a:r>
-            <a:r>
-              <a:rPr lang="bg-BG" dirty="0">
-                <a:solidFill>
-                  <a:srgbClr val="224464"/>
-                </a:solidFill>
-                <a:cs typeface="Consolas" pitchFamily="49" charset="0"/>
-              </a:rPr>
-              <a:t>нормална форма</a:t>
-            </a:r>
-            <a:endParaRPr lang="bg-BG" dirty="0">
-              <a:solidFill>
-                <a:srgbClr val="224464"/>
-              </a:solidFill>
-            </a:endParaRPr>
-          </a:p>
-          <a:p>
-            <a:pPr lvl="1">
-              <a:lnSpc>
-                <a:spcPct val="100000"/>
-              </a:lnSpc>
-            </a:pPr>
-            <a:r>
-              <a:rPr lang="ru-RU" dirty="0"/>
-              <a:t>Запазва всички изисквания на </a:t>
-            </a:r>
-            <a:r>
-              <a:rPr lang="ru-RU" b="1" dirty="0">
-                <a:solidFill>
-                  <a:schemeClr val="bg1"/>
-                </a:solidFill>
-              </a:rPr>
-              <a:t>3-та</a:t>
-            </a:r>
-            <a:r>
-              <a:rPr lang="ru-RU" dirty="0"/>
-              <a:t> нормална форма</a:t>
-            </a:r>
-            <a:endParaRPr lang="bg-BG" dirty="0"/>
-          </a:p>
-          <a:p>
-            <a:pPr lvl="1">
-              <a:lnSpc>
-                <a:spcPct val="100000"/>
-              </a:lnSpc>
-            </a:pPr>
-            <a:r>
-              <a:rPr lang="ru-RU" dirty="0"/>
-              <a:t>Във всяка таблица има най-много една колона, с много възможни стойности за един ключ (атрибут с множество стойности)</a:t>
-            </a:r>
-            <a:endParaRPr lang="bg-BG" dirty="0"/>
-          </a:p>
-        </p:txBody>
-      </p:sp>
-      <p:sp>
-        <p:nvSpPr>
-          <p:cNvPr id="496642" name="Rectangle 2"/>
-          <p:cNvSpPr>
-            <a:spLocks noGrp="1" noChangeArrowheads="1"/>
-          </p:cNvSpPr>
-          <p:nvPr>
-            <p:ph type="title"/>
-          </p:nvPr>
-        </p:nvSpPr>
-        <p:spPr/>
-        <p:txBody>
-          <a:bodyPr/>
-          <a:lstStyle/>
-          <a:p>
-            <a:r>
-              <a:rPr lang="bg-BG" dirty="0"/>
-              <a:t>Нормализация</a:t>
-            </a:r>
-            <a:r>
-              <a:rPr lang="en-US" dirty="0"/>
-              <a:t> (5)</a:t>
-            </a:r>
-            <a:endParaRPr lang="bg-BG" dirty="0"/>
-          </a:p>
-        </p:txBody>
-      </p:sp>
-      <p:graphicFrame>
-        <p:nvGraphicFramePr>
-          <p:cNvPr id="11" name="object 14"/>
-          <p:cNvGraphicFramePr>
-            <a:graphicFrameLocks noGrp="1"/>
-          </p:cNvGraphicFramePr>
-          <p:nvPr>
-            <p:extLst>
-              <p:ext uri="{D42A27DB-BD31-4B8C-83A1-F6EECF244321}">
-                <p14:modId xmlns:p14="http://schemas.microsoft.com/office/powerpoint/2010/main" val="1102571627"/>
-              </p:ext>
-            </p:extLst>
-          </p:nvPr>
-        </p:nvGraphicFramePr>
-        <p:xfrm>
-          <a:off x="2362200" y="4953000"/>
-          <a:ext cx="7467600" cy="1752600"/>
-        </p:xfrm>
-        <a:graphic>
-          <a:graphicData uri="http://schemas.openxmlformats.org/drawingml/2006/table">
-            <a:tbl>
-              <a:tblPr firstRow="1" bandRow="1">
-                <a:tableStyleId>{2D5ABB26-0587-4C30-8999-92F81FD0307C}</a:tableStyleId>
-              </a:tblPr>
-              <a:tblGrid>
-                <a:gridCol w="891654">
-                  <a:extLst>
-                    <a:ext uri="{9D8B030D-6E8A-4147-A177-3AD203B41FA5}">
-                      <a16:colId xmlns:a16="http://schemas.microsoft.com/office/drawing/2014/main" val="20000"/>
-                    </a:ext>
-                  </a:extLst>
-                </a:gridCol>
-                <a:gridCol w="2994546">
-                  <a:extLst>
-                    <a:ext uri="{9D8B030D-6E8A-4147-A177-3AD203B41FA5}">
-                      <a16:colId xmlns:a16="http://schemas.microsoft.com/office/drawing/2014/main" val="20001"/>
-                    </a:ext>
-                  </a:extLst>
-                </a:gridCol>
-                <a:gridCol w="3581400">
-                  <a:extLst>
-                    <a:ext uri="{9D8B030D-6E8A-4147-A177-3AD203B41FA5}">
-                      <a16:colId xmlns:a16="http://schemas.microsoft.com/office/drawing/2014/main" val="20002"/>
-                    </a:ext>
-                  </a:extLst>
-                </a:gridCol>
-              </a:tblGrid>
-              <a:tr h="584174">
-                <a:tc>
-                  <a:txBody>
-                    <a:bodyPr/>
-                    <a:lstStyle/>
-                    <a:p>
-                      <a:pPr algn="ctr"/>
-                      <a:r>
-                        <a:rPr lang="en-GB" sz="2200" b="1" noProof="1">
-                          <a:effectLst/>
-                          <a:latin typeface="+mj-lt"/>
-                        </a:rPr>
-                        <a:t>Id</a:t>
-                      </a:r>
-                    </a:p>
-                  </a:txBody>
-                  <a:tcPr marL="91464" marR="91464" anchor="ctr">
-                    <a:lnL w="28575">
-                      <a:solidFill>
-                        <a:srgbClr val="DFE2E9"/>
-                      </a:solidFill>
-                      <a:prstDash val="solid"/>
-                    </a:lnL>
-                    <a:lnR w="12700">
-                      <a:solidFill>
-                        <a:srgbClr val="DFE2E9"/>
-                      </a:solidFill>
-                      <a:prstDash val="solid"/>
-                    </a:lnR>
-                    <a:lnT w="28575">
-                      <a:solidFill>
-                        <a:srgbClr val="DFE2E9"/>
-                      </a:solidFill>
-                      <a:prstDash val="solid"/>
-                    </a:lnT>
-                    <a:lnB w="28575" cap="flat" cmpd="sng" algn="ctr">
-                      <a:solidFill>
-                        <a:srgbClr val="DFE2E9"/>
-                      </a:solidFill>
-                      <a:prstDash val="solid"/>
-                      <a:round/>
-                      <a:headEnd type="none" w="med" len="med"/>
-                      <a:tailEnd type="none" w="med" len="med"/>
-                    </a:lnB>
-                    <a:solidFill>
-                      <a:srgbClr val="D0D4DC"/>
-                    </a:solidFill>
-                  </a:tcPr>
-                </a:tc>
-                <a:tc>
-                  <a:txBody>
-                    <a:bodyPr/>
-                    <a:lstStyle/>
-                    <a:p>
-                      <a:pPr algn="ctr"/>
-                      <a:r>
-                        <a:rPr lang="en-GB" sz="2200" b="1" noProof="1">
-                          <a:effectLst/>
-                          <a:latin typeface="+mj-lt"/>
-                        </a:rPr>
-                        <a:t>Book</a:t>
-                      </a:r>
-                    </a:p>
-                  </a:txBody>
-                  <a:tcPr marL="91464" marR="91464" anchor="ctr">
-                    <a:lnL w="12700">
-                      <a:solidFill>
-                        <a:srgbClr val="DFE2E9"/>
-                      </a:solidFill>
-                      <a:prstDash val="solid"/>
-                    </a:lnL>
-                    <a:lnR w="12700" cap="flat" cmpd="sng" algn="ctr">
-                      <a:solidFill>
-                        <a:srgbClr val="DFE2E9"/>
-                      </a:solidFill>
-                      <a:prstDash val="solid"/>
-                      <a:round/>
-                      <a:headEnd type="none" w="med" len="med"/>
-                      <a:tailEnd type="none" w="med" len="med"/>
-                    </a:lnR>
-                    <a:lnT w="28575">
-                      <a:solidFill>
-                        <a:srgbClr val="DFE2E9"/>
-                      </a:solidFill>
-                      <a:prstDash val="solid"/>
-                    </a:lnT>
-                    <a:lnB w="28575" cap="flat" cmpd="sng" algn="ctr">
-                      <a:solidFill>
-                        <a:srgbClr val="DFE2E9"/>
-                      </a:solidFill>
-                      <a:prstDash val="solid"/>
-                      <a:round/>
-                      <a:headEnd type="none" w="med" len="med"/>
-                      <a:tailEnd type="none" w="med" len="med"/>
-                    </a:lnB>
-                    <a:solidFill>
-                      <a:srgbClr val="D0D4DC"/>
-                    </a:solidFill>
-                  </a:tcPr>
-                </a:tc>
-                <a:tc>
-                  <a:txBody>
-                    <a:bodyPr/>
-                    <a:lstStyle/>
-                    <a:p>
-                      <a:pPr algn="ctr"/>
-                      <a:r>
-                        <a:rPr lang="en-GB" sz="2200" b="1" noProof="1">
-                          <a:effectLst/>
-                          <a:latin typeface="+mj-lt"/>
-                        </a:rPr>
-                        <a:t>Article</a:t>
-                      </a:r>
-                    </a:p>
-                  </a:txBody>
-                  <a:tcPr marL="91464" marR="91464" anchor="ctr">
-                    <a:lnL w="12700">
-                      <a:solidFill>
-                        <a:srgbClr val="DFE2E9"/>
-                      </a:solidFill>
-                      <a:prstDash val="solid"/>
-                    </a:lnL>
-                    <a:lnR w="12700" cap="flat" cmpd="sng" algn="ctr">
-                      <a:solidFill>
-                        <a:srgbClr val="DFE2E9"/>
-                      </a:solidFill>
-                      <a:prstDash val="solid"/>
-                      <a:round/>
-                      <a:headEnd type="none" w="med" len="med"/>
-                      <a:tailEnd type="none" w="med" len="med"/>
-                    </a:lnR>
-                    <a:lnT w="28575">
-                      <a:solidFill>
-                        <a:srgbClr val="DFE2E9"/>
-                      </a:solidFill>
-                      <a:prstDash val="solid"/>
-                    </a:lnT>
-                    <a:lnB w="28575" cap="flat" cmpd="sng" algn="ctr">
-                      <a:solidFill>
-                        <a:srgbClr val="DFE2E9"/>
-                      </a:solidFill>
-                      <a:prstDash val="solid"/>
-                      <a:round/>
-                      <a:headEnd type="none" w="med" len="med"/>
-                      <a:tailEnd type="none" w="med" len="med"/>
-                    </a:lnB>
-                    <a:solidFill>
-                      <a:srgbClr val="D0D4DC"/>
-                    </a:solidFill>
-                  </a:tcPr>
-                </a:tc>
-                <a:extLst>
-                  <a:ext uri="{0D108BD9-81ED-4DB2-BD59-A6C34878D82A}">
-                    <a16:rowId xmlns:a16="http://schemas.microsoft.com/office/drawing/2014/main" val="10000"/>
-                  </a:ext>
-                </a:extLst>
-              </a:tr>
-              <a:tr h="556989">
-                <a:tc>
-                  <a:txBody>
-                    <a:bodyPr/>
-                    <a:lstStyle/>
-                    <a:p>
-                      <a:pPr algn="ctr"/>
-                      <a:r>
-                        <a:rPr lang="en-GB" sz="2200" noProof="1"/>
-                        <a:t>2</a:t>
-                      </a:r>
-                    </a:p>
-                  </a:txBody>
-                  <a:tcPr marL="91464" marR="91464" anchor="ctr">
-                    <a:lnL w="28575">
-                      <a:solidFill>
-                        <a:srgbClr val="DFE2E9"/>
-                      </a:solidFill>
-                      <a:prstDash val="solid"/>
-                    </a:lnL>
-                    <a:lnR w="12700">
-                      <a:solidFill>
-                        <a:srgbClr val="DFE2E9"/>
-                      </a:solidFill>
-                      <a:prstDash val="solid"/>
-                    </a:lnR>
-                    <a:lnT w="28575" cap="flat" cmpd="sng" algn="ctr">
-                      <a:solidFill>
-                        <a:srgbClr val="DFE2E9"/>
-                      </a:solidFill>
-                      <a:prstDash val="solid"/>
-                      <a:round/>
-                      <a:headEnd type="none" w="med" len="med"/>
-                      <a:tailEnd type="none" w="med" len="med"/>
-                    </a:lnT>
-                    <a:lnB w="12700">
-                      <a:solidFill>
-                        <a:srgbClr val="DFE2E9"/>
-                      </a:solidFill>
-                      <a:prstDash val="solid"/>
-                    </a:lnB>
-                  </a:tcPr>
-                </a:tc>
-                <a:tc>
-                  <a:txBody>
-                    <a:bodyPr/>
-                    <a:lstStyle/>
-                    <a:p>
-                      <a:pPr algn="ctr"/>
-                      <a:r>
-                        <a:rPr lang="en-GB" sz="2200" noProof="1"/>
-                        <a:t>.NET Programming</a:t>
-                      </a:r>
-                    </a:p>
-                  </a:txBody>
-                  <a:tcPr marL="91464" marR="91464" anchor="ctr">
-                    <a:lnL w="12700">
-                      <a:solidFill>
-                        <a:srgbClr val="DFE2E9"/>
-                      </a:solidFill>
-                      <a:prstDash val="solid"/>
-                    </a:lnL>
-                    <a:lnR w="12700" cap="flat" cmpd="sng" algn="ctr">
-                      <a:solidFill>
-                        <a:srgbClr val="DFE2E9"/>
-                      </a:solidFill>
-                      <a:prstDash val="solid"/>
-                      <a:round/>
-                      <a:headEnd type="none" w="med" len="med"/>
-                      <a:tailEnd type="none" w="med" len="med"/>
-                    </a:lnR>
-                    <a:lnT w="28575" cap="flat" cmpd="sng" algn="ctr">
-                      <a:solidFill>
-                        <a:srgbClr val="DFE2E9"/>
-                      </a:solidFill>
-                      <a:prstDash val="solid"/>
-                      <a:round/>
-                      <a:headEnd type="none" w="med" len="med"/>
-                      <a:tailEnd type="none" w="med" len="med"/>
-                    </a:lnT>
-                    <a:lnB w="12700">
-                      <a:solidFill>
-                        <a:srgbClr val="DFE2E9"/>
-                      </a:solidFill>
-                      <a:prstDash val="solid"/>
-                    </a:lnB>
-                  </a:tcPr>
-                </a:tc>
-                <a:tc>
-                  <a:txBody>
-                    <a:bodyPr/>
-                    <a:lstStyle/>
-                    <a:p>
-                      <a:pPr algn="ctr"/>
-                      <a:r>
-                        <a:rPr lang="en-GB" sz="2200" noProof="1"/>
-                        <a:t>Regular</a:t>
-                      </a:r>
-                      <a:r>
-                        <a:rPr lang="en-GB" sz="2200" baseline="0" noProof="1"/>
-                        <a:t> Expressions</a:t>
-                      </a:r>
-                      <a:endParaRPr lang="en-GB" sz="2200" noProof="1"/>
-                    </a:p>
-                  </a:txBody>
-                  <a:tcPr marL="91464" marR="91464" anchor="ctr">
-                    <a:lnL w="12700">
-                      <a:solidFill>
-                        <a:srgbClr val="DFE2E9"/>
-                      </a:solidFill>
-                      <a:prstDash val="solid"/>
-                    </a:lnL>
-                    <a:lnR w="12700" cap="flat" cmpd="sng" algn="ctr">
-                      <a:solidFill>
-                        <a:srgbClr val="DFE2E9"/>
-                      </a:solidFill>
-                      <a:prstDash val="solid"/>
-                      <a:round/>
-                      <a:headEnd type="none" w="med" len="med"/>
-                      <a:tailEnd type="none" w="med" len="med"/>
-                    </a:lnR>
-                    <a:lnT w="28575" cap="flat" cmpd="sng" algn="ctr">
-                      <a:solidFill>
-                        <a:srgbClr val="DFE2E9"/>
-                      </a:solidFill>
-                      <a:prstDash val="solid"/>
-                      <a:round/>
-                      <a:headEnd type="none" w="med" len="med"/>
-                      <a:tailEnd type="none" w="med" len="med"/>
-                    </a:lnT>
-                    <a:lnB w="12700" cap="flat" cmpd="sng" algn="ctr">
-                      <a:solidFill>
-                        <a:srgbClr val="DFE2E9"/>
-                      </a:solidFill>
-                      <a:prstDash val="solid"/>
-                      <a:round/>
-                      <a:headEnd type="none" w="med" len="med"/>
-                      <a:tailEnd type="none" w="med" len="med"/>
-                    </a:lnB>
-                  </a:tcPr>
-                </a:tc>
-                <a:extLst>
-                  <a:ext uri="{0D108BD9-81ED-4DB2-BD59-A6C34878D82A}">
-                    <a16:rowId xmlns:a16="http://schemas.microsoft.com/office/drawing/2014/main" val="10001"/>
-                  </a:ext>
-                </a:extLst>
-              </a:tr>
-              <a:tr h="611437">
-                <a:tc>
-                  <a:txBody>
-                    <a:bodyPr/>
-                    <a:lstStyle/>
-                    <a:p>
-                      <a:pPr algn="ctr"/>
-                      <a:r>
-                        <a:rPr lang="en-GB" sz="2200" noProof="1"/>
-                        <a:t>4</a:t>
-                      </a:r>
-                    </a:p>
-                  </a:txBody>
-                  <a:tcPr marL="91464" marR="91464" anchor="ctr">
-                    <a:lnL w="28575">
-                      <a:solidFill>
-                        <a:srgbClr val="DFE2E9"/>
-                      </a:solidFill>
-                      <a:prstDash val="solid"/>
-                    </a:lnL>
-                    <a:lnR w="12700">
-                      <a:solidFill>
-                        <a:srgbClr val="DFE2E9"/>
-                      </a:solidFill>
-                      <a:prstDash val="solid"/>
-                    </a:lnR>
-                    <a:lnT w="12700">
-                      <a:solidFill>
-                        <a:srgbClr val="DFE2E9"/>
-                      </a:solidFill>
-                      <a:prstDash val="solid"/>
-                    </a:lnT>
-                    <a:lnB w="12700" cap="flat" cmpd="sng" algn="ctr">
-                      <a:solidFill>
-                        <a:srgbClr val="DFE2E9"/>
-                      </a:solidFill>
-                      <a:prstDash val="solid"/>
-                      <a:round/>
-                      <a:headEnd type="none" w="med" len="med"/>
-                      <a:tailEnd type="none" w="med" len="med"/>
-                    </a:lnB>
-                  </a:tcPr>
-                </a:tc>
-                <a:tc>
-                  <a:txBody>
-                    <a:bodyPr/>
-                    <a:lstStyle/>
-                    <a:p>
-                      <a:pPr algn="ctr"/>
-                      <a:r>
-                        <a:rPr lang="en-GB" sz="2200" noProof="1"/>
-                        <a:t>Mastering</a:t>
-                      </a:r>
-                      <a:r>
-                        <a:rPr lang="en-GB" sz="2200" baseline="0" noProof="1"/>
-                        <a:t> JavaScript</a:t>
-                      </a:r>
-                      <a:endParaRPr lang="en-GB" sz="2200" noProof="1"/>
-                    </a:p>
-                  </a:txBody>
-                  <a:tcPr marL="91464" marR="91464" anchor="ctr">
-                    <a:lnL w="12700">
-                      <a:solidFill>
-                        <a:srgbClr val="DFE2E9"/>
-                      </a:solidFill>
-                      <a:prstDash val="solid"/>
-                    </a:lnL>
-                    <a:lnR w="12700" cap="flat" cmpd="sng" algn="ctr">
-                      <a:solidFill>
-                        <a:srgbClr val="DFE2E9"/>
-                      </a:solidFill>
-                      <a:prstDash val="solid"/>
-                      <a:round/>
-                      <a:headEnd type="none" w="med" len="med"/>
-                      <a:tailEnd type="none" w="med" len="med"/>
-                    </a:lnR>
-                    <a:lnT w="12700">
-                      <a:solidFill>
-                        <a:srgbClr val="DFE2E9"/>
-                      </a:solidFill>
-                      <a:prstDash val="solid"/>
-                    </a:lnT>
-                    <a:lnB w="12700" cap="flat" cmpd="sng" algn="ctr">
-                      <a:solidFill>
-                        <a:srgbClr val="DFE2E9"/>
-                      </a:solidFill>
-                      <a:prstDash val="solid"/>
-                      <a:round/>
-                      <a:headEnd type="none" w="med" len="med"/>
-                      <a:tailEnd type="none" w="med" len="med"/>
-                    </a:lnB>
-                  </a:tcPr>
-                </a:tc>
-                <a:tc>
-                  <a:txBody>
-                    <a:bodyPr/>
-                    <a:lstStyle/>
-                    <a:p>
-                      <a:pPr algn="ctr"/>
-                      <a:r>
-                        <a:rPr lang="en-GB" sz="2200" noProof="1"/>
-                        <a:t>AJAX</a:t>
-                      </a:r>
-                      <a:r>
-                        <a:rPr lang="en-GB" sz="2200" baseline="0" noProof="1"/>
-                        <a:t> Performance Patterns</a:t>
-                      </a:r>
-                      <a:endParaRPr lang="en-GB" sz="2200" noProof="1"/>
-                    </a:p>
-                  </a:txBody>
-                  <a:tcPr marL="91464" marR="91464" anchor="ctr">
-                    <a:lnL w="12700">
-                      <a:solidFill>
-                        <a:srgbClr val="DFE2E9"/>
-                      </a:solidFill>
-                      <a:prstDash val="solid"/>
-                    </a:lnL>
-                    <a:lnR w="12700" cap="flat" cmpd="sng" algn="ctr">
-                      <a:solidFill>
-                        <a:srgbClr val="DFE2E9"/>
-                      </a:solidFill>
-                      <a:prstDash val="solid"/>
-                      <a:round/>
-                      <a:headEnd type="none" w="med" len="med"/>
-                      <a:tailEnd type="none" w="med" len="med"/>
-                    </a:lnR>
-                    <a:lnT w="12700" cap="flat" cmpd="sng" algn="ctr">
-                      <a:solidFill>
-                        <a:srgbClr val="DFE2E9"/>
-                      </a:solidFill>
-                      <a:prstDash val="solid"/>
-                      <a:round/>
-                      <a:headEnd type="none" w="med" len="med"/>
-                      <a:tailEnd type="none" w="med" len="med"/>
-                    </a:lnT>
-                    <a:lnB w="12700" cap="flat" cmpd="sng" algn="ctr">
-                      <a:solidFill>
-                        <a:srgbClr val="DFE2E9"/>
-                      </a:solidFill>
-                      <a:prstDash val="solid"/>
-                      <a:round/>
-                      <a:headEnd type="none" w="med" len="med"/>
-                      <a:tailEnd type="none" w="med" len="med"/>
-                    </a:lnB>
-                  </a:tcPr>
-                </a:tc>
-                <a:extLst>
-                  <a:ext uri="{0D108BD9-81ED-4DB2-BD59-A6C34878D82A}">
-                    <a16:rowId xmlns:a16="http://schemas.microsoft.com/office/drawing/2014/main" val="10002"/>
-                  </a:ext>
-                </a:extLst>
-              </a:tr>
-            </a:tbl>
-          </a:graphicData>
-        </a:graphic>
-      </p:graphicFrame>
-      <p:sp>
-        <p:nvSpPr>
-          <p:cNvPr id="12" name="AutoShape 7"/>
-          <p:cNvSpPr>
-            <a:spLocks noChangeArrowheads="1"/>
-          </p:cNvSpPr>
-          <p:nvPr/>
-        </p:nvSpPr>
-        <p:spPr bwMode="auto">
-          <a:xfrm>
-            <a:off x="1828800" y="3962400"/>
-            <a:ext cx="3048000" cy="838200"/>
-          </a:xfrm>
-          <a:prstGeom prst="wedgeRoundRectCallout">
-            <a:avLst>
-              <a:gd name="adj1" fmla="val 37348"/>
-              <a:gd name="adj2" fmla="val 78219"/>
-              <a:gd name="adj3" fmla="val 16667"/>
-            </a:avLst>
-          </a:prstGeom>
-          <a:solidFill>
-            <a:schemeClr val="dk2">
-              <a:alpha val="80000"/>
-            </a:schemeClr>
-          </a:solidFill>
-          <a:ln w="19050">
-            <a:solidFill>
-              <a:schemeClr val="tx1">
-                <a:lumMod val="75000"/>
-                <a:alpha val="80000"/>
-              </a:schemeClr>
-            </a:solidFill>
-          </a:ln>
-          <a:effectLst/>
-        </p:spPr>
-        <p:style>
-          <a:lnRef idx="2">
-            <a:schemeClr val="accent1">
-              <a:shade val="50000"/>
-            </a:schemeClr>
-          </a:lnRef>
-          <a:fillRef idx="1001">
-            <a:schemeClr val="dk2"/>
-          </a:fillRef>
-          <a:effectRef idx="0">
-            <a:schemeClr val="accent1"/>
-          </a:effectRef>
-          <a:fontRef idx="minor">
-            <a:schemeClr val="lt1"/>
-          </a:fontRef>
-        </p:style>
-        <p:txBody>
-          <a:bodyPr rot="0" spcFirstLastPara="0" vertOverflow="overflow" horzOverflow="overflow" vert="horz" wrap="square" lIns="91416" tIns="45708" rIns="91416" bIns="45708" numCol="1" spcCol="0" rtlCol="0" fromWordArt="0" anchor="ctr" anchorCtr="0" forceAA="0" compatLnSpc="1">
-            <a:prstTxWarp prst="textNoShape">
-              <a:avLst/>
-            </a:prstTxWarp>
-            <a:noAutofit/>
-          </a:bodyPr>
-          <a:lstStyle/>
-          <a:p>
-            <a:pPr algn="ctr"/>
-            <a:r>
-              <a:rPr lang="bg-BG" sz="2000" b="1" noProof="1">
-                <a:solidFill>
-                  <a:schemeClr val="bg1">
-                    <a:lumMod val="60000"/>
-                    <a:lumOff val="40000"/>
-                  </a:schemeClr>
-                </a:solidFill>
-              </a:rPr>
-              <a:t>Един автор </a:t>
-            </a:r>
-            <a:r>
-              <a:rPr lang="bg-BG" sz="2000" b="1" noProof="1">
-                <a:solidFill>
-                  <a:schemeClr val="bg2"/>
-                </a:solidFill>
-              </a:rPr>
-              <a:t>може да има </a:t>
-            </a:r>
-            <a:r>
-              <a:rPr lang="bg-BG" sz="2000" b="1" noProof="1">
-                <a:solidFill>
-                  <a:schemeClr val="bg1">
-                    <a:lumMod val="60000"/>
-                    <a:lumOff val="40000"/>
-                  </a:schemeClr>
-                </a:solidFill>
-              </a:rPr>
-              <a:t>много книги</a:t>
-            </a:r>
-            <a:endParaRPr lang="en-US" sz="2000" b="1" noProof="1">
-              <a:solidFill>
-                <a:schemeClr val="bg1">
-                  <a:lumMod val="60000"/>
-                  <a:lumOff val="40000"/>
-                </a:schemeClr>
-              </a:solidFill>
-            </a:endParaRPr>
-          </a:p>
-        </p:txBody>
-      </p:sp>
-      <p:sp>
-        <p:nvSpPr>
-          <p:cNvPr id="13" name="AutoShape 7"/>
-          <p:cNvSpPr>
-            <a:spLocks noChangeArrowheads="1"/>
-          </p:cNvSpPr>
-          <p:nvPr/>
-        </p:nvSpPr>
-        <p:spPr bwMode="auto">
-          <a:xfrm>
-            <a:off x="6781800" y="3886200"/>
-            <a:ext cx="3048000" cy="838200"/>
-          </a:xfrm>
-          <a:prstGeom prst="wedgeRoundRectCallout">
-            <a:avLst>
-              <a:gd name="adj1" fmla="val 2348"/>
-              <a:gd name="adj2" fmla="val 96401"/>
-              <a:gd name="adj3" fmla="val 16667"/>
-            </a:avLst>
-          </a:prstGeom>
-          <a:solidFill>
-            <a:schemeClr val="dk2">
-              <a:alpha val="80000"/>
-            </a:schemeClr>
-          </a:solidFill>
-          <a:ln w="19050">
-            <a:solidFill>
-              <a:schemeClr val="tx1">
-                <a:lumMod val="75000"/>
-                <a:alpha val="80000"/>
-              </a:schemeClr>
-            </a:solidFill>
-          </a:ln>
-          <a:effectLst/>
-        </p:spPr>
-        <p:style>
-          <a:lnRef idx="2">
-            <a:schemeClr val="accent1">
-              <a:shade val="50000"/>
-            </a:schemeClr>
-          </a:lnRef>
-          <a:fillRef idx="1001">
-            <a:schemeClr val="dk2"/>
-          </a:fillRef>
-          <a:effectRef idx="0">
-            <a:schemeClr val="accent1"/>
-          </a:effectRef>
-          <a:fontRef idx="minor">
-            <a:schemeClr val="lt1"/>
-          </a:fontRef>
-        </p:style>
-        <p:txBody>
-          <a:bodyPr rot="0" spcFirstLastPara="0" vertOverflow="overflow" horzOverflow="overflow" vert="horz" wrap="square" lIns="91416" tIns="45708" rIns="91416" bIns="45708" numCol="1" spcCol="0" rtlCol="0" fromWordArt="0" anchor="ctr" anchorCtr="0" forceAA="0" compatLnSpc="1">
-            <a:prstTxWarp prst="textNoShape">
-              <a:avLst/>
-            </a:prstTxWarp>
-            <a:noAutofit/>
-          </a:bodyPr>
-          <a:lstStyle/>
-          <a:p>
-            <a:pPr algn="ctr"/>
-            <a:r>
-              <a:rPr lang="bg-BG" sz="2000" b="1" noProof="1">
-                <a:solidFill>
-                  <a:schemeClr val="bg1">
-                    <a:lumMod val="60000"/>
-                    <a:lumOff val="40000"/>
-                  </a:schemeClr>
-                </a:solidFill>
-              </a:rPr>
-              <a:t>Един автор </a:t>
-            </a:r>
-            <a:r>
-              <a:rPr lang="bg-BG" sz="2000" b="1" noProof="1">
-                <a:solidFill>
-                  <a:schemeClr val="bg2"/>
-                </a:solidFill>
-              </a:rPr>
-              <a:t>може да има </a:t>
-            </a:r>
-            <a:r>
-              <a:rPr lang="bg-BG" sz="2000" b="1" noProof="1">
-                <a:solidFill>
-                  <a:schemeClr val="bg1">
-                    <a:lumMod val="60000"/>
-                    <a:lumOff val="40000"/>
-                  </a:schemeClr>
-                </a:solidFill>
-              </a:rPr>
-              <a:t>много статии</a:t>
-            </a:r>
-            <a:endParaRPr lang="en-US" sz="2000" b="1" noProof="1">
-              <a:solidFill>
-                <a:schemeClr val="bg1">
-                  <a:lumMod val="60000"/>
-                  <a:lumOff val="40000"/>
-                </a:schemeClr>
-              </a:solidFill>
-            </a:endParaRPr>
-          </a:p>
-        </p:txBody>
-      </p:sp>
-      <p:sp>
-        <p:nvSpPr>
-          <p:cNvPr id="2" name="Slide Number">
-            <a:extLst>
-              <a:ext uri="{FF2B5EF4-FFF2-40B4-BE49-F238E27FC236}">
-                <a16:creationId xmlns:a16="http://schemas.microsoft.com/office/drawing/2014/main" id="{3D5FF94F-5A63-6F15-1F9C-226248AC8783}"/>
-              </a:ext>
-            </a:extLst>
-          </p:cNvPr>
-          <p:cNvSpPr>
-            <a:spLocks noGrp="1"/>
-          </p:cNvSpPr>
-          <p:nvPr>
-            <p:ph type="sldNum" sz="quarter" idx="5"/>
-          </p:nvPr>
-        </p:nvSpPr>
-        <p:spPr>
-          <a:xfrm>
-            <a:off x="11753030" y="6507000"/>
-            <a:ext cx="367414" cy="297000"/>
-          </a:xfrm>
-          <a:prstGeom prst="rect">
-            <a:avLst/>
-          </a:prstGeom>
-        </p:spPr>
-        <p:txBody>
-          <a:bodyPr vert="horz" lIns="91440" tIns="45720" rIns="91440" bIns="45720" rtlCol="0" anchor="b"/>
-          <a:lstStyle>
-            <a:lvl1pPr algn="r">
-              <a:defRPr sz="1000"/>
-            </a:lvl1pPr>
-          </a:lstStyle>
-          <a:p>
-            <a:fld id="{2BF067CD-8E6B-4360-9AA8-C5DF2A48A6D1}" type="slidenum">
-              <a:rPr lang="en-US" noProof="0" smtClean="0"/>
-              <a:pPr/>
-              <a:t>27</a:t>
-            </a:fld>
-            <a:endParaRPr lang="en-US" noProof="0" dirty="0"/>
-          </a:p>
-        </p:txBody>
-      </p:sp>
-    </p:spTree>
-    <p:extLst>
-      <p:ext uri="{BB962C8B-B14F-4D97-AF65-F5344CB8AC3E}">
-        <p14:creationId xmlns:p14="http://schemas.microsoft.com/office/powerpoint/2010/main" val="2486636106"/>
-      </p:ext>
-    </p:extLst>
-  </p:cSld>
-  <p:clrMapOvr>
-    <a:masterClrMapping/>
-  </p:clrMapOvr>
-  <p:transition/>
-  <p:timing>
-    <p:tnLst>
-      <p:par>
-        <p:cTn id="1" dur="indefinite" restart="never" nodeType="tmRoot">
-          <p:childTnLst>
-            <p:seq concurrent="1" nextAc="seek">
-              <p:cTn id="2" dur="indefinite" nodeType="mainSeq">
-                <p:childTnLst>
-                  <p:par>
-                    <p:cTn id="3" fill="hold">
-                      <p:stCondLst>
-                        <p:cond delay="indefinite"/>
-                      </p:stCondLst>
-                      <p:childTnLst>
-                        <p:par>
-                          <p:cTn id="4" fill="hold">
-                            <p:stCondLst>
-                              <p:cond delay="0"/>
-                            </p:stCondLst>
-                            <p:childTnLst>
-                              <p:par>
-                                <p:cTn id="5" presetID="1" presetClass="entr" presetSubtype="0" fill="hold" nodeType="clickEffect">
-                                  <p:stCondLst>
-                                    <p:cond delay="0"/>
-                                  </p:stCondLst>
-                                  <p:childTnLst>
-                                    <p:set>
-                                      <p:cBhvr>
-                                        <p:cTn id="6" dur="1" fill="hold">
-                                          <p:stCondLst>
-                                            <p:cond delay="0"/>
-                                          </p:stCondLst>
-                                        </p:cTn>
-                                        <p:tgtEl>
-                                          <p:spTgt spid="496643">
-                                            <p:txEl>
-                                              <p:pRg st="2" end="2"/>
-                                            </p:txEl>
-                                          </p:spTgt>
-                                        </p:tgtEl>
-                                        <p:attrNameLst>
-                                          <p:attrName>style.visibility</p:attrName>
-                                        </p:attrNameLst>
-                                      </p:cBhvr>
-                                      <p:to>
-                                        <p:strVal val="visible"/>
-                                      </p:to>
-                                    </p:set>
-                                  </p:childTnLst>
-                                </p:cTn>
-                              </p:par>
-                              <p:par>
-                                <p:cTn id="7" presetID="1" presetClass="entr" presetSubtype="0" fill="hold" nodeType="withEffect">
-                                  <p:stCondLst>
-                                    <p:cond delay="0"/>
-                                  </p:stCondLst>
-                                  <p:childTnLst>
-                                    <p:set>
-                                      <p:cBhvr>
-                                        <p:cTn id="8" dur="1" fill="hold">
-                                          <p:stCondLst>
-                                            <p:cond delay="0"/>
-                                          </p:stCondLst>
-                                        </p:cTn>
-                                        <p:tgtEl>
-                                          <p:spTgt spid="11"/>
-                                        </p:tgtEl>
-                                        <p:attrNameLst>
-                                          <p:attrName>style.visibility</p:attrName>
-                                        </p:attrNameLst>
-                                      </p:cBhvr>
-                                      <p:to>
-                                        <p:strVal val="visible"/>
-                                      </p:to>
-                                    </p:set>
-                                  </p:childTnLst>
-                                </p:cTn>
-                              </p:par>
-                            </p:childTnLst>
-                          </p:cTn>
-                        </p:par>
-                      </p:childTnLst>
-                    </p:cTn>
-                  </p:par>
-                  <p:par>
-                    <p:cTn id="9" fill="hold">
-                      <p:stCondLst>
-                        <p:cond delay="indefinite"/>
-                      </p:stCondLst>
-                      <p:childTnLst>
-                        <p:par>
-                          <p:cTn id="10" fill="hold">
-                            <p:stCondLst>
-                              <p:cond delay="0"/>
-                            </p:stCondLst>
-                            <p:childTnLst>
-                              <p:par>
-                                <p:cTn id="11" presetID="1" presetClass="entr" presetSubtype="0" fill="hold" grpId="0" nodeType="clickEffect">
-                                  <p:stCondLst>
-                                    <p:cond delay="0"/>
-                                  </p:stCondLst>
-                                  <p:childTnLst>
-                                    <p:set>
-                                      <p:cBhvr>
-                                        <p:cTn id="12" dur="1" fill="hold">
-                                          <p:stCondLst>
-                                            <p:cond delay="0"/>
-                                          </p:stCondLst>
-                                        </p:cTn>
-                                        <p:tgtEl>
-                                          <p:spTgt spid="12"/>
-                                        </p:tgtEl>
-                                        <p:attrNameLst>
-                                          <p:attrName>style.visibility</p:attrName>
-                                        </p:attrNameLst>
-                                      </p:cBhvr>
-                                      <p:to>
-                                        <p:strVal val="visible"/>
-                                      </p:to>
-                                    </p:set>
-                                  </p:childTnLst>
-                                </p:cTn>
-                              </p:par>
-                            </p:childTnLst>
-                          </p:cTn>
-                        </p:par>
-                      </p:childTnLst>
-                    </p:cTn>
-                  </p:par>
-                  <p:par>
-                    <p:cTn id="13" fill="hold">
-                      <p:stCondLst>
-                        <p:cond delay="indefinite"/>
-                      </p:stCondLst>
-                      <p:childTnLst>
-                        <p:par>
-                          <p:cTn id="14" fill="hold">
-                            <p:stCondLst>
-                              <p:cond delay="0"/>
-                            </p:stCondLst>
-                            <p:childTnLst>
-                              <p:par>
-                                <p:cTn id="15" presetID="1" presetClass="entr" presetSubtype="0" fill="hold" grpId="0" nodeType="clickEffect">
-                                  <p:stCondLst>
-                                    <p:cond delay="0"/>
-                                  </p:stCondLst>
-                                  <p:childTnLst>
-                                    <p:set>
-                                      <p:cBhvr>
-                                        <p:cTn id="16" dur="1" fill="hold">
-                                          <p:stCondLst>
-                                            <p:cond delay="0"/>
-                                          </p:stCondLst>
-                                        </p:cTn>
-                                        <p:tgtEl>
-                                          <p:spTgt spid="13"/>
-                                        </p:tgtEl>
-                                        <p:attrNameLst>
-                                          <p:attrName>style.visibility</p:attrName>
-                                        </p:attrNameLst>
-                                      </p:cBhvr>
-                                      <p:to>
-                                        <p:strVal val="visible"/>
-                                      </p:to>
-                                    </p:set>
-                                  </p:childTnLst>
-                                </p:cTn>
-                              </p:par>
-                            </p:childTnLst>
-                          </p:cTn>
-                        </p:par>
-                      </p:childTnLst>
-                    </p:cTn>
-                  </p:par>
-                </p:childTnLst>
-              </p:cTn>
-              <p:prevCondLst>
-                <p:cond evt="onPrev" delay="0">
-                  <p:tgtEl>
-                    <p:sldTgt/>
-                  </p:tgtEl>
-                </p:cond>
-              </p:prevCondLst>
-              <p:nextCondLst>
-                <p:cond evt="onNext" delay="0">
-                  <p:tgtEl>
-                    <p:sldTgt/>
-                  </p:tgtEl>
-                </p:cond>
-              </p:nextCondLst>
-            </p:seq>
-          </p:childTnLst>
-        </p:cTn>
-      </p:par>
-    </p:tnLst>
-    <p:bldLst>
-      <p:bldP spid="12" grpId="0" animBg="1"/>
-      <p:bldP spid="13" grpId="0" animBg="1"/>
-    </p:bldLst>
-  </p:timing>
-</p:sld>
-</file>
-
-<file path=ppt/slides/slide28.xml><?xml version="1.0" encoding="utf-8"?>
-<p:sld xmlns:a="http://schemas.openxmlformats.org/drawingml/2006/main" xmlns:r="http://schemas.openxmlformats.org/officeDocument/2006/relationships" xmlns:p="http://schemas.openxmlformats.org/presentationml/2006/main">
-  <p:cSld>
-    <p:spTree>
-      <p:nvGrpSpPr>
-        <p:cNvPr id="1" name=""/>
-        <p:cNvGrpSpPr/>
-        <p:nvPr/>
-      </p:nvGrpSpPr>
-      <p:grpSpPr>
-        <a:xfrm>
-          <a:off x="0" y="0"/>
-          <a:ext cx="0" cy="0"/>
-          <a:chOff x="0" y="0"/>
-          <a:chExt cx="0" cy="0"/>
-        </a:xfrm>
-      </p:grpSpPr>
-      <p:sp>
-        <p:nvSpPr>
-          <p:cNvPr id="497667" name="Rectangle 3"/>
-          <p:cNvSpPr>
-            <a:spLocks noGrp="1" noChangeArrowheads="1"/>
-          </p:cNvSpPr>
-          <p:nvPr>
-            <p:ph idx="4294967295"/>
-          </p:nvPr>
-        </p:nvSpPr>
-        <p:spPr>
-          <a:xfrm>
-            <a:off x="190463" y="1151122"/>
-            <a:ext cx="11807897" cy="5570355"/>
-          </a:xfrm>
-          <a:prstGeom prst="rect">
-            <a:avLst/>
-          </a:prstGeom>
-        </p:spPr>
-        <p:txBody>
-          <a:bodyPr/>
-          <a:lstStyle/>
-          <a:p>
-            <a:pPr>
-              <a:lnSpc>
-                <a:spcPct val="100000"/>
-              </a:lnSpc>
-            </a:pPr>
-            <a:r>
-              <a:rPr lang="ru-RU" dirty="0"/>
-              <a:t>Пример за нормализирана схема (в </a:t>
-            </a:r>
-            <a:r>
-              <a:rPr lang="ru-RU" b="1" dirty="0">
-                <a:solidFill>
-                  <a:schemeClr val="bg1"/>
-                </a:solidFill>
-              </a:rPr>
-              <a:t>4-та </a:t>
-            </a:r>
-            <a:r>
-              <a:rPr lang="ru-RU" dirty="0">
-                <a:solidFill>
-                  <a:srgbClr val="224464"/>
-                </a:solidFill>
-              </a:rPr>
-              <a:t>нормална форма</a:t>
-            </a:r>
-            <a:r>
-              <a:rPr lang="ru-RU" dirty="0"/>
-              <a:t>):</a:t>
-            </a:r>
-            <a:endParaRPr lang="bg-BG" dirty="0"/>
-          </a:p>
-        </p:txBody>
-      </p:sp>
-      <p:sp>
-        <p:nvSpPr>
-          <p:cNvPr id="497666" name="Rectangle 2"/>
-          <p:cNvSpPr>
-            <a:spLocks noGrp="1" noChangeArrowheads="1"/>
-          </p:cNvSpPr>
-          <p:nvPr>
-            <p:ph type="title"/>
-          </p:nvPr>
-        </p:nvSpPr>
-        <p:spPr/>
-        <p:txBody>
-          <a:bodyPr/>
-          <a:lstStyle/>
-          <a:p>
-            <a:r>
-              <a:rPr lang="bg-BG" dirty="0"/>
-              <a:t>Нормализация </a:t>
-            </a:r>
-            <a:r>
-              <a:rPr lang="en-US" dirty="0"/>
-              <a:t>(6)</a:t>
-            </a:r>
-            <a:endParaRPr lang="bg-BG" dirty="0"/>
-          </a:p>
-        </p:txBody>
-      </p:sp>
-      <p:sp>
-        <p:nvSpPr>
-          <p:cNvPr id="497774" name="Text Box 110"/>
-          <p:cNvSpPr txBox="1">
-            <a:spLocks noChangeArrowheads="1"/>
-          </p:cNvSpPr>
-          <p:nvPr/>
-        </p:nvSpPr>
-        <p:spPr bwMode="auto">
-          <a:xfrm>
-            <a:off x="4724400" y="1676400"/>
-            <a:ext cx="2209800" cy="480131"/>
-          </a:xfrm>
-          <a:prstGeom prst="rect">
-            <a:avLst/>
-          </a:prstGeom>
-          <a:noFill/>
-          <a:ln w="9525" algn="ctr">
-            <a:noFill/>
-            <a:miter lim="800000"/>
-            <a:headEnd/>
-            <a:tailEnd/>
-          </a:ln>
-          <a:effectLst/>
-        </p:spPr>
-        <p:txBody>
-          <a:bodyPr wrap="square">
-            <a:spAutoFit/>
-          </a:bodyPr>
-          <a:lstStyle/>
-          <a:p>
-            <a:pPr algn="ctr" eaLnBrk="1" hangingPunct="1">
-              <a:lnSpc>
-                <a:spcPct val="90000"/>
-              </a:lnSpc>
-              <a:spcBef>
-                <a:spcPct val="30000"/>
-              </a:spcBef>
-              <a:buClr>
-                <a:schemeClr val="tx2"/>
-              </a:buClr>
-              <a:buSzPct val="75000"/>
-              <a:buFont typeface="Wingdings" pitchFamily="2" charset="2"/>
-              <a:buNone/>
-            </a:pPr>
-            <a:r>
-              <a:rPr lang="en-US" sz="2800" b="1" noProof="1">
-                <a:solidFill>
-                  <a:schemeClr val="tx2">
-                    <a:lumMod val="75000"/>
-                  </a:schemeClr>
-                </a:solidFill>
-                <a:latin typeface="Consolas" pitchFamily="49" charset="0"/>
-                <a:cs typeface="Consolas" pitchFamily="49" charset="0"/>
-              </a:rPr>
-              <a:t>Products</a:t>
-            </a:r>
-            <a:endParaRPr lang="bg-BG" sz="2800" b="1" noProof="1">
-              <a:solidFill>
-                <a:schemeClr val="tx2">
-                  <a:lumMod val="75000"/>
-                </a:schemeClr>
-              </a:solidFill>
-              <a:latin typeface="Consolas" pitchFamily="49" charset="0"/>
-              <a:cs typeface="Consolas" pitchFamily="49" charset="0"/>
-            </a:endParaRPr>
-          </a:p>
-        </p:txBody>
-      </p:sp>
-      <p:sp>
-        <p:nvSpPr>
-          <p:cNvPr id="497775" name="Text Box 111"/>
-          <p:cNvSpPr txBox="1">
-            <a:spLocks noChangeArrowheads="1"/>
-          </p:cNvSpPr>
-          <p:nvPr/>
-        </p:nvSpPr>
-        <p:spPr bwMode="auto">
-          <a:xfrm>
-            <a:off x="1905000" y="4953000"/>
-            <a:ext cx="1713931" cy="424732"/>
-          </a:xfrm>
-          <a:prstGeom prst="rect">
-            <a:avLst/>
-          </a:prstGeom>
-          <a:noFill/>
-          <a:ln w="9525" algn="ctr">
-            <a:noFill/>
-            <a:miter lim="800000"/>
-            <a:headEnd/>
-            <a:tailEnd/>
-          </a:ln>
-          <a:effectLst/>
-        </p:spPr>
-        <p:txBody>
-          <a:bodyPr wrap="none">
-            <a:spAutoFit/>
-          </a:bodyPr>
-          <a:lstStyle/>
-          <a:p>
-            <a:pPr algn="ctr" eaLnBrk="1" hangingPunct="1">
-              <a:lnSpc>
-                <a:spcPct val="90000"/>
-              </a:lnSpc>
-              <a:spcBef>
-                <a:spcPct val="30000"/>
-              </a:spcBef>
-              <a:buClr>
-                <a:schemeClr val="tx2"/>
-              </a:buClr>
-              <a:buSzPct val="75000"/>
-              <a:buFont typeface="Wingdings" pitchFamily="2" charset="2"/>
-              <a:buNone/>
-            </a:pPr>
-            <a:r>
-              <a:rPr lang="en-US" sz="2400" b="1" noProof="1">
-                <a:solidFill>
-                  <a:schemeClr val="tx2">
-                    <a:lumMod val="75000"/>
-                  </a:schemeClr>
-                </a:solidFill>
-                <a:latin typeface="Consolas" pitchFamily="49" charset="0"/>
-                <a:cs typeface="Consolas" pitchFamily="49" charset="0"/>
-              </a:rPr>
-              <a:t>Producers</a:t>
-            </a:r>
-            <a:endParaRPr lang="bg-BG" sz="2400" b="1" noProof="1">
-              <a:solidFill>
-                <a:schemeClr val="tx2">
-                  <a:lumMod val="75000"/>
-                </a:schemeClr>
-              </a:solidFill>
-              <a:latin typeface="Consolas" pitchFamily="49" charset="0"/>
-              <a:cs typeface="Consolas" pitchFamily="49" charset="0"/>
-            </a:endParaRPr>
-          </a:p>
-        </p:txBody>
-      </p:sp>
-      <p:sp>
-        <p:nvSpPr>
-          <p:cNvPr id="497776" name="Text Box 112"/>
-          <p:cNvSpPr txBox="1">
-            <a:spLocks noChangeArrowheads="1"/>
-          </p:cNvSpPr>
-          <p:nvPr/>
-        </p:nvSpPr>
-        <p:spPr bwMode="auto">
-          <a:xfrm>
-            <a:off x="4495800" y="4953000"/>
-            <a:ext cx="1883849" cy="424732"/>
-          </a:xfrm>
-          <a:prstGeom prst="rect">
-            <a:avLst/>
-          </a:prstGeom>
-          <a:noFill/>
-          <a:ln w="9525" algn="ctr">
-            <a:noFill/>
-            <a:miter lim="800000"/>
-            <a:headEnd/>
-            <a:tailEnd/>
-          </a:ln>
-          <a:effectLst/>
-        </p:spPr>
-        <p:txBody>
-          <a:bodyPr wrap="none">
-            <a:spAutoFit/>
-          </a:bodyPr>
-          <a:lstStyle/>
-          <a:p>
-            <a:pPr algn="ctr" eaLnBrk="1" hangingPunct="1">
-              <a:lnSpc>
-                <a:spcPct val="90000"/>
-              </a:lnSpc>
-              <a:spcBef>
-                <a:spcPct val="30000"/>
-              </a:spcBef>
-              <a:buClr>
-                <a:schemeClr val="tx2"/>
-              </a:buClr>
-              <a:buSzPct val="75000"/>
-              <a:buFont typeface="Wingdings" pitchFamily="2" charset="2"/>
-              <a:buNone/>
-            </a:pPr>
-            <a:r>
-              <a:rPr lang="en-US" sz="2400" b="1" noProof="1">
-                <a:solidFill>
-                  <a:schemeClr val="tx2">
-                    <a:lumMod val="75000"/>
-                  </a:schemeClr>
-                </a:solidFill>
-                <a:latin typeface="Consolas" pitchFamily="49" charset="0"/>
-                <a:cs typeface="Consolas" pitchFamily="49" charset="0"/>
-              </a:rPr>
-              <a:t>Categories</a:t>
-            </a:r>
-            <a:endParaRPr lang="bg-BG" sz="2400" b="1" noProof="1">
-              <a:solidFill>
-                <a:schemeClr val="tx2">
-                  <a:lumMod val="75000"/>
-                </a:schemeClr>
-              </a:solidFill>
-              <a:latin typeface="Consolas" pitchFamily="49" charset="0"/>
-              <a:cs typeface="Consolas" pitchFamily="49" charset="0"/>
-            </a:endParaRPr>
-          </a:p>
-        </p:txBody>
-      </p:sp>
-      <p:sp>
-        <p:nvSpPr>
-          <p:cNvPr id="497777" name="Text Box 113"/>
-          <p:cNvSpPr txBox="1">
-            <a:spLocks noChangeArrowheads="1"/>
-          </p:cNvSpPr>
-          <p:nvPr/>
-        </p:nvSpPr>
-        <p:spPr bwMode="auto">
-          <a:xfrm>
-            <a:off x="7010400" y="4953000"/>
-            <a:ext cx="1034257" cy="424732"/>
-          </a:xfrm>
-          <a:prstGeom prst="rect">
-            <a:avLst/>
-          </a:prstGeom>
-          <a:noFill/>
-          <a:ln w="9525" algn="ctr">
-            <a:noFill/>
-            <a:miter lim="800000"/>
-            <a:headEnd/>
-            <a:tailEnd/>
-          </a:ln>
-          <a:effectLst/>
-        </p:spPr>
-        <p:txBody>
-          <a:bodyPr wrap="none">
-            <a:spAutoFit/>
-          </a:bodyPr>
-          <a:lstStyle/>
-          <a:p>
-            <a:pPr algn="ctr" eaLnBrk="1" hangingPunct="1">
-              <a:lnSpc>
-                <a:spcPct val="90000"/>
-              </a:lnSpc>
-              <a:spcBef>
-                <a:spcPct val="30000"/>
-              </a:spcBef>
-              <a:buClr>
-                <a:schemeClr val="tx2"/>
-              </a:buClr>
-              <a:buSzPct val="75000"/>
-              <a:buFont typeface="Wingdings" pitchFamily="2" charset="2"/>
-              <a:buNone/>
-            </a:pPr>
-            <a:r>
-              <a:rPr lang="en-US" sz="2400" b="1" noProof="1">
-                <a:solidFill>
-                  <a:schemeClr val="tx2">
-                    <a:lumMod val="75000"/>
-                  </a:schemeClr>
-                </a:solidFill>
-                <a:latin typeface="Consolas" pitchFamily="49" charset="0"/>
-                <a:cs typeface="Consolas" pitchFamily="49" charset="0"/>
-              </a:rPr>
-              <a:t>Shops</a:t>
-            </a:r>
-            <a:endParaRPr lang="bg-BG" sz="2400" b="1" noProof="1">
-              <a:solidFill>
-                <a:schemeClr val="tx2">
-                  <a:lumMod val="75000"/>
-                </a:schemeClr>
-              </a:solidFill>
-              <a:latin typeface="Consolas" pitchFamily="49" charset="0"/>
-              <a:cs typeface="Consolas" pitchFamily="49" charset="0"/>
-            </a:endParaRPr>
-          </a:p>
-        </p:txBody>
-      </p:sp>
-      <p:sp>
-        <p:nvSpPr>
-          <p:cNvPr id="497778" name="Text Box 114"/>
-          <p:cNvSpPr txBox="1">
-            <a:spLocks noChangeArrowheads="1"/>
-          </p:cNvSpPr>
-          <p:nvPr/>
-        </p:nvSpPr>
-        <p:spPr bwMode="auto">
-          <a:xfrm>
-            <a:off x="8839200" y="4953000"/>
-            <a:ext cx="1034257" cy="424732"/>
-          </a:xfrm>
-          <a:prstGeom prst="rect">
-            <a:avLst/>
-          </a:prstGeom>
-          <a:noFill/>
-          <a:ln w="9525" algn="ctr">
-            <a:noFill/>
-            <a:miter lim="800000"/>
-            <a:headEnd/>
-            <a:tailEnd/>
-          </a:ln>
-          <a:effectLst/>
-        </p:spPr>
-        <p:txBody>
-          <a:bodyPr wrap="none">
-            <a:spAutoFit/>
-          </a:bodyPr>
-          <a:lstStyle/>
-          <a:p>
-            <a:pPr algn="ctr" eaLnBrk="1" hangingPunct="1">
-              <a:lnSpc>
-                <a:spcPct val="90000"/>
-              </a:lnSpc>
-              <a:spcBef>
-                <a:spcPct val="30000"/>
-              </a:spcBef>
-              <a:buClr>
-                <a:schemeClr val="tx2"/>
-              </a:buClr>
-              <a:buSzPct val="75000"/>
-              <a:buFont typeface="Wingdings" pitchFamily="2" charset="2"/>
-              <a:buNone/>
-            </a:pPr>
-            <a:r>
-              <a:rPr lang="en-US" sz="2400" b="1" noProof="1">
-                <a:solidFill>
-                  <a:schemeClr val="tx2">
-                    <a:lumMod val="75000"/>
-                  </a:schemeClr>
-                </a:solidFill>
-                <a:latin typeface="Consolas" pitchFamily="49" charset="0"/>
-                <a:cs typeface="Consolas" pitchFamily="49" charset="0"/>
-              </a:rPr>
-              <a:t>Towns</a:t>
-            </a:r>
-            <a:endParaRPr lang="bg-BG" sz="2400" b="1" noProof="1">
-              <a:solidFill>
-                <a:schemeClr val="tx2">
-                  <a:lumMod val="75000"/>
-                </a:schemeClr>
-              </a:solidFill>
-              <a:latin typeface="Consolas" pitchFamily="49" charset="0"/>
-              <a:cs typeface="Consolas" pitchFamily="49" charset="0"/>
-            </a:endParaRPr>
-          </a:p>
-        </p:txBody>
-      </p:sp>
-      <p:sp>
-        <p:nvSpPr>
-          <p:cNvPr id="497779" name="Line 115"/>
-          <p:cNvSpPr>
-            <a:spLocks noChangeShapeType="1"/>
-          </p:cNvSpPr>
-          <p:nvPr/>
-        </p:nvSpPr>
-        <p:spPr bwMode="auto">
-          <a:xfrm flipH="1">
-            <a:off x="3739008" y="4401510"/>
-            <a:ext cx="1491284" cy="533400"/>
-          </a:xfrm>
-          <a:prstGeom prst="line">
-            <a:avLst/>
-          </a:prstGeom>
-          <a:noFill/>
-          <a:ln w="31750">
-            <a:solidFill>
-              <a:schemeClr val="accent5">
-                <a:lumMod val="20000"/>
-                <a:lumOff val="80000"/>
-              </a:schemeClr>
-            </a:solidFill>
-            <a:round/>
-            <a:headEnd/>
-            <a:tailEnd type="stealth" w="lg" len="lg"/>
-          </a:ln>
-          <a:effectLst/>
-        </p:spPr>
-        <p:txBody>
-          <a:bodyPr wrap="none" anchor="ctr"/>
-          <a:lstStyle/>
-          <a:p>
-            <a:endParaRPr lang="bg-BG"/>
-          </a:p>
-        </p:txBody>
-      </p:sp>
-      <p:sp>
-        <p:nvSpPr>
-          <p:cNvPr id="497780" name="Line 116"/>
-          <p:cNvSpPr>
-            <a:spLocks noChangeShapeType="1"/>
-          </p:cNvSpPr>
-          <p:nvPr/>
-        </p:nvSpPr>
-        <p:spPr bwMode="auto">
-          <a:xfrm flipH="1">
-            <a:off x="6305056" y="4325310"/>
-            <a:ext cx="1288053" cy="609600"/>
-          </a:xfrm>
-          <a:prstGeom prst="line">
-            <a:avLst/>
-          </a:prstGeom>
-          <a:noFill/>
-          <a:ln w="31750">
-            <a:solidFill>
-              <a:schemeClr val="accent5">
-                <a:lumMod val="20000"/>
-                <a:lumOff val="80000"/>
-              </a:schemeClr>
-            </a:solidFill>
-            <a:round/>
-            <a:headEnd/>
-            <a:tailEnd type="stealth" w="lg" len="lg"/>
-          </a:ln>
-          <a:effectLst/>
-        </p:spPr>
-        <p:txBody>
-          <a:bodyPr wrap="none" anchor="ctr"/>
-          <a:lstStyle/>
-          <a:p>
-            <a:endParaRPr lang="bg-BG"/>
-          </a:p>
-        </p:txBody>
-      </p:sp>
-      <p:sp>
-        <p:nvSpPr>
-          <p:cNvPr id="497781" name="Line 117"/>
-          <p:cNvSpPr>
-            <a:spLocks noChangeShapeType="1"/>
-          </p:cNvSpPr>
-          <p:nvPr/>
-        </p:nvSpPr>
-        <p:spPr bwMode="auto">
-          <a:xfrm flipH="1">
-            <a:off x="7853625" y="4325310"/>
-            <a:ext cx="806560" cy="609601"/>
-          </a:xfrm>
-          <a:prstGeom prst="line">
-            <a:avLst/>
-          </a:prstGeom>
-          <a:noFill/>
-          <a:ln w="31750">
-            <a:solidFill>
-              <a:schemeClr val="accent5">
-                <a:lumMod val="20000"/>
-                <a:lumOff val="80000"/>
-              </a:schemeClr>
-            </a:solidFill>
-            <a:round/>
-            <a:headEnd/>
-            <a:tailEnd type="stealth" w="lg" len="lg"/>
-          </a:ln>
-          <a:effectLst/>
-        </p:spPr>
-        <p:txBody>
-          <a:bodyPr wrap="none" anchor="ctr"/>
-          <a:lstStyle/>
-          <a:p>
-            <a:endParaRPr lang="bg-BG"/>
-          </a:p>
-        </p:txBody>
-      </p:sp>
-      <p:sp>
-        <p:nvSpPr>
-          <p:cNvPr id="497782" name="Line 118"/>
-          <p:cNvSpPr>
-            <a:spLocks noChangeShapeType="1"/>
-          </p:cNvSpPr>
-          <p:nvPr/>
-        </p:nvSpPr>
-        <p:spPr bwMode="auto">
-          <a:xfrm flipH="1">
-            <a:off x="9725613" y="4401510"/>
-            <a:ext cx="77873" cy="533401"/>
-          </a:xfrm>
-          <a:prstGeom prst="line">
-            <a:avLst/>
-          </a:prstGeom>
-          <a:noFill/>
-          <a:ln w="31750">
-            <a:solidFill>
-              <a:schemeClr val="accent5">
-                <a:lumMod val="20000"/>
-                <a:lumOff val="80000"/>
-              </a:schemeClr>
-            </a:solidFill>
-            <a:round/>
-            <a:headEnd/>
-            <a:tailEnd type="stealth" w="lg" len="lg"/>
-          </a:ln>
-          <a:effectLst/>
-        </p:spPr>
-        <p:txBody>
-          <a:bodyPr wrap="none" anchor="ctr"/>
-          <a:lstStyle/>
-          <a:p>
-            <a:endParaRPr lang="bg-BG"/>
-          </a:p>
-        </p:txBody>
-      </p:sp>
-      <p:graphicFrame>
-        <p:nvGraphicFramePr>
-          <p:cNvPr id="19" name="object 14"/>
-          <p:cNvGraphicFramePr>
-            <a:graphicFrameLocks noGrp="1"/>
-          </p:cNvGraphicFramePr>
-          <p:nvPr>
-            <p:extLst>
-              <p:ext uri="{D42A27DB-BD31-4B8C-83A1-F6EECF244321}">
-                <p14:modId xmlns:p14="http://schemas.microsoft.com/office/powerpoint/2010/main" val="1102571627"/>
-              </p:ext>
-            </p:extLst>
-          </p:nvPr>
-        </p:nvGraphicFramePr>
-        <p:xfrm>
-          <a:off x="1676400" y="2133600"/>
-          <a:ext cx="8343899" cy="2654772"/>
-        </p:xfrm>
-        <a:graphic>
-          <a:graphicData uri="http://schemas.openxmlformats.org/drawingml/2006/table">
-            <a:tbl>
-              <a:tblPr firstRow="1" bandRow="1">
-                <a:tableStyleId>{2D5ABB26-0587-4C30-8999-92F81FD0307C}</a:tableStyleId>
-              </a:tblPr>
-              <a:tblGrid>
-                <a:gridCol w="509551">
-                  <a:extLst>
-                    <a:ext uri="{9D8B030D-6E8A-4147-A177-3AD203B41FA5}">
-                      <a16:colId xmlns:a16="http://schemas.microsoft.com/office/drawing/2014/main" val="20000"/>
-                    </a:ext>
-                  </a:extLst>
-                </a:gridCol>
-                <a:gridCol w="2137710">
-                  <a:extLst>
-                    <a:ext uri="{9D8B030D-6E8A-4147-A177-3AD203B41FA5}">
-                      <a16:colId xmlns:a16="http://schemas.microsoft.com/office/drawing/2014/main" val="20001"/>
-                    </a:ext>
-                  </a:extLst>
-                </a:gridCol>
-                <a:gridCol w="1429439">
-                  <a:extLst>
-                    <a:ext uri="{9D8B030D-6E8A-4147-A177-3AD203B41FA5}">
-                      <a16:colId xmlns:a16="http://schemas.microsoft.com/office/drawing/2014/main" val="20002"/>
-                    </a:ext>
-                  </a:extLst>
-                </a:gridCol>
-                <a:gridCol w="838200">
-                  <a:extLst>
-                    <a:ext uri="{9D8B030D-6E8A-4147-A177-3AD203B41FA5}">
-                      <a16:colId xmlns:a16="http://schemas.microsoft.com/office/drawing/2014/main" val="20003"/>
-                    </a:ext>
-                  </a:extLst>
-                </a:gridCol>
-                <a:gridCol w="1371600">
-                  <a:extLst>
-                    <a:ext uri="{9D8B030D-6E8A-4147-A177-3AD203B41FA5}">
-                      <a16:colId xmlns:a16="http://schemas.microsoft.com/office/drawing/2014/main" val="20004"/>
-                    </a:ext>
-                  </a:extLst>
-                </a:gridCol>
-                <a:gridCol w="1101991">
-                  <a:extLst>
-                    <a:ext uri="{9D8B030D-6E8A-4147-A177-3AD203B41FA5}">
-                      <a16:colId xmlns:a16="http://schemas.microsoft.com/office/drawing/2014/main" val="20005"/>
-                    </a:ext>
-                  </a:extLst>
-                </a:gridCol>
-                <a:gridCol w="955408">
-                  <a:extLst>
-                    <a:ext uri="{9D8B030D-6E8A-4147-A177-3AD203B41FA5}">
-                      <a16:colId xmlns:a16="http://schemas.microsoft.com/office/drawing/2014/main" val="20006"/>
-                    </a:ext>
-                  </a:extLst>
-                </a:gridCol>
-              </a:tblGrid>
-              <a:tr h="609600">
-                <a:tc>
-                  <a:txBody>
-                    <a:bodyPr/>
-                    <a:lstStyle/>
-                    <a:p>
-                      <a:pPr algn="ctr"/>
-                      <a:r>
-                        <a:rPr lang="en-GB" sz="2000" b="1" noProof="1">
-                          <a:effectLst/>
-                          <a:latin typeface="+mj-lt"/>
-                        </a:rPr>
-                        <a:t>Id</a:t>
-                      </a:r>
-                    </a:p>
-                  </a:txBody>
-                  <a:tcPr marL="91464" marR="91464" anchor="ctr">
-                    <a:lnL w="28575">
-                      <a:solidFill>
-                        <a:srgbClr val="DFE2E9"/>
-                      </a:solidFill>
-                      <a:prstDash val="solid"/>
-                    </a:lnL>
-                    <a:lnR w="12700">
-                      <a:solidFill>
-                        <a:srgbClr val="DFE2E9"/>
-                      </a:solidFill>
-                      <a:prstDash val="solid"/>
-                    </a:lnR>
-                    <a:lnT w="28575">
-                      <a:solidFill>
-                        <a:srgbClr val="DFE2E9"/>
-                      </a:solidFill>
-                      <a:prstDash val="solid"/>
-                    </a:lnT>
-                    <a:lnB w="28575" cap="flat" cmpd="sng" algn="ctr">
-                      <a:solidFill>
-                        <a:srgbClr val="DFE2E9"/>
-                      </a:solidFill>
-                      <a:prstDash val="solid"/>
-                      <a:round/>
-                      <a:headEnd type="none" w="med" len="med"/>
-                      <a:tailEnd type="none" w="med" len="med"/>
-                    </a:lnB>
-                    <a:solidFill>
-                      <a:srgbClr val="D0D4DC"/>
-                    </a:solidFill>
-                  </a:tcPr>
-                </a:tc>
-                <a:tc>
-                  <a:txBody>
-                    <a:bodyPr/>
-                    <a:lstStyle/>
-                    <a:p>
-                      <a:pPr algn="ctr"/>
-                      <a:r>
-                        <a:rPr lang="en-GB" sz="2000" b="1" noProof="1">
-                          <a:effectLst/>
-                          <a:latin typeface="+mj-lt"/>
-                        </a:rPr>
-                        <a:t>Product</a:t>
-                      </a:r>
-                    </a:p>
-                  </a:txBody>
-                  <a:tcPr marL="91464" marR="91464" anchor="ctr">
-                    <a:lnL w="12700">
-                      <a:solidFill>
-                        <a:srgbClr val="DFE2E9"/>
-                      </a:solidFill>
-                      <a:prstDash val="solid"/>
-                    </a:lnL>
-                    <a:lnR w="12700" cap="flat" cmpd="sng" algn="ctr">
-                      <a:solidFill>
-                        <a:srgbClr val="DFE2E9"/>
-                      </a:solidFill>
-                      <a:prstDash val="solid"/>
-                      <a:round/>
-                      <a:headEnd type="none" w="med" len="med"/>
-                      <a:tailEnd type="none" w="med" len="med"/>
-                    </a:lnR>
-                    <a:lnT w="28575">
-                      <a:solidFill>
-                        <a:srgbClr val="DFE2E9"/>
-                      </a:solidFill>
-                      <a:prstDash val="solid"/>
-                    </a:lnT>
-                    <a:lnB w="28575" cap="flat" cmpd="sng" algn="ctr">
-                      <a:solidFill>
-                        <a:srgbClr val="DFE2E9"/>
-                      </a:solidFill>
-                      <a:prstDash val="solid"/>
-                      <a:round/>
-                      <a:headEnd type="none" w="med" len="med"/>
-                      <a:tailEnd type="none" w="med" len="med"/>
-                    </a:lnB>
-                    <a:solidFill>
-                      <a:srgbClr val="D0D4DC"/>
-                    </a:solidFill>
-                  </a:tcPr>
-                </a:tc>
-                <a:tc>
-                  <a:txBody>
-                    <a:bodyPr/>
-                    <a:lstStyle/>
-                    <a:p>
-                      <a:pPr algn="ctr"/>
-                      <a:r>
-                        <a:rPr lang="en-GB" sz="2000" b="1" noProof="1">
-                          <a:effectLst/>
-                          <a:latin typeface="+mj-lt"/>
-                        </a:rPr>
-                        <a:t>ProducerId</a:t>
-                      </a:r>
-                    </a:p>
-                  </a:txBody>
-                  <a:tcPr marL="91464" marR="91464" anchor="ctr">
-                    <a:lnL w="12700">
-                      <a:solidFill>
-                        <a:srgbClr val="DFE2E9"/>
-                      </a:solidFill>
-                      <a:prstDash val="solid"/>
-                    </a:lnL>
-                    <a:lnR w="12700" cap="flat" cmpd="sng" algn="ctr">
-                      <a:solidFill>
-                        <a:srgbClr val="DFE2E9"/>
-                      </a:solidFill>
-                      <a:prstDash val="solid"/>
-                      <a:round/>
-                      <a:headEnd type="none" w="med" len="med"/>
-                      <a:tailEnd type="none" w="med" len="med"/>
-                    </a:lnR>
-                    <a:lnT w="28575">
-                      <a:solidFill>
-                        <a:srgbClr val="DFE2E9"/>
-                      </a:solidFill>
-                      <a:prstDash val="solid"/>
-                    </a:lnT>
-                    <a:lnB w="28575" cap="flat" cmpd="sng" algn="ctr">
-                      <a:solidFill>
-                        <a:srgbClr val="DFE2E9"/>
-                      </a:solidFill>
-                      <a:prstDash val="solid"/>
-                      <a:round/>
-                      <a:headEnd type="none" w="med" len="med"/>
-                      <a:tailEnd type="none" w="med" len="med"/>
-                    </a:lnB>
-                    <a:solidFill>
-                      <a:srgbClr val="D0D4DC"/>
-                    </a:solidFill>
-                  </a:tcPr>
-                </a:tc>
-                <a:tc>
-                  <a:txBody>
-                    <a:bodyPr/>
-                    <a:lstStyle/>
-                    <a:p>
-                      <a:pPr algn="ctr"/>
-                      <a:r>
-                        <a:rPr lang="en-GB" sz="2000" b="1" noProof="1">
-                          <a:effectLst/>
-                          <a:latin typeface="+mj-lt"/>
-                        </a:rPr>
-                        <a:t>Price</a:t>
-                      </a:r>
-                    </a:p>
-                  </a:txBody>
-                  <a:tcPr marL="91464" marR="91464" anchor="ctr">
-                    <a:lnL w="12700">
-                      <a:solidFill>
-                        <a:srgbClr val="DFE2E9"/>
-                      </a:solidFill>
-                      <a:prstDash val="solid"/>
-                    </a:lnL>
-                    <a:lnR w="12700" cap="flat" cmpd="sng" algn="ctr">
-                      <a:solidFill>
-                        <a:srgbClr val="DFE2E9"/>
-                      </a:solidFill>
-                      <a:prstDash val="solid"/>
-                      <a:round/>
-                      <a:headEnd type="none" w="med" len="med"/>
-                      <a:tailEnd type="none" w="med" len="med"/>
-                    </a:lnR>
-                    <a:lnT w="28575">
-                      <a:solidFill>
-                        <a:srgbClr val="DFE2E9"/>
-                      </a:solidFill>
-                      <a:prstDash val="solid"/>
-                    </a:lnT>
-                    <a:lnB w="28575" cap="flat" cmpd="sng" algn="ctr">
-                      <a:solidFill>
-                        <a:srgbClr val="DFE2E9"/>
-                      </a:solidFill>
-                      <a:prstDash val="solid"/>
-                      <a:round/>
-                      <a:headEnd type="none" w="med" len="med"/>
-                      <a:tailEnd type="none" w="med" len="med"/>
-                    </a:lnB>
-                    <a:solidFill>
-                      <a:srgbClr val="D0D4DC"/>
-                    </a:solidFill>
-                  </a:tcPr>
-                </a:tc>
-                <a:tc>
-                  <a:txBody>
-                    <a:bodyPr/>
-                    <a:lstStyle/>
-                    <a:p>
-                      <a:pPr algn="ctr"/>
-                      <a:r>
-                        <a:rPr lang="en-GB" sz="2000" b="1" noProof="1">
-                          <a:effectLst/>
-                          <a:latin typeface="+mj-lt"/>
-                        </a:rPr>
-                        <a:t>CategoryId</a:t>
-                      </a:r>
-                    </a:p>
-                  </a:txBody>
-                  <a:tcPr marL="91464" marR="91464" anchor="ctr">
-                    <a:lnL w="12700">
-                      <a:solidFill>
-                        <a:srgbClr val="DFE2E9"/>
-                      </a:solidFill>
-                      <a:prstDash val="solid"/>
-                    </a:lnL>
-                    <a:lnR w="12700" cap="flat" cmpd="sng" algn="ctr">
-                      <a:solidFill>
-                        <a:srgbClr val="DFE2E9"/>
-                      </a:solidFill>
-                      <a:prstDash val="solid"/>
-                      <a:round/>
-                      <a:headEnd type="none" w="med" len="med"/>
-                      <a:tailEnd type="none" w="med" len="med"/>
-                    </a:lnR>
-                    <a:lnT w="28575">
-                      <a:solidFill>
-                        <a:srgbClr val="DFE2E9"/>
-                      </a:solidFill>
-                      <a:prstDash val="solid"/>
-                    </a:lnT>
-                    <a:lnB w="28575" cap="flat" cmpd="sng" algn="ctr">
-                      <a:solidFill>
-                        <a:srgbClr val="DFE2E9"/>
-                      </a:solidFill>
-                      <a:prstDash val="solid"/>
-                      <a:round/>
-                      <a:headEnd type="none" w="med" len="med"/>
-                      <a:tailEnd type="none" w="med" len="med"/>
-                    </a:lnB>
-                    <a:solidFill>
-                      <a:srgbClr val="D0D4DC"/>
-                    </a:solidFill>
-                  </a:tcPr>
-                </a:tc>
-                <a:tc>
-                  <a:txBody>
-                    <a:bodyPr/>
-                    <a:lstStyle/>
-                    <a:p>
-                      <a:pPr algn="ctr"/>
-                      <a:r>
-                        <a:rPr lang="en-GB" sz="2000" b="1" noProof="1">
-                          <a:effectLst/>
-                          <a:latin typeface="+mj-lt"/>
-                        </a:rPr>
-                        <a:t>ShopId</a:t>
-                      </a:r>
-                    </a:p>
-                  </a:txBody>
-                  <a:tcPr marL="91464" marR="91464" anchor="ctr">
-                    <a:lnL w="12700">
-                      <a:solidFill>
-                        <a:srgbClr val="DFE2E9"/>
-                      </a:solidFill>
-                      <a:prstDash val="solid"/>
-                    </a:lnL>
-                    <a:lnR w="12700" cap="flat" cmpd="sng" algn="ctr">
-                      <a:solidFill>
-                        <a:srgbClr val="DFE2E9"/>
-                      </a:solidFill>
-                      <a:prstDash val="solid"/>
-                      <a:round/>
-                      <a:headEnd type="none" w="med" len="med"/>
-                      <a:tailEnd type="none" w="med" len="med"/>
-                    </a:lnR>
-                    <a:lnT w="28575">
-                      <a:solidFill>
-                        <a:srgbClr val="DFE2E9"/>
-                      </a:solidFill>
-                      <a:prstDash val="solid"/>
-                    </a:lnT>
-                    <a:lnB w="28575" cap="flat" cmpd="sng" algn="ctr">
-                      <a:solidFill>
-                        <a:srgbClr val="DFE2E9"/>
-                      </a:solidFill>
-                      <a:prstDash val="solid"/>
-                      <a:round/>
-                      <a:headEnd type="none" w="med" len="med"/>
-                      <a:tailEnd type="none" w="med" len="med"/>
-                    </a:lnB>
-                    <a:solidFill>
-                      <a:srgbClr val="D0D4DC"/>
-                    </a:solidFill>
-                  </a:tcPr>
-                </a:tc>
-                <a:tc>
-                  <a:txBody>
-                    <a:bodyPr/>
-                    <a:lstStyle/>
-                    <a:p>
-                      <a:pPr algn="ctr"/>
-                      <a:r>
-                        <a:rPr lang="en-GB" sz="2000" b="1" noProof="1">
-                          <a:effectLst/>
-                          <a:latin typeface="+mj-lt"/>
-                        </a:rPr>
-                        <a:t>TownId</a:t>
-                      </a:r>
-                    </a:p>
-                  </a:txBody>
-                  <a:tcPr marL="91464" marR="91464" anchor="ctr">
-                    <a:lnL w="12700">
-                      <a:solidFill>
-                        <a:srgbClr val="DFE2E9"/>
-                      </a:solidFill>
-                      <a:prstDash val="solid"/>
-                    </a:lnL>
-                    <a:lnR w="12700">
-                      <a:solidFill>
-                        <a:srgbClr val="DFE2E9"/>
-                      </a:solidFill>
-                      <a:prstDash val="solid"/>
-                    </a:lnR>
-                    <a:lnT w="28575">
-                      <a:solidFill>
-                        <a:srgbClr val="DFE2E9"/>
-                      </a:solidFill>
-                      <a:prstDash val="solid"/>
-                    </a:lnT>
-                    <a:lnB w="28575" cap="flat" cmpd="sng" algn="ctr">
-                      <a:solidFill>
-                        <a:srgbClr val="DFE2E9"/>
-                      </a:solidFill>
-                      <a:prstDash val="solid"/>
-                      <a:round/>
-                      <a:headEnd type="none" w="med" len="med"/>
-                      <a:tailEnd type="none" w="med" len="med"/>
-                    </a:lnB>
-                    <a:solidFill>
-                      <a:srgbClr val="D0D4DC"/>
-                    </a:solidFill>
-                  </a:tcPr>
-                </a:tc>
-                <a:extLst>
-                  <a:ext uri="{0D108BD9-81ED-4DB2-BD59-A6C34878D82A}">
-                    <a16:rowId xmlns:a16="http://schemas.microsoft.com/office/drawing/2014/main" val="10000"/>
-                  </a:ext>
-                </a:extLst>
-              </a:tr>
-              <a:tr h="498383">
-                <a:tc>
-                  <a:txBody>
-                    <a:bodyPr/>
-                    <a:lstStyle/>
-                    <a:p>
-                      <a:pPr algn="ctr"/>
-                      <a:r>
-                        <a:rPr lang="en-GB" sz="2000" noProof="1"/>
-                        <a:t>1</a:t>
-                      </a:r>
-                    </a:p>
-                  </a:txBody>
-                  <a:tcPr marL="91464" marR="91464" anchor="ctr">
-                    <a:lnL w="28575">
-                      <a:solidFill>
-                        <a:srgbClr val="DFE2E9"/>
-                      </a:solidFill>
-                      <a:prstDash val="solid"/>
-                    </a:lnL>
-                    <a:lnR w="12700">
-                      <a:solidFill>
-                        <a:srgbClr val="DFE2E9"/>
-                      </a:solidFill>
-                      <a:prstDash val="solid"/>
-                    </a:lnR>
-                    <a:lnT w="28575" cap="flat" cmpd="sng" algn="ctr">
-                      <a:solidFill>
-                        <a:srgbClr val="DFE2E9"/>
-                      </a:solidFill>
-                      <a:prstDash val="solid"/>
-                      <a:round/>
-                      <a:headEnd type="none" w="med" len="med"/>
-                      <a:tailEnd type="none" w="med" len="med"/>
-                    </a:lnT>
-                    <a:lnB w="12700">
-                      <a:solidFill>
-                        <a:srgbClr val="DFE2E9"/>
-                      </a:solidFill>
-                      <a:prstDash val="solid"/>
-                    </a:lnB>
-                  </a:tcPr>
-                </a:tc>
-                <a:tc>
-                  <a:txBody>
-                    <a:bodyPr/>
-                    <a:lstStyle/>
-                    <a:p>
-                      <a:r>
-                        <a:rPr lang="en-GB" sz="2000" noProof="1"/>
-                        <a:t>Youghurt</a:t>
-                      </a:r>
-                    </a:p>
-                  </a:txBody>
-                  <a:tcPr marL="91464" marR="91464" anchor="ctr">
-                    <a:lnL w="12700">
-                      <a:solidFill>
-                        <a:srgbClr val="DFE2E9"/>
-                      </a:solidFill>
-                      <a:prstDash val="solid"/>
-                    </a:lnL>
-                    <a:lnR w="12700" cap="flat" cmpd="sng" algn="ctr">
-                      <a:solidFill>
-                        <a:srgbClr val="DFE2E9"/>
-                      </a:solidFill>
-                      <a:prstDash val="solid"/>
-                      <a:round/>
-                      <a:headEnd type="none" w="med" len="med"/>
-                      <a:tailEnd type="none" w="med" len="med"/>
-                    </a:lnR>
-                    <a:lnT w="28575" cap="flat" cmpd="sng" algn="ctr">
-                      <a:solidFill>
-                        <a:srgbClr val="DFE2E9"/>
-                      </a:solidFill>
-                      <a:prstDash val="solid"/>
-                      <a:round/>
-                      <a:headEnd type="none" w="med" len="med"/>
-                      <a:tailEnd type="none" w="med" len="med"/>
-                    </a:lnT>
-                    <a:lnB w="12700">
-                      <a:solidFill>
-                        <a:srgbClr val="DFE2E9"/>
-                      </a:solidFill>
-                      <a:prstDash val="solid"/>
-                    </a:lnB>
-                  </a:tcPr>
-                </a:tc>
-                <a:tc>
-                  <a:txBody>
-                    <a:bodyPr/>
-                    <a:lstStyle/>
-                    <a:p>
-                      <a:r>
-                        <a:rPr lang="en-GB" sz="2000" noProof="1"/>
-                        <a:t>2</a:t>
-                      </a:r>
-                    </a:p>
-                  </a:txBody>
-                  <a:tcPr marL="91464" marR="91464" anchor="ctr">
-                    <a:lnL w="12700">
-                      <a:solidFill>
-                        <a:srgbClr val="DFE2E9"/>
-                      </a:solidFill>
-                      <a:prstDash val="solid"/>
-                    </a:lnL>
-                    <a:lnR w="12700" cap="flat" cmpd="sng" algn="ctr">
-                      <a:solidFill>
-                        <a:srgbClr val="DFE2E9"/>
-                      </a:solidFill>
-                      <a:prstDash val="solid"/>
-                      <a:round/>
-                      <a:headEnd type="none" w="med" len="med"/>
-                      <a:tailEnd type="none" w="med" len="med"/>
-                    </a:lnR>
-                    <a:lnT w="28575" cap="flat" cmpd="sng" algn="ctr">
-                      <a:solidFill>
-                        <a:srgbClr val="DFE2E9"/>
-                      </a:solidFill>
-                      <a:prstDash val="solid"/>
-                      <a:round/>
-                      <a:headEnd type="none" w="med" len="med"/>
-                      <a:tailEnd type="none" w="med" len="med"/>
-                    </a:lnT>
-                    <a:lnB w="12700" cap="flat" cmpd="sng" algn="ctr">
-                      <a:solidFill>
-                        <a:srgbClr val="DFE2E9"/>
-                      </a:solidFill>
-                      <a:prstDash val="solid"/>
-                      <a:round/>
-                      <a:headEnd type="none" w="med" len="med"/>
-                      <a:tailEnd type="none" w="med" len="med"/>
-                    </a:lnB>
-                  </a:tcPr>
-                </a:tc>
-                <a:tc>
-                  <a:txBody>
-                    <a:bodyPr/>
-                    <a:lstStyle/>
-                    <a:p>
-                      <a:r>
-                        <a:rPr lang="en-GB" sz="2000" noProof="1"/>
-                        <a:t>0.67</a:t>
-                      </a:r>
-                    </a:p>
-                  </a:txBody>
-                  <a:tcPr marL="91464" marR="91464" anchor="ctr">
-                    <a:lnL w="12700">
-                      <a:solidFill>
-                        <a:srgbClr val="DFE2E9"/>
-                      </a:solidFill>
-                      <a:prstDash val="solid"/>
-                    </a:lnL>
-                    <a:lnR w="12700" cap="flat" cmpd="sng" algn="ctr">
-                      <a:solidFill>
-                        <a:srgbClr val="DFE2E9"/>
-                      </a:solidFill>
-                      <a:prstDash val="solid"/>
-                      <a:round/>
-                      <a:headEnd type="none" w="med" len="med"/>
-                      <a:tailEnd type="none" w="med" len="med"/>
-                    </a:lnR>
-                    <a:lnT w="28575" cap="flat" cmpd="sng" algn="ctr">
-                      <a:solidFill>
-                        <a:srgbClr val="DFE2E9"/>
-                      </a:solidFill>
-                      <a:prstDash val="solid"/>
-                      <a:round/>
-                      <a:headEnd type="none" w="med" len="med"/>
-                      <a:tailEnd type="none" w="med" len="med"/>
-                    </a:lnT>
-                    <a:lnB w="12700" cap="flat" cmpd="sng" algn="ctr">
-                      <a:solidFill>
-                        <a:srgbClr val="DFE2E9"/>
-                      </a:solidFill>
-                      <a:prstDash val="solid"/>
-                      <a:round/>
-                      <a:headEnd type="none" w="med" len="med"/>
-                      <a:tailEnd type="none" w="med" len="med"/>
-                    </a:lnB>
-                  </a:tcPr>
-                </a:tc>
-                <a:tc>
-                  <a:txBody>
-                    <a:bodyPr/>
-                    <a:lstStyle/>
-                    <a:p>
-                      <a:r>
-                        <a:rPr lang="en-GB" sz="2000" noProof="1"/>
-                        <a:t>2</a:t>
-                      </a:r>
-                    </a:p>
-                  </a:txBody>
-                  <a:tcPr marL="91464" marR="91464" anchor="ctr">
-                    <a:lnL w="12700">
-                      <a:solidFill>
-                        <a:srgbClr val="DFE2E9"/>
-                      </a:solidFill>
-                      <a:prstDash val="solid"/>
-                    </a:lnL>
-                    <a:lnR w="12700" cap="flat" cmpd="sng" algn="ctr">
-                      <a:solidFill>
-                        <a:srgbClr val="DFE2E9"/>
-                      </a:solidFill>
-                      <a:prstDash val="solid"/>
-                      <a:round/>
-                      <a:headEnd type="none" w="med" len="med"/>
-                      <a:tailEnd type="none" w="med" len="med"/>
-                    </a:lnR>
-                    <a:lnT w="28575" cap="flat" cmpd="sng" algn="ctr">
-                      <a:solidFill>
-                        <a:srgbClr val="DFE2E9"/>
-                      </a:solidFill>
-                      <a:prstDash val="solid"/>
-                      <a:round/>
-                      <a:headEnd type="none" w="med" len="med"/>
-                      <a:tailEnd type="none" w="med" len="med"/>
-                    </a:lnT>
-                    <a:lnB w="12700" cap="flat" cmpd="sng" algn="ctr">
-                      <a:solidFill>
-                        <a:srgbClr val="DFE2E9"/>
-                      </a:solidFill>
-                      <a:prstDash val="solid"/>
-                      <a:round/>
-                      <a:headEnd type="none" w="med" len="med"/>
-                      <a:tailEnd type="none" w="med" len="med"/>
-                    </a:lnB>
-                  </a:tcPr>
-                </a:tc>
-                <a:tc>
-                  <a:txBody>
-                    <a:bodyPr/>
-                    <a:lstStyle/>
-                    <a:p>
-                      <a:r>
-                        <a:rPr lang="en-GB" sz="2000" noProof="1"/>
-                        <a:t>4</a:t>
-                      </a:r>
-                    </a:p>
-                  </a:txBody>
-                  <a:tcPr marL="91464" marR="91464" anchor="ctr">
-                    <a:lnL w="12700">
-                      <a:solidFill>
-                        <a:srgbClr val="DFE2E9"/>
-                      </a:solidFill>
-                      <a:prstDash val="solid"/>
-                    </a:lnL>
-                    <a:lnR w="12700" cap="flat" cmpd="sng" algn="ctr">
-                      <a:solidFill>
-                        <a:srgbClr val="DFE2E9"/>
-                      </a:solidFill>
-                      <a:prstDash val="solid"/>
-                      <a:round/>
-                      <a:headEnd type="none" w="med" len="med"/>
-                      <a:tailEnd type="none" w="med" len="med"/>
-                    </a:lnR>
-                    <a:lnT w="28575" cap="flat" cmpd="sng" algn="ctr">
-                      <a:solidFill>
-                        <a:srgbClr val="DFE2E9"/>
-                      </a:solidFill>
-                      <a:prstDash val="solid"/>
-                      <a:round/>
-                      <a:headEnd type="none" w="med" len="med"/>
-                      <a:tailEnd type="none" w="med" len="med"/>
-                    </a:lnT>
-                    <a:lnB w="12700" cap="flat" cmpd="sng" algn="ctr">
-                      <a:solidFill>
-                        <a:srgbClr val="DFE2E9"/>
-                      </a:solidFill>
-                      <a:prstDash val="solid"/>
-                      <a:round/>
-                      <a:headEnd type="none" w="med" len="med"/>
-                      <a:tailEnd type="none" w="med" len="med"/>
-                    </a:lnB>
-                  </a:tcPr>
-                </a:tc>
-                <a:tc>
-                  <a:txBody>
-                    <a:bodyPr/>
-                    <a:lstStyle/>
-                    <a:p>
-                      <a:r>
-                        <a:rPr lang="en-GB" sz="2000" noProof="1"/>
-                        <a:t>1</a:t>
-                      </a:r>
-                    </a:p>
-                  </a:txBody>
-                  <a:tcPr marL="91464" marR="91464" anchor="ctr">
-                    <a:lnL w="12700">
-                      <a:solidFill>
-                        <a:srgbClr val="DFE2E9"/>
-                      </a:solidFill>
-                      <a:prstDash val="solid"/>
-                    </a:lnL>
-                    <a:lnR w="12700">
-                      <a:solidFill>
-                        <a:srgbClr val="DFE2E9"/>
-                      </a:solidFill>
-                      <a:prstDash val="solid"/>
-                    </a:lnR>
-                    <a:lnT w="28575" cap="flat" cmpd="sng" algn="ctr">
-                      <a:solidFill>
-                        <a:srgbClr val="DFE2E9"/>
-                      </a:solidFill>
-                      <a:prstDash val="solid"/>
-                      <a:round/>
-                      <a:headEnd type="none" w="med" len="med"/>
-                      <a:tailEnd type="none" w="med" len="med"/>
-                    </a:lnT>
-                    <a:lnB w="12700" cap="flat" cmpd="sng" algn="ctr">
-                      <a:solidFill>
-                        <a:srgbClr val="DFE2E9"/>
-                      </a:solidFill>
-                      <a:prstDash val="solid"/>
-                      <a:round/>
-                      <a:headEnd type="none" w="med" len="med"/>
-                      <a:tailEnd type="none" w="med" len="med"/>
-                    </a:lnB>
-                  </a:tcPr>
-                </a:tc>
-                <a:extLst>
-                  <a:ext uri="{0D108BD9-81ED-4DB2-BD59-A6C34878D82A}">
-                    <a16:rowId xmlns:a16="http://schemas.microsoft.com/office/drawing/2014/main" val="10001"/>
-                  </a:ext>
-                </a:extLst>
-              </a:tr>
-              <a:tr h="474734">
-                <a:tc>
-                  <a:txBody>
-                    <a:bodyPr/>
-                    <a:lstStyle/>
-                    <a:p>
-                      <a:pPr algn="ctr"/>
-                      <a:r>
-                        <a:rPr lang="en-GB" sz="2000" noProof="1"/>
-                        <a:t>2</a:t>
-                      </a:r>
-                    </a:p>
-                  </a:txBody>
-                  <a:tcPr marL="91464" marR="91464" anchor="ctr">
-                    <a:lnL w="28575">
-                      <a:solidFill>
-                        <a:srgbClr val="DFE2E9"/>
-                      </a:solidFill>
-                      <a:prstDash val="solid"/>
-                    </a:lnL>
-                    <a:lnR w="12700">
-                      <a:solidFill>
-                        <a:srgbClr val="DFE2E9"/>
-                      </a:solidFill>
-                      <a:prstDash val="solid"/>
-                    </a:lnR>
-                    <a:lnT w="12700">
-                      <a:solidFill>
-                        <a:srgbClr val="DFE2E9"/>
-                      </a:solidFill>
-                      <a:prstDash val="solid"/>
-                    </a:lnT>
-                    <a:lnB w="12700" cap="flat" cmpd="sng" algn="ctr">
-                      <a:solidFill>
-                        <a:srgbClr val="DFE2E9"/>
-                      </a:solidFill>
-                      <a:prstDash val="solid"/>
-                      <a:round/>
-                      <a:headEnd type="none" w="med" len="med"/>
-                      <a:tailEnd type="none" w="med" len="med"/>
-                    </a:lnB>
-                  </a:tcPr>
-                </a:tc>
-                <a:tc>
-                  <a:txBody>
-                    <a:bodyPr/>
-                    <a:lstStyle/>
-                    <a:p>
-                      <a:r>
-                        <a:rPr lang="en-GB" sz="2000" noProof="1"/>
-                        <a:t>bread "Dobrudja"</a:t>
-                      </a:r>
-                    </a:p>
-                  </a:txBody>
-                  <a:tcPr marL="91464" marR="91464" anchor="ctr">
-                    <a:lnL w="12700">
-                      <a:solidFill>
-                        <a:srgbClr val="DFE2E9"/>
-                      </a:solidFill>
-                      <a:prstDash val="solid"/>
-                    </a:lnL>
-                    <a:lnR w="12700" cap="flat" cmpd="sng" algn="ctr">
-                      <a:solidFill>
-                        <a:srgbClr val="DFE2E9"/>
-                      </a:solidFill>
-                      <a:prstDash val="solid"/>
-                      <a:round/>
-                      <a:headEnd type="none" w="med" len="med"/>
-                      <a:tailEnd type="none" w="med" len="med"/>
-                    </a:lnR>
-                    <a:lnT w="12700">
-                      <a:solidFill>
-                        <a:srgbClr val="DFE2E9"/>
-                      </a:solidFill>
-                      <a:prstDash val="solid"/>
-                    </a:lnT>
-                    <a:lnB w="12700" cap="flat" cmpd="sng" algn="ctr">
-                      <a:solidFill>
-                        <a:srgbClr val="DFE2E9"/>
-                      </a:solidFill>
-                      <a:prstDash val="solid"/>
-                      <a:round/>
-                      <a:headEnd type="none" w="med" len="med"/>
-                      <a:tailEnd type="none" w="med" len="med"/>
-                    </a:lnB>
-                  </a:tcPr>
-                </a:tc>
-                <a:tc>
-                  <a:txBody>
-                    <a:bodyPr/>
-                    <a:lstStyle/>
-                    <a:p>
-                      <a:r>
-                        <a:rPr lang="en-GB" sz="2000" noProof="1"/>
-                        <a:t>3</a:t>
-                      </a:r>
-                    </a:p>
-                  </a:txBody>
-                  <a:tcPr marL="91464" marR="91464" anchor="ctr">
-                    <a:lnL w="12700">
-                      <a:solidFill>
-                        <a:srgbClr val="DFE2E9"/>
-                      </a:solidFill>
-                      <a:prstDash val="solid"/>
-                    </a:lnL>
-                    <a:lnR w="12700" cap="flat" cmpd="sng" algn="ctr">
-                      <a:solidFill>
-                        <a:srgbClr val="DFE2E9"/>
-                      </a:solidFill>
-                      <a:prstDash val="solid"/>
-                      <a:round/>
-                      <a:headEnd type="none" w="med" len="med"/>
-                      <a:tailEnd type="none" w="med" len="med"/>
-                    </a:lnR>
-                    <a:lnT w="12700" cap="flat" cmpd="sng" algn="ctr">
-                      <a:solidFill>
-                        <a:srgbClr val="DFE2E9"/>
-                      </a:solidFill>
-                      <a:prstDash val="solid"/>
-                      <a:round/>
-                      <a:headEnd type="none" w="med" len="med"/>
-                      <a:tailEnd type="none" w="med" len="med"/>
-                    </a:lnT>
-                    <a:lnB w="12700" cap="flat" cmpd="sng" algn="ctr">
-                      <a:solidFill>
-                        <a:srgbClr val="DFE2E9"/>
-                      </a:solidFill>
-                      <a:prstDash val="solid"/>
-                      <a:round/>
-                      <a:headEnd type="none" w="med" len="med"/>
-                      <a:tailEnd type="none" w="med" len="med"/>
-                    </a:lnB>
-                  </a:tcPr>
-                </a:tc>
-                <a:tc>
-                  <a:txBody>
-                    <a:bodyPr/>
-                    <a:lstStyle/>
-                    <a:p>
-                      <a:r>
-                        <a:rPr lang="en-GB" sz="2000" noProof="1"/>
-                        <a:t>0.55</a:t>
-                      </a:r>
-                    </a:p>
-                  </a:txBody>
-                  <a:tcPr marL="91464" marR="91464" anchor="ctr">
-                    <a:lnL w="12700">
-                      <a:solidFill>
-                        <a:srgbClr val="DFE2E9"/>
-                      </a:solidFill>
-                      <a:prstDash val="solid"/>
-                    </a:lnL>
-                    <a:lnR w="12700" cap="flat" cmpd="sng" algn="ctr">
-                      <a:solidFill>
-                        <a:srgbClr val="DFE2E9"/>
-                      </a:solidFill>
-                      <a:prstDash val="solid"/>
-                      <a:round/>
-                      <a:headEnd type="none" w="med" len="med"/>
-                      <a:tailEnd type="none" w="med" len="med"/>
-                    </a:lnR>
-                    <a:lnT w="12700" cap="flat" cmpd="sng" algn="ctr">
-                      <a:solidFill>
-                        <a:srgbClr val="DFE2E9"/>
-                      </a:solidFill>
-                      <a:prstDash val="solid"/>
-                      <a:round/>
-                      <a:headEnd type="none" w="med" len="med"/>
-                      <a:tailEnd type="none" w="med" len="med"/>
-                    </a:lnT>
-                    <a:lnB w="12700" cap="flat" cmpd="sng" algn="ctr">
-                      <a:solidFill>
-                        <a:srgbClr val="DFE2E9"/>
-                      </a:solidFill>
-                      <a:prstDash val="solid"/>
-                      <a:round/>
-                      <a:headEnd type="none" w="med" len="med"/>
-                      <a:tailEnd type="none" w="med" len="med"/>
-                    </a:lnB>
-                  </a:tcPr>
-                </a:tc>
-                <a:tc>
-                  <a:txBody>
-                    <a:bodyPr/>
-                    <a:lstStyle/>
-                    <a:p>
-                      <a:r>
-                        <a:rPr lang="en-GB" sz="2000" noProof="1"/>
-                        <a:t>2</a:t>
-                      </a:r>
-                    </a:p>
-                  </a:txBody>
-                  <a:tcPr marL="91464" marR="91464" anchor="ctr">
-                    <a:lnL w="12700">
-                      <a:solidFill>
-                        <a:srgbClr val="DFE2E9"/>
-                      </a:solidFill>
-                      <a:prstDash val="solid"/>
-                    </a:lnL>
-                    <a:lnR w="12700" cap="flat" cmpd="sng" algn="ctr">
-                      <a:solidFill>
-                        <a:srgbClr val="DFE2E9"/>
-                      </a:solidFill>
-                      <a:prstDash val="solid"/>
-                      <a:round/>
-                      <a:headEnd type="none" w="med" len="med"/>
-                      <a:tailEnd type="none" w="med" len="med"/>
-                    </a:lnR>
-                    <a:lnT w="12700" cap="flat" cmpd="sng" algn="ctr">
-                      <a:solidFill>
-                        <a:srgbClr val="DFE2E9"/>
-                      </a:solidFill>
-                      <a:prstDash val="solid"/>
-                      <a:round/>
-                      <a:headEnd type="none" w="med" len="med"/>
-                      <a:tailEnd type="none" w="med" len="med"/>
-                    </a:lnT>
-                    <a:lnB w="12700" cap="flat" cmpd="sng" algn="ctr">
-                      <a:solidFill>
-                        <a:srgbClr val="DFE2E9"/>
-                      </a:solidFill>
-                      <a:prstDash val="solid"/>
-                      <a:round/>
-                      <a:headEnd type="none" w="med" len="med"/>
-                      <a:tailEnd type="none" w="med" len="med"/>
-                    </a:lnB>
-                  </a:tcPr>
-                </a:tc>
-                <a:tc>
-                  <a:txBody>
-                    <a:bodyPr/>
-                    <a:lstStyle/>
-                    <a:p>
-                      <a:r>
-                        <a:rPr lang="en-GB" sz="2000" noProof="1"/>
-                        <a:t>4</a:t>
-                      </a:r>
-                    </a:p>
-                  </a:txBody>
-                  <a:tcPr marL="91464" marR="91464" anchor="ctr">
-                    <a:lnL w="12700">
-                      <a:solidFill>
-                        <a:srgbClr val="DFE2E9"/>
-                      </a:solidFill>
-                      <a:prstDash val="solid"/>
-                    </a:lnL>
-                    <a:lnR w="12700" cap="flat" cmpd="sng" algn="ctr">
-                      <a:solidFill>
-                        <a:srgbClr val="DFE2E9"/>
-                      </a:solidFill>
-                      <a:prstDash val="solid"/>
-                      <a:round/>
-                      <a:headEnd type="none" w="med" len="med"/>
-                      <a:tailEnd type="none" w="med" len="med"/>
-                    </a:lnR>
-                    <a:lnT w="12700" cap="flat" cmpd="sng" algn="ctr">
-                      <a:solidFill>
-                        <a:srgbClr val="DFE2E9"/>
-                      </a:solidFill>
-                      <a:prstDash val="solid"/>
-                      <a:round/>
-                      <a:headEnd type="none" w="med" len="med"/>
-                      <a:tailEnd type="none" w="med" len="med"/>
-                    </a:lnT>
-                    <a:lnB w="12700" cap="flat" cmpd="sng" algn="ctr">
-                      <a:solidFill>
-                        <a:srgbClr val="DFE2E9"/>
-                      </a:solidFill>
-                      <a:prstDash val="solid"/>
-                      <a:round/>
-                      <a:headEnd type="none" w="med" len="med"/>
-                      <a:tailEnd type="none" w="med" len="med"/>
-                    </a:lnB>
-                  </a:tcPr>
-                </a:tc>
-                <a:tc>
-                  <a:txBody>
-                    <a:bodyPr/>
-                    <a:lstStyle/>
-                    <a:p>
-                      <a:r>
-                        <a:rPr lang="en-GB" sz="2000" noProof="1"/>
-                        <a:t>1</a:t>
-                      </a:r>
-                    </a:p>
-                  </a:txBody>
-                  <a:tcPr marL="91464" marR="91464" anchor="ctr">
-                    <a:lnL w="12700">
-                      <a:solidFill>
-                        <a:srgbClr val="DFE2E9"/>
-                      </a:solidFill>
-                      <a:prstDash val="solid"/>
-                    </a:lnL>
-                    <a:lnR w="12700">
-                      <a:solidFill>
-                        <a:srgbClr val="DFE2E9"/>
-                      </a:solidFill>
-                      <a:prstDash val="solid"/>
-                    </a:lnR>
-                    <a:lnT w="12700" cap="flat" cmpd="sng" algn="ctr">
-                      <a:solidFill>
-                        <a:srgbClr val="DFE2E9"/>
-                      </a:solidFill>
-                      <a:prstDash val="solid"/>
-                      <a:round/>
-                      <a:headEnd type="none" w="med" len="med"/>
-                      <a:tailEnd type="none" w="med" len="med"/>
-                    </a:lnT>
-                    <a:lnB w="12700" cap="flat" cmpd="sng" algn="ctr">
-                      <a:solidFill>
-                        <a:srgbClr val="DFE2E9"/>
-                      </a:solidFill>
-                      <a:prstDash val="solid"/>
-                      <a:round/>
-                      <a:headEnd type="none" w="med" len="med"/>
-                      <a:tailEnd type="none" w="med" len="med"/>
-                    </a:lnB>
-                  </a:tcPr>
-                </a:tc>
-                <a:extLst>
-                  <a:ext uri="{0D108BD9-81ED-4DB2-BD59-A6C34878D82A}">
-                    <a16:rowId xmlns:a16="http://schemas.microsoft.com/office/drawing/2014/main" val="10002"/>
-                  </a:ext>
-                </a:extLst>
-              </a:tr>
-              <a:tr h="630621">
-                <a:tc>
-                  <a:txBody>
-                    <a:bodyPr/>
-                    <a:lstStyle/>
-                    <a:p>
-                      <a:pPr algn="ctr"/>
-                      <a:r>
-                        <a:rPr lang="en-GB" sz="2000" noProof="1"/>
-                        <a:t>3</a:t>
-                      </a:r>
-                    </a:p>
-                  </a:txBody>
-                  <a:tcPr marL="91464" marR="91464" anchor="ctr">
-                    <a:lnL w="28575">
-                      <a:solidFill>
-                        <a:srgbClr val="DFE2E9"/>
-                      </a:solidFill>
-                      <a:prstDash val="solid"/>
-                    </a:lnL>
-                    <a:lnR w="12700" cap="flat" cmpd="sng" algn="ctr">
-                      <a:solidFill>
-                        <a:srgbClr val="DFE2E9"/>
-                      </a:solidFill>
-                      <a:prstDash val="solid"/>
-                      <a:round/>
-                      <a:headEnd type="none" w="med" len="med"/>
-                      <a:tailEnd type="none" w="med" len="med"/>
-                    </a:lnR>
-                    <a:lnT w="12700">
-                      <a:solidFill>
-                        <a:srgbClr val="DFE2E9"/>
-                      </a:solidFill>
-                      <a:prstDash val="solid"/>
-                    </a:lnT>
-                    <a:lnB w="12700" cap="flat" cmpd="sng" algn="ctr">
-                      <a:solidFill>
-                        <a:srgbClr val="DFE2E9"/>
-                      </a:solidFill>
-                      <a:prstDash val="solid"/>
-                      <a:round/>
-                      <a:headEnd type="none" w="med" len="med"/>
-                      <a:tailEnd type="none" w="med" len="med"/>
-                    </a:lnB>
-                  </a:tcPr>
-                </a:tc>
-                <a:tc>
-                  <a:txBody>
-                    <a:bodyPr/>
-                    <a:lstStyle/>
-                    <a:p>
-                      <a:r>
-                        <a:rPr lang="en-GB" sz="2000" noProof="1"/>
-                        <a:t>rakia "Peshtera"</a:t>
-                      </a:r>
-                    </a:p>
-                  </a:txBody>
-                  <a:tcPr marL="91464" marR="91464" anchor="ctr">
-                    <a:lnL w="12700" cap="flat" cmpd="sng" algn="ctr">
-                      <a:solidFill>
-                        <a:srgbClr val="DFE2E9"/>
-                      </a:solidFill>
-                      <a:prstDash val="solid"/>
-                      <a:round/>
-                      <a:headEnd type="none" w="med" len="med"/>
-                      <a:tailEnd type="none" w="med" len="med"/>
-                    </a:lnL>
-                    <a:lnR w="12700" cap="flat" cmpd="sng" algn="ctr">
-                      <a:solidFill>
-                        <a:srgbClr val="DFE2E9"/>
-                      </a:solidFill>
-                      <a:prstDash val="solid"/>
-                      <a:round/>
-                      <a:headEnd type="none" w="med" len="med"/>
-                      <a:tailEnd type="none" w="med" len="med"/>
-                    </a:lnR>
-                    <a:lnT w="12700">
-                      <a:solidFill>
-                        <a:srgbClr val="DFE2E9"/>
-                      </a:solidFill>
-                      <a:prstDash val="solid"/>
-                    </a:lnT>
-                    <a:lnB w="12700" cap="flat" cmpd="sng" algn="ctr">
-                      <a:solidFill>
-                        <a:srgbClr val="DFE2E9"/>
-                      </a:solidFill>
-                      <a:prstDash val="solid"/>
-                      <a:round/>
-                      <a:headEnd type="none" w="med" len="med"/>
-                      <a:tailEnd type="none" w="med" len="med"/>
-                    </a:lnB>
-                  </a:tcPr>
-                </a:tc>
-                <a:tc>
-                  <a:txBody>
-                    <a:bodyPr/>
-                    <a:lstStyle/>
-                    <a:p>
-                      <a:r>
-                        <a:rPr lang="en-GB" sz="2000" noProof="1"/>
-                        <a:t>6</a:t>
-                      </a:r>
-                    </a:p>
-                  </a:txBody>
-                  <a:tcPr marL="91464" marR="91464" anchor="ctr">
-                    <a:lnL w="12700" cap="flat" cmpd="sng" algn="ctr">
-                      <a:solidFill>
-                        <a:srgbClr val="DFE2E9"/>
-                      </a:solidFill>
-                      <a:prstDash val="solid"/>
-                      <a:round/>
-                      <a:headEnd type="none" w="med" len="med"/>
-                      <a:tailEnd type="none" w="med" len="med"/>
-                    </a:lnL>
-                    <a:lnR w="12700" cap="flat" cmpd="sng" algn="ctr">
-                      <a:solidFill>
-                        <a:srgbClr val="DFE2E9"/>
-                      </a:solidFill>
-                      <a:prstDash val="solid"/>
-                      <a:round/>
-                      <a:headEnd type="none" w="med" len="med"/>
-                      <a:tailEnd type="none" w="med" len="med"/>
-                    </a:lnR>
-                    <a:lnT w="12700" cap="flat" cmpd="sng" algn="ctr">
-                      <a:solidFill>
-                        <a:srgbClr val="DFE2E9"/>
-                      </a:solidFill>
-                      <a:prstDash val="solid"/>
-                      <a:round/>
-                      <a:headEnd type="none" w="med" len="med"/>
-                      <a:tailEnd type="none" w="med" len="med"/>
-                    </a:lnT>
-                    <a:lnB w="12700" cap="flat" cmpd="sng" algn="ctr">
-                      <a:solidFill>
-                        <a:srgbClr val="DFE2E9"/>
-                      </a:solidFill>
-                      <a:prstDash val="solid"/>
-                      <a:round/>
-                      <a:headEnd type="none" w="med" len="med"/>
-                      <a:tailEnd type="none" w="med" len="med"/>
-                    </a:lnB>
-                  </a:tcPr>
-                </a:tc>
-                <a:tc>
-                  <a:txBody>
-                    <a:bodyPr/>
-                    <a:lstStyle/>
-                    <a:p>
-                      <a:r>
-                        <a:rPr lang="en-GB" sz="2000" noProof="1"/>
-                        <a:t>4.38</a:t>
-                      </a:r>
-                    </a:p>
-                  </a:txBody>
-                  <a:tcPr marL="91464" marR="91464" anchor="ctr">
-                    <a:lnL w="12700" cap="flat" cmpd="sng" algn="ctr">
-                      <a:solidFill>
-                        <a:srgbClr val="DFE2E9"/>
-                      </a:solidFill>
-                      <a:prstDash val="solid"/>
-                      <a:round/>
-                      <a:headEnd type="none" w="med" len="med"/>
-                      <a:tailEnd type="none" w="med" len="med"/>
-                    </a:lnL>
-                    <a:lnR w="12700" cap="flat" cmpd="sng" algn="ctr">
-                      <a:solidFill>
-                        <a:srgbClr val="DFE2E9"/>
-                      </a:solidFill>
-                      <a:prstDash val="solid"/>
-                      <a:round/>
-                      <a:headEnd type="none" w="med" len="med"/>
-                      <a:tailEnd type="none" w="med" len="med"/>
-                    </a:lnR>
-                    <a:lnT w="12700" cap="flat" cmpd="sng" algn="ctr">
-                      <a:solidFill>
-                        <a:srgbClr val="DFE2E9"/>
-                      </a:solidFill>
-                      <a:prstDash val="solid"/>
-                      <a:round/>
-                      <a:headEnd type="none" w="med" len="med"/>
-                      <a:tailEnd type="none" w="med" len="med"/>
-                    </a:lnT>
-                    <a:lnB w="12700" cap="flat" cmpd="sng" algn="ctr">
-                      <a:solidFill>
-                        <a:srgbClr val="DFE2E9"/>
-                      </a:solidFill>
-                      <a:prstDash val="solid"/>
-                      <a:round/>
-                      <a:headEnd type="none" w="med" len="med"/>
-                      <a:tailEnd type="none" w="med" len="med"/>
-                    </a:lnB>
-                  </a:tcPr>
-                </a:tc>
-                <a:tc>
-                  <a:txBody>
-                    <a:bodyPr/>
-                    <a:lstStyle/>
-                    <a:p>
-                      <a:r>
-                        <a:rPr lang="en-GB" sz="2000" noProof="1"/>
-                        <a:t>5</a:t>
-                      </a:r>
-                    </a:p>
-                  </a:txBody>
-                  <a:tcPr marL="91464" marR="91464" anchor="ctr">
-                    <a:lnL w="12700" cap="flat" cmpd="sng" algn="ctr">
-                      <a:solidFill>
-                        <a:srgbClr val="DFE2E9"/>
-                      </a:solidFill>
-                      <a:prstDash val="solid"/>
-                      <a:round/>
-                      <a:headEnd type="none" w="med" len="med"/>
-                      <a:tailEnd type="none" w="med" len="med"/>
-                    </a:lnL>
-                    <a:lnR w="12700" cap="flat" cmpd="sng" algn="ctr">
-                      <a:solidFill>
-                        <a:srgbClr val="DFE2E9"/>
-                      </a:solidFill>
-                      <a:prstDash val="solid"/>
-                      <a:round/>
-                      <a:headEnd type="none" w="med" len="med"/>
-                      <a:tailEnd type="none" w="med" len="med"/>
-                    </a:lnR>
-                    <a:lnT w="12700" cap="flat" cmpd="sng" algn="ctr">
-                      <a:solidFill>
-                        <a:srgbClr val="DFE2E9"/>
-                      </a:solidFill>
-                      <a:prstDash val="solid"/>
-                      <a:round/>
-                      <a:headEnd type="none" w="med" len="med"/>
-                      <a:tailEnd type="none" w="med" len="med"/>
-                    </a:lnT>
-                    <a:lnB w="12700" cap="flat" cmpd="sng" algn="ctr">
-                      <a:solidFill>
-                        <a:srgbClr val="DFE2E9"/>
-                      </a:solidFill>
-                      <a:prstDash val="solid"/>
-                      <a:round/>
-                      <a:headEnd type="none" w="med" len="med"/>
-                      <a:tailEnd type="none" w="med" len="med"/>
-                    </a:lnB>
-                  </a:tcPr>
-                </a:tc>
-                <a:tc>
-                  <a:txBody>
-                    <a:bodyPr/>
-                    <a:lstStyle/>
-                    <a:p>
-                      <a:r>
-                        <a:rPr lang="en-GB" sz="2000" noProof="1"/>
-                        <a:t>2</a:t>
-                      </a:r>
-                    </a:p>
-                  </a:txBody>
-                  <a:tcPr marL="91464" marR="91464" anchor="ctr">
-                    <a:lnL w="12700" cap="flat" cmpd="sng" algn="ctr">
-                      <a:solidFill>
-                        <a:srgbClr val="DFE2E9"/>
-                      </a:solidFill>
-                      <a:prstDash val="solid"/>
-                      <a:round/>
-                      <a:headEnd type="none" w="med" len="med"/>
-                      <a:tailEnd type="none" w="med" len="med"/>
-                    </a:lnL>
-                    <a:lnR w="12700" cap="flat" cmpd="sng" algn="ctr">
-                      <a:solidFill>
-                        <a:srgbClr val="DFE2E9"/>
-                      </a:solidFill>
-                      <a:prstDash val="solid"/>
-                      <a:round/>
-                      <a:headEnd type="none" w="med" len="med"/>
-                      <a:tailEnd type="none" w="med" len="med"/>
-                    </a:lnR>
-                    <a:lnT w="12700" cap="flat" cmpd="sng" algn="ctr">
-                      <a:solidFill>
-                        <a:srgbClr val="DFE2E9"/>
-                      </a:solidFill>
-                      <a:prstDash val="solid"/>
-                      <a:round/>
-                      <a:headEnd type="none" w="med" len="med"/>
-                      <a:tailEnd type="none" w="med" len="med"/>
-                    </a:lnT>
-                    <a:lnB w="12700" cap="flat" cmpd="sng" algn="ctr">
-                      <a:solidFill>
-                        <a:srgbClr val="DFE2E9"/>
-                      </a:solidFill>
-                      <a:prstDash val="solid"/>
-                      <a:round/>
-                      <a:headEnd type="none" w="med" len="med"/>
-                      <a:tailEnd type="none" w="med" len="med"/>
-                    </a:lnB>
-                  </a:tcPr>
-                </a:tc>
-                <a:tc>
-                  <a:txBody>
-                    <a:bodyPr/>
-                    <a:lstStyle/>
-                    <a:p>
-                      <a:r>
-                        <a:rPr lang="en-GB" sz="2000" noProof="1"/>
-                        <a:t>1</a:t>
-                      </a:r>
-                    </a:p>
-                  </a:txBody>
-                  <a:tcPr marL="91464" marR="91464" anchor="ctr">
-                    <a:lnL w="12700" cap="flat" cmpd="sng" algn="ctr">
-                      <a:solidFill>
-                        <a:srgbClr val="DFE2E9"/>
-                      </a:solidFill>
-                      <a:prstDash val="solid"/>
-                      <a:round/>
-                      <a:headEnd type="none" w="med" len="med"/>
-                      <a:tailEnd type="none" w="med" len="med"/>
-                    </a:lnL>
-                    <a:lnR w="12700">
-                      <a:solidFill>
-                        <a:srgbClr val="DFE2E9"/>
-                      </a:solidFill>
-                      <a:prstDash val="solid"/>
-                    </a:lnR>
-                    <a:lnT w="12700" cap="flat" cmpd="sng" algn="ctr">
-                      <a:solidFill>
-                        <a:srgbClr val="DFE2E9"/>
-                      </a:solidFill>
-                      <a:prstDash val="solid"/>
-                      <a:round/>
-                      <a:headEnd type="none" w="med" len="med"/>
-                      <a:tailEnd type="none" w="med" len="med"/>
-                    </a:lnT>
-                    <a:lnB w="12700" cap="flat" cmpd="sng" algn="ctr">
-                      <a:solidFill>
-                        <a:srgbClr val="DFE2E9"/>
-                      </a:solidFill>
-                      <a:prstDash val="solid"/>
-                      <a:round/>
-                      <a:headEnd type="none" w="med" len="med"/>
-                      <a:tailEnd type="none" w="med" len="med"/>
-                    </a:lnB>
-                  </a:tcPr>
-                </a:tc>
-                <a:extLst>
-                  <a:ext uri="{0D108BD9-81ED-4DB2-BD59-A6C34878D82A}">
-                    <a16:rowId xmlns:a16="http://schemas.microsoft.com/office/drawing/2014/main" val="10003"/>
-                  </a:ext>
-                </a:extLst>
-              </a:tr>
-              <a:tr h="441434">
-                <a:tc>
-                  <a:txBody>
-                    <a:bodyPr/>
-                    <a:lstStyle/>
-                    <a:p>
-                      <a:pPr algn="ctr"/>
-                      <a:r>
-                        <a:rPr lang="en-GB" sz="2000" noProof="1"/>
-                        <a:t>4</a:t>
-                      </a:r>
-                    </a:p>
-                  </a:txBody>
-                  <a:tcPr marL="91464" marR="91464" anchor="ctr">
-                    <a:lnL w="28575">
-                      <a:solidFill>
-                        <a:srgbClr val="DFE2E9"/>
-                      </a:solidFill>
-                      <a:prstDash val="solid"/>
-                    </a:lnL>
-                    <a:lnR w="12700" cap="flat" cmpd="sng" algn="ctr">
-                      <a:solidFill>
-                        <a:srgbClr val="DFE2E9"/>
-                      </a:solidFill>
-                      <a:prstDash val="solid"/>
-                      <a:round/>
-                      <a:headEnd type="none" w="med" len="med"/>
-                      <a:tailEnd type="none" w="med" len="med"/>
-                    </a:lnR>
-                    <a:lnT w="12700">
-                      <a:solidFill>
-                        <a:srgbClr val="DFE2E9"/>
-                      </a:solidFill>
-                      <a:prstDash val="solid"/>
-                    </a:lnT>
-                    <a:lnB w="12700" cap="flat" cmpd="sng" algn="ctr">
-                      <a:solidFill>
-                        <a:srgbClr val="DFE2E9"/>
-                      </a:solidFill>
-                      <a:prstDash val="solid"/>
-                      <a:round/>
-                      <a:headEnd type="none" w="med" len="med"/>
-                      <a:tailEnd type="none" w="med" len="med"/>
-                    </a:lnB>
-                  </a:tcPr>
-                </a:tc>
-                <a:tc>
-                  <a:txBody>
-                    <a:bodyPr/>
-                    <a:lstStyle/>
-                    <a:p>
-                      <a:r>
-                        <a:rPr lang="en-GB" sz="2000" noProof="1"/>
-                        <a:t>beer "Tuborg"</a:t>
-                      </a:r>
-                    </a:p>
-                  </a:txBody>
-                  <a:tcPr marL="91464" marR="91464" anchor="ctr">
-                    <a:lnL w="12700" cap="flat" cmpd="sng" algn="ctr">
-                      <a:solidFill>
-                        <a:srgbClr val="DFE2E9"/>
-                      </a:solidFill>
-                      <a:prstDash val="solid"/>
-                      <a:round/>
-                      <a:headEnd type="none" w="med" len="med"/>
-                      <a:tailEnd type="none" w="med" len="med"/>
-                    </a:lnL>
-                    <a:lnR w="12700" cap="flat" cmpd="sng" algn="ctr">
-                      <a:solidFill>
-                        <a:srgbClr val="DFE2E9"/>
-                      </a:solidFill>
-                      <a:prstDash val="solid"/>
-                      <a:round/>
-                      <a:headEnd type="none" w="med" len="med"/>
-                      <a:tailEnd type="none" w="med" len="med"/>
-                    </a:lnR>
-                    <a:lnT w="12700">
-                      <a:solidFill>
-                        <a:srgbClr val="DFE2E9"/>
-                      </a:solidFill>
-                      <a:prstDash val="solid"/>
-                    </a:lnT>
-                    <a:lnB w="12700" cap="flat" cmpd="sng" algn="ctr">
-                      <a:solidFill>
-                        <a:srgbClr val="DFE2E9"/>
-                      </a:solidFill>
-                      <a:prstDash val="solid"/>
-                      <a:round/>
-                      <a:headEnd type="none" w="med" len="med"/>
-                      <a:tailEnd type="none" w="med" len="med"/>
-                    </a:lnB>
-                  </a:tcPr>
-                </a:tc>
-                <a:tc>
-                  <a:txBody>
-                    <a:bodyPr/>
-                    <a:lstStyle/>
-                    <a:p>
-                      <a:r>
-                        <a:rPr lang="en-GB" sz="2000" noProof="1"/>
-                        <a:t>4</a:t>
-                      </a:r>
-                    </a:p>
-                  </a:txBody>
-                  <a:tcPr marL="91464" marR="91464" anchor="ctr">
-                    <a:lnL w="12700" cap="flat" cmpd="sng" algn="ctr">
-                      <a:solidFill>
-                        <a:srgbClr val="DFE2E9"/>
-                      </a:solidFill>
-                      <a:prstDash val="solid"/>
-                      <a:round/>
-                      <a:headEnd type="none" w="med" len="med"/>
-                      <a:tailEnd type="none" w="med" len="med"/>
-                    </a:lnL>
-                    <a:lnR w="12700" cap="flat" cmpd="sng" algn="ctr">
-                      <a:solidFill>
-                        <a:srgbClr val="DFE2E9"/>
-                      </a:solidFill>
-                      <a:prstDash val="solid"/>
-                      <a:round/>
-                      <a:headEnd type="none" w="med" len="med"/>
-                      <a:tailEnd type="none" w="med" len="med"/>
-                    </a:lnR>
-                    <a:lnT w="12700" cap="flat" cmpd="sng" algn="ctr">
-                      <a:solidFill>
-                        <a:srgbClr val="DFE2E9"/>
-                      </a:solidFill>
-                      <a:prstDash val="solid"/>
-                      <a:round/>
-                      <a:headEnd type="none" w="med" len="med"/>
-                      <a:tailEnd type="none" w="med" len="med"/>
-                    </a:lnT>
-                    <a:lnB w="12700" cap="flat" cmpd="sng" algn="ctr">
-                      <a:solidFill>
-                        <a:srgbClr val="DFE2E9"/>
-                      </a:solidFill>
-                      <a:prstDash val="solid"/>
-                      <a:round/>
-                      <a:headEnd type="none" w="med" len="med"/>
-                      <a:tailEnd type="none" w="med" len="med"/>
-                    </a:lnB>
-                  </a:tcPr>
-                </a:tc>
-                <a:tc>
-                  <a:txBody>
-                    <a:bodyPr/>
-                    <a:lstStyle/>
-                    <a:p>
-                      <a:r>
-                        <a:rPr lang="en-GB" sz="2000" noProof="1"/>
-                        <a:t>0.67</a:t>
-                      </a:r>
-                    </a:p>
-                  </a:txBody>
-                  <a:tcPr marL="91464" marR="91464" anchor="ctr">
-                    <a:lnL w="12700" cap="flat" cmpd="sng" algn="ctr">
-                      <a:solidFill>
-                        <a:srgbClr val="DFE2E9"/>
-                      </a:solidFill>
-                      <a:prstDash val="solid"/>
-                      <a:round/>
-                      <a:headEnd type="none" w="med" len="med"/>
-                      <a:tailEnd type="none" w="med" len="med"/>
-                    </a:lnL>
-                    <a:lnR w="12700" cap="flat" cmpd="sng" algn="ctr">
-                      <a:solidFill>
-                        <a:srgbClr val="DFE2E9"/>
-                      </a:solidFill>
-                      <a:prstDash val="solid"/>
-                      <a:round/>
-                      <a:headEnd type="none" w="med" len="med"/>
-                      <a:tailEnd type="none" w="med" len="med"/>
-                    </a:lnR>
-                    <a:lnT w="12700" cap="flat" cmpd="sng" algn="ctr">
-                      <a:solidFill>
-                        <a:srgbClr val="DFE2E9"/>
-                      </a:solidFill>
-                      <a:prstDash val="solid"/>
-                      <a:round/>
-                      <a:headEnd type="none" w="med" len="med"/>
-                      <a:tailEnd type="none" w="med" len="med"/>
-                    </a:lnT>
-                    <a:lnB w="12700" cap="flat" cmpd="sng" algn="ctr">
-                      <a:solidFill>
-                        <a:srgbClr val="DFE2E9"/>
-                      </a:solidFill>
-                      <a:prstDash val="solid"/>
-                      <a:round/>
-                      <a:headEnd type="none" w="med" len="med"/>
-                      <a:tailEnd type="none" w="med" len="med"/>
-                    </a:lnB>
-                  </a:tcPr>
-                </a:tc>
-                <a:tc>
-                  <a:txBody>
-                    <a:bodyPr/>
-                    <a:lstStyle/>
-                    <a:p>
-                      <a:r>
-                        <a:rPr lang="en-GB" sz="2000" noProof="1"/>
-                        <a:t>4</a:t>
-                      </a:r>
-                    </a:p>
-                  </a:txBody>
-                  <a:tcPr marL="91464" marR="91464" anchor="ctr">
-                    <a:lnL w="12700" cap="flat" cmpd="sng" algn="ctr">
-                      <a:solidFill>
-                        <a:srgbClr val="DFE2E9"/>
-                      </a:solidFill>
-                      <a:prstDash val="solid"/>
-                      <a:round/>
-                      <a:headEnd type="none" w="med" len="med"/>
-                      <a:tailEnd type="none" w="med" len="med"/>
-                    </a:lnL>
-                    <a:lnR w="12700" cap="flat" cmpd="sng" algn="ctr">
-                      <a:solidFill>
-                        <a:srgbClr val="DFE2E9"/>
-                      </a:solidFill>
-                      <a:prstDash val="solid"/>
-                      <a:round/>
-                      <a:headEnd type="none" w="med" len="med"/>
-                      <a:tailEnd type="none" w="med" len="med"/>
-                    </a:lnR>
-                    <a:lnT w="12700" cap="flat" cmpd="sng" algn="ctr">
-                      <a:solidFill>
-                        <a:srgbClr val="DFE2E9"/>
-                      </a:solidFill>
-                      <a:prstDash val="solid"/>
-                      <a:round/>
-                      <a:headEnd type="none" w="med" len="med"/>
-                      <a:tailEnd type="none" w="med" len="med"/>
-                    </a:lnT>
-                    <a:lnB w="12700" cap="flat" cmpd="sng" algn="ctr">
-                      <a:solidFill>
-                        <a:srgbClr val="DFE2E9"/>
-                      </a:solidFill>
-                      <a:prstDash val="solid"/>
-                      <a:round/>
-                      <a:headEnd type="none" w="med" len="med"/>
-                      <a:tailEnd type="none" w="med" len="med"/>
-                    </a:lnB>
-                  </a:tcPr>
-                </a:tc>
-                <a:tc>
-                  <a:txBody>
-                    <a:bodyPr/>
-                    <a:lstStyle/>
-                    <a:p>
-                      <a:r>
-                        <a:rPr lang="en-GB" sz="2000" noProof="1"/>
-                        <a:t>1</a:t>
-                      </a:r>
-                    </a:p>
-                  </a:txBody>
-                  <a:tcPr marL="91464" marR="91464" anchor="ctr">
-                    <a:lnL w="12700" cap="flat" cmpd="sng" algn="ctr">
-                      <a:solidFill>
-                        <a:srgbClr val="DFE2E9"/>
-                      </a:solidFill>
-                      <a:prstDash val="solid"/>
-                      <a:round/>
-                      <a:headEnd type="none" w="med" len="med"/>
-                      <a:tailEnd type="none" w="med" len="med"/>
-                    </a:lnL>
-                    <a:lnR w="12700" cap="flat" cmpd="sng" algn="ctr">
-                      <a:solidFill>
-                        <a:srgbClr val="DFE2E9"/>
-                      </a:solidFill>
-                      <a:prstDash val="solid"/>
-                      <a:round/>
-                      <a:headEnd type="none" w="med" len="med"/>
-                      <a:tailEnd type="none" w="med" len="med"/>
-                    </a:lnR>
-                    <a:lnT w="12700" cap="flat" cmpd="sng" algn="ctr">
-                      <a:solidFill>
-                        <a:srgbClr val="DFE2E9"/>
-                      </a:solidFill>
-                      <a:prstDash val="solid"/>
-                      <a:round/>
-                      <a:headEnd type="none" w="med" len="med"/>
-                      <a:tailEnd type="none" w="med" len="med"/>
-                    </a:lnT>
-                    <a:lnB w="12700" cap="flat" cmpd="sng" algn="ctr">
-                      <a:solidFill>
-                        <a:srgbClr val="DFE2E9"/>
-                      </a:solidFill>
-                      <a:prstDash val="solid"/>
-                      <a:round/>
-                      <a:headEnd type="none" w="med" len="med"/>
-                      <a:tailEnd type="none" w="med" len="med"/>
-                    </a:lnB>
-                  </a:tcPr>
-                </a:tc>
-                <a:tc>
-                  <a:txBody>
-                    <a:bodyPr/>
-                    <a:lstStyle/>
-                    <a:p>
-                      <a:r>
-                        <a:rPr lang="en-GB" sz="2000" noProof="1"/>
-                        <a:t>3</a:t>
-                      </a:r>
-                    </a:p>
-                  </a:txBody>
-                  <a:tcPr marL="91464" marR="91464" anchor="ctr">
-                    <a:lnL w="12700" cap="flat" cmpd="sng" algn="ctr">
-                      <a:solidFill>
-                        <a:srgbClr val="DFE2E9"/>
-                      </a:solidFill>
-                      <a:prstDash val="solid"/>
-                      <a:round/>
-                      <a:headEnd type="none" w="med" len="med"/>
-                      <a:tailEnd type="none" w="med" len="med"/>
-                    </a:lnL>
-                    <a:lnR w="12700">
-                      <a:solidFill>
-                        <a:srgbClr val="DFE2E9"/>
-                      </a:solidFill>
-                      <a:prstDash val="solid"/>
-                    </a:lnR>
-                    <a:lnT w="12700" cap="flat" cmpd="sng" algn="ctr">
-                      <a:solidFill>
-                        <a:srgbClr val="DFE2E9"/>
-                      </a:solidFill>
-                      <a:prstDash val="solid"/>
-                      <a:round/>
-                      <a:headEnd type="none" w="med" len="med"/>
-                      <a:tailEnd type="none" w="med" len="med"/>
-                    </a:lnT>
-                    <a:lnB w="12700" cap="flat" cmpd="sng" algn="ctr">
-                      <a:solidFill>
-                        <a:srgbClr val="DFE2E9"/>
-                      </a:solidFill>
-                      <a:prstDash val="solid"/>
-                      <a:round/>
-                      <a:headEnd type="none" w="med" len="med"/>
-                      <a:tailEnd type="none" w="med" len="med"/>
-                    </a:lnB>
-                  </a:tcPr>
-                </a:tc>
-                <a:extLst>
-                  <a:ext uri="{0D108BD9-81ED-4DB2-BD59-A6C34878D82A}">
-                    <a16:rowId xmlns:a16="http://schemas.microsoft.com/office/drawing/2014/main" val="10004"/>
-                  </a:ext>
-                </a:extLst>
-              </a:tr>
-            </a:tbl>
-          </a:graphicData>
-        </a:graphic>
-      </p:graphicFrame>
-      <p:graphicFrame>
-        <p:nvGraphicFramePr>
-          <p:cNvPr id="20" name="object 14"/>
-          <p:cNvGraphicFramePr>
-            <a:graphicFrameLocks noGrp="1"/>
-          </p:cNvGraphicFramePr>
-          <p:nvPr>
-            <p:extLst>
-              <p:ext uri="{D42A27DB-BD31-4B8C-83A1-F6EECF244321}">
-                <p14:modId xmlns:p14="http://schemas.microsoft.com/office/powerpoint/2010/main" val="1102571627"/>
-              </p:ext>
-            </p:extLst>
-          </p:nvPr>
-        </p:nvGraphicFramePr>
-        <p:xfrm>
-          <a:off x="1524000" y="5410200"/>
-          <a:ext cx="2400299" cy="1289766"/>
-        </p:xfrm>
-        <a:graphic>
-          <a:graphicData uri="http://schemas.openxmlformats.org/drawingml/2006/table">
-            <a:tbl>
-              <a:tblPr firstRow="1" bandRow="1">
-                <a:tableStyleId>{2D5ABB26-0587-4C30-8999-92F81FD0307C}</a:tableStyleId>
-              </a:tblPr>
-              <a:tblGrid>
-                <a:gridCol w="462015">
-                  <a:extLst>
-                    <a:ext uri="{9D8B030D-6E8A-4147-A177-3AD203B41FA5}">
-                      <a16:colId xmlns:a16="http://schemas.microsoft.com/office/drawing/2014/main" val="20000"/>
-                    </a:ext>
-                  </a:extLst>
-                </a:gridCol>
-                <a:gridCol w="1938284">
-                  <a:extLst>
-                    <a:ext uri="{9D8B030D-6E8A-4147-A177-3AD203B41FA5}">
-                      <a16:colId xmlns:a16="http://schemas.microsoft.com/office/drawing/2014/main" val="20001"/>
-                    </a:ext>
-                  </a:extLst>
-                </a:gridCol>
-              </a:tblGrid>
-              <a:tr h="457201">
-                <a:tc>
-                  <a:txBody>
-                    <a:bodyPr/>
-                    <a:lstStyle/>
-                    <a:p>
-                      <a:pPr algn="ctr"/>
-                      <a:r>
-                        <a:rPr lang="en-GB" sz="2000" b="1" noProof="1">
-                          <a:effectLst/>
-                          <a:latin typeface="+mj-lt"/>
-                        </a:rPr>
-                        <a:t>Id</a:t>
-                      </a:r>
-                    </a:p>
-                  </a:txBody>
-                  <a:tcPr marL="91464" marR="91464" anchor="ctr">
-                    <a:lnL w="28575">
-                      <a:solidFill>
-                        <a:srgbClr val="DFE2E9"/>
-                      </a:solidFill>
-                      <a:prstDash val="solid"/>
-                    </a:lnL>
-                    <a:lnR w="12700">
-                      <a:solidFill>
-                        <a:srgbClr val="DFE2E9"/>
-                      </a:solidFill>
-                      <a:prstDash val="solid"/>
-                    </a:lnR>
-                    <a:lnT w="28575">
-                      <a:solidFill>
-                        <a:srgbClr val="DFE2E9"/>
-                      </a:solidFill>
-                      <a:prstDash val="solid"/>
-                    </a:lnT>
-                    <a:lnB w="28575" cap="flat" cmpd="sng" algn="ctr">
-                      <a:solidFill>
-                        <a:srgbClr val="DFE2E9"/>
-                      </a:solidFill>
-                      <a:prstDash val="solid"/>
-                      <a:round/>
-                      <a:headEnd type="none" w="med" len="med"/>
-                      <a:tailEnd type="none" w="med" len="med"/>
-                    </a:lnB>
-                    <a:solidFill>
-                      <a:srgbClr val="D0D4DC"/>
-                    </a:solidFill>
-                  </a:tcPr>
-                </a:tc>
-                <a:tc>
-                  <a:txBody>
-                    <a:bodyPr/>
-                    <a:lstStyle/>
-                    <a:p>
-                      <a:pPr algn="ctr"/>
-                      <a:r>
-                        <a:rPr lang="en-GB" sz="2000" b="1" noProof="1">
-                          <a:effectLst/>
-                          <a:latin typeface="+mj-lt"/>
-                        </a:rPr>
-                        <a:t>Name</a:t>
-                      </a:r>
-                    </a:p>
-                  </a:txBody>
-                  <a:tcPr marL="91464" marR="91464" anchor="ctr">
-                    <a:lnL w="12700">
-                      <a:solidFill>
-                        <a:srgbClr val="DFE2E9"/>
-                      </a:solidFill>
-                      <a:prstDash val="solid"/>
-                    </a:lnL>
-                    <a:lnR w="12700" cap="flat" cmpd="sng" algn="ctr">
-                      <a:solidFill>
-                        <a:srgbClr val="DFE2E9"/>
-                      </a:solidFill>
-                      <a:prstDash val="solid"/>
-                      <a:round/>
-                      <a:headEnd type="none" w="med" len="med"/>
-                      <a:tailEnd type="none" w="med" len="med"/>
-                    </a:lnR>
-                    <a:lnT w="28575">
-                      <a:solidFill>
-                        <a:srgbClr val="DFE2E9"/>
-                      </a:solidFill>
-                      <a:prstDash val="solid"/>
-                    </a:lnT>
-                    <a:lnB w="28575" cap="flat" cmpd="sng" algn="ctr">
-                      <a:solidFill>
-                        <a:srgbClr val="DFE2E9"/>
-                      </a:solidFill>
-                      <a:prstDash val="solid"/>
-                      <a:round/>
-                      <a:headEnd type="none" w="med" len="med"/>
-                      <a:tailEnd type="none" w="med" len="med"/>
-                    </a:lnB>
-                    <a:solidFill>
-                      <a:srgbClr val="D0D4DC"/>
-                    </a:solidFill>
-                  </a:tcPr>
-                </a:tc>
-                <a:extLst>
-                  <a:ext uri="{0D108BD9-81ED-4DB2-BD59-A6C34878D82A}">
-                    <a16:rowId xmlns:a16="http://schemas.microsoft.com/office/drawing/2014/main" val="10000"/>
-                  </a:ext>
-                </a:extLst>
-              </a:tr>
-              <a:tr h="426399">
-                <a:tc>
-                  <a:txBody>
-                    <a:bodyPr/>
-                    <a:lstStyle/>
-                    <a:p>
-                      <a:pPr algn="ctr"/>
-                      <a:r>
-                        <a:rPr lang="en-GB" sz="2000" noProof="1"/>
-                        <a:t>1</a:t>
-                      </a:r>
-                    </a:p>
-                  </a:txBody>
-                  <a:tcPr marL="91464" marR="91464" anchor="ctr">
-                    <a:lnL w="28575">
-                      <a:solidFill>
-                        <a:srgbClr val="DFE2E9"/>
-                      </a:solidFill>
-                      <a:prstDash val="solid"/>
-                    </a:lnL>
-                    <a:lnR w="12700" cap="flat" cmpd="sng" algn="ctr">
-                      <a:solidFill>
-                        <a:srgbClr val="DFE2E9"/>
-                      </a:solidFill>
-                      <a:prstDash val="solid"/>
-                      <a:round/>
-                      <a:headEnd type="none" w="med" len="med"/>
-                      <a:tailEnd type="none" w="med" len="med"/>
-                    </a:lnR>
-                    <a:lnT w="28575" cap="flat" cmpd="sng" algn="ctr">
-                      <a:solidFill>
-                        <a:srgbClr val="DFE2E9"/>
-                      </a:solidFill>
-                      <a:prstDash val="solid"/>
-                      <a:round/>
-                      <a:headEnd type="none" w="med" len="med"/>
-                      <a:tailEnd type="none" w="med" len="med"/>
-                    </a:lnT>
-                    <a:lnB w="12700">
-                      <a:solidFill>
-                        <a:srgbClr val="DFE2E9"/>
-                      </a:solidFill>
-                      <a:prstDash val="solid"/>
-                    </a:lnB>
-                  </a:tcPr>
-                </a:tc>
-                <a:tc>
-                  <a:txBody>
-                    <a:bodyPr/>
-                    <a:lstStyle/>
-                    <a:p>
-                      <a:r>
-                        <a:rPr lang="en-GB" sz="2000" dirty="0"/>
-                        <a:t>"Milk" Ltd.</a:t>
-                      </a:r>
-                    </a:p>
-                  </a:txBody>
-                  <a:tcPr marL="91464" marR="91464">
-                    <a:lnL w="12700">
-                      <a:solidFill>
-                        <a:srgbClr val="DFE2E9"/>
-                      </a:solidFill>
-                      <a:prstDash val="solid"/>
-                    </a:lnL>
-                    <a:lnR w="12700" cap="flat" cmpd="sng" algn="ctr">
-                      <a:solidFill>
-                        <a:srgbClr val="DFE2E9"/>
-                      </a:solidFill>
-                      <a:prstDash val="solid"/>
-                      <a:round/>
-                      <a:headEnd type="none" w="med" len="med"/>
-                      <a:tailEnd type="none" w="med" len="med"/>
-                    </a:lnR>
-                    <a:lnT w="28575" cap="flat" cmpd="sng" algn="ctr">
-                      <a:solidFill>
-                        <a:srgbClr val="DFE2E9"/>
-                      </a:solidFill>
-                      <a:prstDash val="solid"/>
-                      <a:round/>
-                      <a:headEnd type="none" w="med" len="med"/>
-                      <a:tailEnd type="none" w="med" len="med"/>
-                    </a:lnT>
-                    <a:lnB w="12700">
-                      <a:solidFill>
-                        <a:srgbClr val="DFE2E9"/>
-                      </a:solidFill>
-                      <a:prstDash val="solid"/>
-                    </a:lnB>
-                  </a:tcPr>
-                </a:tc>
-                <a:extLst>
-                  <a:ext uri="{0D108BD9-81ED-4DB2-BD59-A6C34878D82A}">
-                    <a16:rowId xmlns:a16="http://schemas.microsoft.com/office/drawing/2014/main" val="10001"/>
-                  </a:ext>
-                </a:extLst>
-              </a:tr>
-              <a:tr h="406166">
-                <a:tc>
-                  <a:txBody>
-                    <a:bodyPr/>
-                    <a:lstStyle/>
-                    <a:p>
-                      <a:pPr algn="ctr"/>
-                      <a:r>
-                        <a:rPr lang="en-GB" sz="2000" noProof="1"/>
-                        <a:t>2</a:t>
-                      </a:r>
-                    </a:p>
-                  </a:txBody>
-                  <a:tcPr marL="91464" marR="91464" anchor="ctr">
-                    <a:lnL w="28575">
-                      <a:solidFill>
-                        <a:srgbClr val="DFE2E9"/>
-                      </a:solidFill>
-                      <a:prstDash val="solid"/>
-                    </a:lnL>
-                    <a:lnR w="12700" cap="flat" cmpd="sng" algn="ctr">
-                      <a:solidFill>
-                        <a:srgbClr val="DFE2E9"/>
-                      </a:solidFill>
-                      <a:prstDash val="solid"/>
-                      <a:round/>
-                      <a:headEnd type="none" w="med" len="med"/>
-                      <a:tailEnd type="none" w="med" len="med"/>
-                    </a:lnR>
-                    <a:lnT w="12700">
-                      <a:solidFill>
-                        <a:srgbClr val="DFE2E9"/>
-                      </a:solidFill>
-                      <a:prstDash val="solid"/>
-                    </a:lnT>
-                    <a:lnB w="12700" cap="flat" cmpd="sng" algn="ctr">
-                      <a:solidFill>
-                        <a:srgbClr val="DFE2E9"/>
-                      </a:solidFill>
-                      <a:prstDash val="solid"/>
-                      <a:round/>
-                      <a:headEnd type="none" w="med" len="med"/>
-                      <a:tailEnd type="none" w="med" len="med"/>
-                    </a:lnB>
-                  </a:tcPr>
-                </a:tc>
-                <a:tc>
-                  <a:txBody>
-                    <a:bodyPr/>
-                    <a:lstStyle/>
-                    <a:p>
-                      <a:r>
-                        <a:rPr lang="en-GB" sz="2000" dirty="0"/>
-                        <a:t>"</a:t>
-                      </a:r>
-                      <a:r>
-                        <a:rPr lang="en-US" sz="2000" noProof="1"/>
-                        <a:t>Zagorka</a:t>
-                      </a:r>
-                      <a:r>
-                        <a:rPr lang="en-GB" sz="2000" dirty="0"/>
-                        <a:t>" AD</a:t>
-                      </a:r>
-                    </a:p>
-                  </a:txBody>
-                  <a:tcPr marL="91464" marR="91464">
-                    <a:lnL w="12700">
-                      <a:solidFill>
-                        <a:srgbClr val="DFE2E9"/>
-                      </a:solidFill>
-                      <a:prstDash val="solid"/>
-                    </a:lnL>
-                    <a:lnR w="12700" cap="flat" cmpd="sng" algn="ctr">
-                      <a:solidFill>
-                        <a:srgbClr val="DFE2E9"/>
-                      </a:solidFill>
-                      <a:prstDash val="solid"/>
-                      <a:round/>
-                      <a:headEnd type="none" w="med" len="med"/>
-                      <a:tailEnd type="none" w="med" len="med"/>
-                    </a:lnR>
-                    <a:lnT w="12700">
-                      <a:solidFill>
-                        <a:srgbClr val="DFE2E9"/>
-                      </a:solidFill>
-                      <a:prstDash val="solid"/>
-                    </a:lnT>
-                    <a:lnB w="12700" cap="flat" cmpd="sng" algn="ctr">
-                      <a:solidFill>
-                        <a:srgbClr val="DFE2E9"/>
-                      </a:solidFill>
-                      <a:prstDash val="solid"/>
-                      <a:round/>
-                      <a:headEnd type="none" w="med" len="med"/>
-                      <a:tailEnd type="none" w="med" len="med"/>
-                    </a:lnB>
-                  </a:tcPr>
-                </a:tc>
-                <a:extLst>
-                  <a:ext uri="{0D108BD9-81ED-4DB2-BD59-A6C34878D82A}">
-                    <a16:rowId xmlns:a16="http://schemas.microsoft.com/office/drawing/2014/main" val="10002"/>
-                  </a:ext>
-                </a:extLst>
-              </a:tr>
-            </a:tbl>
-          </a:graphicData>
-        </a:graphic>
-      </p:graphicFrame>
-      <p:graphicFrame>
-        <p:nvGraphicFramePr>
-          <p:cNvPr id="24" name="object 14"/>
-          <p:cNvGraphicFramePr>
-            <a:graphicFrameLocks noGrp="1"/>
-          </p:cNvGraphicFramePr>
-          <p:nvPr>
-            <p:extLst>
-              <p:ext uri="{D42A27DB-BD31-4B8C-83A1-F6EECF244321}">
-                <p14:modId xmlns:p14="http://schemas.microsoft.com/office/powerpoint/2010/main" val="1102571627"/>
-              </p:ext>
-            </p:extLst>
-          </p:nvPr>
-        </p:nvGraphicFramePr>
-        <p:xfrm>
-          <a:off x="4267200" y="5410200"/>
-          <a:ext cx="2247899" cy="1289766"/>
-        </p:xfrm>
-        <a:graphic>
-          <a:graphicData uri="http://schemas.openxmlformats.org/drawingml/2006/table">
-            <a:tbl>
-              <a:tblPr firstRow="1" bandRow="1">
-                <a:tableStyleId>{2D5ABB26-0587-4C30-8999-92F81FD0307C}</a:tableStyleId>
-              </a:tblPr>
-              <a:tblGrid>
-                <a:gridCol w="432681">
-                  <a:extLst>
-                    <a:ext uri="{9D8B030D-6E8A-4147-A177-3AD203B41FA5}">
-                      <a16:colId xmlns:a16="http://schemas.microsoft.com/office/drawing/2014/main" val="20000"/>
-                    </a:ext>
-                  </a:extLst>
-                </a:gridCol>
-                <a:gridCol w="1815218">
-                  <a:extLst>
-                    <a:ext uri="{9D8B030D-6E8A-4147-A177-3AD203B41FA5}">
-                      <a16:colId xmlns:a16="http://schemas.microsoft.com/office/drawing/2014/main" val="20001"/>
-                    </a:ext>
-                  </a:extLst>
-                </a:gridCol>
-              </a:tblGrid>
-              <a:tr h="457201">
-                <a:tc>
-                  <a:txBody>
-                    <a:bodyPr/>
-                    <a:lstStyle/>
-                    <a:p>
-                      <a:pPr algn="ctr"/>
-                      <a:r>
-                        <a:rPr lang="en-GB" sz="2000" b="1" noProof="1">
-                          <a:effectLst/>
-                          <a:latin typeface="+mj-lt"/>
-                        </a:rPr>
-                        <a:t>Id</a:t>
-                      </a:r>
-                    </a:p>
-                  </a:txBody>
-                  <a:tcPr marL="91464" marR="91464" anchor="ctr">
-                    <a:lnL w="28575">
-                      <a:solidFill>
-                        <a:srgbClr val="DFE2E9"/>
-                      </a:solidFill>
-                      <a:prstDash val="solid"/>
-                    </a:lnL>
-                    <a:lnR w="12700">
-                      <a:solidFill>
-                        <a:srgbClr val="DFE2E9"/>
-                      </a:solidFill>
-                      <a:prstDash val="solid"/>
-                    </a:lnR>
-                    <a:lnT w="28575">
-                      <a:solidFill>
-                        <a:srgbClr val="DFE2E9"/>
-                      </a:solidFill>
-                      <a:prstDash val="solid"/>
-                    </a:lnT>
-                    <a:lnB w="28575" cap="flat" cmpd="sng" algn="ctr">
-                      <a:solidFill>
-                        <a:srgbClr val="DFE2E9"/>
-                      </a:solidFill>
-                      <a:prstDash val="solid"/>
-                      <a:round/>
-                      <a:headEnd type="none" w="med" len="med"/>
-                      <a:tailEnd type="none" w="med" len="med"/>
-                    </a:lnB>
-                    <a:solidFill>
-                      <a:srgbClr val="D0D4DC"/>
-                    </a:solidFill>
-                  </a:tcPr>
-                </a:tc>
-                <a:tc>
-                  <a:txBody>
-                    <a:bodyPr/>
-                    <a:lstStyle/>
-                    <a:p>
-                      <a:pPr algn="ctr"/>
-                      <a:r>
-                        <a:rPr lang="en-GB" sz="2000" b="1" noProof="1">
-                          <a:effectLst/>
-                          <a:latin typeface="+mj-lt"/>
-                        </a:rPr>
-                        <a:t>Name</a:t>
-                      </a:r>
-                    </a:p>
-                  </a:txBody>
-                  <a:tcPr marL="91464" marR="91464" anchor="ctr">
-                    <a:lnL w="12700">
-                      <a:solidFill>
-                        <a:srgbClr val="DFE2E9"/>
-                      </a:solidFill>
-                      <a:prstDash val="solid"/>
-                    </a:lnL>
-                    <a:lnR w="12700" cap="flat" cmpd="sng" algn="ctr">
-                      <a:solidFill>
-                        <a:srgbClr val="DFE2E9"/>
-                      </a:solidFill>
-                      <a:prstDash val="solid"/>
-                      <a:round/>
-                      <a:headEnd type="none" w="med" len="med"/>
-                      <a:tailEnd type="none" w="med" len="med"/>
-                    </a:lnR>
-                    <a:lnT w="28575">
-                      <a:solidFill>
-                        <a:srgbClr val="DFE2E9"/>
-                      </a:solidFill>
-                      <a:prstDash val="solid"/>
-                    </a:lnT>
-                    <a:lnB w="28575" cap="flat" cmpd="sng" algn="ctr">
-                      <a:solidFill>
-                        <a:srgbClr val="DFE2E9"/>
-                      </a:solidFill>
-                      <a:prstDash val="solid"/>
-                      <a:round/>
-                      <a:headEnd type="none" w="med" len="med"/>
-                      <a:tailEnd type="none" w="med" len="med"/>
-                    </a:lnB>
-                    <a:solidFill>
-                      <a:srgbClr val="D0D4DC"/>
-                    </a:solidFill>
-                  </a:tcPr>
-                </a:tc>
-                <a:extLst>
-                  <a:ext uri="{0D108BD9-81ED-4DB2-BD59-A6C34878D82A}">
-                    <a16:rowId xmlns:a16="http://schemas.microsoft.com/office/drawing/2014/main" val="10000"/>
-                  </a:ext>
-                </a:extLst>
-              </a:tr>
-              <a:tr h="426399">
-                <a:tc>
-                  <a:txBody>
-                    <a:bodyPr/>
-                    <a:lstStyle/>
-                    <a:p>
-                      <a:pPr algn="ctr"/>
-                      <a:r>
-                        <a:rPr lang="en-GB" sz="2000" noProof="1"/>
-                        <a:t>1</a:t>
-                      </a:r>
-                    </a:p>
-                  </a:txBody>
-                  <a:tcPr marL="91464" marR="91464" anchor="ctr">
-                    <a:lnL w="28575">
-                      <a:solidFill>
-                        <a:srgbClr val="DFE2E9"/>
-                      </a:solidFill>
-                      <a:prstDash val="solid"/>
-                    </a:lnL>
-                    <a:lnR w="12700" cap="flat" cmpd="sng" algn="ctr">
-                      <a:solidFill>
-                        <a:srgbClr val="DFE2E9"/>
-                      </a:solidFill>
-                      <a:prstDash val="solid"/>
-                      <a:round/>
-                      <a:headEnd type="none" w="med" len="med"/>
-                      <a:tailEnd type="none" w="med" len="med"/>
-                    </a:lnR>
-                    <a:lnT w="28575" cap="flat" cmpd="sng" algn="ctr">
-                      <a:solidFill>
-                        <a:srgbClr val="DFE2E9"/>
-                      </a:solidFill>
-                      <a:prstDash val="solid"/>
-                      <a:round/>
-                      <a:headEnd type="none" w="med" len="med"/>
-                      <a:tailEnd type="none" w="med" len="med"/>
-                    </a:lnT>
-                    <a:lnB w="12700">
-                      <a:solidFill>
-                        <a:srgbClr val="DFE2E9"/>
-                      </a:solidFill>
-                      <a:prstDash val="solid"/>
-                    </a:lnB>
-                  </a:tcPr>
-                </a:tc>
-                <a:tc>
-                  <a:txBody>
-                    <a:bodyPr/>
-                    <a:lstStyle/>
-                    <a:p>
-                      <a:r>
-                        <a:rPr lang="en-GB" sz="2000" dirty="0"/>
-                        <a:t>beer</a:t>
-                      </a:r>
-                    </a:p>
-                  </a:txBody>
-                  <a:tcPr marL="91464" marR="91464">
-                    <a:lnL w="12700">
-                      <a:solidFill>
-                        <a:srgbClr val="DFE2E9"/>
-                      </a:solidFill>
-                      <a:prstDash val="solid"/>
-                    </a:lnL>
-                    <a:lnR w="12700" cap="flat" cmpd="sng" algn="ctr">
-                      <a:solidFill>
-                        <a:srgbClr val="DFE2E9"/>
-                      </a:solidFill>
-                      <a:prstDash val="solid"/>
-                      <a:round/>
-                      <a:headEnd type="none" w="med" len="med"/>
-                      <a:tailEnd type="none" w="med" len="med"/>
-                    </a:lnR>
-                    <a:lnT w="28575" cap="flat" cmpd="sng" algn="ctr">
-                      <a:solidFill>
-                        <a:srgbClr val="DFE2E9"/>
-                      </a:solidFill>
-                      <a:prstDash val="solid"/>
-                      <a:round/>
-                      <a:headEnd type="none" w="med" len="med"/>
-                      <a:tailEnd type="none" w="med" len="med"/>
-                    </a:lnT>
-                    <a:lnB w="12700">
-                      <a:solidFill>
-                        <a:srgbClr val="DFE2E9"/>
-                      </a:solidFill>
-                      <a:prstDash val="solid"/>
-                    </a:lnB>
-                  </a:tcPr>
-                </a:tc>
-                <a:extLst>
-                  <a:ext uri="{0D108BD9-81ED-4DB2-BD59-A6C34878D82A}">
-                    <a16:rowId xmlns:a16="http://schemas.microsoft.com/office/drawing/2014/main" val="10001"/>
-                  </a:ext>
-                </a:extLst>
-              </a:tr>
-              <a:tr h="406166">
-                <a:tc>
-                  <a:txBody>
-                    <a:bodyPr/>
-                    <a:lstStyle/>
-                    <a:p>
-                      <a:pPr algn="ctr"/>
-                      <a:r>
-                        <a:rPr lang="en-GB" sz="2000" noProof="1"/>
-                        <a:t>4</a:t>
-                      </a:r>
-                    </a:p>
-                  </a:txBody>
-                  <a:tcPr marL="91464" marR="91464" anchor="ctr">
-                    <a:lnL w="28575">
-                      <a:solidFill>
-                        <a:srgbClr val="DFE2E9"/>
-                      </a:solidFill>
-                      <a:prstDash val="solid"/>
-                    </a:lnL>
-                    <a:lnR w="12700" cap="flat" cmpd="sng" algn="ctr">
-                      <a:solidFill>
-                        <a:srgbClr val="DFE2E9"/>
-                      </a:solidFill>
-                      <a:prstDash val="solid"/>
-                      <a:round/>
-                      <a:headEnd type="none" w="med" len="med"/>
-                      <a:tailEnd type="none" w="med" len="med"/>
-                    </a:lnR>
-                    <a:lnT w="12700">
-                      <a:solidFill>
-                        <a:srgbClr val="DFE2E9"/>
-                      </a:solidFill>
-                      <a:prstDash val="solid"/>
-                    </a:lnT>
-                    <a:lnB w="12700" cap="flat" cmpd="sng" algn="ctr">
-                      <a:solidFill>
-                        <a:srgbClr val="DFE2E9"/>
-                      </a:solidFill>
-                      <a:prstDash val="solid"/>
-                      <a:round/>
-                      <a:headEnd type="none" w="med" len="med"/>
-                      <a:tailEnd type="none" w="med" len="med"/>
-                    </a:lnB>
-                  </a:tcPr>
-                </a:tc>
-                <a:tc>
-                  <a:txBody>
-                    <a:bodyPr/>
-                    <a:lstStyle/>
-                    <a:p>
-                      <a:r>
-                        <a:rPr lang="en-US" sz="2000" dirty="0"/>
-                        <a:t>food</a:t>
-                      </a:r>
-                      <a:endParaRPr lang="en-GB" sz="2000" dirty="0"/>
-                    </a:p>
-                  </a:txBody>
-                  <a:tcPr marL="91464" marR="91464">
-                    <a:lnL w="12700">
-                      <a:solidFill>
-                        <a:srgbClr val="DFE2E9"/>
-                      </a:solidFill>
-                      <a:prstDash val="solid"/>
-                    </a:lnL>
-                    <a:lnR w="12700" cap="flat" cmpd="sng" algn="ctr">
-                      <a:solidFill>
-                        <a:srgbClr val="DFE2E9"/>
-                      </a:solidFill>
-                      <a:prstDash val="solid"/>
-                      <a:round/>
-                      <a:headEnd type="none" w="med" len="med"/>
-                      <a:tailEnd type="none" w="med" len="med"/>
-                    </a:lnR>
-                    <a:lnT w="12700">
-                      <a:solidFill>
-                        <a:srgbClr val="DFE2E9"/>
-                      </a:solidFill>
-                      <a:prstDash val="solid"/>
-                    </a:lnT>
-                    <a:lnB w="12700" cap="flat" cmpd="sng" algn="ctr">
-                      <a:solidFill>
-                        <a:srgbClr val="DFE2E9"/>
-                      </a:solidFill>
-                      <a:prstDash val="solid"/>
-                      <a:round/>
-                      <a:headEnd type="none" w="med" len="med"/>
-                      <a:tailEnd type="none" w="med" len="med"/>
-                    </a:lnB>
-                  </a:tcPr>
-                </a:tc>
-                <a:extLst>
-                  <a:ext uri="{0D108BD9-81ED-4DB2-BD59-A6C34878D82A}">
-                    <a16:rowId xmlns:a16="http://schemas.microsoft.com/office/drawing/2014/main" val="10002"/>
-                  </a:ext>
-                </a:extLst>
-              </a:tr>
-            </a:tbl>
-          </a:graphicData>
-        </a:graphic>
-      </p:graphicFrame>
-      <p:graphicFrame>
-        <p:nvGraphicFramePr>
-          <p:cNvPr id="25" name="object 14"/>
-          <p:cNvGraphicFramePr>
-            <a:graphicFrameLocks noGrp="1"/>
-          </p:cNvGraphicFramePr>
-          <p:nvPr>
-            <p:extLst>
-              <p:ext uri="{D42A27DB-BD31-4B8C-83A1-F6EECF244321}">
-                <p14:modId xmlns:p14="http://schemas.microsoft.com/office/powerpoint/2010/main" val="1102571627"/>
-              </p:ext>
-            </p:extLst>
-          </p:nvPr>
-        </p:nvGraphicFramePr>
-        <p:xfrm>
-          <a:off x="6629400" y="5410200"/>
-          <a:ext cx="1714499" cy="1289766"/>
-        </p:xfrm>
-        <a:graphic>
-          <a:graphicData uri="http://schemas.openxmlformats.org/drawingml/2006/table">
-            <a:tbl>
-              <a:tblPr firstRow="1" bandRow="1">
-                <a:tableStyleId>{2D5ABB26-0587-4C30-8999-92F81FD0307C}</a:tableStyleId>
-              </a:tblPr>
-              <a:tblGrid>
-                <a:gridCol w="454866">
-                  <a:extLst>
-                    <a:ext uri="{9D8B030D-6E8A-4147-A177-3AD203B41FA5}">
-                      <a16:colId xmlns:a16="http://schemas.microsoft.com/office/drawing/2014/main" val="20000"/>
-                    </a:ext>
-                  </a:extLst>
-                </a:gridCol>
-                <a:gridCol w="1259633">
-                  <a:extLst>
-                    <a:ext uri="{9D8B030D-6E8A-4147-A177-3AD203B41FA5}">
-                      <a16:colId xmlns:a16="http://schemas.microsoft.com/office/drawing/2014/main" val="20001"/>
-                    </a:ext>
-                  </a:extLst>
-                </a:gridCol>
-              </a:tblGrid>
-              <a:tr h="457201">
-                <a:tc>
-                  <a:txBody>
-                    <a:bodyPr/>
-                    <a:lstStyle/>
-                    <a:p>
-                      <a:pPr algn="ctr"/>
-                      <a:r>
-                        <a:rPr lang="en-GB" sz="2000" b="1" noProof="1">
-                          <a:effectLst/>
-                          <a:latin typeface="+mj-lt"/>
-                        </a:rPr>
-                        <a:t>Id</a:t>
-                      </a:r>
-                    </a:p>
-                  </a:txBody>
-                  <a:tcPr marL="91464" marR="91464" anchor="ctr">
-                    <a:lnL w="28575">
-                      <a:solidFill>
-                        <a:srgbClr val="DFE2E9"/>
-                      </a:solidFill>
-                      <a:prstDash val="solid"/>
-                    </a:lnL>
-                    <a:lnR w="12700">
-                      <a:solidFill>
-                        <a:srgbClr val="DFE2E9"/>
-                      </a:solidFill>
-                      <a:prstDash val="solid"/>
-                    </a:lnR>
-                    <a:lnT w="28575">
-                      <a:solidFill>
-                        <a:srgbClr val="DFE2E9"/>
-                      </a:solidFill>
-                      <a:prstDash val="solid"/>
-                    </a:lnT>
-                    <a:lnB w="28575" cap="flat" cmpd="sng" algn="ctr">
-                      <a:solidFill>
-                        <a:srgbClr val="DFE2E9"/>
-                      </a:solidFill>
-                      <a:prstDash val="solid"/>
-                      <a:round/>
-                      <a:headEnd type="none" w="med" len="med"/>
-                      <a:tailEnd type="none" w="med" len="med"/>
-                    </a:lnB>
-                    <a:solidFill>
-                      <a:srgbClr val="D0D4DC"/>
-                    </a:solidFill>
-                  </a:tcPr>
-                </a:tc>
-                <a:tc>
-                  <a:txBody>
-                    <a:bodyPr/>
-                    <a:lstStyle/>
-                    <a:p>
-                      <a:pPr algn="ctr"/>
-                      <a:r>
-                        <a:rPr lang="en-GB" sz="2000" b="1" noProof="1">
-                          <a:effectLst/>
-                          <a:latin typeface="+mj-lt"/>
-                        </a:rPr>
-                        <a:t>Name</a:t>
-                      </a:r>
-                    </a:p>
-                  </a:txBody>
-                  <a:tcPr marL="91464" marR="91464" anchor="ctr">
-                    <a:lnL w="12700">
-                      <a:solidFill>
-                        <a:srgbClr val="DFE2E9"/>
-                      </a:solidFill>
-                      <a:prstDash val="solid"/>
-                    </a:lnL>
-                    <a:lnR w="12700" cap="flat" cmpd="sng" algn="ctr">
-                      <a:solidFill>
-                        <a:srgbClr val="DFE2E9"/>
-                      </a:solidFill>
-                      <a:prstDash val="solid"/>
-                      <a:round/>
-                      <a:headEnd type="none" w="med" len="med"/>
-                      <a:tailEnd type="none" w="med" len="med"/>
-                    </a:lnR>
-                    <a:lnT w="28575">
-                      <a:solidFill>
-                        <a:srgbClr val="DFE2E9"/>
-                      </a:solidFill>
-                      <a:prstDash val="solid"/>
-                    </a:lnT>
-                    <a:lnB w="28575" cap="flat" cmpd="sng" algn="ctr">
-                      <a:solidFill>
-                        <a:srgbClr val="DFE2E9"/>
-                      </a:solidFill>
-                      <a:prstDash val="solid"/>
-                      <a:round/>
-                      <a:headEnd type="none" w="med" len="med"/>
-                      <a:tailEnd type="none" w="med" len="med"/>
-                    </a:lnB>
-                    <a:solidFill>
-                      <a:srgbClr val="D0D4DC"/>
-                    </a:solidFill>
-                  </a:tcPr>
-                </a:tc>
-                <a:extLst>
-                  <a:ext uri="{0D108BD9-81ED-4DB2-BD59-A6C34878D82A}">
-                    <a16:rowId xmlns:a16="http://schemas.microsoft.com/office/drawing/2014/main" val="10000"/>
-                  </a:ext>
-                </a:extLst>
-              </a:tr>
-              <a:tr h="426399">
-                <a:tc>
-                  <a:txBody>
-                    <a:bodyPr/>
-                    <a:lstStyle/>
-                    <a:p>
-                      <a:pPr algn="ctr"/>
-                      <a:r>
-                        <a:rPr lang="en-GB" sz="2000" noProof="1"/>
-                        <a:t>1</a:t>
-                      </a:r>
-                    </a:p>
-                  </a:txBody>
-                  <a:tcPr marL="91464" marR="91464" anchor="ctr">
-                    <a:lnL w="28575">
-                      <a:solidFill>
-                        <a:srgbClr val="DFE2E9"/>
-                      </a:solidFill>
-                      <a:prstDash val="solid"/>
-                    </a:lnL>
-                    <a:lnR w="12700" cap="flat" cmpd="sng" algn="ctr">
-                      <a:solidFill>
-                        <a:srgbClr val="DFE2E9"/>
-                      </a:solidFill>
-                      <a:prstDash val="solid"/>
-                      <a:round/>
-                      <a:headEnd type="none" w="med" len="med"/>
-                      <a:tailEnd type="none" w="med" len="med"/>
-                    </a:lnR>
-                    <a:lnT w="28575" cap="flat" cmpd="sng" algn="ctr">
-                      <a:solidFill>
-                        <a:srgbClr val="DFE2E9"/>
-                      </a:solidFill>
-                      <a:prstDash val="solid"/>
-                      <a:round/>
-                      <a:headEnd type="none" w="med" len="med"/>
-                      <a:tailEnd type="none" w="med" len="med"/>
-                    </a:lnT>
-                    <a:lnB w="12700">
-                      <a:solidFill>
-                        <a:srgbClr val="DFE2E9"/>
-                      </a:solidFill>
-                      <a:prstDash val="solid"/>
-                    </a:lnB>
-                  </a:tcPr>
-                </a:tc>
-                <a:tc>
-                  <a:txBody>
-                    <a:bodyPr/>
-                    <a:lstStyle/>
-                    <a:p>
-                      <a:r>
-                        <a:rPr lang="en-GB" sz="2000" dirty="0" err="1"/>
-                        <a:t>Billa</a:t>
-                      </a:r>
-                      <a:endParaRPr lang="en-GB" sz="2000" dirty="0"/>
-                    </a:p>
-                  </a:txBody>
-                  <a:tcPr marL="91464" marR="91464">
-                    <a:lnL w="12700">
-                      <a:solidFill>
-                        <a:srgbClr val="DFE2E9"/>
-                      </a:solidFill>
-                      <a:prstDash val="solid"/>
-                    </a:lnL>
-                    <a:lnR w="12700" cap="flat" cmpd="sng" algn="ctr">
-                      <a:solidFill>
-                        <a:srgbClr val="DFE2E9"/>
-                      </a:solidFill>
-                      <a:prstDash val="solid"/>
-                      <a:round/>
-                      <a:headEnd type="none" w="med" len="med"/>
-                      <a:tailEnd type="none" w="med" len="med"/>
-                    </a:lnR>
-                    <a:lnT w="28575" cap="flat" cmpd="sng" algn="ctr">
-                      <a:solidFill>
-                        <a:srgbClr val="DFE2E9"/>
-                      </a:solidFill>
-                      <a:prstDash val="solid"/>
-                      <a:round/>
-                      <a:headEnd type="none" w="med" len="med"/>
-                      <a:tailEnd type="none" w="med" len="med"/>
-                    </a:lnT>
-                    <a:lnB w="12700">
-                      <a:solidFill>
-                        <a:srgbClr val="DFE2E9"/>
-                      </a:solidFill>
-                      <a:prstDash val="solid"/>
-                    </a:lnB>
-                  </a:tcPr>
-                </a:tc>
-                <a:extLst>
-                  <a:ext uri="{0D108BD9-81ED-4DB2-BD59-A6C34878D82A}">
-                    <a16:rowId xmlns:a16="http://schemas.microsoft.com/office/drawing/2014/main" val="10001"/>
-                  </a:ext>
-                </a:extLst>
-              </a:tr>
-              <a:tr h="406166">
-                <a:tc>
-                  <a:txBody>
-                    <a:bodyPr/>
-                    <a:lstStyle/>
-                    <a:p>
-                      <a:pPr algn="ctr"/>
-                      <a:r>
-                        <a:rPr lang="en-GB" sz="2000" noProof="1"/>
-                        <a:t>4</a:t>
-                      </a:r>
-                    </a:p>
-                  </a:txBody>
-                  <a:tcPr marL="91464" marR="91464" anchor="ctr">
-                    <a:lnL w="28575">
-                      <a:solidFill>
-                        <a:srgbClr val="DFE2E9"/>
-                      </a:solidFill>
-                      <a:prstDash val="solid"/>
-                    </a:lnL>
-                    <a:lnR w="12700" cap="flat" cmpd="sng" algn="ctr">
-                      <a:solidFill>
-                        <a:srgbClr val="DFE2E9"/>
-                      </a:solidFill>
-                      <a:prstDash val="solid"/>
-                      <a:round/>
-                      <a:headEnd type="none" w="med" len="med"/>
-                      <a:tailEnd type="none" w="med" len="med"/>
-                    </a:lnR>
-                    <a:lnT w="12700">
-                      <a:solidFill>
-                        <a:srgbClr val="DFE2E9"/>
-                      </a:solidFill>
-                      <a:prstDash val="solid"/>
-                    </a:lnT>
-                    <a:lnB w="12700" cap="flat" cmpd="sng" algn="ctr">
-                      <a:solidFill>
-                        <a:srgbClr val="DFE2E9"/>
-                      </a:solidFill>
-                      <a:prstDash val="solid"/>
-                      <a:round/>
-                      <a:headEnd type="none" w="med" len="med"/>
-                      <a:tailEnd type="none" w="med" len="med"/>
-                    </a:lnB>
-                  </a:tcPr>
-                </a:tc>
-                <a:tc>
-                  <a:txBody>
-                    <a:bodyPr/>
-                    <a:lstStyle/>
-                    <a:p>
-                      <a:r>
-                        <a:rPr lang="en-US" sz="2000" dirty="0"/>
-                        <a:t>METRO</a:t>
-                      </a:r>
-                      <a:endParaRPr lang="en-GB" sz="2000" dirty="0"/>
-                    </a:p>
-                  </a:txBody>
-                  <a:tcPr marL="91464" marR="91464">
-                    <a:lnL w="12700">
-                      <a:solidFill>
-                        <a:srgbClr val="DFE2E9"/>
-                      </a:solidFill>
-                      <a:prstDash val="solid"/>
-                    </a:lnL>
-                    <a:lnR w="12700" cap="flat" cmpd="sng" algn="ctr">
-                      <a:solidFill>
-                        <a:srgbClr val="DFE2E9"/>
-                      </a:solidFill>
-                      <a:prstDash val="solid"/>
-                      <a:round/>
-                      <a:headEnd type="none" w="med" len="med"/>
-                      <a:tailEnd type="none" w="med" len="med"/>
-                    </a:lnR>
-                    <a:lnT w="12700">
-                      <a:solidFill>
-                        <a:srgbClr val="DFE2E9"/>
-                      </a:solidFill>
-                      <a:prstDash val="solid"/>
-                    </a:lnT>
-                    <a:lnB w="12700" cap="flat" cmpd="sng" algn="ctr">
-                      <a:solidFill>
-                        <a:srgbClr val="DFE2E9"/>
-                      </a:solidFill>
-                      <a:prstDash val="solid"/>
-                      <a:round/>
-                      <a:headEnd type="none" w="med" len="med"/>
-                      <a:tailEnd type="none" w="med" len="med"/>
-                    </a:lnB>
-                  </a:tcPr>
-                </a:tc>
-                <a:extLst>
-                  <a:ext uri="{0D108BD9-81ED-4DB2-BD59-A6C34878D82A}">
-                    <a16:rowId xmlns:a16="http://schemas.microsoft.com/office/drawing/2014/main" val="10002"/>
-                  </a:ext>
-                </a:extLst>
-              </a:tr>
-            </a:tbl>
-          </a:graphicData>
-        </a:graphic>
-      </p:graphicFrame>
-      <p:graphicFrame>
-        <p:nvGraphicFramePr>
-          <p:cNvPr id="26" name="object 14"/>
-          <p:cNvGraphicFramePr>
-            <a:graphicFrameLocks noGrp="1"/>
-          </p:cNvGraphicFramePr>
-          <p:nvPr>
-            <p:extLst>
-              <p:ext uri="{D42A27DB-BD31-4B8C-83A1-F6EECF244321}">
-                <p14:modId xmlns:p14="http://schemas.microsoft.com/office/powerpoint/2010/main" val="1102571627"/>
-              </p:ext>
-            </p:extLst>
-          </p:nvPr>
-        </p:nvGraphicFramePr>
-        <p:xfrm>
-          <a:off x="8458200" y="5410200"/>
-          <a:ext cx="1714499" cy="1289766"/>
-        </p:xfrm>
-        <a:graphic>
-          <a:graphicData uri="http://schemas.openxmlformats.org/drawingml/2006/table">
-            <a:tbl>
-              <a:tblPr firstRow="1" bandRow="1">
-                <a:tableStyleId>{2D5ABB26-0587-4C30-8999-92F81FD0307C}</a:tableStyleId>
-              </a:tblPr>
-              <a:tblGrid>
-                <a:gridCol w="454866">
-                  <a:extLst>
-                    <a:ext uri="{9D8B030D-6E8A-4147-A177-3AD203B41FA5}">
-                      <a16:colId xmlns:a16="http://schemas.microsoft.com/office/drawing/2014/main" val="20000"/>
-                    </a:ext>
-                  </a:extLst>
-                </a:gridCol>
-                <a:gridCol w="1259633">
-                  <a:extLst>
-                    <a:ext uri="{9D8B030D-6E8A-4147-A177-3AD203B41FA5}">
-                      <a16:colId xmlns:a16="http://schemas.microsoft.com/office/drawing/2014/main" val="20001"/>
-                    </a:ext>
-                  </a:extLst>
-                </a:gridCol>
-              </a:tblGrid>
-              <a:tr h="457201">
-                <a:tc>
-                  <a:txBody>
-                    <a:bodyPr/>
-                    <a:lstStyle/>
-                    <a:p>
-                      <a:pPr algn="ctr"/>
-                      <a:r>
-                        <a:rPr lang="en-GB" sz="2000" b="1" noProof="1">
-                          <a:effectLst/>
-                          <a:latin typeface="+mj-lt"/>
-                        </a:rPr>
-                        <a:t>Id</a:t>
-                      </a:r>
-                    </a:p>
-                  </a:txBody>
-                  <a:tcPr marL="91464" marR="91464" anchor="ctr">
-                    <a:lnL w="28575">
-                      <a:solidFill>
-                        <a:srgbClr val="DFE2E9"/>
-                      </a:solidFill>
-                      <a:prstDash val="solid"/>
-                    </a:lnL>
-                    <a:lnR w="12700">
-                      <a:solidFill>
-                        <a:srgbClr val="DFE2E9"/>
-                      </a:solidFill>
-                      <a:prstDash val="solid"/>
-                    </a:lnR>
-                    <a:lnT w="28575">
-                      <a:solidFill>
-                        <a:srgbClr val="DFE2E9"/>
-                      </a:solidFill>
-                      <a:prstDash val="solid"/>
-                    </a:lnT>
-                    <a:lnB w="28575" cap="flat" cmpd="sng" algn="ctr">
-                      <a:solidFill>
-                        <a:srgbClr val="DFE2E9"/>
-                      </a:solidFill>
-                      <a:prstDash val="solid"/>
-                      <a:round/>
-                      <a:headEnd type="none" w="med" len="med"/>
-                      <a:tailEnd type="none" w="med" len="med"/>
-                    </a:lnB>
-                    <a:solidFill>
-                      <a:srgbClr val="D0D4DC"/>
-                    </a:solidFill>
-                  </a:tcPr>
-                </a:tc>
-                <a:tc>
-                  <a:txBody>
-                    <a:bodyPr/>
-                    <a:lstStyle/>
-                    <a:p>
-                      <a:pPr algn="ctr"/>
-                      <a:r>
-                        <a:rPr lang="en-GB" sz="2000" b="1" noProof="1">
-                          <a:effectLst/>
-                          <a:latin typeface="+mj-lt"/>
-                        </a:rPr>
-                        <a:t>Name</a:t>
-                      </a:r>
-                    </a:p>
-                  </a:txBody>
-                  <a:tcPr marL="91464" marR="91464" anchor="ctr">
-                    <a:lnL w="12700">
-                      <a:solidFill>
-                        <a:srgbClr val="DFE2E9"/>
-                      </a:solidFill>
-                      <a:prstDash val="solid"/>
-                    </a:lnL>
-                    <a:lnR w="12700" cap="flat" cmpd="sng" algn="ctr">
-                      <a:solidFill>
-                        <a:srgbClr val="DFE2E9"/>
-                      </a:solidFill>
-                      <a:prstDash val="solid"/>
-                      <a:round/>
-                      <a:headEnd type="none" w="med" len="med"/>
-                      <a:tailEnd type="none" w="med" len="med"/>
-                    </a:lnR>
-                    <a:lnT w="28575">
-                      <a:solidFill>
-                        <a:srgbClr val="DFE2E9"/>
-                      </a:solidFill>
-                      <a:prstDash val="solid"/>
-                    </a:lnT>
-                    <a:lnB w="28575" cap="flat" cmpd="sng" algn="ctr">
-                      <a:solidFill>
-                        <a:srgbClr val="DFE2E9"/>
-                      </a:solidFill>
-                      <a:prstDash val="solid"/>
-                      <a:round/>
-                      <a:headEnd type="none" w="med" len="med"/>
-                      <a:tailEnd type="none" w="med" len="med"/>
-                    </a:lnB>
-                    <a:solidFill>
-                      <a:srgbClr val="D0D4DC"/>
-                    </a:solidFill>
-                  </a:tcPr>
-                </a:tc>
-                <a:extLst>
-                  <a:ext uri="{0D108BD9-81ED-4DB2-BD59-A6C34878D82A}">
-                    <a16:rowId xmlns:a16="http://schemas.microsoft.com/office/drawing/2014/main" val="10000"/>
-                  </a:ext>
-                </a:extLst>
-              </a:tr>
-              <a:tr h="426399">
-                <a:tc>
-                  <a:txBody>
-                    <a:bodyPr/>
-                    <a:lstStyle/>
-                    <a:p>
-                      <a:pPr algn="ctr"/>
-                      <a:r>
-                        <a:rPr lang="en-GB" sz="2000" noProof="1"/>
-                        <a:t>1</a:t>
-                      </a:r>
-                    </a:p>
-                  </a:txBody>
-                  <a:tcPr marL="91464" marR="91464" anchor="ctr">
-                    <a:lnL w="28575">
-                      <a:solidFill>
-                        <a:srgbClr val="DFE2E9"/>
-                      </a:solidFill>
-                      <a:prstDash val="solid"/>
-                    </a:lnL>
-                    <a:lnR w="12700" cap="flat" cmpd="sng" algn="ctr">
-                      <a:solidFill>
-                        <a:srgbClr val="DFE2E9"/>
-                      </a:solidFill>
-                      <a:prstDash val="solid"/>
-                      <a:round/>
-                      <a:headEnd type="none" w="med" len="med"/>
-                      <a:tailEnd type="none" w="med" len="med"/>
-                    </a:lnR>
-                    <a:lnT w="28575" cap="flat" cmpd="sng" algn="ctr">
-                      <a:solidFill>
-                        <a:srgbClr val="DFE2E9"/>
-                      </a:solidFill>
-                      <a:prstDash val="solid"/>
-                      <a:round/>
-                      <a:headEnd type="none" w="med" len="med"/>
-                      <a:tailEnd type="none" w="med" len="med"/>
-                    </a:lnT>
-                    <a:lnB w="12700">
-                      <a:solidFill>
-                        <a:srgbClr val="DFE2E9"/>
-                      </a:solidFill>
-                      <a:prstDash val="solid"/>
-                    </a:lnB>
-                  </a:tcPr>
-                </a:tc>
-                <a:tc>
-                  <a:txBody>
-                    <a:bodyPr/>
-                    <a:lstStyle/>
-                    <a:p>
-                      <a:r>
-                        <a:rPr lang="en-GB" sz="2000" dirty="0" err="1"/>
-                        <a:t>Billa</a:t>
-                      </a:r>
-                      <a:endParaRPr lang="en-GB" sz="2000" dirty="0"/>
-                    </a:p>
-                  </a:txBody>
-                  <a:tcPr marL="91464" marR="91464">
-                    <a:lnL w="12700">
-                      <a:solidFill>
-                        <a:srgbClr val="DFE2E9"/>
-                      </a:solidFill>
-                      <a:prstDash val="solid"/>
-                    </a:lnL>
-                    <a:lnR w="12700" cap="flat" cmpd="sng" algn="ctr">
-                      <a:solidFill>
-                        <a:srgbClr val="DFE2E9"/>
-                      </a:solidFill>
-                      <a:prstDash val="solid"/>
-                      <a:round/>
-                      <a:headEnd type="none" w="med" len="med"/>
-                      <a:tailEnd type="none" w="med" len="med"/>
-                    </a:lnR>
-                    <a:lnT w="28575" cap="flat" cmpd="sng" algn="ctr">
-                      <a:solidFill>
-                        <a:srgbClr val="DFE2E9"/>
-                      </a:solidFill>
-                      <a:prstDash val="solid"/>
-                      <a:round/>
-                      <a:headEnd type="none" w="med" len="med"/>
-                      <a:tailEnd type="none" w="med" len="med"/>
-                    </a:lnT>
-                    <a:lnB w="12700">
-                      <a:solidFill>
-                        <a:srgbClr val="DFE2E9"/>
-                      </a:solidFill>
-                      <a:prstDash val="solid"/>
-                    </a:lnB>
-                  </a:tcPr>
-                </a:tc>
-                <a:extLst>
-                  <a:ext uri="{0D108BD9-81ED-4DB2-BD59-A6C34878D82A}">
-                    <a16:rowId xmlns:a16="http://schemas.microsoft.com/office/drawing/2014/main" val="10001"/>
-                  </a:ext>
-                </a:extLst>
-              </a:tr>
-              <a:tr h="406166">
-                <a:tc>
-                  <a:txBody>
-                    <a:bodyPr/>
-                    <a:lstStyle/>
-                    <a:p>
-                      <a:pPr algn="ctr"/>
-                      <a:r>
-                        <a:rPr lang="en-GB" sz="2000" noProof="1"/>
-                        <a:t>3</a:t>
-                      </a:r>
-                    </a:p>
-                  </a:txBody>
-                  <a:tcPr marL="91464" marR="91464" anchor="ctr">
-                    <a:lnL w="28575">
-                      <a:solidFill>
-                        <a:srgbClr val="DFE2E9"/>
-                      </a:solidFill>
-                      <a:prstDash val="solid"/>
-                    </a:lnL>
-                    <a:lnR w="12700" cap="flat" cmpd="sng" algn="ctr">
-                      <a:solidFill>
-                        <a:srgbClr val="DFE2E9"/>
-                      </a:solidFill>
-                      <a:prstDash val="solid"/>
-                      <a:round/>
-                      <a:headEnd type="none" w="med" len="med"/>
-                      <a:tailEnd type="none" w="med" len="med"/>
-                    </a:lnR>
-                    <a:lnT w="12700">
-                      <a:solidFill>
-                        <a:srgbClr val="DFE2E9"/>
-                      </a:solidFill>
-                      <a:prstDash val="solid"/>
-                    </a:lnT>
-                    <a:lnB w="12700" cap="flat" cmpd="sng" algn="ctr">
-                      <a:solidFill>
-                        <a:srgbClr val="DFE2E9"/>
-                      </a:solidFill>
-                      <a:prstDash val="solid"/>
-                      <a:round/>
-                      <a:headEnd type="none" w="med" len="med"/>
-                      <a:tailEnd type="none" w="med" len="med"/>
-                    </a:lnB>
-                  </a:tcPr>
-                </a:tc>
-                <a:tc>
-                  <a:txBody>
-                    <a:bodyPr/>
-                    <a:lstStyle/>
-                    <a:p>
-                      <a:r>
-                        <a:rPr lang="en-US" sz="2000" dirty="0"/>
-                        <a:t>Sofia</a:t>
-                      </a:r>
-                      <a:endParaRPr lang="en-GB" sz="2000" dirty="0"/>
-                    </a:p>
-                  </a:txBody>
-                  <a:tcPr marL="91464" marR="91464">
-                    <a:lnL w="12700">
-                      <a:solidFill>
-                        <a:srgbClr val="DFE2E9"/>
-                      </a:solidFill>
-                      <a:prstDash val="solid"/>
-                    </a:lnL>
-                    <a:lnR w="12700" cap="flat" cmpd="sng" algn="ctr">
-                      <a:solidFill>
-                        <a:srgbClr val="DFE2E9"/>
-                      </a:solidFill>
-                      <a:prstDash val="solid"/>
-                      <a:round/>
-                      <a:headEnd type="none" w="med" len="med"/>
-                      <a:tailEnd type="none" w="med" len="med"/>
-                    </a:lnR>
-                    <a:lnT w="12700">
-                      <a:solidFill>
-                        <a:srgbClr val="DFE2E9"/>
-                      </a:solidFill>
-                      <a:prstDash val="solid"/>
-                    </a:lnT>
-                    <a:lnB w="12700" cap="flat" cmpd="sng" algn="ctr">
-                      <a:solidFill>
-                        <a:srgbClr val="DFE2E9"/>
-                      </a:solidFill>
-                      <a:prstDash val="solid"/>
-                      <a:round/>
-                      <a:headEnd type="none" w="med" len="med"/>
-                      <a:tailEnd type="none" w="med" len="med"/>
-                    </a:lnB>
-                  </a:tcPr>
-                </a:tc>
-                <a:extLst>
-                  <a:ext uri="{0D108BD9-81ED-4DB2-BD59-A6C34878D82A}">
-                    <a16:rowId xmlns:a16="http://schemas.microsoft.com/office/drawing/2014/main" val="10002"/>
-                  </a:ext>
-                </a:extLst>
-              </a:tr>
-            </a:tbl>
-          </a:graphicData>
-        </a:graphic>
-      </p:graphicFrame>
-      <p:sp>
-        <p:nvSpPr>
-          <p:cNvPr id="2" name="Slide Number">
-            <a:extLst>
-              <a:ext uri="{FF2B5EF4-FFF2-40B4-BE49-F238E27FC236}">
-                <a16:creationId xmlns:a16="http://schemas.microsoft.com/office/drawing/2014/main" id="{40BD9DD8-4655-2DE6-D33D-720A749F0153}"/>
-              </a:ext>
-            </a:extLst>
-          </p:cNvPr>
-          <p:cNvSpPr>
-            <a:spLocks noGrp="1"/>
-          </p:cNvSpPr>
-          <p:nvPr>
-            <p:ph type="sldNum" sz="quarter" idx="5"/>
-          </p:nvPr>
-        </p:nvSpPr>
-        <p:spPr>
-          <a:xfrm>
-            <a:off x="11753030" y="6507000"/>
-            <a:ext cx="367414" cy="297000"/>
-          </a:xfrm>
-          <a:prstGeom prst="rect">
-            <a:avLst/>
-          </a:prstGeom>
-        </p:spPr>
-        <p:txBody>
-          <a:bodyPr vert="horz" lIns="91440" tIns="45720" rIns="91440" bIns="45720" rtlCol="0" anchor="b"/>
-          <a:lstStyle>
-            <a:lvl1pPr algn="r">
-              <a:defRPr sz="1000"/>
-            </a:lvl1pPr>
-          </a:lstStyle>
-          <a:p>
-            <a:fld id="{2BF067CD-8E6B-4360-9AA8-C5DF2A48A6D1}" type="slidenum">
-              <a:rPr lang="en-US" noProof="0" smtClean="0"/>
-              <a:pPr/>
-              <a:t>28</a:t>
-            </a:fld>
-            <a:endParaRPr lang="en-US" noProof="0" dirty="0"/>
-          </a:p>
-        </p:txBody>
-      </p:sp>
-    </p:spTree>
-    <p:extLst>
-      <p:ext uri="{BB962C8B-B14F-4D97-AF65-F5344CB8AC3E}">
-        <p14:creationId xmlns:p14="http://schemas.microsoft.com/office/powerpoint/2010/main" val="1407724822"/>
-      </p:ext>
-    </p:extLst>
-  </p:cSld>
-  <p:clrMapOvr>
-    <a:masterClrMapping/>
-  </p:clrMapOvr>
-  <p:transition/>
-  <p:timing>
-    <p:tnLst>
-      <p:par>
-        <p:cTn id="1" dur="indefinite" restart="never" nodeType="tmRoot">
-          <p:childTnLst>
-            <p:seq concurrent="1" nextAc="seek">
-              <p:cTn id="2" dur="indefinite" nodeType="mainSeq">
-                <p:childTnLst>
-                  <p:par>
-                    <p:cTn id="3" fill="hold">
-                      <p:stCondLst>
-                        <p:cond delay="indefinite"/>
-                      </p:stCondLst>
-                      <p:childTnLst>
-                        <p:par>
-                          <p:cTn id="4" fill="hold">
-                            <p:stCondLst>
-                              <p:cond delay="0"/>
-                            </p:stCondLst>
-                            <p:childTnLst>
-                              <p:par>
-                                <p:cTn id="5" presetID="1" presetClass="entr" presetSubtype="0" fill="hold" grpId="0" nodeType="clickEffect">
-                                  <p:stCondLst>
-                                    <p:cond delay="0"/>
-                                  </p:stCondLst>
-                                  <p:childTnLst>
-                                    <p:set>
-                                      <p:cBhvr>
-                                        <p:cTn id="6" dur="1" fill="hold">
-                                          <p:stCondLst>
-                                            <p:cond delay="0"/>
-                                          </p:stCondLst>
-                                        </p:cTn>
-                                        <p:tgtEl>
-                                          <p:spTgt spid="497774"/>
-                                        </p:tgtEl>
-                                        <p:attrNameLst>
-                                          <p:attrName>style.visibility</p:attrName>
-                                        </p:attrNameLst>
-                                      </p:cBhvr>
-                                      <p:to>
-                                        <p:strVal val="visible"/>
-                                      </p:to>
-                                    </p:set>
-                                  </p:childTnLst>
-                                </p:cTn>
-                              </p:par>
-                              <p:par>
-                                <p:cTn id="7" presetID="1" presetClass="entr" presetSubtype="0" fill="hold" nodeType="withEffect">
-                                  <p:stCondLst>
-                                    <p:cond delay="0"/>
-                                  </p:stCondLst>
-                                  <p:childTnLst>
-                                    <p:set>
-                                      <p:cBhvr>
-                                        <p:cTn id="8" dur="1" fill="hold">
-                                          <p:stCondLst>
-                                            <p:cond delay="0"/>
-                                          </p:stCondLst>
-                                        </p:cTn>
-                                        <p:tgtEl>
-                                          <p:spTgt spid="19"/>
-                                        </p:tgtEl>
-                                        <p:attrNameLst>
-                                          <p:attrName>style.visibility</p:attrName>
-                                        </p:attrNameLst>
-                                      </p:cBhvr>
-                                      <p:to>
-                                        <p:strVal val="visible"/>
-                                      </p:to>
-                                    </p:set>
-                                  </p:childTnLst>
-                                </p:cTn>
-                              </p:par>
-                            </p:childTnLst>
-                          </p:cTn>
-                        </p:par>
-                      </p:childTnLst>
-                    </p:cTn>
-                  </p:par>
-                  <p:par>
-                    <p:cTn id="9" fill="hold">
-                      <p:stCondLst>
-                        <p:cond delay="indefinite"/>
-                      </p:stCondLst>
-                      <p:childTnLst>
-                        <p:par>
-                          <p:cTn id="10" fill="hold">
-                            <p:stCondLst>
-                              <p:cond delay="0"/>
-                            </p:stCondLst>
-                            <p:childTnLst>
-                              <p:par>
-                                <p:cTn id="11" presetID="1" presetClass="entr" presetSubtype="0" fill="hold" grpId="0" nodeType="clickEffect">
-                                  <p:stCondLst>
-                                    <p:cond delay="0"/>
-                                  </p:stCondLst>
-                                  <p:childTnLst>
-                                    <p:set>
-                                      <p:cBhvr>
-                                        <p:cTn id="12" dur="1" fill="hold">
-                                          <p:stCondLst>
-                                            <p:cond delay="0"/>
-                                          </p:stCondLst>
-                                        </p:cTn>
-                                        <p:tgtEl>
-                                          <p:spTgt spid="497779"/>
-                                        </p:tgtEl>
-                                        <p:attrNameLst>
-                                          <p:attrName>style.visibility</p:attrName>
-                                        </p:attrNameLst>
-                                      </p:cBhvr>
-                                      <p:to>
-                                        <p:strVal val="visible"/>
-                                      </p:to>
-                                    </p:set>
-                                  </p:childTnLst>
-                                </p:cTn>
-                              </p:par>
-                              <p:par>
-                                <p:cTn id="13" presetID="1" presetClass="entr" presetSubtype="0" fill="hold" grpId="0" nodeType="withEffect">
-                                  <p:stCondLst>
-                                    <p:cond delay="0"/>
-                                  </p:stCondLst>
-                                  <p:childTnLst>
-                                    <p:set>
-                                      <p:cBhvr>
-                                        <p:cTn id="14" dur="1" fill="hold">
-                                          <p:stCondLst>
-                                            <p:cond delay="0"/>
-                                          </p:stCondLst>
-                                        </p:cTn>
-                                        <p:tgtEl>
-                                          <p:spTgt spid="497780"/>
-                                        </p:tgtEl>
-                                        <p:attrNameLst>
-                                          <p:attrName>style.visibility</p:attrName>
-                                        </p:attrNameLst>
-                                      </p:cBhvr>
-                                      <p:to>
-                                        <p:strVal val="visible"/>
-                                      </p:to>
-                                    </p:set>
-                                  </p:childTnLst>
-                                </p:cTn>
-                              </p:par>
-                              <p:par>
-                                <p:cTn id="15" presetID="1" presetClass="entr" presetSubtype="0" fill="hold" grpId="0" nodeType="withEffect">
-                                  <p:stCondLst>
-                                    <p:cond delay="0"/>
-                                  </p:stCondLst>
-                                  <p:childTnLst>
-                                    <p:set>
-                                      <p:cBhvr>
-                                        <p:cTn id="16" dur="1" fill="hold">
-                                          <p:stCondLst>
-                                            <p:cond delay="0"/>
-                                          </p:stCondLst>
-                                        </p:cTn>
-                                        <p:tgtEl>
-                                          <p:spTgt spid="497781"/>
-                                        </p:tgtEl>
-                                        <p:attrNameLst>
-                                          <p:attrName>style.visibility</p:attrName>
-                                        </p:attrNameLst>
-                                      </p:cBhvr>
-                                      <p:to>
-                                        <p:strVal val="visible"/>
-                                      </p:to>
-                                    </p:set>
-                                  </p:childTnLst>
-                                </p:cTn>
-                              </p:par>
-                              <p:par>
-                                <p:cTn id="17" presetID="1" presetClass="entr" presetSubtype="0" fill="hold" grpId="0" nodeType="withEffect">
-                                  <p:stCondLst>
-                                    <p:cond delay="0"/>
-                                  </p:stCondLst>
-                                  <p:childTnLst>
-                                    <p:set>
-                                      <p:cBhvr>
-                                        <p:cTn id="18" dur="1" fill="hold">
-                                          <p:stCondLst>
-                                            <p:cond delay="0"/>
-                                          </p:stCondLst>
-                                        </p:cTn>
-                                        <p:tgtEl>
-                                          <p:spTgt spid="497782"/>
-                                        </p:tgtEl>
-                                        <p:attrNameLst>
-                                          <p:attrName>style.visibility</p:attrName>
-                                        </p:attrNameLst>
-                                      </p:cBhvr>
-                                      <p:to>
-                                        <p:strVal val="visible"/>
-                                      </p:to>
-                                    </p:set>
-                                  </p:childTnLst>
-                                </p:cTn>
-                              </p:par>
-                            </p:childTnLst>
-                          </p:cTn>
-                        </p:par>
-                      </p:childTnLst>
-                    </p:cTn>
-                  </p:par>
-                  <p:par>
-                    <p:cTn id="19" fill="hold">
-                      <p:stCondLst>
-                        <p:cond delay="indefinite"/>
-                      </p:stCondLst>
-                      <p:childTnLst>
-                        <p:par>
-                          <p:cTn id="20" fill="hold">
-                            <p:stCondLst>
-                              <p:cond delay="0"/>
-                            </p:stCondLst>
-                            <p:childTnLst>
-                              <p:par>
-                                <p:cTn id="21" presetID="1" presetClass="entr" presetSubtype="0" fill="hold" grpId="0" nodeType="clickEffect">
-                                  <p:stCondLst>
-                                    <p:cond delay="0"/>
-                                  </p:stCondLst>
-                                  <p:childTnLst>
-                                    <p:set>
-                                      <p:cBhvr>
-                                        <p:cTn id="22" dur="1" fill="hold">
-                                          <p:stCondLst>
-                                            <p:cond delay="0"/>
-                                          </p:stCondLst>
-                                        </p:cTn>
-                                        <p:tgtEl>
-                                          <p:spTgt spid="497775"/>
-                                        </p:tgtEl>
-                                        <p:attrNameLst>
-                                          <p:attrName>style.visibility</p:attrName>
-                                        </p:attrNameLst>
-                                      </p:cBhvr>
-                                      <p:to>
-                                        <p:strVal val="visible"/>
-                                      </p:to>
-                                    </p:set>
-                                  </p:childTnLst>
-                                </p:cTn>
-                              </p:par>
-                              <p:par>
-                                <p:cTn id="23" presetID="1" presetClass="entr" presetSubtype="0" fill="hold" grpId="0" nodeType="withEffect">
-                                  <p:stCondLst>
-                                    <p:cond delay="0"/>
-                                  </p:stCondLst>
-                                  <p:childTnLst>
-                                    <p:set>
-                                      <p:cBhvr>
-                                        <p:cTn id="24" dur="1" fill="hold">
-                                          <p:stCondLst>
-                                            <p:cond delay="0"/>
-                                          </p:stCondLst>
-                                        </p:cTn>
-                                        <p:tgtEl>
-                                          <p:spTgt spid="497776"/>
-                                        </p:tgtEl>
-                                        <p:attrNameLst>
-                                          <p:attrName>style.visibility</p:attrName>
-                                        </p:attrNameLst>
-                                      </p:cBhvr>
-                                      <p:to>
-                                        <p:strVal val="visible"/>
-                                      </p:to>
-                                    </p:set>
-                                  </p:childTnLst>
-                                </p:cTn>
-                              </p:par>
-                              <p:par>
-                                <p:cTn id="25" presetID="1" presetClass="entr" presetSubtype="0" fill="hold" grpId="0" nodeType="withEffect">
-                                  <p:stCondLst>
-                                    <p:cond delay="0"/>
-                                  </p:stCondLst>
-                                  <p:childTnLst>
-                                    <p:set>
-                                      <p:cBhvr>
-                                        <p:cTn id="26" dur="1" fill="hold">
-                                          <p:stCondLst>
-                                            <p:cond delay="0"/>
-                                          </p:stCondLst>
-                                        </p:cTn>
-                                        <p:tgtEl>
-                                          <p:spTgt spid="497777"/>
-                                        </p:tgtEl>
-                                        <p:attrNameLst>
-                                          <p:attrName>style.visibility</p:attrName>
-                                        </p:attrNameLst>
-                                      </p:cBhvr>
-                                      <p:to>
-                                        <p:strVal val="visible"/>
-                                      </p:to>
-                                    </p:set>
-                                  </p:childTnLst>
-                                </p:cTn>
-                              </p:par>
-                              <p:par>
-                                <p:cTn id="27" presetID="1" presetClass="entr" presetSubtype="0" fill="hold" grpId="0" nodeType="withEffect">
-                                  <p:stCondLst>
-                                    <p:cond delay="0"/>
-                                  </p:stCondLst>
-                                  <p:childTnLst>
-                                    <p:set>
-                                      <p:cBhvr>
-                                        <p:cTn id="28" dur="1" fill="hold">
-                                          <p:stCondLst>
-                                            <p:cond delay="0"/>
-                                          </p:stCondLst>
-                                        </p:cTn>
-                                        <p:tgtEl>
-                                          <p:spTgt spid="497778"/>
-                                        </p:tgtEl>
-                                        <p:attrNameLst>
-                                          <p:attrName>style.visibility</p:attrName>
-                                        </p:attrNameLst>
-                                      </p:cBhvr>
-                                      <p:to>
-                                        <p:strVal val="visible"/>
-                                      </p:to>
-                                    </p:set>
-                                  </p:childTnLst>
-                                </p:cTn>
-                              </p:par>
-                              <p:par>
-                                <p:cTn id="29" presetID="1" presetClass="entr" presetSubtype="0" fill="hold" nodeType="withEffect">
-                                  <p:stCondLst>
-                                    <p:cond delay="0"/>
-                                  </p:stCondLst>
-                                  <p:childTnLst>
-                                    <p:set>
-                                      <p:cBhvr>
-                                        <p:cTn id="30" dur="1" fill="hold">
-                                          <p:stCondLst>
-                                            <p:cond delay="0"/>
-                                          </p:stCondLst>
-                                        </p:cTn>
-                                        <p:tgtEl>
-                                          <p:spTgt spid="20"/>
-                                        </p:tgtEl>
-                                        <p:attrNameLst>
-                                          <p:attrName>style.visibility</p:attrName>
-                                        </p:attrNameLst>
-                                      </p:cBhvr>
-                                      <p:to>
-                                        <p:strVal val="visible"/>
-                                      </p:to>
-                                    </p:set>
-                                  </p:childTnLst>
-                                </p:cTn>
-                              </p:par>
-                              <p:par>
-                                <p:cTn id="31" presetID="1" presetClass="entr" presetSubtype="0" fill="hold" nodeType="withEffect">
-                                  <p:stCondLst>
-                                    <p:cond delay="0"/>
-                                  </p:stCondLst>
-                                  <p:childTnLst>
-                                    <p:set>
-                                      <p:cBhvr>
-                                        <p:cTn id="32" dur="1" fill="hold">
-                                          <p:stCondLst>
-                                            <p:cond delay="0"/>
-                                          </p:stCondLst>
-                                        </p:cTn>
-                                        <p:tgtEl>
-                                          <p:spTgt spid="24"/>
-                                        </p:tgtEl>
-                                        <p:attrNameLst>
-                                          <p:attrName>style.visibility</p:attrName>
-                                        </p:attrNameLst>
-                                      </p:cBhvr>
-                                      <p:to>
-                                        <p:strVal val="visible"/>
-                                      </p:to>
-                                    </p:set>
-                                  </p:childTnLst>
-                                </p:cTn>
-                              </p:par>
-                              <p:par>
-                                <p:cTn id="33" presetID="1" presetClass="entr" presetSubtype="0" fill="hold" nodeType="withEffect">
-                                  <p:stCondLst>
-                                    <p:cond delay="0"/>
-                                  </p:stCondLst>
-                                  <p:childTnLst>
-                                    <p:set>
-                                      <p:cBhvr>
-                                        <p:cTn id="34" dur="1" fill="hold">
-                                          <p:stCondLst>
-                                            <p:cond delay="0"/>
-                                          </p:stCondLst>
-                                        </p:cTn>
-                                        <p:tgtEl>
-                                          <p:spTgt spid="25"/>
-                                        </p:tgtEl>
-                                        <p:attrNameLst>
-                                          <p:attrName>style.visibility</p:attrName>
-                                        </p:attrNameLst>
-                                      </p:cBhvr>
-                                      <p:to>
-                                        <p:strVal val="visible"/>
-                                      </p:to>
-                                    </p:set>
-                                  </p:childTnLst>
-                                </p:cTn>
-                              </p:par>
-                              <p:par>
-                                <p:cTn id="35" presetID="1" presetClass="entr" presetSubtype="0" fill="hold" nodeType="withEffect">
-                                  <p:stCondLst>
-                                    <p:cond delay="0"/>
-                                  </p:stCondLst>
-                                  <p:childTnLst>
-                                    <p:set>
-                                      <p:cBhvr>
-                                        <p:cTn id="36" dur="1" fill="hold">
-                                          <p:stCondLst>
-                                            <p:cond delay="0"/>
-                                          </p:stCondLst>
-                                        </p:cTn>
-                                        <p:tgtEl>
-                                          <p:spTgt spid="26"/>
-                                        </p:tgtEl>
-                                        <p:attrNameLst>
-                                          <p:attrName>style.visibility</p:attrName>
-                                        </p:attrNameLst>
-                                      </p:cBhvr>
-                                      <p:to>
-                                        <p:strVal val="visible"/>
-                                      </p:to>
-                                    </p:set>
-                                  </p:childTnLst>
-                                </p:cTn>
-                              </p:par>
-                            </p:childTnLst>
-                          </p:cTn>
-                        </p:par>
-                      </p:childTnLst>
-                    </p:cTn>
-                  </p:par>
-                </p:childTnLst>
-              </p:cTn>
-              <p:prevCondLst>
-                <p:cond evt="onPrev" delay="0">
-                  <p:tgtEl>
-                    <p:sldTgt/>
-                  </p:tgtEl>
-                </p:cond>
-              </p:prevCondLst>
-              <p:nextCondLst>
-                <p:cond evt="onNext" delay="0">
-                  <p:tgtEl>
-                    <p:sldTgt/>
-                  </p:tgtEl>
-                </p:cond>
-              </p:nextCondLst>
-            </p:seq>
-          </p:childTnLst>
-        </p:cTn>
-      </p:par>
-    </p:tnLst>
-    <p:bldLst>
-      <p:bldP spid="497774" grpId="0"/>
-      <p:bldP spid="497775" grpId="0"/>
-      <p:bldP spid="497776" grpId="0"/>
-      <p:bldP spid="497777" grpId="0"/>
-      <p:bldP spid="497778" grpId="0"/>
-      <p:bldP spid="497779" grpId="0" animBg="1"/>
-      <p:bldP spid="497780" grpId="0" animBg="1"/>
-      <p:bldP spid="497781" grpId="0" animBg="1"/>
-      <p:bldP spid="497782" grpId="0" animBg="1"/>
-    </p:bldLst>
-  </p:timing>
-</p:sld>
-</file>
-
-<file path=ppt/slides/slide29.xml><?xml version="1.0" encoding="utf-8"?>
-<p:sld xmlns:a="http://schemas.openxmlformats.org/drawingml/2006/main" xmlns:r="http://schemas.openxmlformats.org/officeDocument/2006/relationships" xmlns:p="http://schemas.openxmlformats.org/presentationml/2006/main">
-  <p:cSld>
-    <p:spTree>
-      <p:nvGrpSpPr>
-        <p:cNvPr id="1" name=""/>
-        <p:cNvGrpSpPr/>
-        <p:nvPr/>
-      </p:nvGrpSpPr>
-      <p:grpSpPr>
-        <a:xfrm>
-          <a:off x="0" y="0"/>
-          <a:ext cx="0" cy="0"/>
-          <a:chOff x="0" y="0"/>
-          <a:chExt cx="0" cy="0"/>
-        </a:xfrm>
-      </p:grpSpPr>
       <p:pic>
         <p:nvPicPr>
           <p:cNvPr id="13318" name="Picture 6" descr="Share icon PNG on Transparent Background 14455886 PNG"/>
@@ -28700,104 +21263,7 @@
 </p:sld>
 </file>
 
-<file path=ppt/slides/slide3.xml><?xml version="1.0" encoding="utf-8"?>
-<p:sld xmlns:a="http://schemas.openxmlformats.org/drawingml/2006/main" xmlns:r="http://schemas.openxmlformats.org/officeDocument/2006/relationships" xmlns:p="http://schemas.openxmlformats.org/presentationml/2006/main">
-  <p:cSld>
-    <p:spTree>
-      <p:nvGrpSpPr>
-        <p:cNvPr id="1" name=""/>
-        <p:cNvGrpSpPr/>
-        <p:nvPr/>
-      </p:nvGrpSpPr>
-      <p:grpSpPr>
-        <a:xfrm>
-          <a:off x="0" y="0"/>
-          <a:ext cx="0" cy="0"/>
-          <a:chOff x="0" y="0"/>
-          <a:chExt cx="0" cy="0"/>
-        </a:xfrm>
-      </p:grpSpPr>
-      <p:pic>
-        <p:nvPicPr>
-          <p:cNvPr id="31746" name="Picture 2" descr="Key | Bandipedia | Fandom"/>
-          <p:cNvPicPr>
-            <a:picLocks noChangeAspect="1" noChangeArrowheads="1"/>
-          </p:cNvPicPr>
-          <p:nvPr/>
-        </p:nvPicPr>
-        <p:blipFill>
-          <a:blip r:embed="rId2" cstate="print"/>
-          <a:srcRect/>
-          <a:stretch>
-            <a:fillRect/>
-          </a:stretch>
-        </p:blipFill>
-        <p:spPr bwMode="auto">
-          <a:xfrm>
-            <a:off x="4724400" y="1143000"/>
-            <a:ext cx="2743200" cy="2899955"/>
-          </a:xfrm>
-          <a:prstGeom prst="rect">
-            <a:avLst/>
-          </a:prstGeom>
-          <a:noFill/>
-        </p:spPr>
-      </p:pic>
-      <p:sp>
-        <p:nvSpPr>
-          <p:cNvPr id="4" name="Заглавие 3">
-            <a:extLst>
-              <a:ext uri="{FF2B5EF4-FFF2-40B4-BE49-F238E27FC236}">
-                <a16:creationId xmlns:a16="http://schemas.microsoft.com/office/drawing/2014/main" id="{75016D31-012C-ECAC-F463-E3E8C0294A0B}"/>
-              </a:ext>
-            </a:extLst>
-          </p:cNvPr>
-          <p:cNvSpPr>
-            <a:spLocks noGrp="1"/>
-          </p:cNvSpPr>
-          <p:nvPr>
-            <p:ph type="title" sz="quarter" idx="10"/>
-          </p:nvPr>
-        </p:nvSpPr>
-        <p:spPr>
-          <a:xfrm>
-            <a:off x="615108" y="4869000"/>
-            <a:ext cx="10961783" cy="768084"/>
-          </a:xfrm>
-        </p:spPr>
-        <p:txBody>
-          <a:bodyPr/>
-          <a:lstStyle/>
-          <a:p>
-            <a:r>
-              <a:rPr lang="bg-BG" dirty="0"/>
-              <a:t>Видове връзки</a:t>
-            </a:r>
-          </a:p>
-        </p:txBody>
-      </p:sp>
-    </p:spTree>
-    <p:extLst>
-      <p:ext uri="{BB962C8B-B14F-4D97-AF65-F5344CB8AC3E}">
-        <p14:creationId xmlns:p14="http://schemas.microsoft.com/office/powerpoint/2010/main" val="157698342"/>
-      </p:ext>
-    </p:extLst>
-  </p:cSld>
-  <p:clrMapOvr>
-    <a:masterClrMapping/>
-  </p:clrMapOvr>
-  <mc:AlternateContent xmlns:mc="http://schemas.openxmlformats.org/markup-compatibility/2006" xmlns:p14="http://schemas.microsoft.com/office/powerpoint/2010/main">
-    <mc:Choice Requires="p14">
-      <p:transition spd="slow" p14:dur="2000" advClick="0" advTm="5000"/>
-    </mc:Choice>
-    <mc:Fallback xmlns="">
-      <p:transition spd="slow" advClick="0" advTm="5000"/>
-    </mc:Fallback>
-  </mc:AlternateContent>
-</p:sld>
-</file>
-
-<file path=ppt/slides/slide30.xml><?xml version="1.0" encoding="utf-8"?>
+<file path=ppt/slides/slide27.xml><?xml version="1.0" encoding="utf-8"?>
 <p:sld xmlns:a="http://schemas.openxmlformats.org/drawingml/2006/main" xmlns:r="http://schemas.openxmlformats.org/officeDocument/2006/relationships" xmlns:p="http://schemas.openxmlformats.org/presentationml/2006/main">
   <p:cSld>
     <p:spTree>
@@ -29037,7 +21503,7 @@
             <a:fld id="{2BF067CD-8E6B-4360-9AA8-C5DF2A48A6D1}" type="slidenum">
               <a:rPr lang="en-US" noProof="0" smtClean="0"/>
               <a:pPr/>
-              <a:t>30</a:t>
+              <a:t>27</a:t>
             </a:fld>
             <a:endParaRPr lang="en-US" noProof="0" dirty="0"/>
           </a:p>
@@ -29332,7 +21798,7 @@
 </p:sld>
 </file>
 
-<file path=ppt/slides/slide31.xml><?xml version="1.0" encoding="utf-8"?>
+<file path=ppt/slides/slide28.xml><?xml version="1.0" encoding="utf-8"?>
 <p:sld xmlns:a="http://schemas.openxmlformats.org/drawingml/2006/main" xmlns:r="http://schemas.openxmlformats.org/officeDocument/2006/relationships" xmlns:p="http://schemas.openxmlformats.org/presentationml/2006/main">
   <p:cSld>
     <p:spTree>
@@ -29621,7 +22087,7 @@
             <a:fld id="{2BF067CD-8E6B-4360-9AA8-C5DF2A48A6D1}" type="slidenum">
               <a:rPr lang="en-US" noProof="0" smtClean="0"/>
               <a:pPr/>
-              <a:t>31</a:t>
+              <a:t>28</a:t>
             </a:fld>
             <a:endParaRPr lang="en-US" noProof="0" dirty="0"/>
           </a:p>
@@ -29874,7 +22340,7 @@
 </p:sld>
 </file>
 
-<file path=ppt/slides/slide32.xml><?xml version="1.0" encoding="utf-8"?>
+<file path=ppt/slides/slide29.xml><?xml version="1.0" encoding="utf-8"?>
 <p:sld xmlns:a="http://schemas.openxmlformats.org/drawingml/2006/main" xmlns:r="http://schemas.openxmlformats.org/officeDocument/2006/relationships" xmlns:p="http://schemas.openxmlformats.org/presentationml/2006/main">
   <p:cSld>
     <p:spTree>
@@ -29989,7 +22455,7 @@
             <a:fld id="{2BF067CD-8E6B-4360-9AA8-C5DF2A48A6D1}" type="slidenum">
               <a:rPr lang="en-US" noProof="0" smtClean="0"/>
               <a:pPr/>
-              <a:t>32</a:t>
+              <a:t>29</a:t>
             </a:fld>
             <a:endParaRPr lang="en-US" noProof="0" dirty="0"/>
           </a:p>
@@ -30009,7 +22475,104 @@
 </p:sld>
 </file>
 
-<file path=ppt/slides/slide33.xml><?xml version="1.0" encoding="utf-8"?>
+<file path=ppt/slides/slide3.xml><?xml version="1.0" encoding="utf-8"?>
+<p:sld xmlns:a="http://schemas.openxmlformats.org/drawingml/2006/main" xmlns:r="http://schemas.openxmlformats.org/officeDocument/2006/relationships" xmlns:p="http://schemas.openxmlformats.org/presentationml/2006/main">
+  <p:cSld>
+    <p:spTree>
+      <p:nvGrpSpPr>
+        <p:cNvPr id="1" name=""/>
+        <p:cNvGrpSpPr/>
+        <p:nvPr/>
+      </p:nvGrpSpPr>
+      <p:grpSpPr>
+        <a:xfrm>
+          <a:off x="0" y="0"/>
+          <a:ext cx="0" cy="0"/>
+          <a:chOff x="0" y="0"/>
+          <a:chExt cx="0" cy="0"/>
+        </a:xfrm>
+      </p:grpSpPr>
+      <p:pic>
+        <p:nvPicPr>
+          <p:cNvPr id="31746" name="Picture 2" descr="Key | Bandipedia | Fandom"/>
+          <p:cNvPicPr>
+            <a:picLocks noChangeAspect="1" noChangeArrowheads="1"/>
+          </p:cNvPicPr>
+          <p:nvPr/>
+        </p:nvPicPr>
+        <p:blipFill>
+          <a:blip r:embed="rId2" cstate="print"/>
+          <a:srcRect/>
+          <a:stretch>
+            <a:fillRect/>
+          </a:stretch>
+        </p:blipFill>
+        <p:spPr bwMode="auto">
+          <a:xfrm>
+            <a:off x="4724400" y="1143000"/>
+            <a:ext cx="2743200" cy="2899955"/>
+          </a:xfrm>
+          <a:prstGeom prst="rect">
+            <a:avLst/>
+          </a:prstGeom>
+          <a:noFill/>
+        </p:spPr>
+      </p:pic>
+      <p:sp>
+        <p:nvSpPr>
+          <p:cNvPr id="4" name="Заглавие 3">
+            <a:extLst>
+              <a:ext uri="{FF2B5EF4-FFF2-40B4-BE49-F238E27FC236}">
+                <a16:creationId xmlns:a16="http://schemas.microsoft.com/office/drawing/2014/main" id="{75016D31-012C-ECAC-F463-E3E8C0294A0B}"/>
+              </a:ext>
+            </a:extLst>
+          </p:cNvPr>
+          <p:cNvSpPr>
+            <a:spLocks noGrp="1"/>
+          </p:cNvSpPr>
+          <p:nvPr>
+            <p:ph type="title" sz="quarter" idx="10"/>
+          </p:nvPr>
+        </p:nvSpPr>
+        <p:spPr>
+          <a:xfrm>
+            <a:off x="615108" y="4869000"/>
+            <a:ext cx="10961783" cy="768084"/>
+          </a:xfrm>
+        </p:spPr>
+        <p:txBody>
+          <a:bodyPr/>
+          <a:lstStyle/>
+          <a:p>
+            <a:r>
+              <a:rPr lang="bg-BG" dirty="0"/>
+              <a:t>Видове връзки</a:t>
+            </a:r>
+          </a:p>
+        </p:txBody>
+      </p:sp>
+    </p:spTree>
+    <p:extLst>
+      <p:ext uri="{BB962C8B-B14F-4D97-AF65-F5344CB8AC3E}">
+        <p14:creationId xmlns:p14="http://schemas.microsoft.com/office/powerpoint/2010/main" val="157698342"/>
+      </p:ext>
+    </p:extLst>
+  </p:cSld>
+  <p:clrMapOvr>
+    <a:masterClrMapping/>
+  </p:clrMapOvr>
+  <mc:AlternateContent xmlns:mc="http://schemas.openxmlformats.org/markup-compatibility/2006" xmlns:p14="http://schemas.microsoft.com/office/powerpoint/2010/main">
+    <mc:Choice Requires="p14">
+      <p:transition spd="slow" p14:dur="2000" advClick="0" advTm="5000"/>
+    </mc:Choice>
+    <mc:Fallback xmlns="">
+      <p:transition spd="slow" advClick="0" advTm="5000"/>
+    </mc:Fallback>
+  </mc:AlternateContent>
+</p:sld>
+</file>
+
+<file path=ppt/slides/slide30.xml><?xml version="1.0" encoding="utf-8"?>
 <p:sld xmlns:a="http://schemas.openxmlformats.org/drawingml/2006/main" xmlns:r="http://schemas.openxmlformats.org/officeDocument/2006/relationships" xmlns:p="http://schemas.openxmlformats.org/presentationml/2006/main">
   <p:cSld>
     <p:spTree>
@@ -30050,7 +22613,7 @@
             <a:fld id="{2BF067CD-8E6B-4360-9AA8-C5DF2A48A6D1}" type="slidenum">
               <a:rPr lang="en-US" noProof="0" smtClean="0"/>
               <a:pPr/>
-              <a:t>33</a:t>
+              <a:t>30</a:t>
             </a:fld>
             <a:endParaRPr lang="en-US" noProof="0" dirty="0"/>
           </a:p>
@@ -30356,7 +22919,7 @@
 </p:sld>
 </file>
 
-<file path=ppt/slides/slide34.xml><?xml version="1.0" encoding="utf-8"?>
+<file path=ppt/slides/slide31.xml><?xml version="1.0" encoding="utf-8"?>
 <p:sld xmlns:a="http://schemas.openxmlformats.org/drawingml/2006/main" xmlns:r="http://schemas.openxmlformats.org/officeDocument/2006/relationships" xmlns:p="http://schemas.openxmlformats.org/presentationml/2006/main">
   <p:cSld>
     <p:spTree>
@@ -30397,7 +22960,7 @@
             <a:fld id="{2BF067CD-8E6B-4360-9AA8-C5DF2A48A6D1}" type="slidenum">
               <a:rPr lang="en-US" noProof="0" smtClean="0"/>
               <a:pPr/>
-              <a:t>34</a:t>
+              <a:t>31</a:t>
             </a:fld>
             <a:endParaRPr lang="en-US" noProof="0" dirty="0"/>
           </a:p>
@@ -30579,7 +23142,7 @@
 </p:sld>
 </file>
 
-<file path=ppt/slides/slide35.xml><?xml version="1.0" encoding="utf-8"?>
+<file path=ppt/slides/slide32.xml><?xml version="1.0" encoding="utf-8"?>
 <p:sld xmlns:a="http://schemas.openxmlformats.org/drawingml/2006/main" xmlns:r="http://schemas.openxmlformats.org/officeDocument/2006/relationships" xmlns:p="http://schemas.openxmlformats.org/presentationml/2006/main">
   <p:cSld>
     <p:spTree>
@@ -30620,7 +23183,7 @@
             <a:fld id="{2BF067CD-8E6B-4360-9AA8-C5DF2A48A6D1}" type="slidenum">
               <a:rPr lang="en-US" noProof="0" smtClean="0"/>
               <a:pPr/>
-              <a:t>35</a:t>
+              <a:t>32</a:t>
             </a:fld>
             <a:endParaRPr lang="en-US" noProof="0" dirty="0"/>
           </a:p>
@@ -30787,7 +23350,7 @@
 </p:sld>
 </file>
 
-<file path=ppt/slides/slide36.xml><?xml version="1.0" encoding="utf-8"?>
+<file path=ppt/slides/slide33.xml><?xml version="1.0" encoding="utf-8"?>
 <p:sld xmlns:a="http://schemas.openxmlformats.org/drawingml/2006/main" xmlns:r="http://schemas.openxmlformats.org/officeDocument/2006/relationships" xmlns:p="http://schemas.openxmlformats.org/presentationml/2006/main">
   <p:cSld>
     <p:spTree>
@@ -31555,7 +24118,7 @@
             <a:fld id="{2BF067CD-8E6B-4360-9AA8-C5DF2A48A6D1}" type="slidenum">
               <a:rPr lang="en-US" noProof="0" smtClean="0"/>
               <a:pPr/>
-              <a:t>36</a:t>
+              <a:t>33</a:t>
             </a:fld>
             <a:endParaRPr lang="en-US" noProof="0" dirty="0"/>
           </a:p>
@@ -32053,7 +24616,7 @@
 </p:sld>
 </file>
 
-<file path=ppt/slides/slide37.xml><?xml version="1.0" encoding="utf-8"?>
+<file path=ppt/slides/slide34.xml><?xml version="1.0" encoding="utf-8"?>
 <p:sld xmlns:a="http://schemas.openxmlformats.org/drawingml/2006/main" xmlns:r="http://schemas.openxmlformats.org/officeDocument/2006/relationships" xmlns:p="http://schemas.openxmlformats.org/presentationml/2006/main">
   <p:cSld>
     <p:spTree>
@@ -32243,7 +24806,7 @@
 </p:sld>
 </file>
 
-<file path=ppt/slides/slide38.xml><?xml version="1.0" encoding="utf-8"?>
+<file path=ppt/slides/slide35.xml><?xml version="1.0" encoding="utf-8"?>
 <p:sld xmlns:a="http://schemas.openxmlformats.org/drawingml/2006/main" xmlns:r="http://schemas.openxmlformats.org/officeDocument/2006/relationships" xmlns:p="http://schemas.openxmlformats.org/presentationml/2006/main">
   <p:cSld>
     <p:spTree>
@@ -32599,7 +25162,7 @@
             <a:fld id="{2BF067CD-8E6B-4360-9AA8-C5DF2A48A6D1}" type="slidenum">
               <a:rPr lang="en-US" noProof="0" smtClean="0"/>
               <a:pPr/>
-              <a:t>38</a:t>
+              <a:t>35</a:t>
             </a:fld>
             <a:endParaRPr lang="en-US" noProof="0" dirty="0"/>
           </a:p>

--- a/Courses/Software-Sciences/Module-3-Databases-New/08-Relationships-and-ER-Diagrams/08-Relationships-ER-Diagrams.pptx
+++ b/Courses/Software-Sciences/Module-3-Databases-New/08-Relationships-and-ER-Diagrams/08-Relationships-ER-Diagrams.pptx
@@ -21331,8 +21331,8 @@
               <a:t>)</a:t>
             </a:r>
             <a:r>
-              <a:rPr lang="en-US" dirty="0"/>
-              <a:t>== </a:t>
+              <a:rPr lang="en-US"/>
+              <a:t> == </a:t>
             </a:r>
             <a:r>
               <a:rPr lang="bg-BG" dirty="0">
